--- a/ArduinoWorkshop1.pptx
+++ b/ArduinoWorkshop1.pptx
@@ -6,35 +6,42 @@
   </p:sldMasterIdLst>
   <p:sldIdLst>
     <p:sldId id="256" r:id="rId2"/>
-    <p:sldId id="258" r:id="rId3"/>
-    <p:sldId id="259" r:id="rId4"/>
-    <p:sldId id="257" r:id="rId5"/>
-    <p:sldId id="260" r:id="rId6"/>
-    <p:sldId id="261" r:id="rId7"/>
-    <p:sldId id="262" r:id="rId8"/>
-    <p:sldId id="264" r:id="rId9"/>
-    <p:sldId id="263" r:id="rId10"/>
-    <p:sldId id="265" r:id="rId11"/>
-    <p:sldId id="269" r:id="rId12"/>
-    <p:sldId id="266" r:id="rId13"/>
-    <p:sldId id="267" r:id="rId14"/>
-    <p:sldId id="268" r:id="rId15"/>
-    <p:sldId id="271" r:id="rId16"/>
-    <p:sldId id="279" r:id="rId17"/>
-    <p:sldId id="270" r:id="rId18"/>
-    <p:sldId id="274" r:id="rId19"/>
-    <p:sldId id="272" r:id="rId20"/>
-    <p:sldId id="273" r:id="rId21"/>
-    <p:sldId id="275" r:id="rId22"/>
-    <p:sldId id="277" r:id="rId23"/>
-    <p:sldId id="276" r:id="rId24"/>
-    <p:sldId id="278" r:id="rId25"/>
-    <p:sldId id="280" r:id="rId26"/>
-    <p:sldId id="281" r:id="rId27"/>
-    <p:sldId id="282" r:id="rId28"/>
-    <p:sldId id="283" r:id="rId29"/>
-    <p:sldId id="285" r:id="rId30"/>
-    <p:sldId id="284" r:id="rId31"/>
+    <p:sldId id="287" r:id="rId3"/>
+    <p:sldId id="292" r:id="rId4"/>
+    <p:sldId id="258" r:id="rId5"/>
+    <p:sldId id="286" r:id="rId6"/>
+    <p:sldId id="259" r:id="rId7"/>
+    <p:sldId id="257" r:id="rId8"/>
+    <p:sldId id="260" r:id="rId9"/>
+    <p:sldId id="261" r:id="rId10"/>
+    <p:sldId id="262" r:id="rId11"/>
+    <p:sldId id="264" r:id="rId12"/>
+    <p:sldId id="263" r:id="rId13"/>
+    <p:sldId id="265" r:id="rId14"/>
+    <p:sldId id="269" r:id="rId15"/>
+    <p:sldId id="266" r:id="rId16"/>
+    <p:sldId id="267" r:id="rId17"/>
+    <p:sldId id="268" r:id="rId18"/>
+    <p:sldId id="271" r:id="rId19"/>
+    <p:sldId id="279" r:id="rId20"/>
+    <p:sldId id="270" r:id="rId21"/>
+    <p:sldId id="274" r:id="rId22"/>
+    <p:sldId id="272" r:id="rId23"/>
+    <p:sldId id="273" r:id="rId24"/>
+    <p:sldId id="275" r:id="rId25"/>
+    <p:sldId id="277" r:id="rId26"/>
+    <p:sldId id="276" r:id="rId27"/>
+    <p:sldId id="278" r:id="rId28"/>
+    <p:sldId id="280" r:id="rId29"/>
+    <p:sldId id="281" r:id="rId30"/>
+    <p:sldId id="282" r:id="rId31"/>
+    <p:sldId id="290" r:id="rId32"/>
+    <p:sldId id="283" r:id="rId33"/>
+    <p:sldId id="288" r:id="rId34"/>
+    <p:sldId id="291" r:id="rId35"/>
+    <p:sldId id="289" r:id="rId36"/>
+    <p:sldId id="285" r:id="rId37"/>
+    <p:sldId id="284" r:id="rId38"/>
   </p:sldIdLst>
   <p:sldSz cx="9144000" cy="6858000" type="screen4x3"/>
   <p:notesSz cx="6858000" cy="9144000"/>
@@ -317,7 +324,7 @@
           <a:p>
             <a:fld id="{D0B4F1CB-6B57-EC4D-8BF2-94285296537A}" type="datetimeFigureOut">
               <a:rPr lang="en-US" smtClean="0"/>
-              <a:t>7/4/14</a:t>
+              <a:t>7/6/14</a:t>
             </a:fld>
             <a:endParaRPr lang="en-US"/>
           </a:p>
@@ -487,7 +494,7 @@
           <a:p>
             <a:fld id="{D0B4F1CB-6B57-EC4D-8BF2-94285296537A}" type="datetimeFigureOut">
               <a:rPr lang="en-US" smtClean="0"/>
-              <a:t>7/4/14</a:t>
+              <a:t>7/6/14</a:t>
             </a:fld>
             <a:endParaRPr lang="en-US"/>
           </a:p>
@@ -667,7 +674,7 @@
           <a:p>
             <a:fld id="{D0B4F1CB-6B57-EC4D-8BF2-94285296537A}" type="datetimeFigureOut">
               <a:rPr lang="en-US" smtClean="0"/>
-              <a:t>7/4/14</a:t>
+              <a:t>7/6/14</a:t>
             </a:fld>
             <a:endParaRPr lang="en-US"/>
           </a:p>
@@ -837,7 +844,7 @@
           <a:p>
             <a:fld id="{D0B4F1CB-6B57-EC4D-8BF2-94285296537A}" type="datetimeFigureOut">
               <a:rPr lang="en-US" smtClean="0"/>
-              <a:t>7/4/14</a:t>
+              <a:t>7/6/14</a:t>
             </a:fld>
             <a:endParaRPr lang="en-US"/>
           </a:p>
@@ -1083,7 +1090,7 @@
           <a:p>
             <a:fld id="{D0B4F1CB-6B57-EC4D-8BF2-94285296537A}" type="datetimeFigureOut">
               <a:rPr lang="en-US" smtClean="0"/>
-              <a:t>7/4/14</a:t>
+              <a:t>7/6/14</a:t>
             </a:fld>
             <a:endParaRPr lang="en-US"/>
           </a:p>
@@ -1371,7 +1378,7 @@
           <a:p>
             <a:fld id="{D0B4F1CB-6B57-EC4D-8BF2-94285296537A}" type="datetimeFigureOut">
               <a:rPr lang="en-US" smtClean="0"/>
-              <a:t>7/4/14</a:t>
+              <a:t>7/6/14</a:t>
             </a:fld>
             <a:endParaRPr lang="en-US"/>
           </a:p>
@@ -1793,7 +1800,7 @@
           <a:p>
             <a:fld id="{D0B4F1CB-6B57-EC4D-8BF2-94285296537A}" type="datetimeFigureOut">
               <a:rPr lang="en-US" smtClean="0"/>
-              <a:t>7/4/14</a:t>
+              <a:t>7/6/14</a:t>
             </a:fld>
             <a:endParaRPr lang="en-US"/>
           </a:p>
@@ -1911,7 +1918,7 @@
           <a:p>
             <a:fld id="{D0B4F1CB-6B57-EC4D-8BF2-94285296537A}" type="datetimeFigureOut">
               <a:rPr lang="en-US" smtClean="0"/>
-              <a:t>7/4/14</a:t>
+              <a:t>7/6/14</a:t>
             </a:fld>
             <a:endParaRPr lang="en-US"/>
           </a:p>
@@ -2006,7 +2013,7 @@
           <a:p>
             <a:fld id="{D0B4F1CB-6B57-EC4D-8BF2-94285296537A}" type="datetimeFigureOut">
               <a:rPr lang="en-US" smtClean="0"/>
-              <a:t>7/4/14</a:t>
+              <a:t>7/6/14</a:t>
             </a:fld>
             <a:endParaRPr lang="en-US"/>
           </a:p>
@@ -2283,7 +2290,7 @@
           <a:p>
             <a:fld id="{D0B4F1CB-6B57-EC4D-8BF2-94285296537A}" type="datetimeFigureOut">
               <a:rPr lang="en-US" smtClean="0"/>
-              <a:t>7/4/14</a:t>
+              <a:t>7/6/14</a:t>
             </a:fld>
             <a:endParaRPr lang="en-US"/>
           </a:p>
@@ -2536,7 +2543,7 @@
           <a:p>
             <a:fld id="{D0B4F1CB-6B57-EC4D-8BF2-94285296537A}" type="datetimeFigureOut">
               <a:rPr lang="en-US" smtClean="0"/>
-              <a:t>7/4/14</a:t>
+              <a:t>7/6/14</a:t>
             </a:fld>
             <a:endParaRPr lang="en-US"/>
           </a:p>
@@ -2749,7 +2756,7 @@
           <a:p>
             <a:fld id="{D0B4F1CB-6B57-EC4D-8BF2-94285296537A}" type="datetimeFigureOut">
               <a:rPr lang="en-US" smtClean="0"/>
-              <a:t>7/4/14</a:t>
+              <a:t>7/6/14</a:t>
             </a:fld>
             <a:endParaRPr lang="en-US"/>
           </a:p>
@@ -3236,56 +3243,41 @@
           <a:p>
             <a:r>
               <a:rPr lang="en-US" dirty="0" smtClean="0"/>
-              <a:t>Practice 1 (2 minutes)</a:t>
+              <a:t>Breadboard Power rails</a:t>
             </a:r>
             <a:endParaRPr lang="en-US" dirty="0"/>
           </a:p>
         </p:txBody>
       </p:sp>
-      <p:sp>
-        <p:nvSpPr>
-          <p:cNvPr id="3" name="Content Placeholder 2"/>
-          <p:cNvSpPr>
-            <a:spLocks noGrp="1"/>
-          </p:cNvSpPr>
+      <p:pic>
+        <p:nvPicPr>
+          <p:cNvPr id="6" name="Content Placeholder 5" descr="518c0b34ce395fea62000002.jpg"/>
+          <p:cNvPicPr>
+            <a:picLocks noGrp="1" noChangeAspect="1"/>
+          </p:cNvPicPr>
           <p:nvPr>
             <p:ph idx="1"/>
           </p:nvPr>
-        </p:nvSpPr>
-        <p:spPr/>
-        <p:txBody>
-          <a:bodyPr/>
-          <a:lstStyle/>
-          <a:p>
-            <a:r>
-              <a:rPr lang="en-US" dirty="0" smtClean="0"/>
-              <a:t>Take 1 Jumper wire and practice inserting and removing into/from one slot.</a:t>
-            </a:r>
-          </a:p>
-          <a:p>
-            <a:endParaRPr lang="en-US" dirty="0"/>
-          </a:p>
-          <a:p>
-            <a:r>
-              <a:rPr lang="en-US" dirty="0" smtClean="0"/>
-              <a:t>Take 1 Resistor and practice inserting and removing </a:t>
-            </a:r>
-            <a:r>
-              <a:rPr lang="en-US" dirty="0"/>
-              <a:t>into/from one slot</a:t>
-            </a:r>
-            <a:r>
-              <a:rPr lang="en-US" dirty="0" smtClean="0"/>
-              <a:t>.</a:t>
-            </a:r>
-            <a:endParaRPr lang="en-US" dirty="0"/>
-          </a:p>
-        </p:txBody>
-      </p:sp>
+        </p:nvPicPr>
+        <p:blipFill>
+          <a:blip r:embed="rId2">
+            <a:extLst>
+              <a:ext uri="{28A0092B-C50C-407E-A947-70E740481C1C}">
+                <a14:useLocalDpi xmlns:a14="http://schemas.microsoft.com/office/drawing/2010/main" val="0"/>
+              </a:ext>
+            </a:extLst>
+          </a:blip>
+          <a:srcRect t="8856" b="8856"/>
+          <a:stretch>
+            <a:fillRect/>
+          </a:stretch>
+        </p:blipFill>
+        <p:spPr/>
+      </p:pic>
     </p:spTree>
     <p:extLst>
       <p:ext uri="{BB962C8B-B14F-4D97-AF65-F5344CB8AC3E}">
-        <p14:creationId xmlns:p14="http://schemas.microsoft.com/office/powerpoint/2010/main" val="2786385698"/>
+        <p14:creationId xmlns:p14="http://schemas.microsoft.com/office/powerpoint/2010/main" val="3761373064"/>
       </p:ext>
     </p:extLst>
   </p:cSld>
@@ -3324,73 +3316,48 @@
         </p:nvSpPr>
         <p:spPr/>
         <p:txBody>
-          <a:bodyPr/>
-          <a:lstStyle/>
-          <a:p>
-            <a:r>
-              <a:rPr lang="en-US" dirty="0" smtClean="0"/>
-              <a:t>Resistor</a:t>
+          <a:bodyPr>
+            <a:normAutofit fontScale="90000"/>
+          </a:bodyPr>
+          <a:lstStyle/>
+          <a:p>
+            <a:r>
+              <a:rPr lang="en-US" dirty="0" smtClean="0"/>
+              <a:t>Breadboard Rows, Columns, IC ravine</a:t>
             </a:r>
             <a:endParaRPr lang="en-US" dirty="0"/>
           </a:p>
         </p:txBody>
       </p:sp>
-      <p:sp>
-        <p:nvSpPr>
-          <p:cNvPr id="3" name="Content Placeholder 2"/>
-          <p:cNvSpPr>
-            <a:spLocks noGrp="1"/>
-          </p:cNvSpPr>
+      <p:pic>
+        <p:nvPicPr>
+          <p:cNvPr id="4" name="Content Placeholder 3" descr="BreadboardRowsColumns.jpg"/>
+          <p:cNvPicPr>
+            <a:picLocks noGrp="1" noChangeAspect="1"/>
+          </p:cNvPicPr>
           <p:nvPr>
             <p:ph idx="1"/>
           </p:nvPr>
-        </p:nvSpPr>
-        <p:spPr/>
-        <p:txBody>
-          <a:bodyPr/>
-          <a:lstStyle/>
-          <a:p>
-            <a:endParaRPr lang="en-US" dirty="0" smtClean="0"/>
-          </a:p>
-          <a:p>
-            <a:r>
-              <a:rPr lang="en-US" dirty="0" smtClean="0"/>
-              <a:t>A Resistor resists the flow of electrical current.</a:t>
-            </a:r>
-          </a:p>
-          <a:p>
-            <a:endParaRPr lang="en-US" dirty="0"/>
-          </a:p>
-          <a:p>
-            <a:r>
-              <a:rPr lang="en-US" dirty="0" smtClean="0"/>
-              <a:t>Resistance is measured in Ohms.</a:t>
-            </a:r>
-          </a:p>
-          <a:p>
-            <a:endParaRPr lang="en-US" dirty="0"/>
-          </a:p>
-          <a:p>
-            <a:r>
-              <a:rPr lang="en-US" dirty="0" smtClean="0"/>
-              <a:t>Analogy: Water flowing through a thin pipe </a:t>
-            </a:r>
-            <a:r>
-              <a:rPr lang="en-US" dirty="0" err="1" smtClean="0"/>
-              <a:t>vs</a:t>
-            </a:r>
-            <a:r>
-              <a:rPr lang="en-US" dirty="0" smtClean="0"/>
-              <a:t> large pipe</a:t>
-            </a:r>
-            <a:endParaRPr lang="en-US" dirty="0"/>
-          </a:p>
-        </p:txBody>
-      </p:sp>
+        </p:nvPicPr>
+        <p:blipFill>
+          <a:blip r:embed="rId2">
+            <a:extLst>
+              <a:ext uri="{28A0092B-C50C-407E-A947-70E740481C1C}">
+                <a14:useLocalDpi xmlns:a14="http://schemas.microsoft.com/office/drawing/2010/main" val="0"/>
+              </a:ext>
+            </a:extLst>
+          </a:blip>
+          <a:srcRect t="8753" b="8753"/>
+          <a:stretch>
+            <a:fillRect/>
+          </a:stretch>
+        </p:blipFill>
+        <p:spPr/>
+      </p:pic>
     </p:spTree>
     <p:extLst>
       <p:ext uri="{BB962C8B-B14F-4D97-AF65-F5344CB8AC3E}">
-        <p14:creationId xmlns:p14="http://schemas.microsoft.com/office/powerpoint/2010/main" val="1138920437"/>
+        <p14:creationId xmlns:p14="http://schemas.microsoft.com/office/powerpoint/2010/main" val="3210256302"/>
       </p:ext>
     </p:extLst>
   </p:cSld>
@@ -3434,6 +3401,282 @@
           <a:p>
             <a:r>
               <a:rPr lang="en-US" dirty="0" smtClean="0"/>
+              <a:t>Breadboard clips</a:t>
+            </a:r>
+            <a:endParaRPr lang="en-US" dirty="0"/>
+          </a:p>
+        </p:txBody>
+      </p:sp>
+      <p:pic>
+        <p:nvPicPr>
+          <p:cNvPr id="4" name="Content Placeholder 3" descr="513a1dfbce395fe624000001.JPG"/>
+          <p:cNvPicPr>
+            <a:picLocks noGrp="1" noChangeAspect="1"/>
+          </p:cNvPicPr>
+          <p:nvPr>
+            <p:ph idx="1"/>
+          </p:nvPr>
+        </p:nvPicPr>
+        <p:blipFill>
+          <a:blip r:embed="rId2">
+            <a:extLst>
+              <a:ext uri="{28A0092B-C50C-407E-A947-70E740481C1C}">
+                <a14:useLocalDpi xmlns:a14="http://schemas.microsoft.com/office/drawing/2010/main" val="0"/>
+              </a:ext>
+            </a:extLst>
+          </a:blip>
+          <a:srcRect t="8856" b="8856"/>
+          <a:stretch>
+            <a:fillRect/>
+          </a:stretch>
+        </p:blipFill>
+        <p:spPr/>
+      </p:pic>
+    </p:spTree>
+    <p:extLst>
+      <p:ext uri="{BB962C8B-B14F-4D97-AF65-F5344CB8AC3E}">
+        <p14:creationId xmlns:p14="http://schemas.microsoft.com/office/powerpoint/2010/main" val="3620635161"/>
+      </p:ext>
+    </p:extLst>
+  </p:cSld>
+  <p:clrMapOvr>
+    <a:masterClrMapping/>
+  </p:clrMapOvr>
+</p:sld>
+</file>
+
+<file path=ppt/slides/slide13.xml><?xml version="1.0" encoding="utf-8"?>
+<p:sld xmlns:a="http://schemas.openxmlformats.org/drawingml/2006/main" xmlns:r="http://schemas.openxmlformats.org/officeDocument/2006/relationships" xmlns:p="http://schemas.openxmlformats.org/presentationml/2006/main">
+  <p:cSld>
+    <p:spTree>
+      <p:nvGrpSpPr>
+        <p:cNvPr id="1" name=""/>
+        <p:cNvGrpSpPr/>
+        <p:nvPr/>
+      </p:nvGrpSpPr>
+      <p:grpSpPr>
+        <a:xfrm>
+          <a:off x="0" y="0"/>
+          <a:ext cx="0" cy="0"/>
+          <a:chOff x="0" y="0"/>
+          <a:chExt cx="0" cy="0"/>
+        </a:xfrm>
+      </p:grpSpPr>
+      <p:sp>
+        <p:nvSpPr>
+          <p:cNvPr id="2" name="Title 1"/>
+          <p:cNvSpPr>
+            <a:spLocks noGrp="1"/>
+          </p:cNvSpPr>
+          <p:nvPr>
+            <p:ph type="title"/>
+          </p:nvPr>
+        </p:nvSpPr>
+        <p:spPr/>
+        <p:txBody>
+          <a:bodyPr/>
+          <a:lstStyle/>
+          <a:p>
+            <a:r>
+              <a:rPr lang="en-US" dirty="0" smtClean="0"/>
+              <a:t>Practice 1 (2 minutes)</a:t>
+            </a:r>
+            <a:endParaRPr lang="en-US" dirty="0"/>
+          </a:p>
+        </p:txBody>
+      </p:sp>
+      <p:sp>
+        <p:nvSpPr>
+          <p:cNvPr id="3" name="Content Placeholder 2"/>
+          <p:cNvSpPr>
+            <a:spLocks noGrp="1"/>
+          </p:cNvSpPr>
+          <p:nvPr>
+            <p:ph idx="1"/>
+          </p:nvPr>
+        </p:nvSpPr>
+        <p:spPr/>
+        <p:txBody>
+          <a:bodyPr/>
+          <a:lstStyle/>
+          <a:p>
+            <a:r>
+              <a:rPr lang="en-US" dirty="0" smtClean="0"/>
+              <a:t>Take 1 Jumper wire and practice inserting and removing into/from one slot.</a:t>
+            </a:r>
+          </a:p>
+          <a:p>
+            <a:endParaRPr lang="en-US" dirty="0"/>
+          </a:p>
+          <a:p>
+            <a:r>
+              <a:rPr lang="en-US" dirty="0" smtClean="0"/>
+              <a:t>Take 1 Resistor and practice inserting and removing </a:t>
+            </a:r>
+            <a:r>
+              <a:rPr lang="en-US" dirty="0"/>
+              <a:t>into/from one slot</a:t>
+            </a:r>
+            <a:r>
+              <a:rPr lang="en-US" dirty="0" smtClean="0"/>
+              <a:t>.</a:t>
+            </a:r>
+            <a:endParaRPr lang="en-US" dirty="0"/>
+          </a:p>
+        </p:txBody>
+      </p:sp>
+    </p:spTree>
+    <p:extLst>
+      <p:ext uri="{BB962C8B-B14F-4D97-AF65-F5344CB8AC3E}">
+        <p14:creationId xmlns:p14="http://schemas.microsoft.com/office/powerpoint/2010/main" val="2786385698"/>
+      </p:ext>
+    </p:extLst>
+  </p:cSld>
+  <p:clrMapOvr>
+    <a:masterClrMapping/>
+  </p:clrMapOvr>
+</p:sld>
+</file>
+
+<file path=ppt/slides/slide14.xml><?xml version="1.0" encoding="utf-8"?>
+<p:sld xmlns:a="http://schemas.openxmlformats.org/drawingml/2006/main" xmlns:r="http://schemas.openxmlformats.org/officeDocument/2006/relationships" xmlns:p="http://schemas.openxmlformats.org/presentationml/2006/main">
+  <p:cSld>
+    <p:spTree>
+      <p:nvGrpSpPr>
+        <p:cNvPr id="1" name=""/>
+        <p:cNvGrpSpPr/>
+        <p:nvPr/>
+      </p:nvGrpSpPr>
+      <p:grpSpPr>
+        <a:xfrm>
+          <a:off x="0" y="0"/>
+          <a:ext cx="0" cy="0"/>
+          <a:chOff x="0" y="0"/>
+          <a:chExt cx="0" cy="0"/>
+        </a:xfrm>
+      </p:grpSpPr>
+      <p:sp>
+        <p:nvSpPr>
+          <p:cNvPr id="2" name="Title 1"/>
+          <p:cNvSpPr>
+            <a:spLocks noGrp="1"/>
+          </p:cNvSpPr>
+          <p:nvPr>
+            <p:ph type="title"/>
+          </p:nvPr>
+        </p:nvSpPr>
+        <p:spPr/>
+        <p:txBody>
+          <a:bodyPr/>
+          <a:lstStyle/>
+          <a:p>
+            <a:r>
+              <a:rPr lang="en-US" dirty="0" smtClean="0"/>
+              <a:t>Resistor</a:t>
+            </a:r>
+            <a:endParaRPr lang="en-US" dirty="0"/>
+          </a:p>
+        </p:txBody>
+      </p:sp>
+      <p:sp>
+        <p:nvSpPr>
+          <p:cNvPr id="3" name="Content Placeholder 2"/>
+          <p:cNvSpPr>
+            <a:spLocks noGrp="1"/>
+          </p:cNvSpPr>
+          <p:nvPr>
+            <p:ph idx="1"/>
+          </p:nvPr>
+        </p:nvSpPr>
+        <p:spPr/>
+        <p:txBody>
+          <a:bodyPr/>
+          <a:lstStyle/>
+          <a:p>
+            <a:endParaRPr lang="en-US" dirty="0" smtClean="0"/>
+          </a:p>
+          <a:p>
+            <a:r>
+              <a:rPr lang="en-US" dirty="0" smtClean="0"/>
+              <a:t>A Resistor resists the flow of electrical current.</a:t>
+            </a:r>
+          </a:p>
+          <a:p>
+            <a:endParaRPr lang="en-US" dirty="0"/>
+          </a:p>
+          <a:p>
+            <a:r>
+              <a:rPr lang="en-US" dirty="0" smtClean="0"/>
+              <a:t>Resistance is measured in Ohms.</a:t>
+            </a:r>
+          </a:p>
+          <a:p>
+            <a:endParaRPr lang="en-US" dirty="0"/>
+          </a:p>
+          <a:p>
+            <a:r>
+              <a:rPr lang="en-US" dirty="0" smtClean="0"/>
+              <a:t>Analogy: Water flowing through a thin pipe </a:t>
+            </a:r>
+            <a:r>
+              <a:rPr lang="en-US" dirty="0" err="1" smtClean="0"/>
+              <a:t>vs</a:t>
+            </a:r>
+            <a:r>
+              <a:rPr lang="en-US" dirty="0" smtClean="0"/>
+              <a:t> large pipe</a:t>
+            </a:r>
+            <a:endParaRPr lang="en-US" dirty="0"/>
+          </a:p>
+        </p:txBody>
+      </p:sp>
+    </p:spTree>
+    <p:extLst>
+      <p:ext uri="{BB962C8B-B14F-4D97-AF65-F5344CB8AC3E}">
+        <p14:creationId xmlns:p14="http://schemas.microsoft.com/office/powerpoint/2010/main" val="1138920437"/>
+      </p:ext>
+    </p:extLst>
+  </p:cSld>
+  <p:clrMapOvr>
+    <a:masterClrMapping/>
+  </p:clrMapOvr>
+</p:sld>
+</file>
+
+<file path=ppt/slides/slide15.xml><?xml version="1.0" encoding="utf-8"?>
+<p:sld xmlns:a="http://schemas.openxmlformats.org/drawingml/2006/main" xmlns:r="http://schemas.openxmlformats.org/officeDocument/2006/relationships" xmlns:p="http://schemas.openxmlformats.org/presentationml/2006/main">
+  <p:cSld>
+    <p:spTree>
+      <p:nvGrpSpPr>
+        <p:cNvPr id="1" name=""/>
+        <p:cNvGrpSpPr/>
+        <p:nvPr/>
+      </p:nvGrpSpPr>
+      <p:grpSpPr>
+        <a:xfrm>
+          <a:off x="0" y="0"/>
+          <a:ext cx="0" cy="0"/>
+          <a:chOff x="0" y="0"/>
+          <a:chExt cx="0" cy="0"/>
+        </a:xfrm>
+      </p:grpSpPr>
+      <p:sp>
+        <p:nvSpPr>
+          <p:cNvPr id="2" name="Title 1"/>
+          <p:cNvSpPr>
+            <a:spLocks noGrp="1"/>
+          </p:cNvSpPr>
+          <p:nvPr>
+            <p:ph type="title"/>
+          </p:nvPr>
+        </p:nvSpPr>
+        <p:spPr/>
+        <p:txBody>
+          <a:bodyPr/>
+          <a:lstStyle/>
+          <a:p>
+            <a:r>
+              <a:rPr lang="en-US" dirty="0" smtClean="0"/>
               <a:t>Resistor</a:t>
             </a:r>
             <a:endParaRPr lang="en-US" dirty="0"/>
@@ -3485,7 +3728,7 @@
 </p:sld>
 </file>
 
-<file path=ppt/slides/slide13.xml><?xml version="1.0" encoding="utf-8"?>
+<file path=ppt/slides/slide16.xml><?xml version="1.0" encoding="utf-8"?>
 <p:sld xmlns:a="http://schemas.openxmlformats.org/drawingml/2006/main" xmlns:r="http://schemas.openxmlformats.org/officeDocument/2006/relationships" xmlns:p="http://schemas.openxmlformats.org/presentationml/2006/main">
   <p:cSld>
     <p:spTree>
@@ -3568,289 +3811,6 @@
 </p:sld>
 </file>
 
-<file path=ppt/slides/slide14.xml><?xml version="1.0" encoding="utf-8"?>
-<p:sld xmlns:a="http://schemas.openxmlformats.org/drawingml/2006/main" xmlns:r="http://schemas.openxmlformats.org/officeDocument/2006/relationships" xmlns:p="http://schemas.openxmlformats.org/presentationml/2006/main">
-  <p:cSld>
-    <p:spTree>
-      <p:nvGrpSpPr>
-        <p:cNvPr id="1" name=""/>
-        <p:cNvGrpSpPr/>
-        <p:nvPr/>
-      </p:nvGrpSpPr>
-      <p:grpSpPr>
-        <a:xfrm>
-          <a:off x="0" y="0"/>
-          <a:ext cx="0" cy="0"/>
-          <a:chOff x="0" y="0"/>
-          <a:chExt cx="0" cy="0"/>
-        </a:xfrm>
-      </p:grpSpPr>
-      <p:sp>
-        <p:nvSpPr>
-          <p:cNvPr id="2" name="Title 1"/>
-          <p:cNvSpPr>
-            <a:spLocks noGrp="1"/>
-          </p:cNvSpPr>
-          <p:nvPr>
-            <p:ph type="title"/>
-          </p:nvPr>
-        </p:nvSpPr>
-        <p:spPr/>
-        <p:txBody>
-          <a:bodyPr/>
-          <a:lstStyle/>
-          <a:p>
-            <a:r>
-              <a:rPr lang="en-US" dirty="0" smtClean="0"/>
-              <a:t>Diode</a:t>
-            </a:r>
-            <a:endParaRPr lang="en-US" dirty="0"/>
-          </a:p>
-        </p:txBody>
-      </p:sp>
-      <p:sp>
-        <p:nvSpPr>
-          <p:cNvPr id="3" name="Content Placeholder 2"/>
-          <p:cNvSpPr>
-            <a:spLocks noGrp="1"/>
-          </p:cNvSpPr>
-          <p:nvPr>
-            <p:ph idx="1"/>
-          </p:nvPr>
-        </p:nvSpPr>
-        <p:spPr/>
-        <p:txBody>
-          <a:bodyPr/>
-          <a:lstStyle/>
-          <a:p>
-            <a:r>
-              <a:rPr lang="en-US" dirty="0" smtClean="0"/>
-              <a:t>Allows the flow of electrical current in one direction only.</a:t>
-            </a:r>
-          </a:p>
-          <a:p>
-            <a:endParaRPr lang="en-US" dirty="0"/>
-          </a:p>
-          <a:p>
-            <a:r>
-              <a:rPr lang="en-US" dirty="0" smtClean="0"/>
-              <a:t>Anode  is +</a:t>
-            </a:r>
-            <a:r>
-              <a:rPr lang="en-US" dirty="0" err="1" smtClean="0"/>
-              <a:t>ve</a:t>
-            </a:r>
-            <a:r>
-              <a:rPr lang="en-US" dirty="0" smtClean="0"/>
-              <a:t> the Long leg.</a:t>
-            </a:r>
-          </a:p>
-          <a:p>
-            <a:endParaRPr lang="en-US" dirty="0"/>
-          </a:p>
-          <a:p>
-            <a:r>
-              <a:rPr lang="en-US" dirty="0" smtClean="0"/>
-              <a:t>Cathode is –</a:t>
-            </a:r>
-            <a:r>
-              <a:rPr lang="en-US" dirty="0" err="1" smtClean="0"/>
-              <a:t>ve</a:t>
-            </a:r>
-            <a:r>
-              <a:rPr lang="en-US" dirty="0" smtClean="0"/>
-              <a:t> the short leg.</a:t>
-            </a:r>
-            <a:endParaRPr lang="en-US" dirty="0"/>
-          </a:p>
-        </p:txBody>
-      </p:sp>
-    </p:spTree>
-    <p:extLst>
-      <p:ext uri="{BB962C8B-B14F-4D97-AF65-F5344CB8AC3E}">
-        <p14:creationId xmlns:p14="http://schemas.microsoft.com/office/powerpoint/2010/main" val="1918544642"/>
-      </p:ext>
-    </p:extLst>
-  </p:cSld>
-  <p:clrMapOvr>
-    <a:masterClrMapping/>
-  </p:clrMapOvr>
-</p:sld>
-</file>
-
-<file path=ppt/slides/slide15.xml><?xml version="1.0" encoding="utf-8"?>
-<p:sld xmlns:a="http://schemas.openxmlformats.org/drawingml/2006/main" xmlns:r="http://schemas.openxmlformats.org/officeDocument/2006/relationships" xmlns:p="http://schemas.openxmlformats.org/presentationml/2006/main">
-  <p:cSld>
-    <p:spTree>
-      <p:nvGrpSpPr>
-        <p:cNvPr id="1" name=""/>
-        <p:cNvGrpSpPr/>
-        <p:nvPr/>
-      </p:nvGrpSpPr>
-      <p:grpSpPr>
-        <a:xfrm>
-          <a:off x="0" y="0"/>
-          <a:ext cx="0" cy="0"/>
-          <a:chOff x="0" y="0"/>
-          <a:chExt cx="0" cy="0"/>
-        </a:xfrm>
-      </p:grpSpPr>
-      <p:sp>
-        <p:nvSpPr>
-          <p:cNvPr id="2" name="Title 1"/>
-          <p:cNvSpPr>
-            <a:spLocks noGrp="1"/>
-          </p:cNvSpPr>
-          <p:nvPr>
-            <p:ph type="title"/>
-          </p:nvPr>
-        </p:nvSpPr>
-        <p:spPr/>
-        <p:txBody>
-          <a:bodyPr/>
-          <a:lstStyle/>
-          <a:p>
-            <a:r>
-              <a:rPr lang="en-US" dirty="0" smtClean="0"/>
-              <a:t>Light Emitting Diode (LED)</a:t>
-            </a:r>
-            <a:endParaRPr lang="en-US" dirty="0"/>
-          </a:p>
-        </p:txBody>
-      </p:sp>
-      <p:pic>
-        <p:nvPicPr>
-          <p:cNvPr id="4" name="Content Placeholder 3" descr="LED.png"/>
-          <p:cNvPicPr>
-            <a:picLocks noGrp="1" noChangeAspect="1"/>
-          </p:cNvPicPr>
-          <p:nvPr>
-            <p:ph idx="1"/>
-          </p:nvPr>
-        </p:nvPicPr>
-        <p:blipFill>
-          <a:blip r:embed="rId2">
-            <a:extLst>
-              <a:ext uri="{28A0092B-C50C-407E-A947-70E740481C1C}">
-                <a14:useLocalDpi xmlns:a14="http://schemas.microsoft.com/office/drawing/2010/main" val="0"/>
-              </a:ext>
-            </a:extLst>
-          </a:blip>
-          <a:srcRect t="-10985" b="-10985"/>
-          <a:stretch>
-            <a:fillRect/>
-          </a:stretch>
-        </p:blipFill>
-        <p:spPr/>
-      </p:pic>
-    </p:spTree>
-    <p:extLst>
-      <p:ext uri="{BB962C8B-B14F-4D97-AF65-F5344CB8AC3E}">
-        <p14:creationId xmlns:p14="http://schemas.microsoft.com/office/powerpoint/2010/main" val="3974837425"/>
-      </p:ext>
-    </p:extLst>
-  </p:cSld>
-  <p:clrMapOvr>
-    <a:masterClrMapping/>
-  </p:clrMapOvr>
-</p:sld>
-</file>
-
-<file path=ppt/slides/slide16.xml><?xml version="1.0" encoding="utf-8"?>
-<p:sld xmlns:a="http://schemas.openxmlformats.org/drawingml/2006/main" xmlns:r="http://schemas.openxmlformats.org/officeDocument/2006/relationships" xmlns:p="http://schemas.openxmlformats.org/presentationml/2006/main">
-  <p:cSld>
-    <p:spTree>
-      <p:nvGrpSpPr>
-        <p:cNvPr id="1" name=""/>
-        <p:cNvGrpSpPr/>
-        <p:nvPr/>
-      </p:nvGrpSpPr>
-      <p:grpSpPr>
-        <a:xfrm>
-          <a:off x="0" y="0"/>
-          <a:ext cx="0" cy="0"/>
-          <a:chOff x="0" y="0"/>
-          <a:chExt cx="0" cy="0"/>
-        </a:xfrm>
-      </p:grpSpPr>
-      <p:sp>
-        <p:nvSpPr>
-          <p:cNvPr id="2" name="Title 1"/>
-          <p:cNvSpPr>
-            <a:spLocks noGrp="1"/>
-          </p:cNvSpPr>
-          <p:nvPr>
-            <p:ph type="title"/>
-          </p:nvPr>
-        </p:nvSpPr>
-        <p:spPr/>
-        <p:txBody>
-          <a:bodyPr/>
-          <a:lstStyle/>
-          <a:p>
-            <a:r>
-              <a:rPr lang="en-US" dirty="0" smtClean="0"/>
-              <a:t>Precautions</a:t>
-            </a:r>
-            <a:endParaRPr lang="en-US" dirty="0"/>
-          </a:p>
-        </p:txBody>
-      </p:sp>
-      <p:sp>
-        <p:nvSpPr>
-          <p:cNvPr id="3" name="Content Placeholder 2"/>
-          <p:cNvSpPr>
-            <a:spLocks noGrp="1"/>
-          </p:cNvSpPr>
-          <p:nvPr>
-            <p:ph idx="1"/>
-          </p:nvPr>
-        </p:nvSpPr>
-        <p:spPr/>
-        <p:txBody>
-          <a:bodyPr/>
-          <a:lstStyle/>
-          <a:p>
-            <a:r>
-              <a:rPr lang="en-US" dirty="0" smtClean="0"/>
-              <a:t>Disconnect USB cable when making changes to circuit. One wrong connection, you could make the component burn out. </a:t>
-            </a:r>
-            <a:endParaRPr lang="en-US" dirty="0"/>
-          </a:p>
-          <a:p>
-            <a:endParaRPr lang="en-US" dirty="0" smtClean="0"/>
-          </a:p>
-          <a:p>
-            <a:r>
-              <a:rPr lang="en-US" dirty="0" smtClean="0"/>
-              <a:t>Highly recommended to wear safety goggles.</a:t>
-            </a:r>
-          </a:p>
-          <a:p>
-            <a:endParaRPr lang="en-US" dirty="0"/>
-          </a:p>
-          <a:p>
-            <a:r>
-              <a:rPr lang="en-US" dirty="0" smtClean="0"/>
-              <a:t>LEDs could burn out and emit gases.</a:t>
-            </a:r>
-            <a:endParaRPr lang="en-US" dirty="0"/>
-          </a:p>
-        </p:txBody>
-      </p:sp>
-    </p:spTree>
-    <p:extLst>
-      <p:ext uri="{BB962C8B-B14F-4D97-AF65-F5344CB8AC3E}">
-        <p14:creationId xmlns:p14="http://schemas.microsoft.com/office/powerpoint/2010/main" val="195760869"/>
-      </p:ext>
-    </p:extLst>
-  </p:cSld>
-  <p:clrMapOvr>
-    <a:masterClrMapping/>
-  </p:clrMapOvr>
-</p:sld>
-</file>
-
 <file path=ppt/slides/slide17.xml><?xml version="1.0" encoding="utf-8"?>
 <p:sld xmlns:a="http://schemas.openxmlformats.org/drawingml/2006/main" xmlns:r="http://schemas.openxmlformats.org/officeDocument/2006/relationships" xmlns:p="http://schemas.openxmlformats.org/presentationml/2006/main">
   <p:cSld>
@@ -3885,7 +3845,7 @@
           <a:p>
             <a:r>
               <a:rPr lang="en-US" dirty="0" smtClean="0"/>
-              <a:t>Project 1 – Check list</a:t>
+              <a:t>Diode</a:t>
             </a:r>
             <a:endParaRPr lang="en-US" dirty="0"/>
           </a:p>
@@ -3908,7 +3868,7 @@
           <a:p>
             <a:r>
               <a:rPr lang="en-US" dirty="0" smtClean="0"/>
-              <a:t>Start your laptop</a:t>
+              <a:t>Allows the flow of electrical current in one direction only.</a:t>
             </a:r>
           </a:p>
           <a:p>
@@ -3917,28 +3877,32 @@
           <a:p>
             <a:r>
               <a:rPr lang="en-US" dirty="0" smtClean="0"/>
-              <a:t>Check to make sure </a:t>
+              <a:t>Anode  is +</a:t>
             </a:r>
             <a:r>
               <a:rPr lang="en-US" dirty="0" err="1" smtClean="0"/>
-              <a:t>Arduino</a:t>
-            </a:r>
-            <a:r>
-              <a:rPr lang="en-US" dirty="0" smtClean="0"/>
-              <a:t> IDE is installed.</a:t>
-            </a:r>
-          </a:p>
-          <a:p>
-            <a:endParaRPr lang="en-US" dirty="0" smtClean="0"/>
-          </a:p>
-          <a:p>
+              <a:t>ve</a:t>
+            </a:r>
+            <a:r>
+              <a:rPr lang="en-US" dirty="0" smtClean="0"/>
+              <a:t> the Long leg.</a:t>
+            </a:r>
+          </a:p>
+          <a:p>
+            <a:endParaRPr lang="en-US" dirty="0"/>
+          </a:p>
+          <a:p>
+            <a:r>
+              <a:rPr lang="en-US" dirty="0" smtClean="0"/>
+              <a:t>Cathode is –</a:t>
+            </a:r>
             <a:r>
               <a:rPr lang="en-US" dirty="0" err="1" smtClean="0"/>
-              <a:t>Arduino</a:t>
-            </a:r>
-            <a:r>
-              <a:rPr lang="en-US" dirty="0" smtClean="0"/>
-              <a:t>, Breadboard, 100 Ohms resistor, 1 Red LED, Jumper wires, USB cable.</a:t>
+              <a:t>ve</a:t>
+            </a:r>
+            <a:r>
+              <a:rPr lang="en-US" dirty="0" smtClean="0"/>
+              <a:t> the short leg.</a:t>
             </a:r>
             <a:endParaRPr lang="en-US" dirty="0"/>
           </a:p>
@@ -3947,7 +3911,7 @@
     </p:spTree>
     <p:extLst>
       <p:ext uri="{BB962C8B-B14F-4D97-AF65-F5344CB8AC3E}">
-        <p14:creationId xmlns:p14="http://schemas.microsoft.com/office/powerpoint/2010/main" val="571883962"/>
+        <p14:creationId xmlns:p14="http://schemas.microsoft.com/office/powerpoint/2010/main" val="1918544642"/>
       </p:ext>
     </p:extLst>
   </p:cSld>
@@ -3991,7 +3955,7 @@
           <a:p>
             <a:r>
               <a:rPr lang="en-US" dirty="0" smtClean="0"/>
-              <a:t>Project 1A Circuit</a:t>
+              <a:t>Light Emitting Diode (LED)</a:t>
             </a:r>
             <a:endParaRPr lang="en-US" dirty="0"/>
           </a:p>
@@ -3999,7 +3963,7 @@
       </p:sp>
       <p:pic>
         <p:nvPicPr>
-          <p:cNvPr id="4" name="Content Placeholder 3" descr="Screen Shot 2014-07-04 at 1.04.03 PM.png"/>
+          <p:cNvPr id="4" name="Content Placeholder 3" descr="LED.png"/>
           <p:cNvPicPr>
             <a:picLocks noGrp="1" noChangeAspect="1"/>
           </p:cNvPicPr>
@@ -4015,7 +3979,7 @@
               </a:ext>
             </a:extLst>
           </a:blip>
-          <a:srcRect l="-34819" r="-34819"/>
+          <a:srcRect t="-10985" b="-10985"/>
           <a:stretch>
             <a:fillRect/>
           </a:stretch>
@@ -4025,7 +3989,7 @@
     </p:spTree>
     <p:extLst>
       <p:ext uri="{BB962C8B-B14F-4D97-AF65-F5344CB8AC3E}">
-        <p14:creationId xmlns:p14="http://schemas.microsoft.com/office/powerpoint/2010/main" val="4203726403"/>
+        <p14:creationId xmlns:p14="http://schemas.microsoft.com/office/powerpoint/2010/main" val="3974837425"/>
       </p:ext>
     </p:extLst>
   </p:cSld>
@@ -4069,6 +4033,685 @@
           <a:p>
             <a:r>
               <a:rPr lang="en-US" dirty="0" smtClean="0"/>
+              <a:t>Precautions</a:t>
+            </a:r>
+            <a:endParaRPr lang="en-US" dirty="0"/>
+          </a:p>
+        </p:txBody>
+      </p:sp>
+      <p:sp>
+        <p:nvSpPr>
+          <p:cNvPr id="3" name="Content Placeholder 2"/>
+          <p:cNvSpPr>
+            <a:spLocks noGrp="1"/>
+          </p:cNvSpPr>
+          <p:nvPr>
+            <p:ph idx="1"/>
+          </p:nvPr>
+        </p:nvSpPr>
+        <p:spPr/>
+        <p:txBody>
+          <a:bodyPr/>
+          <a:lstStyle/>
+          <a:p>
+            <a:r>
+              <a:rPr lang="en-US" dirty="0" smtClean="0"/>
+              <a:t>Disconnect USB cable when making changes to circuit. One wrong connection, you could make the component burn out. </a:t>
+            </a:r>
+            <a:endParaRPr lang="en-US" dirty="0"/>
+          </a:p>
+          <a:p>
+            <a:endParaRPr lang="en-US" dirty="0" smtClean="0"/>
+          </a:p>
+          <a:p>
+            <a:r>
+              <a:rPr lang="en-US" dirty="0" smtClean="0"/>
+              <a:t>Highly recommended to wear safety goggles.</a:t>
+            </a:r>
+          </a:p>
+          <a:p>
+            <a:endParaRPr lang="en-US" dirty="0"/>
+          </a:p>
+          <a:p>
+            <a:r>
+              <a:rPr lang="en-US" dirty="0" smtClean="0"/>
+              <a:t>LEDs could burn out and emit gases.</a:t>
+            </a:r>
+            <a:endParaRPr lang="en-US" dirty="0"/>
+          </a:p>
+        </p:txBody>
+      </p:sp>
+    </p:spTree>
+    <p:extLst>
+      <p:ext uri="{BB962C8B-B14F-4D97-AF65-F5344CB8AC3E}">
+        <p14:creationId xmlns:p14="http://schemas.microsoft.com/office/powerpoint/2010/main" val="195760869"/>
+      </p:ext>
+    </p:extLst>
+  </p:cSld>
+  <p:clrMapOvr>
+    <a:masterClrMapping/>
+  </p:clrMapOvr>
+</p:sld>
+</file>
+
+<file path=ppt/slides/slide2.xml><?xml version="1.0" encoding="utf-8"?>
+<p:sld xmlns:a="http://schemas.openxmlformats.org/drawingml/2006/main" xmlns:r="http://schemas.openxmlformats.org/officeDocument/2006/relationships" xmlns:p="http://schemas.openxmlformats.org/presentationml/2006/main">
+  <p:cSld>
+    <p:spTree>
+      <p:nvGrpSpPr>
+        <p:cNvPr id="1" name=""/>
+        <p:cNvGrpSpPr/>
+        <p:nvPr/>
+      </p:nvGrpSpPr>
+      <p:grpSpPr>
+        <a:xfrm>
+          <a:off x="0" y="0"/>
+          <a:ext cx="0" cy="0"/>
+          <a:chOff x="0" y="0"/>
+          <a:chExt cx="0" cy="0"/>
+        </a:xfrm>
+      </p:grpSpPr>
+      <p:sp>
+        <p:nvSpPr>
+          <p:cNvPr id="2" name="Title 1"/>
+          <p:cNvSpPr>
+            <a:spLocks noGrp="1"/>
+          </p:cNvSpPr>
+          <p:nvPr>
+            <p:ph type="title"/>
+          </p:nvPr>
+        </p:nvSpPr>
+        <p:spPr/>
+        <p:txBody>
+          <a:bodyPr/>
+          <a:lstStyle/>
+          <a:p>
+            <a:r>
+              <a:rPr lang="en-US" dirty="0" smtClean="0"/>
+              <a:t>Basic </a:t>
+            </a:r>
+            <a:r>
+              <a:rPr lang="en-US" dirty="0" smtClean="0"/>
+              <a:t>Concepts - Videos</a:t>
+            </a:r>
+            <a:endParaRPr lang="en-US" dirty="0"/>
+          </a:p>
+        </p:txBody>
+      </p:sp>
+      <p:sp>
+        <p:nvSpPr>
+          <p:cNvPr id="3" name="Content Placeholder 2"/>
+          <p:cNvSpPr>
+            <a:spLocks noGrp="1"/>
+          </p:cNvSpPr>
+          <p:nvPr>
+            <p:ph idx="1"/>
+          </p:nvPr>
+        </p:nvSpPr>
+        <p:spPr/>
+        <p:txBody>
+          <a:bodyPr>
+            <a:normAutofit fontScale="25000" lnSpcReduction="20000"/>
+          </a:bodyPr>
+          <a:lstStyle/>
+          <a:p>
+            <a:pPr marL="0" indent="0">
+              <a:buNone/>
+            </a:pPr>
+            <a:r>
+              <a:rPr lang="en-US" sz="4800" b="1" dirty="0"/>
+              <a:t>Voltage and </a:t>
+            </a:r>
+            <a:r>
+              <a:rPr lang="en-US" sz="4800" b="1" dirty="0" smtClean="0"/>
+              <a:t>Current</a:t>
+            </a:r>
+            <a:endParaRPr lang="en-US" sz="4800" dirty="0"/>
+          </a:p>
+          <a:p>
+            <a:pPr marL="0" indent="0">
+              <a:buNone/>
+            </a:pPr>
+            <a:r>
+              <a:rPr lang="en-US" sz="4800" u="sng" dirty="0">
+                <a:hlinkClick r:id="rId2"/>
+              </a:rPr>
+              <a:t>https://www.youtube.com/watch?v=l8JS8BbrVOg</a:t>
+            </a:r>
+            <a:endParaRPr lang="en-US" sz="4800" u="sng" dirty="0">
+              <a:hlinkClick r:id="rId2"/>
+            </a:endParaRPr>
+          </a:p>
+          <a:p>
+            <a:pPr marL="0" indent="0">
+              <a:buNone/>
+            </a:pPr>
+            <a:r>
+              <a:rPr lang="en-US" sz="4800" u="sng" dirty="0" smtClean="0">
+                <a:hlinkClick r:id="rId3"/>
+              </a:rPr>
+              <a:t>https</a:t>
+            </a:r>
+            <a:r>
+              <a:rPr lang="en-US" sz="4800" u="sng" dirty="0">
+                <a:hlinkClick r:id="rId3"/>
+              </a:rPr>
+              <a:t>://www.youtube.com/watch?v=8gvJzrjwjds</a:t>
+            </a:r>
+            <a:endParaRPr lang="en-US" sz="4800" u="sng" dirty="0">
+              <a:hlinkClick r:id="rId3"/>
+            </a:endParaRPr>
+          </a:p>
+          <a:p>
+            <a:pPr marL="0" indent="0">
+              <a:buNone/>
+            </a:pPr>
+            <a:r>
+              <a:rPr lang="en-US" sz="4800" u="sng" dirty="0" smtClean="0">
+                <a:hlinkClick r:id="rId4"/>
+              </a:rPr>
+              <a:t>https</a:t>
+            </a:r>
+            <a:r>
+              <a:rPr lang="en-US" sz="4800" u="sng" dirty="0">
+                <a:hlinkClick r:id="rId4"/>
+              </a:rPr>
+              <a:t>://www.youtube.com/watch?v=exlRjDKHGRg</a:t>
+            </a:r>
+            <a:endParaRPr lang="en-US" sz="4800" u="sng" dirty="0">
+              <a:hlinkClick r:id="rId4"/>
+            </a:endParaRPr>
+          </a:p>
+          <a:p>
+            <a:pPr marL="0" indent="0">
+              <a:buNone/>
+            </a:pPr>
+            <a:r>
+              <a:rPr lang="en-US" sz="4800" u="sng" dirty="0" smtClean="0">
+                <a:hlinkClick r:id="rId5"/>
+              </a:rPr>
+              <a:t>https</a:t>
+            </a:r>
+            <a:r>
+              <a:rPr lang="en-US" sz="4800" u="sng" dirty="0">
+                <a:hlinkClick r:id="rId5"/>
+              </a:rPr>
+              <a:t>://www.youtube.com/watch?v=mzSnz6ZDkFE</a:t>
+            </a:r>
+            <a:endParaRPr lang="en-US" sz="4800" u="sng" dirty="0">
+              <a:hlinkClick r:id="rId5"/>
+            </a:endParaRPr>
+          </a:p>
+          <a:p>
+            <a:endParaRPr lang="en-US" sz="4800" dirty="0"/>
+          </a:p>
+          <a:p>
+            <a:pPr marL="0" indent="0">
+              <a:buNone/>
+            </a:pPr>
+            <a:r>
+              <a:rPr lang="en-US" sz="4800" b="1" dirty="0" smtClean="0"/>
+              <a:t>Resistor</a:t>
+            </a:r>
+            <a:endParaRPr lang="en-US" sz="4800" dirty="0"/>
+          </a:p>
+          <a:p>
+            <a:pPr marL="0" indent="0">
+              <a:buNone/>
+            </a:pPr>
+            <a:r>
+              <a:rPr lang="en-US" sz="4800" u="sng" dirty="0">
+                <a:hlinkClick r:id="rId6"/>
+              </a:rPr>
+              <a:t>https://www.youtube.com/watch?v=VPVoY1QROMg</a:t>
+            </a:r>
+            <a:endParaRPr lang="en-US" sz="4800" u="sng" dirty="0">
+              <a:hlinkClick r:id="rId6"/>
+            </a:endParaRPr>
+          </a:p>
+          <a:p>
+            <a:pPr marL="0" indent="0">
+              <a:buNone/>
+            </a:pPr>
+            <a:r>
+              <a:rPr lang="en-US" sz="4800" u="sng" dirty="0" smtClean="0">
+                <a:hlinkClick r:id="rId7"/>
+              </a:rPr>
+              <a:t>https</a:t>
+            </a:r>
+            <a:r>
+              <a:rPr lang="en-US" sz="4800" u="sng" dirty="0">
+                <a:hlinkClick r:id="rId7"/>
+              </a:rPr>
+              <a:t>://www.youtube.com/watch?v=Gc1wVdbVI0E</a:t>
+            </a:r>
+          </a:p>
+          <a:p>
+            <a:endParaRPr lang="en-US" sz="4800" dirty="0"/>
+          </a:p>
+          <a:p>
+            <a:pPr marL="0" indent="0">
+              <a:buNone/>
+            </a:pPr>
+            <a:r>
+              <a:rPr lang="en-US" sz="4800" b="1" dirty="0" smtClean="0"/>
+              <a:t>Capacitor</a:t>
+            </a:r>
+            <a:endParaRPr lang="en-US" sz="4800" dirty="0"/>
+          </a:p>
+          <a:p>
+            <a:pPr marL="0" indent="0">
+              <a:buNone/>
+            </a:pPr>
+            <a:r>
+              <a:rPr lang="en-US" sz="4800" u="sng" dirty="0">
+                <a:hlinkClick r:id="rId8"/>
+              </a:rPr>
+              <a:t>https://www.youtube.com/watch?v=sy_G1oYRQmM</a:t>
+            </a:r>
+          </a:p>
+          <a:p>
+            <a:endParaRPr lang="en-US" sz="4800" dirty="0"/>
+          </a:p>
+          <a:p>
+            <a:pPr marL="0" indent="0">
+              <a:buNone/>
+            </a:pPr>
+            <a:r>
+              <a:rPr lang="en-US" sz="4800" b="1" dirty="0" smtClean="0"/>
+              <a:t>Diode</a:t>
+            </a:r>
+            <a:endParaRPr lang="en-US" sz="4800" dirty="0"/>
+          </a:p>
+          <a:p>
+            <a:pPr marL="0" indent="0">
+              <a:buNone/>
+            </a:pPr>
+            <a:r>
+              <a:rPr lang="en-US" sz="4800" u="sng" dirty="0">
+                <a:hlinkClick r:id="rId9"/>
+              </a:rPr>
+              <a:t>https://www.youtube.com/watch?v=ap7edIKkykA</a:t>
+            </a:r>
+            <a:endParaRPr lang="en-US" sz="4800" u="sng" dirty="0">
+              <a:hlinkClick r:id="rId9"/>
+            </a:endParaRPr>
+          </a:p>
+          <a:p>
+            <a:pPr marL="0" indent="0">
+              <a:buNone/>
+            </a:pPr>
+            <a:endParaRPr lang="en-US" sz="4800" dirty="0"/>
+          </a:p>
+          <a:p>
+            <a:pPr marL="0" indent="0">
+              <a:buNone/>
+            </a:pPr>
+            <a:r>
+              <a:rPr lang="en-US" sz="4800" b="1" dirty="0" smtClean="0"/>
+              <a:t>Volts</a:t>
+            </a:r>
+            <a:r>
+              <a:rPr lang="en-US" sz="4800" b="1" dirty="0"/>
+              <a:t>, Amps and </a:t>
+            </a:r>
+            <a:r>
+              <a:rPr lang="en-US" sz="4800" b="1" dirty="0" smtClean="0"/>
+              <a:t>Ohms</a:t>
+            </a:r>
+            <a:endParaRPr lang="en-US" sz="4800" dirty="0"/>
+          </a:p>
+          <a:p>
+            <a:pPr marL="0" indent="0">
+              <a:buNone/>
+            </a:pPr>
+            <a:r>
+              <a:rPr lang="en-US" sz="4800" u="sng" dirty="0">
+                <a:hlinkClick r:id="rId10"/>
+              </a:rPr>
+              <a:t>https://www.youtube.com/watch?v=WoN1nou5t1Q</a:t>
+            </a:r>
+            <a:endParaRPr lang="en-US" sz="4800" u="sng" dirty="0">
+              <a:hlinkClick r:id="rId10"/>
+            </a:endParaRPr>
+          </a:p>
+          <a:p>
+            <a:pPr marL="0" indent="0">
+              <a:buNone/>
+            </a:pPr>
+            <a:r>
+              <a:rPr lang="en-US" sz="4800" u="sng" dirty="0" smtClean="0">
+                <a:hlinkClick r:id="rId11"/>
+              </a:rPr>
+              <a:t>https</a:t>
+            </a:r>
+            <a:r>
+              <a:rPr lang="en-US" sz="4800" u="sng" dirty="0">
+                <a:hlinkClick r:id="rId11"/>
+              </a:rPr>
+              <a:t>://www.youtube.com/watch?v=zYS9kdS56l8</a:t>
+            </a:r>
+            <a:endParaRPr lang="en-US" sz="4800" u="sng" dirty="0">
+              <a:hlinkClick r:id="rId11"/>
+            </a:endParaRPr>
+          </a:p>
+          <a:p>
+            <a:pPr marL="0" indent="0">
+              <a:buNone/>
+            </a:pPr>
+            <a:r>
+              <a:rPr lang="en-US" sz="4800" u="sng" dirty="0" smtClean="0">
+                <a:hlinkClick r:id="rId11"/>
+              </a:rPr>
+              <a:t>https</a:t>
+            </a:r>
+            <a:r>
+              <a:rPr lang="en-US" sz="4800" u="sng" dirty="0">
+                <a:hlinkClick r:id="rId11"/>
+              </a:rPr>
+              <a:t>://www.youtube.com/watch?v=zYS9kdS56l8</a:t>
+            </a:r>
+            <a:endParaRPr lang="en-US" sz="4800" u="sng" dirty="0">
+              <a:hlinkClick r:id="rId11"/>
+            </a:endParaRPr>
+          </a:p>
+          <a:p>
+            <a:pPr marL="0" indent="0">
+              <a:buNone/>
+            </a:pPr>
+            <a:r>
+              <a:rPr lang="en-US" sz="4800" u="sng" dirty="0" smtClean="0">
+                <a:hlinkClick r:id="rId12"/>
+              </a:rPr>
+              <a:t>https</a:t>
+            </a:r>
+            <a:r>
+              <a:rPr lang="en-US" sz="4800" u="sng" dirty="0">
+                <a:hlinkClick r:id="rId12"/>
+              </a:rPr>
+              <a:t>://www.youtube.com/watch?v=6Zxp8lSdn8M</a:t>
+            </a:r>
+            <a:endParaRPr lang="en-US" sz="4800" u="sng" dirty="0">
+              <a:hlinkClick r:id="rId12"/>
+            </a:endParaRPr>
+          </a:p>
+          <a:p>
+            <a:pPr marL="0" indent="0">
+              <a:buNone/>
+            </a:pPr>
+            <a:endParaRPr lang="en-US" sz="4800" b="1" dirty="0" smtClean="0"/>
+          </a:p>
+          <a:p>
+            <a:pPr marL="0" indent="0">
+              <a:buNone/>
+            </a:pPr>
+            <a:r>
+              <a:rPr lang="en-US" sz="4800" b="1" dirty="0" smtClean="0"/>
+              <a:t>Apps </a:t>
+            </a:r>
+            <a:r>
+              <a:rPr lang="en-US" sz="4800" b="1" dirty="0"/>
+              <a:t>(The app costs $1 )</a:t>
+            </a:r>
+            <a:endParaRPr lang="en-US" sz="4800" dirty="0"/>
+          </a:p>
+          <a:p>
+            <a:pPr marL="0" indent="0">
+              <a:buNone/>
+            </a:pPr>
+            <a:r>
+              <a:rPr lang="en-US" sz="4800" u="sng" dirty="0" smtClean="0">
+                <a:hlinkClick r:id="rId13"/>
+              </a:rPr>
+              <a:t>https</a:t>
+            </a:r>
+            <a:r>
+              <a:rPr lang="en-US" sz="4800" u="sng" dirty="0">
+                <a:hlinkClick r:id="rId13"/>
+              </a:rPr>
+              <a:t>://itunes.apple.com/us/app/mhos-r</a:t>
+            </a:r>
+            <a:r>
+              <a:rPr lang="en-US" u="sng" dirty="0">
+                <a:hlinkClick r:id="rId13"/>
+              </a:rPr>
+              <a:t>esistance/id785181044?mt=8</a:t>
+            </a:r>
+            <a:endParaRPr lang="en-US" dirty="0"/>
+          </a:p>
+        </p:txBody>
+      </p:sp>
+    </p:spTree>
+    <p:extLst>
+      <p:ext uri="{BB962C8B-B14F-4D97-AF65-F5344CB8AC3E}">
+        <p14:creationId xmlns:p14="http://schemas.microsoft.com/office/powerpoint/2010/main" val="2452595402"/>
+      </p:ext>
+    </p:extLst>
+  </p:cSld>
+  <p:clrMapOvr>
+    <a:masterClrMapping/>
+  </p:clrMapOvr>
+</p:sld>
+</file>
+
+<file path=ppt/slides/slide20.xml><?xml version="1.0" encoding="utf-8"?>
+<p:sld xmlns:a="http://schemas.openxmlformats.org/drawingml/2006/main" xmlns:r="http://schemas.openxmlformats.org/officeDocument/2006/relationships" xmlns:p="http://schemas.openxmlformats.org/presentationml/2006/main">
+  <p:cSld>
+    <p:spTree>
+      <p:nvGrpSpPr>
+        <p:cNvPr id="1" name=""/>
+        <p:cNvGrpSpPr/>
+        <p:nvPr/>
+      </p:nvGrpSpPr>
+      <p:grpSpPr>
+        <a:xfrm>
+          <a:off x="0" y="0"/>
+          <a:ext cx="0" cy="0"/>
+          <a:chOff x="0" y="0"/>
+          <a:chExt cx="0" cy="0"/>
+        </a:xfrm>
+      </p:grpSpPr>
+      <p:sp>
+        <p:nvSpPr>
+          <p:cNvPr id="2" name="Title 1"/>
+          <p:cNvSpPr>
+            <a:spLocks noGrp="1"/>
+          </p:cNvSpPr>
+          <p:nvPr>
+            <p:ph type="title"/>
+          </p:nvPr>
+        </p:nvSpPr>
+        <p:spPr/>
+        <p:txBody>
+          <a:bodyPr/>
+          <a:lstStyle/>
+          <a:p>
+            <a:r>
+              <a:rPr lang="en-US" dirty="0" smtClean="0"/>
+              <a:t>Project 1 – Check list</a:t>
+            </a:r>
+            <a:endParaRPr lang="en-US" dirty="0"/>
+          </a:p>
+        </p:txBody>
+      </p:sp>
+      <p:sp>
+        <p:nvSpPr>
+          <p:cNvPr id="3" name="Content Placeholder 2"/>
+          <p:cNvSpPr>
+            <a:spLocks noGrp="1"/>
+          </p:cNvSpPr>
+          <p:nvPr>
+            <p:ph idx="1"/>
+          </p:nvPr>
+        </p:nvSpPr>
+        <p:spPr/>
+        <p:txBody>
+          <a:bodyPr/>
+          <a:lstStyle/>
+          <a:p>
+            <a:r>
+              <a:rPr lang="en-US" dirty="0" smtClean="0"/>
+              <a:t>Start your laptop</a:t>
+            </a:r>
+          </a:p>
+          <a:p>
+            <a:endParaRPr lang="en-US" dirty="0"/>
+          </a:p>
+          <a:p>
+            <a:r>
+              <a:rPr lang="en-US" dirty="0" smtClean="0"/>
+              <a:t>Check to make sure </a:t>
+            </a:r>
+            <a:r>
+              <a:rPr lang="en-US" dirty="0" err="1" smtClean="0"/>
+              <a:t>Arduino</a:t>
+            </a:r>
+            <a:r>
+              <a:rPr lang="en-US" dirty="0" smtClean="0"/>
+              <a:t> IDE is installed.</a:t>
+            </a:r>
+          </a:p>
+          <a:p>
+            <a:endParaRPr lang="en-US" dirty="0" smtClean="0"/>
+          </a:p>
+          <a:p>
+            <a:r>
+              <a:rPr lang="en-US" dirty="0" err="1" smtClean="0"/>
+              <a:t>Arduino</a:t>
+            </a:r>
+            <a:r>
+              <a:rPr lang="en-US" dirty="0" smtClean="0"/>
+              <a:t>, Breadboard, 100 Ohms resistor, 1 Red LED, Jumper wires, USB cable.</a:t>
+            </a:r>
+            <a:endParaRPr lang="en-US" dirty="0"/>
+          </a:p>
+        </p:txBody>
+      </p:sp>
+    </p:spTree>
+    <p:extLst>
+      <p:ext uri="{BB962C8B-B14F-4D97-AF65-F5344CB8AC3E}">
+        <p14:creationId xmlns:p14="http://schemas.microsoft.com/office/powerpoint/2010/main" val="571883962"/>
+      </p:ext>
+    </p:extLst>
+  </p:cSld>
+  <p:clrMapOvr>
+    <a:masterClrMapping/>
+  </p:clrMapOvr>
+</p:sld>
+</file>
+
+<file path=ppt/slides/slide21.xml><?xml version="1.0" encoding="utf-8"?>
+<p:sld xmlns:a="http://schemas.openxmlformats.org/drawingml/2006/main" xmlns:r="http://schemas.openxmlformats.org/officeDocument/2006/relationships" xmlns:p="http://schemas.openxmlformats.org/presentationml/2006/main">
+  <p:cSld>
+    <p:spTree>
+      <p:nvGrpSpPr>
+        <p:cNvPr id="1" name=""/>
+        <p:cNvGrpSpPr/>
+        <p:nvPr/>
+      </p:nvGrpSpPr>
+      <p:grpSpPr>
+        <a:xfrm>
+          <a:off x="0" y="0"/>
+          <a:ext cx="0" cy="0"/>
+          <a:chOff x="0" y="0"/>
+          <a:chExt cx="0" cy="0"/>
+        </a:xfrm>
+      </p:grpSpPr>
+      <p:sp>
+        <p:nvSpPr>
+          <p:cNvPr id="2" name="Title 1"/>
+          <p:cNvSpPr>
+            <a:spLocks noGrp="1"/>
+          </p:cNvSpPr>
+          <p:nvPr>
+            <p:ph type="title"/>
+          </p:nvPr>
+        </p:nvSpPr>
+        <p:spPr/>
+        <p:txBody>
+          <a:bodyPr/>
+          <a:lstStyle/>
+          <a:p>
+            <a:r>
+              <a:rPr lang="en-US" dirty="0" smtClean="0"/>
+              <a:t>Project 1A Circuit</a:t>
+            </a:r>
+            <a:endParaRPr lang="en-US" dirty="0"/>
+          </a:p>
+        </p:txBody>
+      </p:sp>
+      <p:pic>
+        <p:nvPicPr>
+          <p:cNvPr id="4" name="Content Placeholder 3" descr="Screen Shot 2014-07-04 at 1.04.03 PM.png"/>
+          <p:cNvPicPr>
+            <a:picLocks noGrp="1" noChangeAspect="1"/>
+          </p:cNvPicPr>
+          <p:nvPr>
+            <p:ph idx="1"/>
+          </p:nvPr>
+        </p:nvPicPr>
+        <p:blipFill>
+          <a:blip r:embed="rId2">
+            <a:extLst>
+              <a:ext uri="{28A0092B-C50C-407E-A947-70E740481C1C}">
+                <a14:useLocalDpi xmlns:a14="http://schemas.microsoft.com/office/drawing/2010/main" val="0"/>
+              </a:ext>
+            </a:extLst>
+          </a:blip>
+          <a:srcRect l="-34819" r="-34819"/>
+          <a:stretch>
+            <a:fillRect/>
+          </a:stretch>
+        </p:blipFill>
+        <p:spPr/>
+      </p:pic>
+    </p:spTree>
+    <p:extLst>
+      <p:ext uri="{BB962C8B-B14F-4D97-AF65-F5344CB8AC3E}">
+        <p14:creationId xmlns:p14="http://schemas.microsoft.com/office/powerpoint/2010/main" val="4203726403"/>
+      </p:ext>
+    </p:extLst>
+  </p:cSld>
+  <p:clrMapOvr>
+    <a:masterClrMapping/>
+  </p:clrMapOvr>
+</p:sld>
+</file>
+
+<file path=ppt/slides/slide22.xml><?xml version="1.0" encoding="utf-8"?>
+<p:sld xmlns:a="http://schemas.openxmlformats.org/drawingml/2006/main" xmlns:r="http://schemas.openxmlformats.org/officeDocument/2006/relationships" xmlns:p="http://schemas.openxmlformats.org/presentationml/2006/main">
+  <p:cSld>
+    <p:spTree>
+      <p:nvGrpSpPr>
+        <p:cNvPr id="1" name=""/>
+        <p:cNvGrpSpPr/>
+        <p:nvPr/>
+      </p:nvGrpSpPr>
+      <p:grpSpPr>
+        <a:xfrm>
+          <a:off x="0" y="0"/>
+          <a:ext cx="0" cy="0"/>
+          <a:chOff x="0" y="0"/>
+          <a:chExt cx="0" cy="0"/>
+        </a:xfrm>
+      </p:grpSpPr>
+      <p:sp>
+        <p:nvSpPr>
+          <p:cNvPr id="2" name="Title 1"/>
+          <p:cNvSpPr>
+            <a:spLocks noGrp="1"/>
+          </p:cNvSpPr>
+          <p:nvPr>
+            <p:ph type="title"/>
+          </p:nvPr>
+        </p:nvSpPr>
+        <p:spPr/>
+        <p:txBody>
+          <a:bodyPr/>
+          <a:lstStyle/>
+          <a:p>
+            <a:r>
+              <a:rPr lang="en-US" dirty="0" smtClean="0"/>
               <a:t>Project 1 Sketch</a:t>
             </a:r>
             <a:endParaRPr lang="en-US" dirty="0"/>
@@ -4549,7 +5192,1575 @@
 </p:sld>
 </file>
 
-<file path=ppt/slides/slide2.xml><?xml version="1.0" encoding="utf-8"?>
+<file path=ppt/slides/slide23.xml><?xml version="1.0" encoding="utf-8"?>
+<p:sld xmlns:a="http://schemas.openxmlformats.org/drawingml/2006/main" xmlns:r="http://schemas.openxmlformats.org/officeDocument/2006/relationships" xmlns:p="http://schemas.openxmlformats.org/presentationml/2006/main">
+  <p:cSld>
+    <p:spTree>
+      <p:nvGrpSpPr>
+        <p:cNvPr id="1" name=""/>
+        <p:cNvGrpSpPr/>
+        <p:nvPr/>
+      </p:nvGrpSpPr>
+      <p:grpSpPr>
+        <a:xfrm>
+          <a:off x="0" y="0"/>
+          <a:ext cx="0" cy="0"/>
+          <a:chOff x="0" y="0"/>
+          <a:chExt cx="0" cy="0"/>
+        </a:xfrm>
+      </p:grpSpPr>
+      <p:sp>
+        <p:nvSpPr>
+          <p:cNvPr id="2" name="Title 1"/>
+          <p:cNvSpPr>
+            <a:spLocks noGrp="1"/>
+          </p:cNvSpPr>
+          <p:nvPr>
+            <p:ph type="title"/>
+          </p:nvPr>
+        </p:nvSpPr>
+        <p:spPr/>
+        <p:txBody>
+          <a:bodyPr/>
+          <a:lstStyle/>
+          <a:p>
+            <a:r>
+              <a:rPr lang="en-US" dirty="0" smtClean="0"/>
+              <a:t>Project 1B Circuit</a:t>
+            </a:r>
+            <a:endParaRPr lang="en-US" dirty="0"/>
+          </a:p>
+        </p:txBody>
+      </p:sp>
+      <p:pic>
+        <p:nvPicPr>
+          <p:cNvPr id="4" name="Content Placeholder 3" descr="Screen Shot 2014-07-04 at 12.57.11 PM.png"/>
+          <p:cNvPicPr>
+            <a:picLocks noGrp="1" noChangeAspect="1"/>
+          </p:cNvPicPr>
+          <p:nvPr>
+            <p:ph idx="1"/>
+          </p:nvPr>
+        </p:nvPicPr>
+        <p:blipFill>
+          <a:blip r:embed="rId2">
+            <a:extLst>
+              <a:ext uri="{28A0092B-C50C-407E-A947-70E740481C1C}">
+                <a14:useLocalDpi xmlns:a14="http://schemas.microsoft.com/office/drawing/2010/main" val="0"/>
+              </a:ext>
+            </a:extLst>
+          </a:blip>
+          <a:srcRect l="-34165" r="-34165"/>
+          <a:stretch>
+            <a:fillRect/>
+          </a:stretch>
+        </p:blipFill>
+        <p:spPr/>
+      </p:pic>
+    </p:spTree>
+    <p:extLst>
+      <p:ext uri="{BB962C8B-B14F-4D97-AF65-F5344CB8AC3E}">
+        <p14:creationId xmlns:p14="http://schemas.microsoft.com/office/powerpoint/2010/main" val="652851981"/>
+      </p:ext>
+    </p:extLst>
+  </p:cSld>
+  <p:clrMapOvr>
+    <a:masterClrMapping/>
+  </p:clrMapOvr>
+</p:sld>
+</file>
+
+<file path=ppt/slides/slide24.xml><?xml version="1.0" encoding="utf-8"?>
+<p:sld xmlns:a="http://schemas.openxmlformats.org/drawingml/2006/main" xmlns:r="http://schemas.openxmlformats.org/officeDocument/2006/relationships" xmlns:p="http://schemas.openxmlformats.org/presentationml/2006/main">
+  <p:cSld>
+    <p:spTree>
+      <p:nvGrpSpPr>
+        <p:cNvPr id="1" name=""/>
+        <p:cNvGrpSpPr/>
+        <p:nvPr/>
+      </p:nvGrpSpPr>
+      <p:grpSpPr>
+        <a:xfrm>
+          <a:off x="0" y="0"/>
+          <a:ext cx="0" cy="0"/>
+          <a:chOff x="0" y="0"/>
+          <a:chExt cx="0" cy="0"/>
+        </a:xfrm>
+      </p:grpSpPr>
+      <p:sp>
+        <p:nvSpPr>
+          <p:cNvPr id="2" name="Title 1"/>
+          <p:cNvSpPr>
+            <a:spLocks noGrp="1"/>
+          </p:cNvSpPr>
+          <p:nvPr>
+            <p:ph type="title"/>
+          </p:nvPr>
+        </p:nvSpPr>
+        <p:spPr/>
+        <p:txBody>
+          <a:bodyPr/>
+          <a:lstStyle/>
+          <a:p>
+            <a:r>
+              <a:rPr lang="en-US" dirty="0" smtClean="0"/>
+              <a:t>Project 2</a:t>
+            </a:r>
+            <a:endParaRPr lang="en-US" dirty="0"/>
+          </a:p>
+        </p:txBody>
+      </p:sp>
+      <p:pic>
+        <p:nvPicPr>
+          <p:cNvPr id="4" name="Content Placeholder 3" descr="Project2A.png"/>
+          <p:cNvPicPr>
+            <a:picLocks noGrp="1" noChangeAspect="1"/>
+          </p:cNvPicPr>
+          <p:nvPr>
+            <p:ph idx="1"/>
+          </p:nvPr>
+        </p:nvPicPr>
+        <p:blipFill>
+          <a:blip r:embed="rId2">
+            <a:extLst>
+              <a:ext uri="{28A0092B-C50C-407E-A947-70E740481C1C}">
+                <a14:useLocalDpi xmlns:a14="http://schemas.microsoft.com/office/drawing/2010/main" val="0"/>
+              </a:ext>
+            </a:extLst>
+          </a:blip>
+          <a:srcRect l="-80079" r="-80079"/>
+          <a:stretch>
+            <a:fillRect/>
+          </a:stretch>
+        </p:blipFill>
+        <p:spPr/>
+      </p:pic>
+    </p:spTree>
+    <p:extLst>
+      <p:ext uri="{BB962C8B-B14F-4D97-AF65-F5344CB8AC3E}">
+        <p14:creationId xmlns:p14="http://schemas.microsoft.com/office/powerpoint/2010/main" val="607450728"/>
+      </p:ext>
+    </p:extLst>
+  </p:cSld>
+  <p:clrMapOvr>
+    <a:masterClrMapping/>
+  </p:clrMapOvr>
+</p:sld>
+</file>
+
+<file path=ppt/slides/slide25.xml><?xml version="1.0" encoding="utf-8"?>
+<p:sld xmlns:a="http://schemas.openxmlformats.org/drawingml/2006/main" xmlns:r="http://schemas.openxmlformats.org/officeDocument/2006/relationships" xmlns:p="http://schemas.openxmlformats.org/presentationml/2006/main">
+  <p:cSld>
+    <p:spTree>
+      <p:nvGrpSpPr>
+        <p:cNvPr id="1" name=""/>
+        <p:cNvGrpSpPr/>
+        <p:nvPr/>
+      </p:nvGrpSpPr>
+      <p:grpSpPr>
+        <a:xfrm>
+          <a:off x="0" y="0"/>
+          <a:ext cx="0" cy="0"/>
+          <a:chOff x="0" y="0"/>
+          <a:chExt cx="0" cy="0"/>
+        </a:xfrm>
+      </p:grpSpPr>
+      <p:sp>
+        <p:nvSpPr>
+          <p:cNvPr id="2" name="Title 1"/>
+          <p:cNvSpPr>
+            <a:spLocks noGrp="1"/>
+          </p:cNvSpPr>
+          <p:nvPr>
+            <p:ph type="title"/>
+          </p:nvPr>
+        </p:nvSpPr>
+        <p:spPr/>
+        <p:txBody>
+          <a:bodyPr/>
+          <a:lstStyle/>
+          <a:p>
+            <a:r>
+              <a:rPr lang="en-US" dirty="0" err="1" smtClean="0"/>
+              <a:t>Fritzing</a:t>
+            </a:r>
+            <a:endParaRPr lang="en-US" dirty="0"/>
+          </a:p>
+        </p:txBody>
+      </p:sp>
+      <p:sp>
+        <p:nvSpPr>
+          <p:cNvPr id="3" name="Content Placeholder 2"/>
+          <p:cNvSpPr>
+            <a:spLocks noGrp="1"/>
+          </p:cNvSpPr>
+          <p:nvPr>
+            <p:ph idx="1"/>
+          </p:nvPr>
+        </p:nvSpPr>
+        <p:spPr/>
+        <p:txBody>
+          <a:bodyPr/>
+          <a:lstStyle/>
+          <a:p>
+            <a:endParaRPr lang="en-US" dirty="0" smtClean="0"/>
+          </a:p>
+          <a:p>
+            <a:endParaRPr lang="en-US" dirty="0"/>
+          </a:p>
+          <a:p>
+            <a:endParaRPr lang="en-US" dirty="0" smtClean="0"/>
+          </a:p>
+          <a:p>
+            <a:r>
+              <a:rPr lang="en-US" dirty="0" smtClean="0"/>
+              <a:t>Demo </a:t>
+            </a:r>
+            <a:r>
+              <a:rPr lang="en-US" dirty="0" err="1" smtClean="0"/>
+              <a:t>Fritzing</a:t>
+            </a:r>
+            <a:r>
+              <a:rPr lang="en-US" dirty="0" smtClean="0"/>
+              <a:t> for Project 2</a:t>
+            </a:r>
+            <a:endParaRPr lang="en-US" dirty="0"/>
+          </a:p>
+        </p:txBody>
+      </p:sp>
+    </p:spTree>
+    <p:extLst>
+      <p:ext uri="{BB962C8B-B14F-4D97-AF65-F5344CB8AC3E}">
+        <p14:creationId xmlns:p14="http://schemas.microsoft.com/office/powerpoint/2010/main" val="4191499066"/>
+      </p:ext>
+    </p:extLst>
+  </p:cSld>
+  <p:clrMapOvr>
+    <a:masterClrMapping/>
+  </p:clrMapOvr>
+</p:sld>
+</file>
+
+<file path=ppt/slides/slide26.xml><?xml version="1.0" encoding="utf-8"?>
+<p:sld xmlns:a="http://schemas.openxmlformats.org/drawingml/2006/main" xmlns:r="http://schemas.openxmlformats.org/officeDocument/2006/relationships" xmlns:p="http://schemas.openxmlformats.org/presentationml/2006/main">
+  <p:cSld>
+    <p:spTree>
+      <p:nvGrpSpPr>
+        <p:cNvPr id="1" name=""/>
+        <p:cNvGrpSpPr/>
+        <p:nvPr/>
+      </p:nvGrpSpPr>
+      <p:grpSpPr>
+        <a:xfrm>
+          <a:off x="0" y="0"/>
+          <a:ext cx="0" cy="0"/>
+          <a:chOff x="0" y="0"/>
+          <a:chExt cx="0" cy="0"/>
+        </a:xfrm>
+      </p:grpSpPr>
+      <p:sp>
+        <p:nvSpPr>
+          <p:cNvPr id="2" name="Title 1"/>
+          <p:cNvSpPr>
+            <a:spLocks noGrp="1"/>
+          </p:cNvSpPr>
+          <p:nvPr>
+            <p:ph type="title"/>
+          </p:nvPr>
+        </p:nvSpPr>
+        <p:spPr/>
+        <p:txBody>
+          <a:bodyPr/>
+          <a:lstStyle/>
+          <a:p>
+            <a:r>
+              <a:rPr lang="en-US" dirty="0" smtClean="0"/>
+              <a:t>Project 3</a:t>
+            </a:r>
+            <a:endParaRPr lang="en-US" dirty="0"/>
+          </a:p>
+        </p:txBody>
+      </p:sp>
+      <p:pic>
+        <p:nvPicPr>
+          <p:cNvPr id="4" name="Content Placeholder 3" descr="Project3.png"/>
+          <p:cNvPicPr>
+            <a:picLocks noGrp="1" noChangeAspect="1"/>
+          </p:cNvPicPr>
+          <p:nvPr>
+            <p:ph idx="1"/>
+          </p:nvPr>
+        </p:nvPicPr>
+        <p:blipFill>
+          <a:blip r:embed="rId2">
+            <a:extLst>
+              <a:ext uri="{28A0092B-C50C-407E-A947-70E740481C1C}">
+                <a14:useLocalDpi xmlns:a14="http://schemas.microsoft.com/office/drawing/2010/main" val="0"/>
+              </a:ext>
+            </a:extLst>
+          </a:blip>
+          <a:srcRect l="-44265" r="-44265"/>
+          <a:stretch>
+            <a:fillRect/>
+          </a:stretch>
+        </p:blipFill>
+        <p:spPr/>
+      </p:pic>
+    </p:spTree>
+    <p:extLst>
+      <p:ext uri="{BB962C8B-B14F-4D97-AF65-F5344CB8AC3E}">
+        <p14:creationId xmlns:p14="http://schemas.microsoft.com/office/powerpoint/2010/main" val="1895327351"/>
+      </p:ext>
+    </p:extLst>
+  </p:cSld>
+  <p:clrMapOvr>
+    <a:masterClrMapping/>
+  </p:clrMapOvr>
+</p:sld>
+</file>
+
+<file path=ppt/slides/slide27.xml><?xml version="1.0" encoding="utf-8"?>
+<p:sld xmlns:a="http://schemas.openxmlformats.org/drawingml/2006/main" xmlns:r="http://schemas.openxmlformats.org/officeDocument/2006/relationships" xmlns:p="http://schemas.openxmlformats.org/presentationml/2006/main">
+  <p:cSld>
+    <p:spTree>
+      <p:nvGrpSpPr>
+        <p:cNvPr id="1" name=""/>
+        <p:cNvGrpSpPr/>
+        <p:nvPr/>
+      </p:nvGrpSpPr>
+      <p:grpSpPr>
+        <a:xfrm>
+          <a:off x="0" y="0"/>
+          <a:ext cx="0" cy="0"/>
+          <a:chOff x="0" y="0"/>
+          <a:chExt cx="0" cy="0"/>
+        </a:xfrm>
+      </p:grpSpPr>
+      <p:sp>
+        <p:nvSpPr>
+          <p:cNvPr id="2" name="Title 1"/>
+          <p:cNvSpPr>
+            <a:spLocks noGrp="1"/>
+          </p:cNvSpPr>
+          <p:nvPr>
+            <p:ph type="title"/>
+          </p:nvPr>
+        </p:nvSpPr>
+        <p:spPr/>
+        <p:txBody>
+          <a:bodyPr/>
+          <a:lstStyle/>
+          <a:p>
+            <a:r>
+              <a:rPr lang="en-US" dirty="0" smtClean="0"/>
+              <a:t>Project 3 Sketch</a:t>
+            </a:r>
+            <a:endParaRPr lang="en-US" dirty="0"/>
+          </a:p>
+        </p:txBody>
+      </p:sp>
+      <p:sp>
+        <p:nvSpPr>
+          <p:cNvPr id="3" name="Content Placeholder 2"/>
+          <p:cNvSpPr>
+            <a:spLocks noGrp="1"/>
+          </p:cNvSpPr>
+          <p:nvPr>
+            <p:ph idx="1"/>
+          </p:nvPr>
+        </p:nvSpPr>
+        <p:spPr/>
+        <p:txBody>
+          <a:bodyPr>
+            <a:normAutofit/>
+          </a:bodyPr>
+          <a:lstStyle/>
+          <a:p>
+            <a:pPr marL="0" indent="0">
+              <a:buNone/>
+            </a:pPr>
+            <a:endParaRPr lang="en-US" sz="1000" dirty="0" smtClean="0">
+              <a:latin typeface="American Typewriter"/>
+              <a:cs typeface="American Typewriter"/>
+            </a:endParaRPr>
+          </a:p>
+          <a:p>
+            <a:pPr marL="0" indent="0">
+              <a:buNone/>
+            </a:pPr>
+            <a:endParaRPr lang="en-US" sz="1000" dirty="0">
+              <a:latin typeface="American Typewriter"/>
+              <a:cs typeface="American Typewriter"/>
+            </a:endParaRPr>
+          </a:p>
+          <a:p>
+            <a:pPr marL="0" indent="0">
+              <a:buNone/>
+            </a:pPr>
+            <a:endParaRPr lang="en-US" sz="2000" dirty="0" smtClean="0">
+              <a:cs typeface="American Typewriter"/>
+            </a:endParaRPr>
+          </a:p>
+          <a:p>
+            <a:pPr marL="0" indent="0">
+              <a:buNone/>
+            </a:pPr>
+            <a:endParaRPr lang="en-US" sz="2000" dirty="0">
+              <a:cs typeface="American Typewriter"/>
+            </a:endParaRPr>
+          </a:p>
+          <a:p>
+            <a:pPr marL="0" indent="0">
+              <a:buNone/>
+            </a:pPr>
+            <a:endParaRPr lang="en-US" sz="2000" dirty="0" smtClean="0">
+              <a:cs typeface="American Typewriter"/>
+            </a:endParaRPr>
+          </a:p>
+          <a:p>
+            <a:pPr marL="0" indent="0" algn="ctr">
+              <a:buNone/>
+            </a:pPr>
+            <a:r>
+              <a:rPr lang="en-US" sz="2000" dirty="0">
+                <a:cs typeface="American Typewriter"/>
+              </a:rPr>
+              <a:t>	</a:t>
+            </a:r>
+            <a:r>
+              <a:rPr lang="en-US" sz="2000" dirty="0" smtClean="0">
+                <a:cs typeface="American Typewriter"/>
+              </a:rPr>
+              <a:t>					</a:t>
+            </a:r>
+            <a:r>
+              <a:rPr lang="en-US" sz="2000" dirty="0" smtClean="0">
+                <a:cs typeface="American Typewriter"/>
+              </a:rPr>
+              <a:t>Download Project 3 sketch from </a:t>
+            </a:r>
+            <a:r>
+              <a:rPr lang="en-US" sz="2000" dirty="0" err="1" smtClean="0">
+                <a:cs typeface="American Typewriter"/>
+              </a:rPr>
+              <a:t>Github</a:t>
+            </a:r>
+            <a:endParaRPr lang="en-US" sz="2000" dirty="0">
+              <a:cs typeface="American Typewriter"/>
+            </a:endParaRPr>
+          </a:p>
+        </p:txBody>
+      </p:sp>
+    </p:spTree>
+    <p:extLst>
+      <p:ext uri="{BB962C8B-B14F-4D97-AF65-F5344CB8AC3E}">
+        <p14:creationId xmlns:p14="http://schemas.microsoft.com/office/powerpoint/2010/main" val="158456006"/>
+      </p:ext>
+    </p:extLst>
+  </p:cSld>
+  <p:clrMapOvr>
+    <a:masterClrMapping/>
+  </p:clrMapOvr>
+</p:sld>
+</file>
+
+<file path=ppt/slides/slide28.xml><?xml version="1.0" encoding="utf-8"?>
+<p:sld xmlns:a="http://schemas.openxmlformats.org/drawingml/2006/main" xmlns:r="http://schemas.openxmlformats.org/officeDocument/2006/relationships" xmlns:p="http://schemas.openxmlformats.org/presentationml/2006/main">
+  <p:cSld>
+    <p:spTree>
+      <p:nvGrpSpPr>
+        <p:cNvPr id="1" name=""/>
+        <p:cNvGrpSpPr/>
+        <p:nvPr/>
+      </p:nvGrpSpPr>
+      <p:grpSpPr>
+        <a:xfrm>
+          <a:off x="0" y="0"/>
+          <a:ext cx="0" cy="0"/>
+          <a:chOff x="0" y="0"/>
+          <a:chExt cx="0" cy="0"/>
+        </a:xfrm>
+      </p:grpSpPr>
+      <p:sp>
+        <p:nvSpPr>
+          <p:cNvPr id="2" name="Title 1"/>
+          <p:cNvSpPr>
+            <a:spLocks noGrp="1"/>
+          </p:cNvSpPr>
+          <p:nvPr>
+            <p:ph type="title"/>
+          </p:nvPr>
+        </p:nvSpPr>
+        <p:spPr/>
+        <p:txBody>
+          <a:bodyPr/>
+          <a:lstStyle/>
+          <a:p>
+            <a:r>
+              <a:rPr lang="en-US" dirty="0" smtClean="0"/>
+              <a:t>Project 4</a:t>
+            </a:r>
+            <a:endParaRPr lang="en-US" dirty="0"/>
+          </a:p>
+        </p:txBody>
+      </p:sp>
+      <p:pic>
+        <p:nvPicPr>
+          <p:cNvPr id="6" name="Content Placeholder 5" descr="Project4.png"/>
+          <p:cNvPicPr>
+            <a:picLocks noGrp="1" noChangeAspect="1"/>
+          </p:cNvPicPr>
+          <p:nvPr>
+            <p:ph idx="1"/>
+          </p:nvPr>
+        </p:nvPicPr>
+        <p:blipFill>
+          <a:blip r:embed="rId2">
+            <a:extLst>
+              <a:ext uri="{28A0092B-C50C-407E-A947-70E740481C1C}">
+                <a14:useLocalDpi xmlns:a14="http://schemas.microsoft.com/office/drawing/2010/main" val="0"/>
+              </a:ext>
+            </a:extLst>
+          </a:blip>
+          <a:srcRect l="-16563" r="-16563"/>
+          <a:stretch>
+            <a:fillRect/>
+          </a:stretch>
+        </p:blipFill>
+        <p:spPr/>
+      </p:pic>
+    </p:spTree>
+    <p:extLst>
+      <p:ext uri="{BB962C8B-B14F-4D97-AF65-F5344CB8AC3E}">
+        <p14:creationId xmlns:p14="http://schemas.microsoft.com/office/powerpoint/2010/main" val="2290959330"/>
+      </p:ext>
+    </p:extLst>
+  </p:cSld>
+  <p:clrMapOvr>
+    <a:masterClrMapping/>
+  </p:clrMapOvr>
+</p:sld>
+</file>
+
+<file path=ppt/slides/slide29.xml><?xml version="1.0" encoding="utf-8"?>
+<p:sld xmlns:a="http://schemas.openxmlformats.org/drawingml/2006/main" xmlns:r="http://schemas.openxmlformats.org/officeDocument/2006/relationships" xmlns:p="http://schemas.openxmlformats.org/presentationml/2006/main">
+  <p:cSld>
+    <p:spTree>
+      <p:nvGrpSpPr>
+        <p:cNvPr id="1" name=""/>
+        <p:cNvGrpSpPr/>
+        <p:nvPr/>
+      </p:nvGrpSpPr>
+      <p:grpSpPr>
+        <a:xfrm>
+          <a:off x="0" y="0"/>
+          <a:ext cx="0" cy="0"/>
+          <a:chOff x="0" y="0"/>
+          <a:chExt cx="0" cy="0"/>
+        </a:xfrm>
+      </p:grpSpPr>
+      <p:sp>
+        <p:nvSpPr>
+          <p:cNvPr id="2" name="Title 1"/>
+          <p:cNvSpPr>
+            <a:spLocks noGrp="1"/>
+          </p:cNvSpPr>
+          <p:nvPr>
+            <p:ph type="title"/>
+          </p:nvPr>
+        </p:nvSpPr>
+        <p:spPr/>
+        <p:txBody>
+          <a:bodyPr/>
+          <a:lstStyle/>
+          <a:p>
+            <a:r>
+              <a:rPr lang="en-US" dirty="0" smtClean="0"/>
+              <a:t>Project 4 Sketch</a:t>
+            </a:r>
+            <a:endParaRPr lang="en-US" dirty="0"/>
+          </a:p>
+        </p:txBody>
+      </p:sp>
+      <p:sp>
+        <p:nvSpPr>
+          <p:cNvPr id="3" name="Content Placeholder 2"/>
+          <p:cNvSpPr>
+            <a:spLocks noGrp="1"/>
+          </p:cNvSpPr>
+          <p:nvPr>
+            <p:ph idx="1"/>
+          </p:nvPr>
+        </p:nvSpPr>
+        <p:spPr/>
+        <p:txBody>
+          <a:bodyPr/>
+          <a:lstStyle/>
+          <a:p>
+            <a:endParaRPr lang="en-US" dirty="0" smtClean="0"/>
+          </a:p>
+          <a:p>
+            <a:endParaRPr lang="en-US" dirty="0"/>
+          </a:p>
+          <a:p>
+            <a:pPr algn="ctr"/>
+            <a:r>
+              <a:rPr lang="en-US" dirty="0">
+                <a:cs typeface="American Typewriter"/>
+              </a:rPr>
+              <a:t>Download Project </a:t>
+            </a:r>
+            <a:r>
+              <a:rPr lang="en-US" dirty="0" smtClean="0">
+                <a:cs typeface="American Typewriter"/>
+              </a:rPr>
+              <a:t>4 </a:t>
+            </a:r>
+            <a:r>
+              <a:rPr lang="en-US" dirty="0">
+                <a:cs typeface="American Typewriter"/>
+              </a:rPr>
+              <a:t>sketch from </a:t>
+            </a:r>
+            <a:r>
+              <a:rPr lang="en-US" dirty="0" err="1">
+                <a:cs typeface="American Typewriter"/>
+              </a:rPr>
+              <a:t>Github</a:t>
+            </a:r>
+            <a:endParaRPr lang="en-US" dirty="0"/>
+          </a:p>
+        </p:txBody>
+      </p:sp>
+      <p:sp>
+        <p:nvSpPr>
+          <p:cNvPr id="4" name="TextBox 3"/>
+          <p:cNvSpPr txBox="1"/>
+          <p:nvPr/>
+        </p:nvSpPr>
+        <p:spPr>
+          <a:xfrm>
+            <a:off x="2139416" y="3123644"/>
+            <a:ext cx="184666" cy="369332"/>
+          </a:xfrm>
+          <a:prstGeom prst="rect">
+            <a:avLst/>
+          </a:prstGeom>
+          <a:noFill/>
+        </p:spPr>
+        <p:txBody>
+          <a:bodyPr wrap="none" rtlCol="0">
+            <a:spAutoFit/>
+          </a:bodyPr>
+          <a:lstStyle/>
+          <a:p>
+            <a:endParaRPr lang="en-US" dirty="0"/>
+          </a:p>
+        </p:txBody>
+      </p:sp>
+    </p:spTree>
+    <p:extLst>
+      <p:ext uri="{BB962C8B-B14F-4D97-AF65-F5344CB8AC3E}">
+        <p14:creationId xmlns:p14="http://schemas.microsoft.com/office/powerpoint/2010/main" val="2101305375"/>
+      </p:ext>
+    </p:extLst>
+  </p:cSld>
+  <p:clrMapOvr>
+    <a:masterClrMapping/>
+  </p:clrMapOvr>
+</p:sld>
+</file>
+
+<file path=ppt/slides/slide3.xml><?xml version="1.0" encoding="utf-8"?>
+<p:sld xmlns:a="http://schemas.openxmlformats.org/drawingml/2006/main" xmlns:r="http://schemas.openxmlformats.org/officeDocument/2006/relationships" xmlns:p="http://schemas.openxmlformats.org/presentationml/2006/main">
+  <p:cSld>
+    <p:spTree>
+      <p:nvGrpSpPr>
+        <p:cNvPr id="1" name=""/>
+        <p:cNvGrpSpPr/>
+        <p:nvPr/>
+      </p:nvGrpSpPr>
+      <p:grpSpPr>
+        <a:xfrm>
+          <a:off x="0" y="0"/>
+          <a:ext cx="0" cy="0"/>
+          <a:chOff x="0" y="0"/>
+          <a:chExt cx="0" cy="0"/>
+        </a:xfrm>
+      </p:grpSpPr>
+      <p:sp>
+        <p:nvSpPr>
+          <p:cNvPr id="2" name="Title 1"/>
+          <p:cNvSpPr>
+            <a:spLocks noGrp="1"/>
+          </p:cNvSpPr>
+          <p:nvPr>
+            <p:ph type="title"/>
+          </p:nvPr>
+        </p:nvSpPr>
+        <p:spPr/>
+        <p:txBody>
+          <a:bodyPr/>
+          <a:lstStyle/>
+          <a:p>
+            <a:r>
+              <a:rPr lang="en-US" dirty="0" smtClean="0"/>
+              <a:t>Basic Concepts - Guides</a:t>
+            </a:r>
+            <a:endParaRPr lang="en-US" dirty="0"/>
+          </a:p>
+        </p:txBody>
+      </p:sp>
+      <p:sp>
+        <p:nvSpPr>
+          <p:cNvPr id="3" name="Content Placeholder 2"/>
+          <p:cNvSpPr>
+            <a:spLocks noGrp="1"/>
+          </p:cNvSpPr>
+          <p:nvPr>
+            <p:ph idx="1"/>
+          </p:nvPr>
+        </p:nvSpPr>
+        <p:spPr/>
+        <p:txBody>
+          <a:bodyPr/>
+          <a:lstStyle/>
+          <a:p>
+            <a:r>
+              <a:rPr lang="en-US" dirty="0"/>
+              <a:t>http://</a:t>
+            </a:r>
+            <a:r>
+              <a:rPr lang="en-US" dirty="0" err="1"/>
+              <a:t>www.me.umn.edu</a:t>
+            </a:r>
+            <a:r>
+              <a:rPr lang="en-US" dirty="0"/>
+              <a:t>/courses/me2011/</a:t>
+            </a:r>
+            <a:r>
+              <a:rPr lang="en-US" dirty="0" err="1"/>
+              <a:t>arduino</a:t>
+            </a:r>
+            <a:r>
+              <a:rPr lang="en-US" dirty="0"/>
+              <a:t>/</a:t>
+            </a:r>
+            <a:r>
+              <a:rPr lang="en-US" dirty="0" err="1"/>
+              <a:t>arduinoGuide.pdf</a:t>
+            </a:r>
+            <a:endParaRPr lang="en-US" dirty="0"/>
+          </a:p>
+        </p:txBody>
+      </p:sp>
+    </p:spTree>
+    <p:extLst>
+      <p:ext uri="{BB962C8B-B14F-4D97-AF65-F5344CB8AC3E}">
+        <p14:creationId xmlns:p14="http://schemas.microsoft.com/office/powerpoint/2010/main" val="3416836282"/>
+      </p:ext>
+    </p:extLst>
+  </p:cSld>
+  <p:clrMapOvr>
+    <a:masterClrMapping/>
+  </p:clrMapOvr>
+</p:sld>
+</file>
+
+<file path=ppt/slides/slide30.xml><?xml version="1.0" encoding="utf-8"?>
+<p:sld xmlns:a="http://schemas.openxmlformats.org/drawingml/2006/main" xmlns:r="http://schemas.openxmlformats.org/officeDocument/2006/relationships" xmlns:p="http://schemas.openxmlformats.org/presentationml/2006/main">
+  <p:cSld>
+    <p:spTree>
+      <p:nvGrpSpPr>
+        <p:cNvPr id="1" name=""/>
+        <p:cNvGrpSpPr/>
+        <p:nvPr/>
+      </p:nvGrpSpPr>
+      <p:grpSpPr>
+        <a:xfrm>
+          <a:off x="0" y="0"/>
+          <a:ext cx="0" cy="0"/>
+          <a:chOff x="0" y="0"/>
+          <a:chExt cx="0" cy="0"/>
+        </a:xfrm>
+      </p:grpSpPr>
+      <p:sp>
+        <p:nvSpPr>
+          <p:cNvPr id="2" name="Title 1"/>
+          <p:cNvSpPr>
+            <a:spLocks noGrp="1"/>
+          </p:cNvSpPr>
+          <p:nvPr>
+            <p:ph type="title"/>
+          </p:nvPr>
+        </p:nvSpPr>
+        <p:spPr/>
+        <p:txBody>
+          <a:bodyPr/>
+          <a:lstStyle/>
+          <a:p>
+            <a:r>
+              <a:rPr lang="en-US" dirty="0" smtClean="0"/>
+              <a:t>Project 5</a:t>
+            </a:r>
+            <a:endParaRPr lang="en-US" dirty="0"/>
+          </a:p>
+        </p:txBody>
+      </p:sp>
+      <p:pic>
+        <p:nvPicPr>
+          <p:cNvPr id="4" name="Content Placeholder 3" descr="Project5.png"/>
+          <p:cNvPicPr>
+            <a:picLocks noGrp="1" noChangeAspect="1"/>
+          </p:cNvPicPr>
+          <p:nvPr>
+            <p:ph idx="1"/>
+          </p:nvPr>
+        </p:nvPicPr>
+        <p:blipFill>
+          <a:blip r:embed="rId2">
+            <a:extLst>
+              <a:ext uri="{28A0092B-C50C-407E-A947-70E740481C1C}">
+                <a14:useLocalDpi xmlns:a14="http://schemas.microsoft.com/office/drawing/2010/main" val="0"/>
+              </a:ext>
+            </a:extLst>
+          </a:blip>
+          <a:srcRect l="-8069" r="-8069"/>
+          <a:stretch>
+            <a:fillRect/>
+          </a:stretch>
+        </p:blipFill>
+        <p:spPr/>
+      </p:pic>
+    </p:spTree>
+    <p:extLst>
+      <p:ext uri="{BB962C8B-B14F-4D97-AF65-F5344CB8AC3E}">
+        <p14:creationId xmlns:p14="http://schemas.microsoft.com/office/powerpoint/2010/main" val="764543211"/>
+      </p:ext>
+    </p:extLst>
+  </p:cSld>
+  <p:clrMapOvr>
+    <a:masterClrMapping/>
+  </p:clrMapOvr>
+</p:sld>
+</file>
+
+<file path=ppt/slides/slide31.xml><?xml version="1.0" encoding="utf-8"?>
+<p:sld xmlns:a="http://schemas.openxmlformats.org/drawingml/2006/main" xmlns:r="http://schemas.openxmlformats.org/officeDocument/2006/relationships" xmlns:p="http://schemas.openxmlformats.org/presentationml/2006/main">
+  <p:cSld>
+    <p:spTree>
+      <p:nvGrpSpPr>
+        <p:cNvPr id="1" name=""/>
+        <p:cNvGrpSpPr/>
+        <p:nvPr/>
+      </p:nvGrpSpPr>
+      <p:grpSpPr>
+        <a:xfrm>
+          <a:off x="0" y="0"/>
+          <a:ext cx="0" cy="0"/>
+          <a:chOff x="0" y="0"/>
+          <a:chExt cx="0" cy="0"/>
+        </a:xfrm>
+      </p:grpSpPr>
+      <p:sp>
+        <p:nvSpPr>
+          <p:cNvPr id="2" name="Title 1"/>
+          <p:cNvSpPr>
+            <a:spLocks noGrp="1"/>
+          </p:cNvSpPr>
+          <p:nvPr>
+            <p:ph type="title"/>
+          </p:nvPr>
+        </p:nvSpPr>
+        <p:spPr/>
+        <p:txBody>
+          <a:bodyPr/>
+          <a:lstStyle/>
+          <a:p>
+            <a:r>
+              <a:rPr lang="en-US" dirty="0" smtClean="0"/>
+              <a:t>Project 5 Sketch</a:t>
+            </a:r>
+            <a:endParaRPr lang="en-US" dirty="0"/>
+          </a:p>
+        </p:txBody>
+      </p:sp>
+      <p:sp>
+        <p:nvSpPr>
+          <p:cNvPr id="3" name="Content Placeholder 2"/>
+          <p:cNvSpPr>
+            <a:spLocks noGrp="1"/>
+          </p:cNvSpPr>
+          <p:nvPr>
+            <p:ph idx="1"/>
+          </p:nvPr>
+        </p:nvSpPr>
+        <p:spPr/>
+        <p:txBody>
+          <a:bodyPr/>
+          <a:lstStyle/>
+          <a:p>
+            <a:endParaRPr lang="en-US" dirty="0" smtClean="0"/>
+          </a:p>
+          <a:p>
+            <a:endParaRPr lang="en-US" dirty="0"/>
+          </a:p>
+          <a:p>
+            <a:endParaRPr lang="en-US" dirty="0" smtClean="0"/>
+          </a:p>
+          <a:p>
+            <a:pPr marL="457200" lvl="1" indent="0" algn="ctr">
+              <a:buNone/>
+            </a:pPr>
+            <a:r>
+              <a:rPr lang="en-US" dirty="0" smtClean="0"/>
+              <a:t>				</a:t>
+            </a:r>
+            <a:r>
+              <a:rPr lang="en-US" dirty="0" smtClean="0">
+                <a:cs typeface="American Typewriter"/>
+              </a:rPr>
+              <a:t>Download </a:t>
+            </a:r>
+            <a:r>
+              <a:rPr lang="en-US" dirty="0">
+                <a:cs typeface="American Typewriter"/>
+              </a:rPr>
+              <a:t>Project </a:t>
+            </a:r>
+            <a:r>
+              <a:rPr lang="en-US" dirty="0" smtClean="0">
+                <a:cs typeface="American Typewriter"/>
+              </a:rPr>
+              <a:t>5 </a:t>
+            </a:r>
+            <a:r>
+              <a:rPr lang="en-US" dirty="0">
+                <a:cs typeface="American Typewriter"/>
+              </a:rPr>
+              <a:t>sketch from </a:t>
+            </a:r>
+            <a:r>
+              <a:rPr lang="en-US" dirty="0" err="1">
+                <a:cs typeface="American Typewriter"/>
+              </a:rPr>
+              <a:t>Github</a:t>
+            </a:r>
+            <a:endParaRPr lang="en-US" dirty="0"/>
+          </a:p>
+        </p:txBody>
+      </p:sp>
+    </p:spTree>
+    <p:extLst>
+      <p:ext uri="{BB962C8B-B14F-4D97-AF65-F5344CB8AC3E}">
+        <p14:creationId xmlns:p14="http://schemas.microsoft.com/office/powerpoint/2010/main" val="403414495"/>
+      </p:ext>
+    </p:extLst>
+  </p:cSld>
+  <p:clrMapOvr>
+    <a:masterClrMapping/>
+  </p:clrMapOvr>
+</p:sld>
+</file>
+
+<file path=ppt/slides/slide32.xml><?xml version="1.0" encoding="utf-8"?>
+<p:sld xmlns:a="http://schemas.openxmlformats.org/drawingml/2006/main" xmlns:r="http://schemas.openxmlformats.org/officeDocument/2006/relationships" xmlns:p="http://schemas.openxmlformats.org/presentationml/2006/main">
+  <p:cSld>
+    <p:spTree>
+      <p:nvGrpSpPr>
+        <p:cNvPr id="1" name=""/>
+        <p:cNvGrpSpPr/>
+        <p:nvPr/>
+      </p:nvGrpSpPr>
+      <p:grpSpPr>
+        <a:xfrm>
+          <a:off x="0" y="0"/>
+          <a:ext cx="0" cy="0"/>
+          <a:chOff x="0" y="0"/>
+          <a:chExt cx="0" cy="0"/>
+        </a:xfrm>
+      </p:grpSpPr>
+      <p:sp>
+        <p:nvSpPr>
+          <p:cNvPr id="2" name="Title 1"/>
+          <p:cNvSpPr>
+            <a:spLocks noGrp="1"/>
+          </p:cNvSpPr>
+          <p:nvPr>
+            <p:ph type="title"/>
+          </p:nvPr>
+        </p:nvSpPr>
+        <p:spPr/>
+        <p:txBody>
+          <a:bodyPr/>
+          <a:lstStyle/>
+          <a:p>
+            <a:r>
+              <a:rPr lang="en-US" dirty="0" smtClean="0"/>
+              <a:t>Project 6</a:t>
+            </a:r>
+            <a:endParaRPr lang="en-US" dirty="0"/>
+          </a:p>
+        </p:txBody>
+      </p:sp>
+      <p:pic>
+        <p:nvPicPr>
+          <p:cNvPr id="4" name="Content Placeholder 3" descr="Potentiometer.jpg"/>
+          <p:cNvPicPr>
+            <a:picLocks noGrp="1" noChangeAspect="1"/>
+          </p:cNvPicPr>
+          <p:nvPr>
+            <p:ph idx="1"/>
+          </p:nvPr>
+        </p:nvPicPr>
+        <p:blipFill>
+          <a:blip r:embed="rId2">
+            <a:extLst>
+              <a:ext uri="{28A0092B-C50C-407E-A947-70E740481C1C}">
+                <a14:useLocalDpi xmlns:a14="http://schemas.microsoft.com/office/drawing/2010/main" val="0"/>
+              </a:ext>
+            </a:extLst>
+          </a:blip>
+          <a:srcRect l="-40915" r="-40915"/>
+          <a:stretch>
+            <a:fillRect/>
+          </a:stretch>
+        </p:blipFill>
+        <p:spPr/>
+      </p:pic>
+    </p:spTree>
+    <p:extLst>
+      <p:ext uri="{BB962C8B-B14F-4D97-AF65-F5344CB8AC3E}">
+        <p14:creationId xmlns:p14="http://schemas.microsoft.com/office/powerpoint/2010/main" val="2865462024"/>
+      </p:ext>
+    </p:extLst>
+  </p:cSld>
+  <p:clrMapOvr>
+    <a:masterClrMapping/>
+  </p:clrMapOvr>
+</p:sld>
+</file>
+
+<file path=ppt/slides/slide33.xml><?xml version="1.0" encoding="utf-8"?>
+<p:sld xmlns:a="http://schemas.openxmlformats.org/drawingml/2006/main" xmlns:r="http://schemas.openxmlformats.org/officeDocument/2006/relationships" xmlns:p="http://schemas.openxmlformats.org/presentationml/2006/main">
+  <p:cSld>
+    <p:spTree>
+      <p:nvGrpSpPr>
+        <p:cNvPr id="1" name=""/>
+        <p:cNvGrpSpPr/>
+        <p:nvPr/>
+      </p:nvGrpSpPr>
+      <p:grpSpPr>
+        <a:xfrm>
+          <a:off x="0" y="0"/>
+          <a:ext cx="0" cy="0"/>
+          <a:chOff x="0" y="0"/>
+          <a:chExt cx="0" cy="0"/>
+        </a:xfrm>
+      </p:grpSpPr>
+      <p:sp>
+        <p:nvSpPr>
+          <p:cNvPr id="2" name="Title 1"/>
+          <p:cNvSpPr>
+            <a:spLocks noGrp="1"/>
+          </p:cNvSpPr>
+          <p:nvPr>
+            <p:ph type="title"/>
+          </p:nvPr>
+        </p:nvSpPr>
+        <p:spPr/>
+        <p:txBody>
+          <a:bodyPr/>
+          <a:lstStyle/>
+          <a:p>
+            <a:r>
+              <a:rPr lang="en-US" dirty="0" smtClean="0"/>
+              <a:t>Potentiometer Voltage output</a:t>
+            </a:r>
+            <a:endParaRPr lang="en-US" dirty="0"/>
+          </a:p>
+        </p:txBody>
+      </p:sp>
+      <p:pic>
+        <p:nvPicPr>
+          <p:cNvPr id="4" name="Content Placeholder 3" descr="The pot wiper and voltage.jpg"/>
+          <p:cNvPicPr>
+            <a:picLocks noGrp="1" noChangeAspect="1"/>
+          </p:cNvPicPr>
+          <p:nvPr>
+            <p:ph idx="1"/>
+          </p:nvPr>
+        </p:nvPicPr>
+        <p:blipFill>
+          <a:blip r:embed="rId2">
+            <a:extLst>
+              <a:ext uri="{28A0092B-C50C-407E-A947-70E740481C1C}">
+                <a14:useLocalDpi xmlns:a14="http://schemas.microsoft.com/office/drawing/2010/main" val="0"/>
+              </a:ext>
+            </a:extLst>
+          </a:blip>
+          <a:srcRect l="-108114" r="-108114"/>
+          <a:stretch>
+            <a:fillRect/>
+          </a:stretch>
+        </p:blipFill>
+        <p:spPr/>
+      </p:pic>
+    </p:spTree>
+    <p:extLst>
+      <p:ext uri="{BB962C8B-B14F-4D97-AF65-F5344CB8AC3E}">
+        <p14:creationId xmlns:p14="http://schemas.microsoft.com/office/powerpoint/2010/main" val="2347148493"/>
+      </p:ext>
+    </p:extLst>
+  </p:cSld>
+  <p:clrMapOvr>
+    <a:masterClrMapping/>
+  </p:clrMapOvr>
+</p:sld>
+</file>
+
+<file path=ppt/slides/slide34.xml><?xml version="1.0" encoding="utf-8"?>
+<p:sld xmlns:a="http://schemas.openxmlformats.org/drawingml/2006/main" xmlns:r="http://schemas.openxmlformats.org/officeDocument/2006/relationships" xmlns:p="http://schemas.openxmlformats.org/presentationml/2006/main">
+  <p:cSld>
+    <p:spTree>
+      <p:nvGrpSpPr>
+        <p:cNvPr id="1" name=""/>
+        <p:cNvGrpSpPr/>
+        <p:nvPr/>
+      </p:nvGrpSpPr>
+      <p:grpSpPr>
+        <a:xfrm>
+          <a:off x="0" y="0"/>
+          <a:ext cx="0" cy="0"/>
+          <a:chOff x="0" y="0"/>
+          <a:chExt cx="0" cy="0"/>
+        </a:xfrm>
+      </p:grpSpPr>
+      <p:sp>
+        <p:nvSpPr>
+          <p:cNvPr id="2" name="Title 1"/>
+          <p:cNvSpPr>
+            <a:spLocks noGrp="1"/>
+          </p:cNvSpPr>
+          <p:nvPr>
+            <p:ph type="title"/>
+          </p:nvPr>
+        </p:nvSpPr>
+        <p:spPr/>
+        <p:txBody>
+          <a:bodyPr/>
+          <a:lstStyle/>
+          <a:p>
+            <a:r>
+              <a:rPr lang="en-US" dirty="0" smtClean="0"/>
+              <a:t>Project 6</a:t>
+            </a:r>
+            <a:endParaRPr lang="en-US" dirty="0"/>
+          </a:p>
+        </p:txBody>
+      </p:sp>
+      <p:pic>
+        <p:nvPicPr>
+          <p:cNvPr id="4" name="Content Placeholder 3" descr="Project6.png"/>
+          <p:cNvPicPr>
+            <a:picLocks noGrp="1" noChangeAspect="1"/>
+          </p:cNvPicPr>
+          <p:nvPr>
+            <p:ph idx="1"/>
+          </p:nvPr>
+        </p:nvPicPr>
+        <p:blipFill>
+          <a:blip r:embed="rId2">
+            <a:extLst>
+              <a:ext uri="{28A0092B-C50C-407E-A947-70E740481C1C}">
+                <a14:useLocalDpi xmlns:a14="http://schemas.microsoft.com/office/drawing/2010/main" val="0"/>
+              </a:ext>
+            </a:extLst>
+          </a:blip>
+          <a:srcRect l="-13297" r="-13297"/>
+          <a:stretch>
+            <a:fillRect/>
+          </a:stretch>
+        </p:blipFill>
+        <p:spPr/>
+      </p:pic>
+    </p:spTree>
+    <p:extLst>
+      <p:ext uri="{BB962C8B-B14F-4D97-AF65-F5344CB8AC3E}">
+        <p14:creationId xmlns:p14="http://schemas.microsoft.com/office/powerpoint/2010/main" val="1889976186"/>
+      </p:ext>
+    </p:extLst>
+  </p:cSld>
+  <p:clrMapOvr>
+    <a:masterClrMapping/>
+  </p:clrMapOvr>
+</p:sld>
+</file>
+
+<file path=ppt/slides/slide35.xml><?xml version="1.0" encoding="utf-8"?>
+<p:sld xmlns:a="http://schemas.openxmlformats.org/drawingml/2006/main" xmlns:r="http://schemas.openxmlformats.org/officeDocument/2006/relationships" xmlns:p="http://schemas.openxmlformats.org/presentationml/2006/main">
+  <p:cSld>
+    <p:spTree>
+      <p:nvGrpSpPr>
+        <p:cNvPr id="1" name=""/>
+        <p:cNvGrpSpPr/>
+        <p:nvPr/>
+      </p:nvGrpSpPr>
+      <p:grpSpPr>
+        <a:xfrm>
+          <a:off x="0" y="0"/>
+          <a:ext cx="0" cy="0"/>
+          <a:chOff x="0" y="0"/>
+          <a:chExt cx="0" cy="0"/>
+        </a:xfrm>
+      </p:grpSpPr>
+      <p:sp>
+        <p:nvSpPr>
+          <p:cNvPr id="2" name="Title 1"/>
+          <p:cNvSpPr>
+            <a:spLocks noGrp="1"/>
+          </p:cNvSpPr>
+          <p:nvPr>
+            <p:ph type="title"/>
+          </p:nvPr>
+        </p:nvSpPr>
+        <p:spPr/>
+        <p:txBody>
+          <a:bodyPr/>
+          <a:lstStyle/>
+          <a:p>
+            <a:r>
+              <a:rPr lang="en-US" dirty="0" smtClean="0"/>
+              <a:t>Project 6 Sketch</a:t>
+            </a:r>
+            <a:endParaRPr lang="en-US" dirty="0"/>
+          </a:p>
+        </p:txBody>
+      </p:sp>
+      <p:sp>
+        <p:nvSpPr>
+          <p:cNvPr id="3" name="Content Placeholder 2"/>
+          <p:cNvSpPr>
+            <a:spLocks noGrp="1"/>
+          </p:cNvSpPr>
+          <p:nvPr>
+            <p:ph idx="1"/>
+          </p:nvPr>
+        </p:nvSpPr>
+        <p:spPr/>
+        <p:txBody>
+          <a:bodyPr/>
+          <a:lstStyle/>
+          <a:p>
+            <a:endParaRPr lang="en-US" dirty="0" smtClean="0">
+              <a:cs typeface="American Typewriter"/>
+            </a:endParaRPr>
+          </a:p>
+          <a:p>
+            <a:endParaRPr lang="en-US" dirty="0">
+              <a:cs typeface="American Typewriter"/>
+            </a:endParaRPr>
+          </a:p>
+          <a:p>
+            <a:endParaRPr lang="en-US" dirty="0" smtClean="0">
+              <a:cs typeface="American Typewriter"/>
+            </a:endParaRPr>
+          </a:p>
+          <a:p>
+            <a:pPr algn="ctr"/>
+            <a:r>
+              <a:rPr lang="en-US" dirty="0" smtClean="0">
+                <a:cs typeface="American Typewriter"/>
+              </a:rPr>
+              <a:t>Download </a:t>
+            </a:r>
+            <a:r>
+              <a:rPr lang="en-US" dirty="0">
+                <a:cs typeface="American Typewriter"/>
+              </a:rPr>
+              <a:t>Project </a:t>
+            </a:r>
+            <a:r>
+              <a:rPr lang="en-US" dirty="0" smtClean="0">
+                <a:cs typeface="American Typewriter"/>
+              </a:rPr>
+              <a:t>6 </a:t>
+            </a:r>
+            <a:r>
+              <a:rPr lang="en-US" dirty="0">
+                <a:cs typeface="American Typewriter"/>
+              </a:rPr>
+              <a:t>sketch from </a:t>
+            </a:r>
+            <a:r>
+              <a:rPr lang="en-US" dirty="0" err="1">
+                <a:cs typeface="American Typewriter"/>
+              </a:rPr>
+              <a:t>Github</a:t>
+            </a:r>
+            <a:endParaRPr lang="en-US" dirty="0"/>
+          </a:p>
+        </p:txBody>
+      </p:sp>
+    </p:spTree>
+    <p:extLst>
+      <p:ext uri="{BB962C8B-B14F-4D97-AF65-F5344CB8AC3E}">
+        <p14:creationId xmlns:p14="http://schemas.microsoft.com/office/powerpoint/2010/main" val="1320387273"/>
+      </p:ext>
+    </p:extLst>
+  </p:cSld>
+  <p:clrMapOvr>
+    <a:masterClrMapping/>
+  </p:clrMapOvr>
+</p:sld>
+</file>
+
+<file path=ppt/slides/slide36.xml><?xml version="1.0" encoding="utf-8"?>
+<p:sld xmlns:a="http://schemas.openxmlformats.org/drawingml/2006/main" xmlns:r="http://schemas.openxmlformats.org/officeDocument/2006/relationships" xmlns:p="http://schemas.openxmlformats.org/presentationml/2006/main">
+  <p:cSld>
+    <p:spTree>
+      <p:nvGrpSpPr>
+        <p:cNvPr id="1" name=""/>
+        <p:cNvGrpSpPr/>
+        <p:nvPr/>
+      </p:nvGrpSpPr>
+      <p:grpSpPr>
+        <a:xfrm>
+          <a:off x="0" y="0"/>
+          <a:ext cx="0" cy="0"/>
+          <a:chOff x="0" y="0"/>
+          <a:chExt cx="0" cy="0"/>
+        </a:xfrm>
+      </p:grpSpPr>
+      <p:sp>
+        <p:nvSpPr>
+          <p:cNvPr id="2" name="Title 1"/>
+          <p:cNvSpPr>
+            <a:spLocks noGrp="1"/>
+          </p:cNvSpPr>
+          <p:nvPr>
+            <p:ph type="title"/>
+          </p:nvPr>
+        </p:nvSpPr>
+        <p:spPr/>
+        <p:txBody>
+          <a:bodyPr/>
+          <a:lstStyle/>
+          <a:p>
+            <a:r>
+              <a:rPr lang="en-US" dirty="0" smtClean="0"/>
+              <a:t>Homework</a:t>
+            </a:r>
+            <a:endParaRPr lang="en-US" dirty="0"/>
+          </a:p>
+        </p:txBody>
+      </p:sp>
+      <p:sp>
+        <p:nvSpPr>
+          <p:cNvPr id="3" name="Content Placeholder 2"/>
+          <p:cNvSpPr>
+            <a:spLocks noGrp="1"/>
+          </p:cNvSpPr>
+          <p:nvPr>
+            <p:ph idx="1"/>
+          </p:nvPr>
+        </p:nvSpPr>
+        <p:spPr/>
+        <p:txBody>
+          <a:bodyPr/>
+          <a:lstStyle/>
+          <a:p>
+            <a:r>
+              <a:rPr lang="en-US" dirty="0" smtClean="0"/>
+              <a:t>Generate SOS Morse Code message using LEDs (Hint : Project 1)</a:t>
+            </a:r>
+          </a:p>
+          <a:p>
+            <a:endParaRPr lang="en-US" dirty="0" smtClean="0"/>
+          </a:p>
+          <a:p>
+            <a:r>
+              <a:rPr lang="en-US" dirty="0" smtClean="0"/>
+              <a:t>Use LDR sensor to detect Sunrise and Sunset (Hint : Project 5)</a:t>
+            </a:r>
+          </a:p>
+          <a:p>
+            <a:endParaRPr lang="en-US" dirty="0"/>
+          </a:p>
+          <a:p>
+            <a:r>
+              <a:rPr lang="en-US" dirty="0" smtClean="0"/>
+              <a:t>Write a research report on PWM (Pulse Width Modulation)</a:t>
+            </a:r>
+            <a:endParaRPr lang="en-US" dirty="0" smtClean="0"/>
+          </a:p>
+        </p:txBody>
+      </p:sp>
+    </p:spTree>
+    <p:extLst>
+      <p:ext uri="{BB962C8B-B14F-4D97-AF65-F5344CB8AC3E}">
+        <p14:creationId xmlns:p14="http://schemas.microsoft.com/office/powerpoint/2010/main" val="1969716619"/>
+      </p:ext>
+    </p:extLst>
+  </p:cSld>
+  <p:clrMapOvr>
+    <a:masterClrMapping/>
+  </p:clrMapOvr>
+</p:sld>
+</file>
+
+<file path=ppt/slides/slide37.xml><?xml version="1.0" encoding="utf-8"?>
+<p:sld xmlns:a="http://schemas.openxmlformats.org/drawingml/2006/main" xmlns:r="http://schemas.openxmlformats.org/officeDocument/2006/relationships" xmlns:p="http://schemas.openxmlformats.org/presentationml/2006/main">
+  <p:cSld>
+    <p:spTree>
+      <p:nvGrpSpPr>
+        <p:cNvPr id="1" name=""/>
+        <p:cNvGrpSpPr/>
+        <p:nvPr/>
+      </p:nvGrpSpPr>
+      <p:grpSpPr>
+        <a:xfrm>
+          <a:off x="0" y="0"/>
+          <a:ext cx="0" cy="0"/>
+          <a:chOff x="0" y="0"/>
+          <a:chExt cx="0" cy="0"/>
+        </a:xfrm>
+      </p:grpSpPr>
+      <p:sp>
+        <p:nvSpPr>
+          <p:cNvPr id="2" name="Title 1"/>
+          <p:cNvSpPr>
+            <a:spLocks noGrp="1"/>
+          </p:cNvSpPr>
+          <p:nvPr>
+            <p:ph type="title"/>
+          </p:nvPr>
+        </p:nvSpPr>
+        <p:spPr/>
+        <p:txBody>
+          <a:bodyPr/>
+          <a:lstStyle/>
+          <a:p>
+            <a:r>
+              <a:rPr lang="en-US" dirty="0" smtClean="0"/>
+              <a:t>Resources</a:t>
+            </a:r>
+            <a:endParaRPr lang="en-US" dirty="0"/>
+          </a:p>
+        </p:txBody>
+      </p:sp>
+      <p:sp>
+        <p:nvSpPr>
+          <p:cNvPr id="3" name="Content Placeholder 2"/>
+          <p:cNvSpPr>
+            <a:spLocks noGrp="1"/>
+          </p:cNvSpPr>
+          <p:nvPr>
+            <p:ph idx="1"/>
+          </p:nvPr>
+        </p:nvSpPr>
+        <p:spPr/>
+        <p:txBody>
+          <a:bodyPr>
+            <a:normAutofit/>
+          </a:bodyPr>
+          <a:lstStyle/>
+          <a:p>
+            <a:r>
+              <a:rPr lang="en-US" dirty="0" smtClean="0">
+                <a:hlinkClick r:id="rId2"/>
+              </a:rPr>
+              <a:t>https</a:t>
+            </a:r>
+            <a:r>
+              <a:rPr lang="en-US" dirty="0">
+                <a:hlinkClick r:id="rId2"/>
+              </a:rPr>
+              <a:t>://</a:t>
+            </a:r>
+            <a:r>
+              <a:rPr lang="en-US" dirty="0" smtClean="0">
+                <a:hlinkClick r:id="rId2"/>
+              </a:rPr>
+              <a:t>learn.adafruit.com</a:t>
+            </a:r>
+            <a:endParaRPr lang="en-US" dirty="0"/>
+          </a:p>
+          <a:p>
+            <a:r>
+              <a:rPr lang="en-US" dirty="0">
+                <a:hlinkClick r:id="rId3"/>
+              </a:rPr>
+              <a:t>https://</a:t>
+            </a:r>
+            <a:r>
+              <a:rPr lang="en-US" dirty="0" smtClean="0">
+                <a:hlinkClick r:id="rId3"/>
+              </a:rPr>
+              <a:t>learn.sparkfun.com</a:t>
+            </a:r>
+            <a:endParaRPr lang="en-US" dirty="0"/>
+          </a:p>
+          <a:p>
+            <a:r>
+              <a:rPr lang="en-US" dirty="0">
+                <a:hlinkClick r:id="rId4"/>
+              </a:rPr>
+              <a:t>https://</a:t>
+            </a:r>
+            <a:r>
+              <a:rPr lang="en-US" dirty="0" smtClean="0">
+                <a:hlinkClick r:id="rId4"/>
+              </a:rPr>
+              <a:t>www.radioshackdiy.com</a:t>
+            </a:r>
+            <a:endParaRPr lang="en-US" dirty="0" smtClean="0"/>
+          </a:p>
+          <a:p>
+            <a:r>
+              <a:rPr lang="en-US" dirty="0">
+                <a:hlinkClick r:id="rId5"/>
+              </a:rPr>
+              <a:t>http://www.jameco.com/Jameco/workshop/techtip/</a:t>
+            </a:r>
+            <a:r>
+              <a:rPr lang="en-US" dirty="0" smtClean="0">
+                <a:hlinkClick r:id="rId5"/>
+              </a:rPr>
+              <a:t>techtip.html</a:t>
+            </a:r>
+            <a:endParaRPr lang="en-US" dirty="0" smtClean="0"/>
+          </a:p>
+          <a:p>
+            <a:r>
+              <a:rPr lang="en-US" dirty="0">
+                <a:hlinkClick r:id="rId2"/>
+              </a:rPr>
+              <a:t>http://arduino.cc/en/Tutorial/HomePage</a:t>
+            </a:r>
+          </a:p>
+          <a:p>
+            <a:endParaRPr lang="en-US" dirty="0" smtClean="0"/>
+          </a:p>
+          <a:p>
+            <a:endParaRPr lang="en-US" dirty="0"/>
+          </a:p>
+        </p:txBody>
+      </p:sp>
+    </p:spTree>
+    <p:extLst>
+      <p:ext uri="{BB962C8B-B14F-4D97-AF65-F5344CB8AC3E}">
+        <p14:creationId xmlns:p14="http://schemas.microsoft.com/office/powerpoint/2010/main" val="1358757433"/>
+      </p:ext>
+    </p:extLst>
+  </p:cSld>
+  <p:clrMapOvr>
+    <a:masterClrMapping/>
+  </p:clrMapOvr>
+</p:sld>
+</file>
+
+<file path=ppt/slides/slide4.xml><?xml version="1.0" encoding="utf-8"?>
 <p:sld xmlns:a="http://schemas.openxmlformats.org/drawingml/2006/main" xmlns:r="http://schemas.openxmlformats.org/officeDocument/2006/relationships" xmlns:p="http://schemas.openxmlformats.org/presentationml/2006/main">
   <p:cSld>
     <p:spTree>
@@ -4693,1284 +6904,6 @@
 </p:sld>
 </file>
 
-<file path=ppt/slides/slide20.xml><?xml version="1.0" encoding="utf-8"?>
-<p:sld xmlns:a="http://schemas.openxmlformats.org/drawingml/2006/main" xmlns:r="http://schemas.openxmlformats.org/officeDocument/2006/relationships" xmlns:p="http://schemas.openxmlformats.org/presentationml/2006/main">
-  <p:cSld>
-    <p:spTree>
-      <p:nvGrpSpPr>
-        <p:cNvPr id="1" name=""/>
-        <p:cNvGrpSpPr/>
-        <p:nvPr/>
-      </p:nvGrpSpPr>
-      <p:grpSpPr>
-        <a:xfrm>
-          <a:off x="0" y="0"/>
-          <a:ext cx="0" cy="0"/>
-          <a:chOff x="0" y="0"/>
-          <a:chExt cx="0" cy="0"/>
-        </a:xfrm>
-      </p:grpSpPr>
-      <p:sp>
-        <p:nvSpPr>
-          <p:cNvPr id="2" name="Title 1"/>
-          <p:cNvSpPr>
-            <a:spLocks noGrp="1"/>
-          </p:cNvSpPr>
-          <p:nvPr>
-            <p:ph type="title"/>
-          </p:nvPr>
-        </p:nvSpPr>
-        <p:spPr/>
-        <p:txBody>
-          <a:bodyPr/>
-          <a:lstStyle/>
-          <a:p>
-            <a:r>
-              <a:rPr lang="en-US" dirty="0" smtClean="0"/>
-              <a:t>Project 1B Circuit</a:t>
-            </a:r>
-            <a:endParaRPr lang="en-US" dirty="0"/>
-          </a:p>
-        </p:txBody>
-      </p:sp>
-      <p:pic>
-        <p:nvPicPr>
-          <p:cNvPr id="4" name="Content Placeholder 3" descr="Screen Shot 2014-07-04 at 12.57.11 PM.png"/>
-          <p:cNvPicPr>
-            <a:picLocks noGrp="1" noChangeAspect="1"/>
-          </p:cNvPicPr>
-          <p:nvPr>
-            <p:ph idx="1"/>
-          </p:nvPr>
-        </p:nvPicPr>
-        <p:blipFill>
-          <a:blip r:embed="rId2">
-            <a:extLst>
-              <a:ext uri="{28A0092B-C50C-407E-A947-70E740481C1C}">
-                <a14:useLocalDpi xmlns:a14="http://schemas.microsoft.com/office/drawing/2010/main" val="0"/>
-              </a:ext>
-            </a:extLst>
-          </a:blip>
-          <a:srcRect l="-34165" r="-34165"/>
-          <a:stretch>
-            <a:fillRect/>
-          </a:stretch>
-        </p:blipFill>
-        <p:spPr/>
-      </p:pic>
-    </p:spTree>
-    <p:extLst>
-      <p:ext uri="{BB962C8B-B14F-4D97-AF65-F5344CB8AC3E}">
-        <p14:creationId xmlns:p14="http://schemas.microsoft.com/office/powerpoint/2010/main" val="652851981"/>
-      </p:ext>
-    </p:extLst>
-  </p:cSld>
-  <p:clrMapOvr>
-    <a:masterClrMapping/>
-  </p:clrMapOvr>
-</p:sld>
-</file>
-
-<file path=ppt/slides/slide21.xml><?xml version="1.0" encoding="utf-8"?>
-<p:sld xmlns:a="http://schemas.openxmlformats.org/drawingml/2006/main" xmlns:r="http://schemas.openxmlformats.org/officeDocument/2006/relationships" xmlns:p="http://schemas.openxmlformats.org/presentationml/2006/main">
-  <p:cSld>
-    <p:spTree>
-      <p:nvGrpSpPr>
-        <p:cNvPr id="1" name=""/>
-        <p:cNvGrpSpPr/>
-        <p:nvPr/>
-      </p:nvGrpSpPr>
-      <p:grpSpPr>
-        <a:xfrm>
-          <a:off x="0" y="0"/>
-          <a:ext cx="0" cy="0"/>
-          <a:chOff x="0" y="0"/>
-          <a:chExt cx="0" cy="0"/>
-        </a:xfrm>
-      </p:grpSpPr>
-      <p:sp>
-        <p:nvSpPr>
-          <p:cNvPr id="2" name="Title 1"/>
-          <p:cNvSpPr>
-            <a:spLocks noGrp="1"/>
-          </p:cNvSpPr>
-          <p:nvPr>
-            <p:ph type="title"/>
-          </p:nvPr>
-        </p:nvSpPr>
-        <p:spPr/>
-        <p:txBody>
-          <a:bodyPr/>
-          <a:lstStyle/>
-          <a:p>
-            <a:r>
-              <a:rPr lang="en-US" dirty="0" smtClean="0"/>
-              <a:t>Project 2</a:t>
-            </a:r>
-            <a:endParaRPr lang="en-US" dirty="0"/>
-          </a:p>
-        </p:txBody>
-      </p:sp>
-      <p:pic>
-        <p:nvPicPr>
-          <p:cNvPr id="4" name="Content Placeholder 3" descr="Project2A.png"/>
-          <p:cNvPicPr>
-            <a:picLocks noGrp="1" noChangeAspect="1"/>
-          </p:cNvPicPr>
-          <p:nvPr>
-            <p:ph idx="1"/>
-          </p:nvPr>
-        </p:nvPicPr>
-        <p:blipFill>
-          <a:blip r:embed="rId2">
-            <a:extLst>
-              <a:ext uri="{28A0092B-C50C-407E-A947-70E740481C1C}">
-                <a14:useLocalDpi xmlns:a14="http://schemas.microsoft.com/office/drawing/2010/main" val="0"/>
-              </a:ext>
-            </a:extLst>
-          </a:blip>
-          <a:srcRect l="-80079" r="-80079"/>
-          <a:stretch>
-            <a:fillRect/>
-          </a:stretch>
-        </p:blipFill>
-        <p:spPr/>
-      </p:pic>
-    </p:spTree>
-    <p:extLst>
-      <p:ext uri="{BB962C8B-B14F-4D97-AF65-F5344CB8AC3E}">
-        <p14:creationId xmlns:p14="http://schemas.microsoft.com/office/powerpoint/2010/main" val="607450728"/>
-      </p:ext>
-    </p:extLst>
-  </p:cSld>
-  <p:clrMapOvr>
-    <a:masterClrMapping/>
-  </p:clrMapOvr>
-</p:sld>
-</file>
-
-<file path=ppt/slides/slide22.xml><?xml version="1.0" encoding="utf-8"?>
-<p:sld xmlns:a="http://schemas.openxmlformats.org/drawingml/2006/main" xmlns:r="http://schemas.openxmlformats.org/officeDocument/2006/relationships" xmlns:p="http://schemas.openxmlformats.org/presentationml/2006/main">
-  <p:cSld>
-    <p:spTree>
-      <p:nvGrpSpPr>
-        <p:cNvPr id="1" name=""/>
-        <p:cNvGrpSpPr/>
-        <p:nvPr/>
-      </p:nvGrpSpPr>
-      <p:grpSpPr>
-        <a:xfrm>
-          <a:off x="0" y="0"/>
-          <a:ext cx="0" cy="0"/>
-          <a:chOff x="0" y="0"/>
-          <a:chExt cx="0" cy="0"/>
-        </a:xfrm>
-      </p:grpSpPr>
-      <p:sp>
-        <p:nvSpPr>
-          <p:cNvPr id="2" name="Title 1"/>
-          <p:cNvSpPr>
-            <a:spLocks noGrp="1"/>
-          </p:cNvSpPr>
-          <p:nvPr>
-            <p:ph type="title"/>
-          </p:nvPr>
-        </p:nvSpPr>
-        <p:spPr/>
-        <p:txBody>
-          <a:bodyPr/>
-          <a:lstStyle/>
-          <a:p>
-            <a:r>
-              <a:rPr lang="en-US" dirty="0" err="1" smtClean="0"/>
-              <a:t>Fritzing</a:t>
-            </a:r>
-            <a:endParaRPr lang="en-US" dirty="0"/>
-          </a:p>
-        </p:txBody>
-      </p:sp>
-      <p:sp>
-        <p:nvSpPr>
-          <p:cNvPr id="3" name="Content Placeholder 2"/>
-          <p:cNvSpPr>
-            <a:spLocks noGrp="1"/>
-          </p:cNvSpPr>
-          <p:nvPr>
-            <p:ph idx="1"/>
-          </p:nvPr>
-        </p:nvSpPr>
-        <p:spPr/>
-        <p:txBody>
-          <a:bodyPr/>
-          <a:lstStyle/>
-          <a:p>
-            <a:endParaRPr lang="en-US" dirty="0" smtClean="0"/>
-          </a:p>
-          <a:p>
-            <a:endParaRPr lang="en-US" dirty="0"/>
-          </a:p>
-          <a:p>
-            <a:endParaRPr lang="en-US" dirty="0" smtClean="0"/>
-          </a:p>
-          <a:p>
-            <a:r>
-              <a:rPr lang="en-US" dirty="0" smtClean="0"/>
-              <a:t>Demo </a:t>
-            </a:r>
-            <a:r>
-              <a:rPr lang="en-US" dirty="0" err="1" smtClean="0"/>
-              <a:t>Fritzing</a:t>
-            </a:r>
-            <a:r>
-              <a:rPr lang="en-US" dirty="0" smtClean="0"/>
-              <a:t> for Project 2</a:t>
-            </a:r>
-            <a:endParaRPr lang="en-US" dirty="0"/>
-          </a:p>
-        </p:txBody>
-      </p:sp>
-    </p:spTree>
-    <p:extLst>
-      <p:ext uri="{BB962C8B-B14F-4D97-AF65-F5344CB8AC3E}">
-        <p14:creationId xmlns:p14="http://schemas.microsoft.com/office/powerpoint/2010/main" val="4191499066"/>
-      </p:ext>
-    </p:extLst>
-  </p:cSld>
-  <p:clrMapOvr>
-    <a:masterClrMapping/>
-  </p:clrMapOvr>
-</p:sld>
-</file>
-
-<file path=ppt/slides/slide23.xml><?xml version="1.0" encoding="utf-8"?>
-<p:sld xmlns:a="http://schemas.openxmlformats.org/drawingml/2006/main" xmlns:r="http://schemas.openxmlformats.org/officeDocument/2006/relationships" xmlns:p="http://schemas.openxmlformats.org/presentationml/2006/main">
-  <p:cSld>
-    <p:spTree>
-      <p:nvGrpSpPr>
-        <p:cNvPr id="1" name=""/>
-        <p:cNvGrpSpPr/>
-        <p:nvPr/>
-      </p:nvGrpSpPr>
-      <p:grpSpPr>
-        <a:xfrm>
-          <a:off x="0" y="0"/>
-          <a:ext cx="0" cy="0"/>
-          <a:chOff x="0" y="0"/>
-          <a:chExt cx="0" cy="0"/>
-        </a:xfrm>
-      </p:grpSpPr>
-      <p:sp>
-        <p:nvSpPr>
-          <p:cNvPr id="2" name="Title 1"/>
-          <p:cNvSpPr>
-            <a:spLocks noGrp="1"/>
-          </p:cNvSpPr>
-          <p:nvPr>
-            <p:ph type="title"/>
-          </p:nvPr>
-        </p:nvSpPr>
-        <p:spPr/>
-        <p:txBody>
-          <a:bodyPr/>
-          <a:lstStyle/>
-          <a:p>
-            <a:r>
-              <a:rPr lang="en-US" dirty="0" smtClean="0"/>
-              <a:t>Project 3</a:t>
-            </a:r>
-            <a:endParaRPr lang="en-US" dirty="0"/>
-          </a:p>
-        </p:txBody>
-      </p:sp>
-      <p:pic>
-        <p:nvPicPr>
-          <p:cNvPr id="4" name="Content Placeholder 3" descr="Project3.png"/>
-          <p:cNvPicPr>
-            <a:picLocks noGrp="1" noChangeAspect="1"/>
-          </p:cNvPicPr>
-          <p:nvPr>
-            <p:ph idx="1"/>
-          </p:nvPr>
-        </p:nvPicPr>
-        <p:blipFill>
-          <a:blip r:embed="rId2">
-            <a:extLst>
-              <a:ext uri="{28A0092B-C50C-407E-A947-70E740481C1C}">
-                <a14:useLocalDpi xmlns:a14="http://schemas.microsoft.com/office/drawing/2010/main" val="0"/>
-              </a:ext>
-            </a:extLst>
-          </a:blip>
-          <a:srcRect l="-44265" r="-44265"/>
-          <a:stretch>
-            <a:fillRect/>
-          </a:stretch>
-        </p:blipFill>
-        <p:spPr/>
-      </p:pic>
-    </p:spTree>
-    <p:extLst>
-      <p:ext uri="{BB962C8B-B14F-4D97-AF65-F5344CB8AC3E}">
-        <p14:creationId xmlns:p14="http://schemas.microsoft.com/office/powerpoint/2010/main" val="1895327351"/>
-      </p:ext>
-    </p:extLst>
-  </p:cSld>
-  <p:clrMapOvr>
-    <a:masterClrMapping/>
-  </p:clrMapOvr>
-</p:sld>
-</file>
-
-<file path=ppt/slides/slide24.xml><?xml version="1.0" encoding="utf-8"?>
-<p:sld xmlns:a="http://schemas.openxmlformats.org/drawingml/2006/main" xmlns:r="http://schemas.openxmlformats.org/officeDocument/2006/relationships" xmlns:p="http://schemas.openxmlformats.org/presentationml/2006/main">
-  <p:cSld>
-    <p:spTree>
-      <p:nvGrpSpPr>
-        <p:cNvPr id="1" name=""/>
-        <p:cNvGrpSpPr/>
-        <p:nvPr/>
-      </p:nvGrpSpPr>
-      <p:grpSpPr>
-        <a:xfrm>
-          <a:off x="0" y="0"/>
-          <a:ext cx="0" cy="0"/>
-          <a:chOff x="0" y="0"/>
-          <a:chExt cx="0" cy="0"/>
-        </a:xfrm>
-      </p:grpSpPr>
-      <p:sp>
-        <p:nvSpPr>
-          <p:cNvPr id="2" name="Title 1"/>
-          <p:cNvSpPr>
-            <a:spLocks noGrp="1"/>
-          </p:cNvSpPr>
-          <p:nvPr>
-            <p:ph type="title"/>
-          </p:nvPr>
-        </p:nvSpPr>
-        <p:spPr/>
-        <p:txBody>
-          <a:bodyPr/>
-          <a:lstStyle/>
-          <a:p>
-            <a:r>
-              <a:rPr lang="en-US" dirty="0" smtClean="0"/>
-              <a:t>Project 3 Sketch</a:t>
-            </a:r>
-            <a:endParaRPr lang="en-US" dirty="0"/>
-          </a:p>
-        </p:txBody>
-      </p:sp>
-      <p:sp>
-        <p:nvSpPr>
-          <p:cNvPr id="3" name="Content Placeholder 2"/>
-          <p:cNvSpPr>
-            <a:spLocks noGrp="1"/>
-          </p:cNvSpPr>
-          <p:nvPr>
-            <p:ph idx="1"/>
-          </p:nvPr>
-        </p:nvSpPr>
-        <p:spPr/>
-        <p:txBody>
-          <a:bodyPr>
-            <a:normAutofit/>
-          </a:bodyPr>
-          <a:lstStyle/>
-          <a:p>
-            <a:pPr marL="0" indent="0">
-              <a:buNone/>
-            </a:pPr>
-            <a:endParaRPr lang="en-US" sz="1000" dirty="0" smtClean="0">
-              <a:latin typeface="American Typewriter"/>
-              <a:cs typeface="American Typewriter"/>
-            </a:endParaRPr>
-          </a:p>
-          <a:p>
-            <a:pPr marL="0" indent="0">
-              <a:buNone/>
-            </a:pPr>
-            <a:endParaRPr lang="en-US" sz="1000" dirty="0">
-              <a:latin typeface="American Typewriter"/>
-              <a:cs typeface="American Typewriter"/>
-            </a:endParaRPr>
-          </a:p>
-          <a:p>
-            <a:pPr marL="0" indent="0">
-              <a:buNone/>
-            </a:pPr>
-            <a:endParaRPr lang="en-US" sz="2000" dirty="0" smtClean="0">
-              <a:cs typeface="American Typewriter"/>
-            </a:endParaRPr>
-          </a:p>
-          <a:p>
-            <a:pPr marL="0" indent="0">
-              <a:buNone/>
-            </a:pPr>
-            <a:endParaRPr lang="en-US" sz="2000" dirty="0">
-              <a:cs typeface="American Typewriter"/>
-            </a:endParaRPr>
-          </a:p>
-          <a:p>
-            <a:pPr marL="0" indent="0">
-              <a:buNone/>
-            </a:pPr>
-            <a:endParaRPr lang="en-US" sz="2000" dirty="0" smtClean="0">
-              <a:cs typeface="American Typewriter"/>
-            </a:endParaRPr>
-          </a:p>
-          <a:p>
-            <a:pPr marL="0" indent="0">
-              <a:buNone/>
-            </a:pPr>
-            <a:r>
-              <a:rPr lang="en-US" sz="2000" dirty="0">
-                <a:cs typeface="American Typewriter"/>
-              </a:rPr>
-              <a:t>	</a:t>
-            </a:r>
-            <a:r>
-              <a:rPr lang="en-US" sz="2000" dirty="0" smtClean="0">
-                <a:cs typeface="American Typewriter"/>
-              </a:rPr>
-              <a:t>					</a:t>
-            </a:r>
-            <a:r>
-              <a:rPr lang="en-US" sz="2000" dirty="0" err="1" smtClean="0">
-                <a:cs typeface="American Typewriter"/>
-              </a:rPr>
-              <a:t>Github</a:t>
-            </a:r>
-            <a:r>
-              <a:rPr lang="en-US" sz="2000" dirty="0" smtClean="0">
-                <a:cs typeface="American Typewriter"/>
-              </a:rPr>
-              <a:t> link</a:t>
-            </a:r>
-            <a:endParaRPr lang="en-US" sz="2000" dirty="0">
-              <a:cs typeface="American Typewriter"/>
-            </a:endParaRPr>
-          </a:p>
-        </p:txBody>
-      </p:sp>
-    </p:spTree>
-    <p:extLst>
-      <p:ext uri="{BB962C8B-B14F-4D97-AF65-F5344CB8AC3E}">
-        <p14:creationId xmlns:p14="http://schemas.microsoft.com/office/powerpoint/2010/main" val="158456006"/>
-      </p:ext>
-    </p:extLst>
-  </p:cSld>
-  <p:clrMapOvr>
-    <a:masterClrMapping/>
-  </p:clrMapOvr>
-</p:sld>
-</file>
-
-<file path=ppt/slides/slide25.xml><?xml version="1.0" encoding="utf-8"?>
-<p:sld xmlns:a="http://schemas.openxmlformats.org/drawingml/2006/main" xmlns:r="http://schemas.openxmlformats.org/officeDocument/2006/relationships" xmlns:p="http://schemas.openxmlformats.org/presentationml/2006/main">
-  <p:cSld>
-    <p:spTree>
-      <p:nvGrpSpPr>
-        <p:cNvPr id="1" name=""/>
-        <p:cNvGrpSpPr/>
-        <p:nvPr/>
-      </p:nvGrpSpPr>
-      <p:grpSpPr>
-        <a:xfrm>
-          <a:off x="0" y="0"/>
-          <a:ext cx="0" cy="0"/>
-          <a:chOff x="0" y="0"/>
-          <a:chExt cx="0" cy="0"/>
-        </a:xfrm>
-      </p:grpSpPr>
-      <p:sp>
-        <p:nvSpPr>
-          <p:cNvPr id="2" name="Title 1"/>
-          <p:cNvSpPr>
-            <a:spLocks noGrp="1"/>
-          </p:cNvSpPr>
-          <p:nvPr>
-            <p:ph type="title"/>
-          </p:nvPr>
-        </p:nvSpPr>
-        <p:spPr/>
-        <p:txBody>
-          <a:bodyPr/>
-          <a:lstStyle/>
-          <a:p>
-            <a:r>
-              <a:rPr lang="en-US" dirty="0" smtClean="0"/>
-              <a:t>Project 4</a:t>
-            </a:r>
-            <a:endParaRPr lang="en-US" dirty="0"/>
-          </a:p>
-        </p:txBody>
-      </p:sp>
-      <p:pic>
-        <p:nvPicPr>
-          <p:cNvPr id="6" name="Content Placeholder 5" descr="Project4.png"/>
-          <p:cNvPicPr>
-            <a:picLocks noGrp="1" noChangeAspect="1"/>
-          </p:cNvPicPr>
-          <p:nvPr>
-            <p:ph idx="1"/>
-          </p:nvPr>
-        </p:nvPicPr>
-        <p:blipFill>
-          <a:blip r:embed="rId2">
-            <a:extLst>
-              <a:ext uri="{28A0092B-C50C-407E-A947-70E740481C1C}">
-                <a14:useLocalDpi xmlns:a14="http://schemas.microsoft.com/office/drawing/2010/main" val="0"/>
-              </a:ext>
-            </a:extLst>
-          </a:blip>
-          <a:srcRect l="-16563" r="-16563"/>
-          <a:stretch>
-            <a:fillRect/>
-          </a:stretch>
-        </p:blipFill>
-        <p:spPr/>
-      </p:pic>
-    </p:spTree>
-    <p:extLst>
-      <p:ext uri="{BB962C8B-B14F-4D97-AF65-F5344CB8AC3E}">
-        <p14:creationId xmlns:p14="http://schemas.microsoft.com/office/powerpoint/2010/main" val="2290959330"/>
-      </p:ext>
-    </p:extLst>
-  </p:cSld>
-  <p:clrMapOvr>
-    <a:masterClrMapping/>
-  </p:clrMapOvr>
-</p:sld>
-</file>
-
-<file path=ppt/slides/slide26.xml><?xml version="1.0" encoding="utf-8"?>
-<p:sld xmlns:a="http://schemas.openxmlformats.org/drawingml/2006/main" xmlns:r="http://schemas.openxmlformats.org/officeDocument/2006/relationships" xmlns:p="http://schemas.openxmlformats.org/presentationml/2006/main">
-  <p:cSld>
-    <p:spTree>
-      <p:nvGrpSpPr>
-        <p:cNvPr id="1" name=""/>
-        <p:cNvGrpSpPr/>
-        <p:nvPr/>
-      </p:nvGrpSpPr>
-      <p:grpSpPr>
-        <a:xfrm>
-          <a:off x="0" y="0"/>
-          <a:ext cx="0" cy="0"/>
-          <a:chOff x="0" y="0"/>
-          <a:chExt cx="0" cy="0"/>
-        </a:xfrm>
-      </p:grpSpPr>
-      <p:sp>
-        <p:nvSpPr>
-          <p:cNvPr id="2" name="Title 1"/>
-          <p:cNvSpPr>
-            <a:spLocks noGrp="1"/>
-          </p:cNvSpPr>
-          <p:nvPr>
-            <p:ph type="title"/>
-          </p:nvPr>
-        </p:nvSpPr>
-        <p:spPr/>
-        <p:txBody>
-          <a:bodyPr/>
-          <a:lstStyle/>
-          <a:p>
-            <a:r>
-              <a:rPr lang="en-US" dirty="0" smtClean="0"/>
-              <a:t>Project 4 Sketch</a:t>
-            </a:r>
-            <a:endParaRPr lang="en-US" dirty="0"/>
-          </a:p>
-        </p:txBody>
-      </p:sp>
-      <p:sp>
-        <p:nvSpPr>
-          <p:cNvPr id="3" name="Content Placeholder 2"/>
-          <p:cNvSpPr>
-            <a:spLocks noGrp="1"/>
-          </p:cNvSpPr>
-          <p:nvPr>
-            <p:ph idx="1"/>
-          </p:nvPr>
-        </p:nvSpPr>
-        <p:spPr/>
-        <p:txBody>
-          <a:bodyPr/>
-          <a:lstStyle/>
-          <a:p>
-            <a:endParaRPr lang="en-US" dirty="0" smtClean="0"/>
-          </a:p>
-          <a:p>
-            <a:endParaRPr lang="en-US" dirty="0"/>
-          </a:p>
-          <a:p>
-            <a:pPr algn="ctr"/>
-            <a:r>
-              <a:rPr lang="en-US" dirty="0" err="1" smtClean="0"/>
-              <a:t>Github</a:t>
-            </a:r>
-            <a:r>
-              <a:rPr lang="en-US" dirty="0" smtClean="0"/>
-              <a:t> link</a:t>
-            </a:r>
-            <a:endParaRPr lang="en-US" dirty="0"/>
-          </a:p>
-        </p:txBody>
-      </p:sp>
-      <p:sp>
-        <p:nvSpPr>
-          <p:cNvPr id="4" name="TextBox 3"/>
-          <p:cNvSpPr txBox="1"/>
-          <p:nvPr/>
-        </p:nvSpPr>
-        <p:spPr>
-          <a:xfrm>
-            <a:off x="2139416" y="3123644"/>
-            <a:ext cx="184666" cy="369332"/>
-          </a:xfrm>
-          <a:prstGeom prst="rect">
-            <a:avLst/>
-          </a:prstGeom>
-          <a:noFill/>
-        </p:spPr>
-        <p:txBody>
-          <a:bodyPr wrap="none" rtlCol="0">
-            <a:spAutoFit/>
-          </a:bodyPr>
-          <a:lstStyle/>
-          <a:p>
-            <a:endParaRPr lang="en-US" dirty="0"/>
-          </a:p>
-        </p:txBody>
-      </p:sp>
-    </p:spTree>
-    <p:extLst>
-      <p:ext uri="{BB962C8B-B14F-4D97-AF65-F5344CB8AC3E}">
-        <p14:creationId xmlns:p14="http://schemas.microsoft.com/office/powerpoint/2010/main" val="2101305375"/>
-      </p:ext>
-    </p:extLst>
-  </p:cSld>
-  <p:clrMapOvr>
-    <a:masterClrMapping/>
-  </p:clrMapOvr>
-</p:sld>
-</file>
-
-<file path=ppt/slides/slide27.xml><?xml version="1.0" encoding="utf-8"?>
-<p:sld xmlns:a="http://schemas.openxmlformats.org/drawingml/2006/main" xmlns:r="http://schemas.openxmlformats.org/officeDocument/2006/relationships" xmlns:p="http://schemas.openxmlformats.org/presentationml/2006/main">
-  <p:cSld>
-    <p:spTree>
-      <p:nvGrpSpPr>
-        <p:cNvPr id="1" name=""/>
-        <p:cNvGrpSpPr/>
-        <p:nvPr/>
-      </p:nvGrpSpPr>
-      <p:grpSpPr>
-        <a:xfrm>
-          <a:off x="0" y="0"/>
-          <a:ext cx="0" cy="0"/>
-          <a:chOff x="0" y="0"/>
-          <a:chExt cx="0" cy="0"/>
-        </a:xfrm>
-      </p:grpSpPr>
-      <p:sp>
-        <p:nvSpPr>
-          <p:cNvPr id="2" name="Title 1"/>
-          <p:cNvSpPr>
-            <a:spLocks noGrp="1"/>
-          </p:cNvSpPr>
-          <p:nvPr>
-            <p:ph type="title"/>
-          </p:nvPr>
-        </p:nvSpPr>
-        <p:spPr/>
-        <p:txBody>
-          <a:bodyPr/>
-          <a:lstStyle/>
-          <a:p>
-            <a:r>
-              <a:rPr lang="en-US" dirty="0" smtClean="0"/>
-              <a:t>Project 5</a:t>
-            </a:r>
-            <a:endParaRPr lang="en-US" dirty="0"/>
-          </a:p>
-        </p:txBody>
-      </p:sp>
-      <p:sp>
-        <p:nvSpPr>
-          <p:cNvPr id="3" name="Content Placeholder 2"/>
-          <p:cNvSpPr>
-            <a:spLocks noGrp="1"/>
-          </p:cNvSpPr>
-          <p:nvPr>
-            <p:ph idx="1"/>
-          </p:nvPr>
-        </p:nvSpPr>
-        <p:spPr/>
-        <p:txBody>
-          <a:bodyPr/>
-          <a:lstStyle/>
-          <a:p>
-            <a:r>
-              <a:rPr lang="en-US" dirty="0" smtClean="0"/>
-              <a:t>TODO </a:t>
-            </a:r>
-            <a:r>
-              <a:rPr lang="en-US" dirty="0" err="1" smtClean="0"/>
-              <a:t>PhotoResistor</a:t>
-            </a:r>
-            <a:endParaRPr lang="en-US" dirty="0" smtClean="0"/>
-          </a:p>
-          <a:p>
-            <a:endParaRPr lang="en-US" dirty="0"/>
-          </a:p>
-          <a:p>
-            <a:r>
-              <a:rPr lang="en-US" dirty="0"/>
-              <a:t>http://</a:t>
-            </a:r>
-            <a:r>
-              <a:rPr lang="en-US" dirty="0" err="1"/>
-              <a:t>arduino.cc</a:t>
-            </a:r>
-            <a:r>
-              <a:rPr lang="en-US" dirty="0"/>
-              <a:t>/en/Tutorial/</a:t>
-            </a:r>
-            <a:r>
-              <a:rPr lang="en-US" dirty="0" err="1"/>
-              <a:t>AnalogInput</a:t>
-            </a:r>
-            <a:endParaRPr lang="en-US" dirty="0"/>
-          </a:p>
-        </p:txBody>
-      </p:sp>
-    </p:spTree>
-    <p:extLst>
-      <p:ext uri="{BB962C8B-B14F-4D97-AF65-F5344CB8AC3E}">
-        <p14:creationId xmlns:p14="http://schemas.microsoft.com/office/powerpoint/2010/main" val="764543211"/>
-      </p:ext>
-    </p:extLst>
-  </p:cSld>
-  <p:clrMapOvr>
-    <a:masterClrMapping/>
-  </p:clrMapOvr>
-</p:sld>
-</file>
-
-<file path=ppt/slides/slide28.xml><?xml version="1.0" encoding="utf-8"?>
-<p:sld xmlns:a="http://schemas.openxmlformats.org/drawingml/2006/main" xmlns:r="http://schemas.openxmlformats.org/officeDocument/2006/relationships" xmlns:p="http://schemas.openxmlformats.org/presentationml/2006/main">
-  <p:cSld>
-    <p:spTree>
-      <p:nvGrpSpPr>
-        <p:cNvPr id="1" name=""/>
-        <p:cNvGrpSpPr/>
-        <p:nvPr/>
-      </p:nvGrpSpPr>
-      <p:grpSpPr>
-        <a:xfrm>
-          <a:off x="0" y="0"/>
-          <a:ext cx="0" cy="0"/>
-          <a:chOff x="0" y="0"/>
-          <a:chExt cx="0" cy="0"/>
-        </a:xfrm>
-      </p:grpSpPr>
-      <p:sp>
-        <p:nvSpPr>
-          <p:cNvPr id="2" name="Title 1"/>
-          <p:cNvSpPr>
-            <a:spLocks noGrp="1"/>
-          </p:cNvSpPr>
-          <p:nvPr>
-            <p:ph type="title"/>
-          </p:nvPr>
-        </p:nvSpPr>
-        <p:spPr/>
-        <p:txBody>
-          <a:bodyPr/>
-          <a:lstStyle/>
-          <a:p>
-            <a:r>
-              <a:rPr lang="en-US" dirty="0" smtClean="0"/>
-              <a:t>Project 6</a:t>
-            </a:r>
-            <a:endParaRPr lang="en-US" dirty="0"/>
-          </a:p>
-        </p:txBody>
-      </p:sp>
-      <p:sp>
-        <p:nvSpPr>
-          <p:cNvPr id="3" name="Content Placeholder 2"/>
-          <p:cNvSpPr>
-            <a:spLocks noGrp="1"/>
-          </p:cNvSpPr>
-          <p:nvPr>
-            <p:ph idx="1"/>
-          </p:nvPr>
-        </p:nvSpPr>
-        <p:spPr/>
-        <p:txBody>
-          <a:bodyPr/>
-          <a:lstStyle/>
-          <a:p>
-            <a:r>
-              <a:rPr lang="en-US" dirty="0" smtClean="0"/>
-              <a:t>TODO </a:t>
-            </a:r>
-            <a:r>
-              <a:rPr lang="en-US" dirty="0" smtClean="0"/>
-              <a:t>Potentiometer</a:t>
-            </a:r>
-          </a:p>
-          <a:p>
-            <a:endParaRPr lang="en-US" dirty="0"/>
-          </a:p>
-          <a:p>
-            <a:r>
-              <a:rPr lang="en-US" dirty="0"/>
-              <a:t>http://</a:t>
-            </a:r>
-            <a:r>
-              <a:rPr lang="en-US" dirty="0" err="1"/>
-              <a:t>www.arduinoclassroom.com</a:t>
-            </a:r>
-            <a:r>
-              <a:rPr lang="en-US" dirty="0"/>
-              <a:t>/</a:t>
-            </a:r>
-            <a:r>
-              <a:rPr lang="en-US" dirty="0" err="1"/>
-              <a:t>index.php</a:t>
-            </a:r>
-            <a:r>
-              <a:rPr lang="en-US" dirty="0"/>
-              <a:t>/arduino-101/chapter-7</a:t>
-            </a:r>
-            <a:endParaRPr lang="en-US" dirty="0" smtClean="0"/>
-          </a:p>
-          <a:p>
-            <a:endParaRPr lang="en-US" dirty="0"/>
-          </a:p>
-        </p:txBody>
-      </p:sp>
-    </p:spTree>
-    <p:extLst>
-      <p:ext uri="{BB962C8B-B14F-4D97-AF65-F5344CB8AC3E}">
-        <p14:creationId xmlns:p14="http://schemas.microsoft.com/office/powerpoint/2010/main" val="2865462024"/>
-      </p:ext>
-    </p:extLst>
-  </p:cSld>
-  <p:clrMapOvr>
-    <a:masterClrMapping/>
-  </p:clrMapOvr>
-</p:sld>
-</file>
-
-<file path=ppt/slides/slide29.xml><?xml version="1.0" encoding="utf-8"?>
-<p:sld xmlns:a="http://schemas.openxmlformats.org/drawingml/2006/main" xmlns:r="http://schemas.openxmlformats.org/officeDocument/2006/relationships" xmlns:p="http://schemas.openxmlformats.org/presentationml/2006/main">
-  <p:cSld>
-    <p:spTree>
-      <p:nvGrpSpPr>
-        <p:cNvPr id="1" name=""/>
-        <p:cNvGrpSpPr/>
-        <p:nvPr/>
-      </p:nvGrpSpPr>
-      <p:grpSpPr>
-        <a:xfrm>
-          <a:off x="0" y="0"/>
-          <a:ext cx="0" cy="0"/>
-          <a:chOff x="0" y="0"/>
-          <a:chExt cx="0" cy="0"/>
-        </a:xfrm>
-      </p:grpSpPr>
-      <p:sp>
-        <p:nvSpPr>
-          <p:cNvPr id="2" name="Title 1"/>
-          <p:cNvSpPr>
-            <a:spLocks noGrp="1"/>
-          </p:cNvSpPr>
-          <p:nvPr>
-            <p:ph type="title"/>
-          </p:nvPr>
-        </p:nvSpPr>
-        <p:spPr/>
-        <p:txBody>
-          <a:bodyPr/>
-          <a:lstStyle/>
-          <a:p>
-            <a:r>
-              <a:rPr lang="en-US" dirty="0" smtClean="0"/>
-              <a:t>Homework</a:t>
-            </a:r>
-            <a:endParaRPr lang="en-US" dirty="0"/>
-          </a:p>
-        </p:txBody>
-      </p:sp>
-      <p:sp>
-        <p:nvSpPr>
-          <p:cNvPr id="3" name="Content Placeholder 2"/>
-          <p:cNvSpPr>
-            <a:spLocks noGrp="1"/>
-          </p:cNvSpPr>
-          <p:nvPr>
-            <p:ph idx="1"/>
-          </p:nvPr>
-        </p:nvSpPr>
-        <p:spPr/>
-        <p:txBody>
-          <a:bodyPr/>
-          <a:lstStyle/>
-          <a:p>
-            <a:endParaRPr lang="en-US"/>
-          </a:p>
-        </p:txBody>
-      </p:sp>
-    </p:spTree>
-    <p:extLst>
-      <p:ext uri="{BB962C8B-B14F-4D97-AF65-F5344CB8AC3E}">
-        <p14:creationId xmlns:p14="http://schemas.microsoft.com/office/powerpoint/2010/main" val="1969716619"/>
-      </p:ext>
-    </p:extLst>
-  </p:cSld>
-  <p:clrMapOvr>
-    <a:masterClrMapping/>
-  </p:clrMapOvr>
-</p:sld>
-</file>
-
-<file path=ppt/slides/slide3.xml><?xml version="1.0" encoding="utf-8"?>
-<p:sld xmlns:a="http://schemas.openxmlformats.org/drawingml/2006/main" xmlns:r="http://schemas.openxmlformats.org/officeDocument/2006/relationships" xmlns:p="http://schemas.openxmlformats.org/presentationml/2006/main">
-  <p:cSld>
-    <p:spTree>
-      <p:nvGrpSpPr>
-        <p:cNvPr id="1" name=""/>
-        <p:cNvGrpSpPr/>
-        <p:nvPr/>
-      </p:nvGrpSpPr>
-      <p:grpSpPr>
-        <a:xfrm>
-          <a:off x="0" y="0"/>
-          <a:ext cx="0" cy="0"/>
-          <a:chOff x="0" y="0"/>
-          <a:chExt cx="0" cy="0"/>
-        </a:xfrm>
-      </p:grpSpPr>
-      <p:sp>
-        <p:nvSpPr>
-          <p:cNvPr id="2" name="Title 1"/>
-          <p:cNvSpPr>
-            <a:spLocks noGrp="1"/>
-          </p:cNvSpPr>
-          <p:nvPr>
-            <p:ph type="title"/>
-          </p:nvPr>
-        </p:nvSpPr>
-        <p:spPr/>
-        <p:txBody>
-          <a:bodyPr/>
-          <a:lstStyle/>
-          <a:p>
-            <a:r>
-              <a:rPr lang="en-US" dirty="0" smtClean="0"/>
-              <a:t>What are we going to learn?</a:t>
-            </a:r>
-            <a:endParaRPr lang="en-US" dirty="0"/>
-          </a:p>
-        </p:txBody>
-      </p:sp>
-      <p:sp>
-        <p:nvSpPr>
-          <p:cNvPr id="3" name="Content Placeholder 2"/>
-          <p:cNvSpPr>
-            <a:spLocks noGrp="1"/>
-          </p:cNvSpPr>
-          <p:nvPr>
-            <p:ph idx="1"/>
-          </p:nvPr>
-        </p:nvSpPr>
-        <p:spPr/>
-        <p:txBody>
-          <a:bodyPr/>
-          <a:lstStyle/>
-          <a:p>
-            <a:endParaRPr lang="en-US" dirty="0" smtClean="0"/>
-          </a:p>
-          <a:p>
-            <a:r>
-              <a:rPr lang="en-US" dirty="0" smtClean="0"/>
-              <a:t>Making circuits with </a:t>
-            </a:r>
-            <a:r>
-              <a:rPr lang="en-US" dirty="0" err="1" smtClean="0"/>
-              <a:t>Arduino</a:t>
-            </a:r>
-            <a:r>
-              <a:rPr lang="en-US" dirty="0" smtClean="0"/>
-              <a:t>.</a:t>
-            </a:r>
-          </a:p>
-          <a:p>
-            <a:endParaRPr lang="en-US" dirty="0" smtClean="0"/>
-          </a:p>
-          <a:p>
-            <a:r>
-              <a:rPr lang="en-US" dirty="0" smtClean="0"/>
-              <a:t>Drawing circuit diagrams using </a:t>
-            </a:r>
-            <a:r>
-              <a:rPr lang="en-US" dirty="0" err="1" smtClean="0"/>
-              <a:t>Fritzing</a:t>
-            </a:r>
-            <a:r>
-              <a:rPr lang="en-US" dirty="0" smtClean="0"/>
-              <a:t>.</a:t>
-            </a:r>
-          </a:p>
-          <a:p>
-            <a:endParaRPr lang="en-US" dirty="0"/>
-          </a:p>
-          <a:p>
-            <a:r>
-              <a:rPr lang="en-US" dirty="0" smtClean="0"/>
-              <a:t>Uploading sketches using </a:t>
-            </a:r>
-            <a:r>
-              <a:rPr lang="en-US" dirty="0" err="1" smtClean="0"/>
-              <a:t>Arduino</a:t>
-            </a:r>
-            <a:r>
-              <a:rPr lang="en-US" dirty="0" smtClean="0"/>
-              <a:t> IDE.</a:t>
-            </a:r>
-          </a:p>
-          <a:p>
-            <a:endParaRPr lang="en-US" dirty="0"/>
-          </a:p>
-          <a:p>
-            <a:endParaRPr lang="en-US" dirty="0" smtClean="0"/>
-          </a:p>
-          <a:p>
-            <a:endParaRPr lang="en-US" dirty="0"/>
-          </a:p>
-          <a:p>
-            <a:endParaRPr lang="en-US" dirty="0"/>
-          </a:p>
-        </p:txBody>
-      </p:sp>
-    </p:spTree>
-    <p:extLst>
-      <p:ext uri="{BB962C8B-B14F-4D97-AF65-F5344CB8AC3E}">
-        <p14:creationId xmlns:p14="http://schemas.microsoft.com/office/powerpoint/2010/main" val="2984637808"/>
-      </p:ext>
-    </p:extLst>
-  </p:cSld>
-  <p:clrMapOvr>
-    <a:masterClrMapping/>
-  </p:clrMapOvr>
-</p:sld>
-</file>
-
-<file path=ppt/slides/slide30.xml><?xml version="1.0" encoding="utf-8"?>
-<p:sld xmlns:a="http://schemas.openxmlformats.org/drawingml/2006/main" xmlns:r="http://schemas.openxmlformats.org/officeDocument/2006/relationships" xmlns:p="http://schemas.openxmlformats.org/presentationml/2006/main">
-  <p:cSld>
-    <p:spTree>
-      <p:nvGrpSpPr>
-        <p:cNvPr id="1" name=""/>
-        <p:cNvGrpSpPr/>
-        <p:nvPr/>
-      </p:nvGrpSpPr>
-      <p:grpSpPr>
-        <a:xfrm>
-          <a:off x="0" y="0"/>
-          <a:ext cx="0" cy="0"/>
-          <a:chOff x="0" y="0"/>
-          <a:chExt cx="0" cy="0"/>
-        </a:xfrm>
-      </p:grpSpPr>
-      <p:sp>
-        <p:nvSpPr>
-          <p:cNvPr id="2" name="Title 1"/>
-          <p:cNvSpPr>
-            <a:spLocks noGrp="1"/>
-          </p:cNvSpPr>
-          <p:nvPr>
-            <p:ph type="title"/>
-          </p:nvPr>
-        </p:nvSpPr>
-        <p:spPr/>
-        <p:txBody>
-          <a:bodyPr/>
-          <a:lstStyle/>
-          <a:p>
-            <a:r>
-              <a:rPr lang="en-US" dirty="0" smtClean="0"/>
-              <a:t>Resources</a:t>
-            </a:r>
-            <a:endParaRPr lang="en-US" dirty="0"/>
-          </a:p>
-        </p:txBody>
-      </p:sp>
-      <p:sp>
-        <p:nvSpPr>
-          <p:cNvPr id="3" name="Content Placeholder 2"/>
-          <p:cNvSpPr>
-            <a:spLocks noGrp="1"/>
-          </p:cNvSpPr>
-          <p:nvPr>
-            <p:ph idx="1"/>
-          </p:nvPr>
-        </p:nvSpPr>
-        <p:spPr/>
-        <p:txBody>
-          <a:bodyPr/>
-          <a:lstStyle/>
-          <a:p>
-            <a:r>
-              <a:rPr lang="en-US" dirty="0" smtClean="0"/>
-              <a:t/>
-            </a:r>
-            <a:endParaRPr lang="en-US" dirty="0"/>
-          </a:p>
-        </p:txBody>
-      </p:sp>
-    </p:spTree>
-    <p:extLst>
-      <p:ext uri="{BB962C8B-B14F-4D97-AF65-F5344CB8AC3E}">
-        <p14:creationId xmlns:p14="http://schemas.microsoft.com/office/powerpoint/2010/main" val="1358757433"/>
-      </p:ext>
-    </p:extLst>
-  </p:cSld>
-  <p:clrMapOvr>
-    <a:masterClrMapping/>
-  </p:clrMapOvr>
-</p:sld>
-</file>
-
-<file path=ppt/slides/slide4.xml><?xml version="1.0" encoding="utf-8"?>
-<p:sld xmlns:a="http://schemas.openxmlformats.org/drawingml/2006/main" xmlns:r="http://schemas.openxmlformats.org/officeDocument/2006/relationships" xmlns:p="http://schemas.openxmlformats.org/presentationml/2006/main">
-  <p:cSld>
-    <p:spTree>
-      <p:nvGrpSpPr>
-        <p:cNvPr id="1" name=""/>
-        <p:cNvGrpSpPr/>
-        <p:nvPr/>
-      </p:nvGrpSpPr>
-      <p:grpSpPr>
-        <a:xfrm>
-          <a:off x="0" y="0"/>
-          <a:ext cx="0" cy="0"/>
-          <a:chOff x="0" y="0"/>
-          <a:chExt cx="0" cy="0"/>
-        </a:xfrm>
-      </p:grpSpPr>
-      <p:sp>
-        <p:nvSpPr>
-          <p:cNvPr id="2" name="Title 1"/>
-          <p:cNvSpPr>
-            <a:spLocks noGrp="1"/>
-          </p:cNvSpPr>
-          <p:nvPr>
-            <p:ph type="title"/>
-          </p:nvPr>
-        </p:nvSpPr>
-        <p:spPr/>
-        <p:txBody>
-          <a:bodyPr/>
-          <a:lstStyle/>
-          <a:p>
-            <a:r>
-              <a:rPr lang="en-US" dirty="0" smtClean="0"/>
-              <a:t>You must have…..</a:t>
-            </a:r>
-            <a:endParaRPr lang="en-US" dirty="0"/>
-          </a:p>
-        </p:txBody>
-      </p:sp>
-      <p:sp>
-        <p:nvSpPr>
-          <p:cNvPr id="3" name="Content Placeholder 2"/>
-          <p:cNvSpPr>
-            <a:spLocks noGrp="1"/>
-          </p:cNvSpPr>
-          <p:nvPr>
-            <p:ph idx="1"/>
-          </p:nvPr>
-        </p:nvSpPr>
-        <p:spPr/>
-        <p:txBody>
-          <a:bodyPr/>
-          <a:lstStyle/>
-          <a:p>
-            <a:endParaRPr lang="en-US" dirty="0" smtClean="0"/>
-          </a:p>
-          <a:p>
-            <a:r>
-              <a:rPr lang="en-US" dirty="0" err="1" smtClean="0"/>
-              <a:t>Arduino</a:t>
-            </a:r>
-            <a:r>
-              <a:rPr lang="en-US" dirty="0" smtClean="0"/>
-              <a:t> Budget Pack or equivalent</a:t>
-            </a:r>
-          </a:p>
-          <a:p>
-            <a:endParaRPr lang="en-US" dirty="0" smtClean="0"/>
-          </a:p>
-          <a:p>
-            <a:r>
-              <a:rPr lang="en-US" dirty="0" smtClean="0"/>
-              <a:t>Laptop</a:t>
-            </a:r>
-          </a:p>
-          <a:p>
-            <a:endParaRPr lang="en-US" dirty="0"/>
-          </a:p>
-          <a:p>
-            <a:r>
-              <a:rPr lang="en-US" dirty="0" smtClean="0"/>
-              <a:t>Software (</a:t>
-            </a:r>
-            <a:r>
-              <a:rPr lang="en-US" dirty="0" err="1" smtClean="0"/>
-              <a:t>Arduino</a:t>
-            </a:r>
-            <a:r>
-              <a:rPr lang="en-US" dirty="0" smtClean="0"/>
-              <a:t> IDE and </a:t>
-            </a:r>
-            <a:r>
-              <a:rPr lang="en-US" dirty="0" err="1" smtClean="0"/>
-              <a:t>Fritzing</a:t>
-            </a:r>
-            <a:r>
-              <a:rPr lang="en-US" dirty="0" smtClean="0"/>
-              <a:t>)</a:t>
-            </a:r>
-          </a:p>
-          <a:p>
-            <a:endParaRPr lang="en-US" dirty="0" smtClean="0"/>
-          </a:p>
-          <a:p>
-            <a:endParaRPr lang="en-US" dirty="0" smtClean="0"/>
-          </a:p>
-          <a:p>
-            <a:endParaRPr lang="en-US" dirty="0"/>
-          </a:p>
-        </p:txBody>
-      </p:sp>
-    </p:spTree>
-    <p:extLst>
-      <p:ext uri="{BB962C8B-B14F-4D97-AF65-F5344CB8AC3E}">
-        <p14:creationId xmlns:p14="http://schemas.microsoft.com/office/powerpoint/2010/main" val="2131041512"/>
-      </p:ext>
-    </p:extLst>
-  </p:cSld>
-  <p:clrMapOvr>
-    <a:masterClrMapping/>
-  </p:clrMapOvr>
-</p:sld>
-</file>
-
 <file path=ppt/slides/slide5.xml><?xml version="1.0" encoding="utf-8"?>
 <p:sld xmlns:a="http://schemas.openxmlformats.org/drawingml/2006/main" xmlns:r="http://schemas.openxmlformats.org/officeDocument/2006/relationships" xmlns:p="http://schemas.openxmlformats.org/presentationml/2006/main">
   <p:cSld>
@@ -6004,13 +6937,13 @@
           <a:lstStyle/>
           <a:p>
             <a:r>
+              <a:rPr lang="en-US" dirty="0" smtClean="0"/>
+              <a:t>Applications of </a:t>
+            </a:r>
+            <a:r>
               <a:rPr lang="en-US" dirty="0" err="1" smtClean="0"/>
               <a:t>Arduino</a:t>
             </a:r>
-            <a:r>
-              <a:rPr lang="en-US" dirty="0" smtClean="0"/>
-              <a:t> Budget Pack</a:t>
-            </a:r>
             <a:endParaRPr lang="en-US" dirty="0"/>
           </a:p>
         </p:txBody>
@@ -6027,71 +6960,67 @@
         </p:nvSpPr>
         <p:spPr/>
         <p:txBody>
-          <a:bodyPr/>
-          <a:lstStyle/>
-          <a:p>
-            <a:pPr marL="0" indent="0" algn="ctr">
-              <a:buNone/>
-            </a:pPr>
-            <a:r>
-              <a:rPr lang="en-US" dirty="0" smtClean="0"/>
-              <a:t>	</a:t>
-            </a:r>
-            <a:r>
-              <a:rPr lang="en-US" b="1" dirty="0" smtClean="0"/>
-              <a:t>	</a:t>
-            </a:r>
-            <a:r>
-              <a:rPr lang="en-US" b="1" dirty="0" smtClean="0">
-                <a:solidFill>
-                  <a:srgbClr val="FF0000"/>
-                </a:solidFill>
-              </a:rPr>
-              <a:t>Parts are very delicate handle with care</a:t>
-            </a:r>
-          </a:p>
-          <a:p>
-            <a:r>
-              <a:rPr lang="en-US" dirty="0" err="1" smtClean="0"/>
-              <a:t>Arduino</a:t>
-            </a:r>
-            <a:r>
-              <a:rPr lang="en-US" dirty="0" smtClean="0"/>
-              <a:t> circuit board</a:t>
-            </a:r>
-          </a:p>
-          <a:p>
-            <a:r>
-              <a:rPr lang="en-US" dirty="0" smtClean="0"/>
-              <a:t>Breadboard</a:t>
-            </a:r>
-          </a:p>
-          <a:p>
-            <a:r>
-              <a:rPr lang="en-US" dirty="0" smtClean="0"/>
-              <a:t>Jumper cables</a:t>
-            </a:r>
-          </a:p>
-          <a:p>
-            <a:r>
-              <a:rPr lang="en-US" dirty="0" smtClean="0"/>
-              <a:t>Resistors, LEDs and sensor packet</a:t>
-            </a:r>
-          </a:p>
-          <a:p>
-            <a:r>
-              <a:rPr lang="en-US" dirty="0" smtClean="0"/>
-              <a:t>USB Cable</a:t>
-            </a:r>
-          </a:p>
-          <a:p>
-            <a:r>
-              <a:rPr lang="en-US" dirty="0" smtClean="0"/>
-              <a:t>LED Packet</a:t>
-            </a:r>
-            <a:endParaRPr lang="en-US" dirty="0"/>
-          </a:p>
-          <a:p>
+          <a:bodyPr>
+            <a:normAutofit lnSpcReduction="10000"/>
+          </a:bodyPr>
+          <a:lstStyle/>
+          <a:p>
+            <a:r>
+              <a:rPr lang="en-US" dirty="0">
+                <a:hlinkClick r:id="rId2"/>
+              </a:rPr>
+              <a:t>http://blog.arduino.cc/2013/08/12/ardusat-successfully-launched-in-space</a:t>
+            </a:r>
+            <a:r>
+              <a:rPr lang="en-US" dirty="0" smtClean="0">
+                <a:hlinkClick r:id="rId2"/>
+              </a:rPr>
+              <a:t>/</a:t>
+            </a:r>
+            <a:endParaRPr lang="en-US" dirty="0" smtClean="0"/>
+          </a:p>
+          <a:p>
+            <a:endParaRPr lang="en-US" dirty="0" smtClean="0"/>
+          </a:p>
+          <a:p>
+            <a:r>
+              <a:rPr lang="en-US" dirty="0">
+                <a:hlinkClick r:id="rId3"/>
+              </a:rPr>
+              <a:t>http://blog.arduino.cc/2014/06/23/monitoring-glaciers-at-the-venice-14th-international-architecture-exhibition</a:t>
+            </a:r>
+            <a:r>
+              <a:rPr lang="en-US" dirty="0" smtClean="0">
+                <a:hlinkClick r:id="rId3"/>
+              </a:rPr>
+              <a:t>/</a:t>
+            </a:r>
+            <a:endParaRPr lang="en-US" dirty="0" smtClean="0"/>
+          </a:p>
+          <a:p>
+            <a:endParaRPr lang="en-US" dirty="0" smtClean="0"/>
+          </a:p>
+          <a:p>
+            <a:r>
+              <a:rPr lang="en-US" dirty="0"/>
+              <a:t>http://</a:t>
+            </a:r>
+            <a:r>
+              <a:rPr lang="en-US" dirty="0" err="1"/>
+              <a:t>makezine.com</a:t>
+            </a:r>
+            <a:r>
+              <a:rPr lang="en-US" dirty="0"/>
+              <a:t>/2011/02/10/why-the-</a:t>
+            </a:r>
+            <a:r>
+              <a:rPr lang="en-US" dirty="0" err="1"/>
+              <a:t>arduino</a:t>
+            </a:r>
+            <a:r>
+              <a:rPr lang="en-US" dirty="0"/>
+              <a:t>-won-and-why-its-here-to-stay/</a:t>
+            </a:r>
             <a:endParaRPr lang="en-US" dirty="0"/>
           </a:p>
         </p:txBody>
@@ -6099,7 +7028,7 @@
     </p:spTree>
     <p:extLst>
       <p:ext uri="{BB962C8B-B14F-4D97-AF65-F5344CB8AC3E}">
-        <p14:creationId xmlns:p14="http://schemas.microsoft.com/office/powerpoint/2010/main" val="2736073523"/>
+        <p14:creationId xmlns:p14="http://schemas.microsoft.com/office/powerpoint/2010/main" val="316326777"/>
       </p:ext>
     </p:extLst>
   </p:cSld>
@@ -6142,46 +7071,96 @@
           <a:lstStyle/>
           <a:p>
             <a:r>
+              <a:rPr lang="en-US" dirty="0" smtClean="0"/>
+              <a:t>What are we going to learn?</a:t>
+            </a:r>
+            <a:endParaRPr lang="en-US" dirty="0"/>
+          </a:p>
+        </p:txBody>
+      </p:sp>
+      <p:sp>
+        <p:nvSpPr>
+          <p:cNvPr id="3" name="Content Placeholder 2"/>
+          <p:cNvSpPr>
+            <a:spLocks noGrp="1"/>
+          </p:cNvSpPr>
+          <p:nvPr>
+            <p:ph idx="1"/>
+          </p:nvPr>
+        </p:nvSpPr>
+        <p:spPr/>
+        <p:txBody>
+          <a:bodyPr/>
+          <a:lstStyle/>
+          <a:p>
+            <a:endParaRPr lang="en-US" dirty="0" smtClean="0"/>
+          </a:p>
+          <a:p>
+            <a:r>
+              <a:rPr lang="en-US" dirty="0" smtClean="0"/>
+              <a:t>Making circuits with </a:t>
+            </a:r>
+            <a:r>
               <a:rPr lang="en-US" dirty="0" err="1" smtClean="0"/>
               <a:t>Arduino</a:t>
             </a:r>
             <a:r>
               <a:rPr lang="en-US" dirty="0" smtClean="0"/>
-              <a:t> Circuit Board</a:t>
-            </a:r>
+              <a:t>.</a:t>
+            </a:r>
+          </a:p>
+          <a:p>
+            <a:endParaRPr lang="en-US" dirty="0" smtClean="0"/>
+          </a:p>
+          <a:p>
+            <a:r>
+              <a:rPr lang="en-US" dirty="0" smtClean="0"/>
+              <a:t>Drawing circuit diagrams using </a:t>
+            </a:r>
+            <a:r>
+              <a:rPr lang="en-US" dirty="0" err="1" smtClean="0"/>
+              <a:t>Fritzing</a:t>
+            </a:r>
+            <a:r>
+              <a:rPr lang="en-US" dirty="0" smtClean="0"/>
+              <a:t>.</a:t>
+            </a:r>
+          </a:p>
+          <a:p>
             <a:endParaRPr lang="en-US" dirty="0"/>
           </a:p>
-        </p:txBody>
-      </p:sp>
-      <p:pic>
-        <p:nvPicPr>
-          <p:cNvPr id="8" name="Content Placeholder 7" descr="Figure 1 - Arduino Uno R3-400.jpg"/>
-          <p:cNvPicPr>
-            <a:picLocks noGrp="1" noChangeAspect="1"/>
-          </p:cNvPicPr>
-          <p:nvPr>
-            <p:ph idx="1"/>
-          </p:nvPr>
-        </p:nvPicPr>
-        <p:blipFill>
-          <a:blip r:embed="rId2">
-            <a:extLst>
-              <a:ext uri="{28A0092B-C50C-407E-A947-70E740481C1C}">
-                <a14:useLocalDpi xmlns:a14="http://schemas.microsoft.com/office/drawing/2010/main" val="0"/>
-              </a:ext>
-            </a:extLst>
-          </a:blip>
-          <a:srcRect l="-8868" r="-8868"/>
-          <a:stretch>
-            <a:fillRect/>
-          </a:stretch>
-        </p:blipFill>
-        <p:spPr/>
-      </p:pic>
+          <a:p>
+            <a:r>
+              <a:rPr lang="en-US" dirty="0" smtClean="0"/>
+              <a:t>Uploading sketches using </a:t>
+            </a:r>
+            <a:r>
+              <a:rPr lang="en-US" dirty="0" err="1" smtClean="0"/>
+              <a:t>Arduino</a:t>
+            </a:r>
+            <a:r>
+              <a:rPr lang="en-US" dirty="0" smtClean="0"/>
+              <a:t> IDE.</a:t>
+            </a:r>
+          </a:p>
+          <a:p>
+            <a:endParaRPr lang="en-US" dirty="0"/>
+          </a:p>
+          <a:p>
+            <a:endParaRPr lang="en-US" dirty="0" smtClean="0"/>
+          </a:p>
+          <a:p>
+            <a:endParaRPr lang="en-US" dirty="0"/>
+          </a:p>
+          <a:p>
+            <a:endParaRPr lang="en-US" dirty="0"/>
+          </a:p>
+        </p:txBody>
+      </p:sp>
     </p:spTree>
     <p:extLst>
       <p:ext uri="{BB962C8B-B14F-4D97-AF65-F5344CB8AC3E}">
-        <p14:creationId xmlns:p14="http://schemas.microsoft.com/office/powerpoint/2010/main" val="775447129"/>
+        <p14:creationId xmlns:p14="http://schemas.microsoft.com/office/powerpoint/2010/main" val="2984637808"/>
       </p:ext>
     </p:extLst>
   </p:cSld>
@@ -6225,41 +7204,88 @@
           <a:p>
             <a:r>
               <a:rPr lang="en-US" dirty="0" smtClean="0"/>
-              <a:t>Breadboard Power rails</a:t>
+              <a:t>You must have…..</a:t>
             </a:r>
             <a:endParaRPr lang="en-US" dirty="0"/>
           </a:p>
         </p:txBody>
       </p:sp>
-      <p:pic>
-        <p:nvPicPr>
-          <p:cNvPr id="6" name="Content Placeholder 5" descr="518c0b34ce395fea62000002.jpg"/>
-          <p:cNvPicPr>
-            <a:picLocks noGrp="1" noChangeAspect="1"/>
-          </p:cNvPicPr>
+      <p:sp>
+        <p:nvSpPr>
+          <p:cNvPr id="3" name="Content Placeholder 2"/>
+          <p:cNvSpPr>
+            <a:spLocks noGrp="1"/>
+          </p:cNvSpPr>
           <p:nvPr>
             <p:ph idx="1"/>
           </p:nvPr>
-        </p:nvPicPr>
-        <p:blipFill>
-          <a:blip r:embed="rId2">
-            <a:extLst>
-              <a:ext uri="{28A0092B-C50C-407E-A947-70E740481C1C}">
-                <a14:useLocalDpi xmlns:a14="http://schemas.microsoft.com/office/drawing/2010/main" val="0"/>
-              </a:ext>
-            </a:extLst>
-          </a:blip>
-          <a:srcRect t="8856" b="8856"/>
-          <a:stretch>
-            <a:fillRect/>
-          </a:stretch>
-        </p:blipFill>
-        <p:spPr/>
-      </p:pic>
+        </p:nvSpPr>
+        <p:spPr/>
+        <p:txBody>
+          <a:bodyPr/>
+          <a:lstStyle/>
+          <a:p>
+            <a:endParaRPr lang="en-US" dirty="0" smtClean="0"/>
+          </a:p>
+          <a:p>
+            <a:r>
+              <a:rPr lang="en-US" dirty="0" err="1" smtClean="0"/>
+              <a:t>Arduino</a:t>
+            </a:r>
+            <a:r>
+              <a:rPr lang="en-US" dirty="0" smtClean="0"/>
+              <a:t> Budget Pack or equivalent</a:t>
+            </a:r>
+          </a:p>
+          <a:p>
+            <a:endParaRPr lang="en-US" dirty="0" smtClean="0"/>
+          </a:p>
+          <a:p>
+            <a:r>
+              <a:rPr lang="en-US" dirty="0" smtClean="0"/>
+              <a:t>Laptop</a:t>
+            </a:r>
+          </a:p>
+          <a:p>
+            <a:endParaRPr lang="en-US" dirty="0"/>
+          </a:p>
+          <a:p>
+            <a:r>
+              <a:rPr lang="en-US" dirty="0" smtClean="0"/>
+              <a:t>Software (</a:t>
+            </a:r>
+            <a:r>
+              <a:rPr lang="en-US" dirty="0" err="1" smtClean="0"/>
+              <a:t>Arduino</a:t>
+            </a:r>
+            <a:r>
+              <a:rPr lang="en-US" dirty="0" smtClean="0"/>
+              <a:t> IDE and </a:t>
+            </a:r>
+            <a:r>
+              <a:rPr lang="en-US" dirty="0" err="1" smtClean="0"/>
+              <a:t>Fritzing</a:t>
+            </a:r>
+            <a:r>
+              <a:rPr lang="en-US" dirty="0" smtClean="0"/>
+              <a:t>)</a:t>
+            </a:r>
+          </a:p>
+          <a:p>
+            <a:endParaRPr lang="en-US" dirty="0" smtClean="0"/>
+          </a:p>
+          <a:p>
+            <a:endParaRPr lang="en-US" dirty="0" smtClean="0"/>
+          </a:p>
+          <a:p>
+            <a:endParaRPr lang="en-US" dirty="0"/>
+          </a:p>
+        </p:txBody>
+      </p:sp>
     </p:spTree>
     <p:extLst>
       <p:ext uri="{BB962C8B-B14F-4D97-AF65-F5344CB8AC3E}">
-        <p14:creationId xmlns:p14="http://schemas.microsoft.com/office/powerpoint/2010/main" val="3761373064"/>
+        <p14:creationId xmlns:p14="http://schemas.microsoft.com/office/powerpoint/2010/main" val="2131041512"/>
       </p:ext>
     </p:extLst>
   </p:cSld>
@@ -6298,48 +7324,106 @@
         </p:nvSpPr>
         <p:spPr/>
         <p:txBody>
-          <a:bodyPr>
-            <a:normAutofit fontScale="90000"/>
-          </a:bodyPr>
-          <a:lstStyle/>
-          <a:p>
-            <a:r>
-              <a:rPr lang="en-US" dirty="0" smtClean="0"/>
-              <a:t>Breadboard Rows, Columns, IC ravine</a:t>
+          <a:bodyPr/>
+          <a:lstStyle/>
+          <a:p>
+            <a:r>
+              <a:rPr lang="en-US" dirty="0" err="1" smtClean="0"/>
+              <a:t>Arduino</a:t>
+            </a:r>
+            <a:r>
+              <a:rPr lang="en-US" dirty="0" smtClean="0"/>
+              <a:t> Budget Pack</a:t>
             </a:r>
             <a:endParaRPr lang="en-US" dirty="0"/>
           </a:p>
         </p:txBody>
       </p:sp>
-      <p:pic>
-        <p:nvPicPr>
-          <p:cNvPr id="4" name="Content Placeholder 3" descr="BreadboardRowsColumns.jpg"/>
-          <p:cNvPicPr>
-            <a:picLocks noGrp="1" noChangeAspect="1"/>
-          </p:cNvPicPr>
+      <p:sp>
+        <p:nvSpPr>
+          <p:cNvPr id="3" name="Content Placeholder 2"/>
+          <p:cNvSpPr>
+            <a:spLocks noGrp="1"/>
+          </p:cNvSpPr>
           <p:nvPr>
             <p:ph idx="1"/>
           </p:nvPr>
-        </p:nvPicPr>
-        <p:blipFill>
-          <a:blip r:embed="rId2">
-            <a:extLst>
-              <a:ext uri="{28A0092B-C50C-407E-A947-70E740481C1C}">
-                <a14:useLocalDpi xmlns:a14="http://schemas.microsoft.com/office/drawing/2010/main" val="0"/>
-              </a:ext>
-            </a:extLst>
-          </a:blip>
-          <a:srcRect t="8753" b="8753"/>
-          <a:stretch>
-            <a:fillRect/>
-          </a:stretch>
-        </p:blipFill>
-        <p:spPr/>
-      </p:pic>
+        </p:nvSpPr>
+        <p:spPr/>
+        <p:txBody>
+          <a:bodyPr/>
+          <a:lstStyle/>
+          <a:p>
+            <a:pPr marL="0" indent="0" algn="ctr">
+              <a:buNone/>
+            </a:pPr>
+            <a:r>
+              <a:rPr lang="en-US" dirty="0" smtClean="0"/>
+              <a:t>	</a:t>
+            </a:r>
+            <a:r>
+              <a:rPr lang="en-US" b="1" dirty="0" smtClean="0"/>
+              <a:t>	</a:t>
+            </a:r>
+            <a:r>
+              <a:rPr lang="en-US" b="1" dirty="0" smtClean="0">
+                <a:solidFill>
+                  <a:srgbClr val="FF0000"/>
+                </a:solidFill>
+              </a:rPr>
+              <a:t>Parts are very delicate handle with care</a:t>
+            </a:r>
+          </a:p>
+          <a:p>
+            <a:r>
+              <a:rPr lang="en-US" dirty="0" err="1" smtClean="0"/>
+              <a:t>Arduino</a:t>
+            </a:r>
+            <a:r>
+              <a:rPr lang="en-US" dirty="0" smtClean="0"/>
+              <a:t> circuit board</a:t>
+            </a:r>
+          </a:p>
+          <a:p>
+            <a:r>
+              <a:rPr lang="en-US" dirty="0" smtClean="0"/>
+              <a:t>Breadboard</a:t>
+            </a:r>
+          </a:p>
+          <a:p>
+            <a:r>
+              <a:rPr lang="en-US" dirty="0" smtClean="0"/>
+              <a:t>Jumper cables</a:t>
+            </a:r>
+          </a:p>
+          <a:p>
+            <a:r>
+              <a:rPr lang="en-US" dirty="0" smtClean="0"/>
+              <a:t>Resistors, LEDs and sensor packet</a:t>
+            </a:r>
+          </a:p>
+          <a:p>
+            <a:r>
+              <a:rPr lang="en-US" dirty="0" smtClean="0"/>
+              <a:t>USB Cable</a:t>
+            </a:r>
+          </a:p>
+          <a:p>
+            <a:r>
+              <a:rPr lang="en-US" dirty="0" smtClean="0"/>
+              <a:t>LED Packet</a:t>
+            </a:r>
+            <a:endParaRPr lang="en-US" dirty="0"/>
+          </a:p>
+          <a:p>
+            <a:endParaRPr lang="en-US" dirty="0"/>
+          </a:p>
+        </p:txBody>
+      </p:sp>
     </p:spTree>
     <p:extLst>
       <p:ext uri="{BB962C8B-B14F-4D97-AF65-F5344CB8AC3E}">
-        <p14:creationId xmlns:p14="http://schemas.microsoft.com/office/powerpoint/2010/main" val="3210256302"/>
+        <p14:creationId xmlns:p14="http://schemas.microsoft.com/office/powerpoint/2010/main" val="2736073523"/>
       </p:ext>
     </p:extLst>
   </p:cSld>
@@ -6382,8 +7466,12 @@
           <a:lstStyle/>
           <a:p>
             <a:r>
-              <a:rPr lang="en-US" dirty="0" smtClean="0"/>
-              <a:t>Breadboard clips</a:t>
+              <a:rPr lang="en-US" dirty="0" err="1" smtClean="0"/>
+              <a:t>Arduino</a:t>
+            </a:r>
+            <a:r>
+              <a:rPr lang="en-US" dirty="0" smtClean="0"/>
+              <a:t> Circuit Board</a:t>
             </a:r>
             <a:endParaRPr lang="en-US" dirty="0"/>
           </a:p>
@@ -6391,7 +7479,7 @@
       </p:sp>
       <p:pic>
         <p:nvPicPr>
-          <p:cNvPr id="4" name="Content Placeholder 3" descr="513a1dfbce395fe624000001.JPG"/>
+          <p:cNvPr id="8" name="Content Placeholder 7" descr="Figure 1 - Arduino Uno R3-400.jpg"/>
           <p:cNvPicPr>
             <a:picLocks noGrp="1" noChangeAspect="1"/>
           </p:cNvPicPr>
@@ -6407,7 +7495,7 @@
               </a:ext>
             </a:extLst>
           </a:blip>
-          <a:srcRect t="8856" b="8856"/>
+          <a:srcRect l="-8868" r="-8868"/>
           <a:stretch>
             <a:fillRect/>
           </a:stretch>
@@ -6417,7 +7505,7 @@
     </p:spTree>
     <p:extLst>
       <p:ext uri="{BB962C8B-B14F-4D97-AF65-F5344CB8AC3E}">
-        <p14:creationId xmlns:p14="http://schemas.microsoft.com/office/powerpoint/2010/main" val="3620635161"/>
+        <p14:creationId xmlns:p14="http://schemas.microsoft.com/office/powerpoint/2010/main" val="775447129"/>
       </p:ext>
     </p:extLst>
   </p:cSld>

--- a/ArduinoWorkshop1.pptx
+++ b/ArduinoWorkshop1.pptx
@@ -4128,11 +4128,7 @@
           <a:p>
             <a:r>
               <a:rPr lang="en-US" dirty="0" smtClean="0"/>
-              <a:t>Basic </a:t>
-            </a:r>
-            <a:r>
-              <a:rPr lang="en-US" dirty="0" smtClean="0"/>
-              <a:t>Concepts - Videos</a:t>
+              <a:t>Basic Concepts - Videos</a:t>
             </a:r>
             <a:endParaRPr lang="en-US" dirty="0"/>
           </a:p>
@@ -4178,9 +4174,6 @@
               </a:rPr>
               <a:t>https://www.youtube.com/watch?v=l8JS8BbrVOg</a:t>
             </a:r>
-            <a:endParaRPr lang="en-US" sz="4800" u="sng" dirty="0">
-              <a:hlinkClick r:id="rId2"/>
-            </a:endParaRPr>
           </a:p>
           <a:p>
             <a:pPr marL="0" indent="0">
@@ -4198,9 +4191,6 @@
               </a:rPr>
               <a:t>://www.youtube.com/watch?v=8gvJzrjwjds</a:t>
             </a:r>
-            <a:endParaRPr lang="en-US" sz="4800" u="sng" dirty="0">
-              <a:hlinkClick r:id="rId3"/>
-            </a:endParaRPr>
           </a:p>
           <a:p>
             <a:pPr marL="0" indent="0">
@@ -4218,9 +4208,6 @@
               </a:rPr>
               <a:t>://www.youtube.com/watch?v=exlRjDKHGRg</a:t>
             </a:r>
-            <a:endParaRPr lang="en-US" sz="4800" u="sng" dirty="0">
-              <a:hlinkClick r:id="rId4"/>
-            </a:endParaRPr>
           </a:p>
           <a:p>
             <a:pPr marL="0" indent="0">
@@ -4238,9 +4225,6 @@
               </a:rPr>
               <a:t>://www.youtube.com/watch?v=mzSnz6ZDkFE</a:t>
             </a:r>
-            <a:endParaRPr lang="en-US" sz="4800" u="sng" dirty="0">
-              <a:hlinkClick r:id="rId5"/>
-            </a:endParaRPr>
           </a:p>
           <a:p>
             <a:endParaRPr lang="en-US" sz="4800" dirty="0"/>
@@ -4265,9 +4249,6 @@
               </a:rPr>
               <a:t>https://www.youtube.com/watch?v=VPVoY1QROMg</a:t>
             </a:r>
-            <a:endParaRPr lang="en-US" sz="4800" u="sng" dirty="0">
-              <a:hlinkClick r:id="rId6"/>
-            </a:endParaRPr>
           </a:p>
           <a:p>
             <a:pPr marL="0" indent="0">
@@ -4333,9 +4314,6 @@
               </a:rPr>
               <a:t>https://www.youtube.com/watch?v=ap7edIKkykA</a:t>
             </a:r>
-            <a:endParaRPr lang="en-US" sz="4800" u="sng" dirty="0">
-              <a:hlinkClick r:id="rId9"/>
-            </a:endParaRPr>
           </a:p>
           <a:p>
             <a:pPr marL="0" indent="0">
@@ -4371,9 +4349,6 @@
               </a:rPr>
               <a:t>https://www.youtube.com/watch?v=WoN1nou5t1Q</a:t>
             </a:r>
-            <a:endParaRPr lang="en-US" sz="4800" u="sng" dirty="0">
-              <a:hlinkClick r:id="rId10"/>
-            </a:endParaRPr>
           </a:p>
           <a:p>
             <a:pPr marL="0" indent="0">
@@ -4391,9 +4366,6 @@
               </a:rPr>
               <a:t>://www.youtube.com/watch?v=zYS9kdS56l8</a:t>
             </a:r>
-            <a:endParaRPr lang="en-US" sz="4800" u="sng" dirty="0">
-              <a:hlinkClick r:id="rId11"/>
-            </a:endParaRPr>
           </a:p>
           <a:p>
             <a:pPr marL="0" indent="0">
@@ -4411,9 +4383,6 @@
               </a:rPr>
               <a:t>://www.youtube.com/watch?v=zYS9kdS56l8</a:t>
             </a:r>
-            <a:endParaRPr lang="en-US" sz="4800" u="sng" dirty="0">
-              <a:hlinkClick r:id="rId11"/>
-            </a:endParaRPr>
           </a:p>
           <a:p>
             <a:pPr marL="0" indent="0">
@@ -4431,9 +4400,6 @@
               </a:rPr>
               <a:t>://www.youtube.com/watch?v=6Zxp8lSdn8M</a:t>
             </a:r>
-            <a:endParaRPr lang="en-US" sz="4800" u="sng" dirty="0">
-              <a:hlinkClick r:id="rId12"/>
-            </a:endParaRPr>
           </a:p>
           <a:p>
             <a:pPr marL="0" indent="0">
@@ -5631,13 +5597,7 @@
               <a:rPr lang="en-US" sz="2000" dirty="0" smtClean="0">
                 <a:cs typeface="American Typewriter"/>
               </a:rPr>
-              <a:t>					</a:t>
-            </a:r>
-            <a:r>
-              <a:rPr lang="en-US" sz="2000" dirty="0" smtClean="0">
-                <a:cs typeface="American Typewriter"/>
-              </a:rPr>
-              <a:t>Download Project 3 sketch from </a:t>
+              <a:t>					Download Project 3 sketch from </a:t>
             </a:r>
             <a:r>
               <a:rPr lang="en-US" sz="2000" dirty="0" err="1" smtClean="0">
@@ -6592,7 +6552,6 @@
               <a:rPr lang="en-US" dirty="0" smtClean="0"/>
               <a:t>Write a research report on PWM (Pulse Width Modulation)</a:t>
             </a:r>
-            <a:endParaRPr lang="en-US" dirty="0" smtClean="0"/>
           </a:p>
         </p:txBody>
       </p:sp>
@@ -7021,7 +6980,6 @@
               <a:rPr lang="en-US" dirty="0"/>
               <a:t>-won-and-why-its-here-to-stay/</a:t>
             </a:r>
-            <a:endParaRPr lang="en-US" dirty="0"/>
           </a:p>
         </p:txBody>
       </p:sp>
@@ -7225,19 +7183,45 @@
           <a:bodyPr/>
           <a:lstStyle/>
           <a:p>
-            <a:endParaRPr lang="en-US" dirty="0" smtClean="0"/>
-          </a:p>
-          <a:p>
             <a:r>
               <a:rPr lang="en-US" dirty="0" err="1" smtClean="0"/>
               <a:t>Arduino</a:t>
             </a:r>
             <a:r>
               <a:rPr lang="en-US" dirty="0" smtClean="0"/>
-              <a:t> Budget Pack or equivalent</a:t>
-            </a:r>
-          </a:p>
-          <a:p>
+              <a:t> </a:t>
+            </a:r>
+            <a:r>
+              <a:rPr lang="en-US" dirty="0" smtClean="0"/>
+              <a:t>Budget Pack </a:t>
+            </a:r>
+            <a:r>
+              <a:rPr lang="en-US" dirty="0"/>
+              <a:t>(</a:t>
+            </a:r>
+            <a:r>
+              <a:rPr lang="en-US" dirty="0">
+                <a:hlinkClick r:id="rId2"/>
+              </a:rPr>
+              <a:t>https://www.adafruit.com/product/</a:t>
+            </a:r>
+            <a:r>
+              <a:rPr lang="en-US" dirty="0" smtClean="0">
+                <a:hlinkClick r:id="rId2"/>
+              </a:rPr>
+              <a:t>193</a:t>
+            </a:r>
+            <a:r>
+              <a:rPr lang="en-US" dirty="0" smtClean="0"/>
+              <a:t>) or </a:t>
+            </a:r>
+            <a:r>
+              <a:rPr lang="en-US" dirty="0" smtClean="0"/>
+              <a:t>equivalent</a:t>
+            </a:r>
+            <a:br>
+              <a:rPr lang="en-US" dirty="0" smtClean="0"/>
+            </a:br>
             <a:endParaRPr lang="en-US" dirty="0" smtClean="0"/>
           </a:p>
           <a:p>

--- a/ArduinoWorkshop1.pptx
+++ b/ArduinoWorkshop1.pptx
@@ -6695,8 +6695,31 @@
               <a:rPr lang="en-US" dirty="0">
                 <a:hlinkClick r:id="rId2"/>
               </a:rPr>
-              <a:t>http://arduino.cc/en/Tutorial/HomePage</a:t>
-            </a:r>
+              <a:t>http://arduino.cc/en/Tutorial/</a:t>
+            </a:r>
+            <a:r>
+              <a:rPr lang="en-US" dirty="0" smtClean="0">
+                <a:hlinkClick r:id="rId2"/>
+              </a:rPr>
+              <a:t>HomePage</a:t>
+            </a:r>
+          </a:p>
+          <a:p>
+            <a:r>
+              <a:rPr lang="en-US" dirty="0">
+                <a:hlinkClick r:id="rId2"/>
+              </a:rPr>
+              <a:t>http://</a:t>
+            </a:r>
+            <a:r>
+              <a:rPr lang="en-US">
+                <a:hlinkClick r:id="rId2"/>
+              </a:rPr>
+              <a:t>www.arduinoclassroom.com</a:t>
+            </a:r>
+            <a:endParaRPr lang="en-US" dirty="0">
+              <a:hlinkClick r:id="rId2"/>
+            </a:endParaRPr>
           </a:p>
           <a:p>
             <a:endParaRPr lang="en-US" dirty="0" smtClean="0"/>
@@ -7189,11 +7212,7 @@
             </a:r>
             <a:r>
               <a:rPr lang="en-US" dirty="0" smtClean="0"/>
-              <a:t> </a:t>
-            </a:r>
-            <a:r>
-              <a:rPr lang="en-US" dirty="0" smtClean="0"/>
-              <a:t>Budget Pack </a:t>
+              <a:t> Budget Pack </a:t>
             </a:r>
             <a:r>
               <a:rPr lang="en-US" dirty="0"/>
@@ -7213,11 +7232,7 @@
             </a:r>
             <a:r>
               <a:rPr lang="en-US" dirty="0" smtClean="0"/>
-              <a:t>) or </a:t>
-            </a:r>
-            <a:r>
-              <a:rPr lang="en-US" dirty="0" smtClean="0"/>
-              <a:t>equivalent</a:t>
+              <a:t>) or equivalent</a:t>
             </a:r>
             <a:br>
               <a:rPr lang="en-US" dirty="0" smtClean="0"/>

--- a/ArduinoWorkshop1.pptx
+++ b/ArduinoWorkshop1.pptx
@@ -8,40 +8,44 @@
     <p:sldId id="256" r:id="rId2"/>
     <p:sldId id="287" r:id="rId3"/>
     <p:sldId id="292" r:id="rId4"/>
-    <p:sldId id="258" r:id="rId5"/>
-    <p:sldId id="286" r:id="rId6"/>
-    <p:sldId id="259" r:id="rId7"/>
-    <p:sldId id="257" r:id="rId8"/>
-    <p:sldId id="260" r:id="rId9"/>
-    <p:sldId id="261" r:id="rId10"/>
-    <p:sldId id="262" r:id="rId11"/>
-    <p:sldId id="264" r:id="rId12"/>
-    <p:sldId id="263" r:id="rId13"/>
-    <p:sldId id="265" r:id="rId14"/>
-    <p:sldId id="269" r:id="rId15"/>
-    <p:sldId id="266" r:id="rId16"/>
-    <p:sldId id="267" r:id="rId17"/>
-    <p:sldId id="268" r:id="rId18"/>
-    <p:sldId id="271" r:id="rId19"/>
-    <p:sldId id="279" r:id="rId20"/>
-    <p:sldId id="270" r:id="rId21"/>
-    <p:sldId id="274" r:id="rId22"/>
-    <p:sldId id="272" r:id="rId23"/>
-    <p:sldId id="273" r:id="rId24"/>
-    <p:sldId id="275" r:id="rId25"/>
-    <p:sldId id="277" r:id="rId26"/>
-    <p:sldId id="276" r:id="rId27"/>
-    <p:sldId id="278" r:id="rId28"/>
-    <p:sldId id="280" r:id="rId29"/>
-    <p:sldId id="281" r:id="rId30"/>
-    <p:sldId id="282" r:id="rId31"/>
-    <p:sldId id="290" r:id="rId32"/>
-    <p:sldId id="283" r:id="rId33"/>
-    <p:sldId id="288" r:id="rId34"/>
-    <p:sldId id="291" r:id="rId35"/>
-    <p:sldId id="289" r:id="rId36"/>
-    <p:sldId id="285" r:id="rId37"/>
-    <p:sldId id="284" r:id="rId38"/>
+    <p:sldId id="293" r:id="rId5"/>
+    <p:sldId id="294" r:id="rId6"/>
+    <p:sldId id="296" r:id="rId7"/>
+    <p:sldId id="295" r:id="rId8"/>
+    <p:sldId id="258" r:id="rId9"/>
+    <p:sldId id="286" r:id="rId10"/>
+    <p:sldId id="259" r:id="rId11"/>
+    <p:sldId id="257" r:id="rId12"/>
+    <p:sldId id="260" r:id="rId13"/>
+    <p:sldId id="261" r:id="rId14"/>
+    <p:sldId id="262" r:id="rId15"/>
+    <p:sldId id="264" r:id="rId16"/>
+    <p:sldId id="263" r:id="rId17"/>
+    <p:sldId id="265" r:id="rId18"/>
+    <p:sldId id="269" r:id="rId19"/>
+    <p:sldId id="266" r:id="rId20"/>
+    <p:sldId id="267" r:id="rId21"/>
+    <p:sldId id="268" r:id="rId22"/>
+    <p:sldId id="271" r:id="rId23"/>
+    <p:sldId id="279" r:id="rId24"/>
+    <p:sldId id="270" r:id="rId25"/>
+    <p:sldId id="274" r:id="rId26"/>
+    <p:sldId id="272" r:id="rId27"/>
+    <p:sldId id="273" r:id="rId28"/>
+    <p:sldId id="275" r:id="rId29"/>
+    <p:sldId id="277" r:id="rId30"/>
+    <p:sldId id="276" r:id="rId31"/>
+    <p:sldId id="278" r:id="rId32"/>
+    <p:sldId id="280" r:id="rId33"/>
+    <p:sldId id="281" r:id="rId34"/>
+    <p:sldId id="282" r:id="rId35"/>
+    <p:sldId id="290" r:id="rId36"/>
+    <p:sldId id="283" r:id="rId37"/>
+    <p:sldId id="288" r:id="rId38"/>
+    <p:sldId id="291" r:id="rId39"/>
+    <p:sldId id="289" r:id="rId40"/>
+    <p:sldId id="285" r:id="rId41"/>
+    <p:sldId id="284" r:id="rId42"/>
   </p:sldIdLst>
   <p:sldSz cx="9144000" cy="6858000" type="screen4x3"/>
   <p:notesSz cx="6858000" cy="9144000"/>
@@ -324,7 +328,7 @@
           <a:p>
             <a:fld id="{D0B4F1CB-6B57-EC4D-8BF2-94285296537A}" type="datetimeFigureOut">
               <a:rPr lang="en-US" smtClean="0"/>
-              <a:t>7/6/14</a:t>
+              <a:t>7/12/14</a:t>
             </a:fld>
             <a:endParaRPr lang="en-US"/>
           </a:p>
@@ -494,7 +498,7 @@
           <a:p>
             <a:fld id="{D0B4F1CB-6B57-EC4D-8BF2-94285296537A}" type="datetimeFigureOut">
               <a:rPr lang="en-US" smtClean="0"/>
-              <a:t>7/6/14</a:t>
+              <a:t>7/12/14</a:t>
             </a:fld>
             <a:endParaRPr lang="en-US"/>
           </a:p>
@@ -674,7 +678,7 @@
           <a:p>
             <a:fld id="{D0B4F1CB-6B57-EC4D-8BF2-94285296537A}" type="datetimeFigureOut">
               <a:rPr lang="en-US" smtClean="0"/>
-              <a:t>7/6/14</a:t>
+              <a:t>7/12/14</a:t>
             </a:fld>
             <a:endParaRPr lang="en-US"/>
           </a:p>
@@ -844,7 +848,7 @@
           <a:p>
             <a:fld id="{D0B4F1CB-6B57-EC4D-8BF2-94285296537A}" type="datetimeFigureOut">
               <a:rPr lang="en-US" smtClean="0"/>
-              <a:t>7/6/14</a:t>
+              <a:t>7/12/14</a:t>
             </a:fld>
             <a:endParaRPr lang="en-US"/>
           </a:p>
@@ -1090,7 +1094,7 @@
           <a:p>
             <a:fld id="{D0B4F1CB-6B57-EC4D-8BF2-94285296537A}" type="datetimeFigureOut">
               <a:rPr lang="en-US" smtClean="0"/>
-              <a:t>7/6/14</a:t>
+              <a:t>7/12/14</a:t>
             </a:fld>
             <a:endParaRPr lang="en-US"/>
           </a:p>
@@ -1378,7 +1382,7 @@
           <a:p>
             <a:fld id="{D0B4F1CB-6B57-EC4D-8BF2-94285296537A}" type="datetimeFigureOut">
               <a:rPr lang="en-US" smtClean="0"/>
-              <a:t>7/6/14</a:t>
+              <a:t>7/12/14</a:t>
             </a:fld>
             <a:endParaRPr lang="en-US"/>
           </a:p>
@@ -1800,7 +1804,7 @@
           <a:p>
             <a:fld id="{D0B4F1CB-6B57-EC4D-8BF2-94285296537A}" type="datetimeFigureOut">
               <a:rPr lang="en-US" smtClean="0"/>
-              <a:t>7/6/14</a:t>
+              <a:t>7/12/14</a:t>
             </a:fld>
             <a:endParaRPr lang="en-US"/>
           </a:p>
@@ -1918,7 +1922,7 @@
           <a:p>
             <a:fld id="{D0B4F1CB-6B57-EC4D-8BF2-94285296537A}" type="datetimeFigureOut">
               <a:rPr lang="en-US" smtClean="0"/>
-              <a:t>7/6/14</a:t>
+              <a:t>7/12/14</a:t>
             </a:fld>
             <a:endParaRPr lang="en-US"/>
           </a:p>
@@ -2013,7 +2017,7 @@
           <a:p>
             <a:fld id="{D0B4F1CB-6B57-EC4D-8BF2-94285296537A}" type="datetimeFigureOut">
               <a:rPr lang="en-US" smtClean="0"/>
-              <a:t>7/6/14</a:t>
+              <a:t>7/12/14</a:t>
             </a:fld>
             <a:endParaRPr lang="en-US"/>
           </a:p>
@@ -2290,7 +2294,7 @@
           <a:p>
             <a:fld id="{D0B4F1CB-6B57-EC4D-8BF2-94285296537A}" type="datetimeFigureOut">
               <a:rPr lang="en-US" smtClean="0"/>
-              <a:t>7/6/14</a:t>
+              <a:t>7/12/14</a:t>
             </a:fld>
             <a:endParaRPr lang="en-US"/>
           </a:p>
@@ -2543,7 +2547,7 @@
           <a:p>
             <a:fld id="{D0B4F1CB-6B57-EC4D-8BF2-94285296537A}" type="datetimeFigureOut">
               <a:rPr lang="en-US" smtClean="0"/>
-              <a:t>7/6/14</a:t>
+              <a:t>7/12/14</a:t>
             </a:fld>
             <a:endParaRPr lang="en-US"/>
           </a:p>
@@ -2756,7 +2760,7 @@
           <a:p>
             <a:fld id="{D0B4F1CB-6B57-EC4D-8BF2-94285296537A}" type="datetimeFigureOut">
               <a:rPr lang="en-US" smtClean="0"/>
-              <a:t>7/6/14</a:t>
+              <a:t>7/12/14</a:t>
             </a:fld>
             <a:endParaRPr lang="en-US"/>
           </a:p>
@@ -3243,41 +3247,95 @@
           <a:p>
             <a:r>
               <a:rPr lang="en-US" dirty="0" smtClean="0"/>
-              <a:t>Breadboard Power rails</a:t>
-            </a:r>
-            <a:endParaRPr lang="en-US" dirty="0"/>
-          </a:p>
-        </p:txBody>
-      </p:sp>
-      <p:pic>
-        <p:nvPicPr>
-          <p:cNvPr id="6" name="Content Placeholder 5" descr="518c0b34ce395fea62000002.jpg"/>
-          <p:cNvPicPr>
-            <a:picLocks noGrp="1" noChangeAspect="1"/>
-          </p:cNvPicPr>
+              <a:t>What are we going to learn?</a:t>
+            </a:r>
+            <a:endParaRPr lang="en-US" dirty="0"/>
+          </a:p>
+        </p:txBody>
+      </p:sp>
+      <p:sp>
+        <p:nvSpPr>
+          <p:cNvPr id="3" name="Content Placeholder 2"/>
+          <p:cNvSpPr>
+            <a:spLocks noGrp="1"/>
+          </p:cNvSpPr>
           <p:nvPr>
             <p:ph idx="1"/>
           </p:nvPr>
-        </p:nvPicPr>
-        <p:blipFill>
-          <a:blip r:embed="rId2">
-            <a:extLst>
-              <a:ext uri="{28A0092B-C50C-407E-A947-70E740481C1C}">
-                <a14:useLocalDpi xmlns:a14="http://schemas.microsoft.com/office/drawing/2010/main" val="0"/>
-              </a:ext>
-            </a:extLst>
-          </a:blip>
-          <a:srcRect t="8856" b="8856"/>
-          <a:stretch>
-            <a:fillRect/>
-          </a:stretch>
-        </p:blipFill>
-        <p:spPr/>
-      </p:pic>
+        </p:nvSpPr>
+        <p:spPr/>
+        <p:txBody>
+          <a:bodyPr/>
+          <a:lstStyle/>
+          <a:p>
+            <a:endParaRPr lang="en-US" dirty="0" smtClean="0"/>
+          </a:p>
+          <a:p>
+            <a:r>
+              <a:rPr lang="en-US" dirty="0" smtClean="0"/>
+              <a:t>Making circuits with </a:t>
+            </a:r>
+            <a:r>
+              <a:rPr lang="en-US" dirty="0" err="1" smtClean="0"/>
+              <a:t>Arduino</a:t>
+            </a:r>
+            <a:r>
+              <a:rPr lang="en-US" dirty="0" smtClean="0"/>
+              <a:t>.</a:t>
+            </a:r>
+          </a:p>
+          <a:p>
+            <a:endParaRPr lang="en-US" dirty="0" smtClean="0"/>
+          </a:p>
+          <a:p>
+            <a:r>
+              <a:rPr lang="en-US" dirty="0" smtClean="0"/>
+              <a:t>Drawing circuit diagrams using </a:t>
+            </a:r>
+            <a:r>
+              <a:rPr lang="en-US" dirty="0" err="1" smtClean="0"/>
+              <a:t>Fritzing</a:t>
+            </a:r>
+            <a:r>
+              <a:rPr lang="en-US" dirty="0" smtClean="0"/>
+              <a:t>.</a:t>
+            </a:r>
+          </a:p>
+          <a:p>
+            <a:endParaRPr lang="en-US" dirty="0"/>
+          </a:p>
+          <a:p>
+            <a:r>
+              <a:rPr lang="en-US" dirty="0" smtClean="0"/>
+              <a:t>Uploading sketches using </a:t>
+            </a:r>
+            <a:r>
+              <a:rPr lang="en-US" dirty="0" err="1" smtClean="0"/>
+              <a:t>Arduino</a:t>
+            </a:r>
+            <a:r>
+              <a:rPr lang="en-US" dirty="0" smtClean="0"/>
+              <a:t> IDE.</a:t>
+            </a:r>
+          </a:p>
+          <a:p>
+            <a:endParaRPr lang="en-US" dirty="0"/>
+          </a:p>
+          <a:p>
+            <a:endParaRPr lang="en-US" dirty="0" smtClean="0"/>
+          </a:p>
+          <a:p>
+            <a:endParaRPr lang="en-US" dirty="0"/>
+          </a:p>
+          <a:p>
+            <a:endParaRPr lang="en-US" dirty="0"/>
+          </a:p>
+        </p:txBody>
+      </p:sp>
     </p:spTree>
     <p:extLst>
       <p:ext uri="{BB962C8B-B14F-4D97-AF65-F5344CB8AC3E}">
-        <p14:creationId xmlns:p14="http://schemas.microsoft.com/office/powerpoint/2010/main" val="3761373064"/>
+        <p14:creationId xmlns:p14="http://schemas.microsoft.com/office/powerpoint/2010/main" val="2984637808"/>
       </p:ext>
     </p:extLst>
   </p:cSld>
@@ -3316,48 +3374,144 @@
         </p:nvSpPr>
         <p:spPr/>
         <p:txBody>
+          <a:bodyPr/>
+          <a:lstStyle/>
+          <a:p>
+            <a:r>
+              <a:rPr lang="en-US" dirty="0" smtClean="0"/>
+              <a:t>You must have…..</a:t>
+            </a:r>
+            <a:endParaRPr lang="en-US" dirty="0"/>
+          </a:p>
+        </p:txBody>
+      </p:sp>
+      <p:sp>
+        <p:nvSpPr>
+          <p:cNvPr id="3" name="Content Placeholder 2"/>
+          <p:cNvSpPr>
+            <a:spLocks noGrp="1"/>
+          </p:cNvSpPr>
+          <p:nvPr>
+            <p:ph idx="1"/>
+          </p:nvPr>
+        </p:nvSpPr>
+        <p:spPr/>
+        <p:txBody>
           <a:bodyPr>
-            <a:normAutofit fontScale="90000"/>
+            <a:normAutofit/>
           </a:bodyPr>
           <a:lstStyle/>
           <a:p>
             <a:r>
-              <a:rPr lang="en-US" dirty="0" smtClean="0"/>
-              <a:t>Breadboard Rows, Columns, IC ravine</a:t>
-            </a:r>
-            <a:endParaRPr lang="en-US" dirty="0"/>
-          </a:p>
-        </p:txBody>
-      </p:sp>
-      <p:pic>
-        <p:nvPicPr>
-          <p:cNvPr id="4" name="Content Placeholder 3" descr="BreadboardRowsColumns.jpg"/>
-          <p:cNvPicPr>
-            <a:picLocks noGrp="1" noChangeAspect="1"/>
-          </p:cNvPicPr>
-          <p:nvPr>
-            <p:ph idx="1"/>
-          </p:nvPr>
-        </p:nvPicPr>
-        <p:blipFill>
-          <a:blip r:embed="rId2">
-            <a:extLst>
-              <a:ext uri="{28A0092B-C50C-407E-A947-70E740481C1C}">
-                <a14:useLocalDpi xmlns:a14="http://schemas.microsoft.com/office/drawing/2010/main" val="0"/>
-              </a:ext>
-            </a:extLst>
-          </a:blip>
-          <a:srcRect t="8753" b="8753"/>
-          <a:stretch>
-            <a:fillRect/>
-          </a:stretch>
-        </p:blipFill>
-        <p:spPr/>
-      </p:pic>
+              <a:rPr lang="en-US" dirty="0" err="1" smtClean="0"/>
+              <a:t>Arduino</a:t>
+            </a:r>
+            <a:r>
+              <a:rPr lang="en-US" dirty="0" smtClean="0"/>
+              <a:t> Budget Pack </a:t>
+            </a:r>
+            <a:r>
+              <a:rPr lang="en-US" dirty="0"/>
+              <a:t>(</a:t>
+            </a:r>
+            <a:r>
+              <a:rPr lang="en-US" dirty="0">
+                <a:hlinkClick r:id="rId2"/>
+              </a:rPr>
+              <a:t>https://www.adafruit.com/product/</a:t>
+            </a:r>
+            <a:r>
+              <a:rPr lang="en-US" dirty="0" smtClean="0">
+                <a:hlinkClick r:id="rId2"/>
+              </a:rPr>
+              <a:t>193</a:t>
+            </a:r>
+            <a:r>
+              <a:rPr lang="en-US" dirty="0" smtClean="0"/>
+              <a:t>) or equivalent</a:t>
+            </a:r>
+          </a:p>
+          <a:p>
+            <a:r>
+              <a:rPr lang="en-US" smtClean="0"/>
+              <a:t>Laptop</a:t>
+            </a:r>
+            <a:endParaRPr lang="en-US" dirty="0"/>
+          </a:p>
+          <a:p>
+            <a:r>
+              <a:rPr lang="en-US" dirty="0" err="1" smtClean="0"/>
+              <a:t>Arduino</a:t>
+            </a:r>
+            <a:r>
+              <a:rPr lang="en-US" dirty="0" smtClean="0"/>
+              <a:t> IDE </a:t>
+            </a:r>
+            <a:r>
+              <a:rPr lang="en-US" dirty="0"/>
+              <a:t>(</a:t>
+            </a:r>
+            <a:r>
+              <a:rPr lang="en-US" dirty="0">
+                <a:hlinkClick r:id="rId3"/>
+              </a:rPr>
+              <a:t>http://arduino.cc/en/Main/</a:t>
+            </a:r>
+            <a:r>
+              <a:rPr lang="en-US" dirty="0" smtClean="0">
+                <a:hlinkClick r:id="rId3"/>
+              </a:rPr>
+              <a:t>Software</a:t>
+            </a:r>
+            <a:r>
+              <a:rPr lang="en-US" dirty="0" smtClean="0"/>
+              <a:t>) </a:t>
+            </a:r>
+          </a:p>
+          <a:p>
+            <a:r>
+              <a:rPr lang="en-US" dirty="0" err="1" smtClean="0"/>
+              <a:t>Fritzing</a:t>
+            </a:r>
+            <a:r>
+              <a:rPr lang="en-US" dirty="0"/>
+              <a:t> (</a:t>
+            </a:r>
+            <a:r>
+              <a:rPr lang="en-US" dirty="0">
+                <a:hlinkClick r:id="rId4"/>
+              </a:rPr>
+              <a:t>http://fritzing.org/download</a:t>
+            </a:r>
+            <a:r>
+              <a:rPr lang="en-US" dirty="0" smtClean="0">
+                <a:hlinkClick r:id="rId4"/>
+              </a:rPr>
+              <a:t>/</a:t>
+            </a:r>
+            <a:r>
+              <a:rPr lang="en-US" dirty="0" smtClean="0"/>
+              <a:t>)</a:t>
+            </a:r>
+          </a:p>
+          <a:p>
+            <a:endParaRPr lang="en-US" dirty="0" smtClean="0"/>
+          </a:p>
+          <a:p>
+            <a:endParaRPr lang="en-US" dirty="0" smtClean="0"/>
+          </a:p>
+          <a:p>
+            <a:endParaRPr lang="en-US" dirty="0" smtClean="0"/>
+          </a:p>
+          <a:p>
+            <a:endParaRPr lang="en-US" dirty="0"/>
+          </a:p>
+        </p:txBody>
+      </p:sp>
     </p:spTree>
     <p:extLst>
       <p:ext uri="{BB962C8B-B14F-4D97-AF65-F5344CB8AC3E}">
-        <p14:creationId xmlns:p14="http://schemas.microsoft.com/office/powerpoint/2010/main" val="3210256302"/>
+        <p14:creationId xmlns:p14="http://schemas.microsoft.com/office/powerpoint/2010/main" val="2131041512"/>
       </p:ext>
     </p:extLst>
   </p:cSld>
@@ -3400,42 +3554,102 @@
           <a:lstStyle/>
           <a:p>
             <a:r>
-              <a:rPr lang="en-US" dirty="0" smtClean="0"/>
-              <a:t>Breadboard clips</a:t>
-            </a:r>
-            <a:endParaRPr lang="en-US" dirty="0"/>
-          </a:p>
-        </p:txBody>
-      </p:sp>
-      <p:pic>
-        <p:nvPicPr>
-          <p:cNvPr id="4" name="Content Placeholder 3" descr="513a1dfbce395fe624000001.JPG"/>
-          <p:cNvPicPr>
-            <a:picLocks noGrp="1" noChangeAspect="1"/>
-          </p:cNvPicPr>
+              <a:rPr lang="en-US" dirty="0" err="1" smtClean="0"/>
+              <a:t>Arduino</a:t>
+            </a:r>
+            <a:r>
+              <a:rPr lang="en-US" dirty="0" smtClean="0"/>
+              <a:t> Budget Pack</a:t>
+            </a:r>
+            <a:endParaRPr lang="en-US" dirty="0"/>
+          </a:p>
+        </p:txBody>
+      </p:sp>
+      <p:sp>
+        <p:nvSpPr>
+          <p:cNvPr id="3" name="Content Placeholder 2"/>
+          <p:cNvSpPr>
+            <a:spLocks noGrp="1"/>
+          </p:cNvSpPr>
           <p:nvPr>
             <p:ph idx="1"/>
           </p:nvPr>
-        </p:nvPicPr>
-        <p:blipFill>
-          <a:blip r:embed="rId2">
-            <a:extLst>
-              <a:ext uri="{28A0092B-C50C-407E-A947-70E740481C1C}">
-                <a14:useLocalDpi xmlns:a14="http://schemas.microsoft.com/office/drawing/2010/main" val="0"/>
-              </a:ext>
-            </a:extLst>
-          </a:blip>
-          <a:srcRect t="8856" b="8856"/>
-          <a:stretch>
-            <a:fillRect/>
-          </a:stretch>
-        </p:blipFill>
-        <p:spPr/>
-      </p:pic>
+        </p:nvSpPr>
+        <p:spPr/>
+        <p:txBody>
+          <a:bodyPr/>
+          <a:lstStyle/>
+          <a:p>
+            <a:pPr marL="0" indent="0" algn="ctr">
+              <a:buNone/>
+            </a:pPr>
+            <a:r>
+              <a:rPr lang="en-US" dirty="0" smtClean="0"/>
+              <a:t>	</a:t>
+            </a:r>
+            <a:r>
+              <a:rPr lang="en-US" b="1" dirty="0" smtClean="0"/>
+              <a:t>	</a:t>
+            </a:r>
+            <a:r>
+              <a:rPr lang="en-US" b="1" dirty="0" smtClean="0">
+                <a:solidFill>
+                  <a:srgbClr val="FF0000"/>
+                </a:solidFill>
+              </a:rPr>
+              <a:t>Parts are very delicate handle with care</a:t>
+            </a:r>
+          </a:p>
+          <a:p>
+            <a:r>
+              <a:rPr lang="en-US" dirty="0" err="1" smtClean="0"/>
+              <a:t>Arduino</a:t>
+            </a:r>
+            <a:r>
+              <a:rPr lang="en-US" dirty="0" smtClean="0"/>
+              <a:t> circuit board</a:t>
+            </a:r>
+          </a:p>
+          <a:p>
+            <a:r>
+              <a:rPr lang="en-US" dirty="0" smtClean="0"/>
+              <a:t>Breadboard</a:t>
+            </a:r>
+          </a:p>
+          <a:p>
+            <a:r>
+              <a:rPr lang="en-US" dirty="0" smtClean="0"/>
+              <a:t>Jumper cables</a:t>
+            </a:r>
+          </a:p>
+          <a:p>
+            <a:r>
+              <a:rPr lang="en-US" dirty="0" smtClean="0"/>
+              <a:t>Resistors, LEDs and sensor packet</a:t>
+            </a:r>
+          </a:p>
+          <a:p>
+            <a:r>
+              <a:rPr lang="en-US" dirty="0" smtClean="0"/>
+              <a:t>USB Cable</a:t>
+            </a:r>
+          </a:p>
+          <a:p>
+            <a:r>
+              <a:rPr lang="en-US" dirty="0" smtClean="0"/>
+              <a:t>LED Packet</a:t>
+            </a:r>
+            <a:endParaRPr lang="en-US" dirty="0"/>
+          </a:p>
+          <a:p>
+            <a:endParaRPr lang="en-US" dirty="0"/>
+          </a:p>
+        </p:txBody>
+      </p:sp>
     </p:spTree>
     <p:extLst>
       <p:ext uri="{BB962C8B-B14F-4D97-AF65-F5344CB8AC3E}">
-        <p14:creationId xmlns:p14="http://schemas.microsoft.com/office/powerpoint/2010/main" val="3620635161"/>
+        <p14:creationId xmlns:p14="http://schemas.microsoft.com/office/powerpoint/2010/main" val="2736073523"/>
       </p:ext>
     </p:extLst>
   </p:cSld>
@@ -3478,57 +3692,46 @@
           <a:lstStyle/>
           <a:p>
             <a:r>
-              <a:rPr lang="en-US" dirty="0" smtClean="0"/>
-              <a:t>Practice 1 (2 minutes)</a:t>
-            </a:r>
-            <a:endParaRPr lang="en-US" dirty="0"/>
-          </a:p>
-        </p:txBody>
-      </p:sp>
-      <p:sp>
-        <p:nvSpPr>
-          <p:cNvPr id="3" name="Content Placeholder 2"/>
-          <p:cNvSpPr>
-            <a:spLocks noGrp="1"/>
-          </p:cNvSpPr>
+              <a:rPr lang="en-US" dirty="0" err="1" smtClean="0"/>
+              <a:t>Arduino</a:t>
+            </a:r>
+            <a:r>
+              <a:rPr lang="en-US" dirty="0" smtClean="0"/>
+              <a:t> Circuit Board</a:t>
+            </a:r>
+            <a:endParaRPr lang="en-US" dirty="0"/>
+          </a:p>
+        </p:txBody>
+      </p:sp>
+      <p:pic>
+        <p:nvPicPr>
+          <p:cNvPr id="8" name="Content Placeholder 7" descr="Figure 1 - Arduino Uno R3-400.jpg"/>
+          <p:cNvPicPr>
+            <a:picLocks noGrp="1" noChangeAspect="1"/>
+          </p:cNvPicPr>
           <p:nvPr>
             <p:ph idx="1"/>
           </p:nvPr>
-        </p:nvSpPr>
-        <p:spPr/>
-        <p:txBody>
-          <a:bodyPr/>
-          <a:lstStyle/>
-          <a:p>
-            <a:r>
-              <a:rPr lang="en-US" dirty="0" smtClean="0"/>
-              <a:t>Take 1 Jumper wire and practice inserting and removing into/from one slot.</a:t>
-            </a:r>
-          </a:p>
-          <a:p>
-            <a:endParaRPr lang="en-US" dirty="0"/>
-          </a:p>
-          <a:p>
-            <a:r>
-              <a:rPr lang="en-US" dirty="0" smtClean="0"/>
-              <a:t>Take 1 Resistor and practice inserting and removing </a:t>
-            </a:r>
-            <a:r>
-              <a:rPr lang="en-US" dirty="0"/>
-              <a:t>into/from one slot</a:t>
-            </a:r>
-            <a:r>
-              <a:rPr lang="en-US" dirty="0" smtClean="0"/>
-              <a:t>.</a:t>
-            </a:r>
-            <a:endParaRPr lang="en-US" dirty="0"/>
-          </a:p>
-        </p:txBody>
-      </p:sp>
+        </p:nvPicPr>
+        <p:blipFill>
+          <a:blip r:embed="rId2">
+            <a:extLst>
+              <a:ext uri="{28A0092B-C50C-407E-A947-70E740481C1C}">
+                <a14:useLocalDpi xmlns:a14="http://schemas.microsoft.com/office/drawing/2010/main" val="0"/>
+              </a:ext>
+            </a:extLst>
+          </a:blip>
+          <a:srcRect l="-8868" r="-8868"/>
+          <a:stretch>
+            <a:fillRect/>
+          </a:stretch>
+        </p:blipFill>
+        <p:spPr/>
+      </p:pic>
     </p:spTree>
     <p:extLst>
       <p:ext uri="{BB962C8B-B14F-4D97-AF65-F5344CB8AC3E}">
-        <p14:creationId xmlns:p14="http://schemas.microsoft.com/office/powerpoint/2010/main" val="2786385698"/>
+        <p14:creationId xmlns:p14="http://schemas.microsoft.com/office/powerpoint/2010/main" val="775447129"/>
       </p:ext>
     </p:extLst>
   </p:cSld>
@@ -3572,68 +3775,41 @@
           <a:p>
             <a:r>
               <a:rPr lang="en-US" dirty="0" smtClean="0"/>
-              <a:t>Resistor</a:t>
-            </a:r>
-            <a:endParaRPr lang="en-US" dirty="0"/>
-          </a:p>
-        </p:txBody>
-      </p:sp>
-      <p:sp>
-        <p:nvSpPr>
-          <p:cNvPr id="3" name="Content Placeholder 2"/>
-          <p:cNvSpPr>
-            <a:spLocks noGrp="1"/>
-          </p:cNvSpPr>
+              <a:t>Breadboard Power rails</a:t>
+            </a:r>
+            <a:endParaRPr lang="en-US" dirty="0"/>
+          </a:p>
+        </p:txBody>
+      </p:sp>
+      <p:pic>
+        <p:nvPicPr>
+          <p:cNvPr id="6" name="Content Placeholder 5" descr="518c0b34ce395fea62000002.jpg"/>
+          <p:cNvPicPr>
+            <a:picLocks noGrp="1" noChangeAspect="1"/>
+          </p:cNvPicPr>
           <p:nvPr>
             <p:ph idx="1"/>
           </p:nvPr>
-        </p:nvSpPr>
-        <p:spPr/>
-        <p:txBody>
-          <a:bodyPr/>
-          <a:lstStyle/>
-          <a:p>
-            <a:endParaRPr lang="en-US" dirty="0" smtClean="0"/>
-          </a:p>
-          <a:p>
-            <a:r>
-              <a:rPr lang="en-US" dirty="0" smtClean="0"/>
-              <a:t>A Resistor resists the flow of electrical current.</a:t>
-            </a:r>
-          </a:p>
-          <a:p>
-            <a:endParaRPr lang="en-US" dirty="0"/>
-          </a:p>
-          <a:p>
-            <a:r>
-              <a:rPr lang="en-US" dirty="0" smtClean="0"/>
-              <a:t>Resistance is measured in Ohms.</a:t>
-            </a:r>
-          </a:p>
-          <a:p>
-            <a:endParaRPr lang="en-US" dirty="0"/>
-          </a:p>
-          <a:p>
-            <a:r>
-              <a:rPr lang="en-US" dirty="0" smtClean="0"/>
-              <a:t>Analogy: Water flowing through a thin pipe </a:t>
-            </a:r>
-            <a:r>
-              <a:rPr lang="en-US" dirty="0" err="1" smtClean="0"/>
-              <a:t>vs</a:t>
-            </a:r>
-            <a:r>
-              <a:rPr lang="en-US" dirty="0" smtClean="0"/>
-              <a:t> large pipe</a:t>
-            </a:r>
-            <a:endParaRPr lang="en-US" dirty="0"/>
-          </a:p>
-        </p:txBody>
-      </p:sp>
+        </p:nvPicPr>
+        <p:blipFill>
+          <a:blip r:embed="rId2">
+            <a:extLst>
+              <a:ext uri="{28A0092B-C50C-407E-A947-70E740481C1C}">
+                <a14:useLocalDpi xmlns:a14="http://schemas.microsoft.com/office/drawing/2010/main" val="0"/>
+              </a:ext>
+            </a:extLst>
+          </a:blip>
+          <a:srcRect t="8856" b="8856"/>
+          <a:stretch>
+            <a:fillRect/>
+          </a:stretch>
+        </p:blipFill>
+        <p:spPr/>
+      </p:pic>
     </p:spTree>
     <p:extLst>
       <p:ext uri="{BB962C8B-B14F-4D97-AF65-F5344CB8AC3E}">
-        <p14:creationId xmlns:p14="http://schemas.microsoft.com/office/powerpoint/2010/main" val="1138920437"/>
+        <p14:creationId xmlns:p14="http://schemas.microsoft.com/office/powerpoint/2010/main" val="3761373064"/>
       </p:ext>
     </p:extLst>
   </p:cSld>
@@ -3672,6 +3848,362 @@
         </p:nvSpPr>
         <p:spPr/>
         <p:txBody>
+          <a:bodyPr>
+            <a:normAutofit fontScale="90000"/>
+          </a:bodyPr>
+          <a:lstStyle/>
+          <a:p>
+            <a:r>
+              <a:rPr lang="en-US" dirty="0" smtClean="0"/>
+              <a:t>Breadboard Rows, Columns, IC ravine</a:t>
+            </a:r>
+            <a:endParaRPr lang="en-US" dirty="0"/>
+          </a:p>
+        </p:txBody>
+      </p:sp>
+      <p:pic>
+        <p:nvPicPr>
+          <p:cNvPr id="4" name="Content Placeholder 3" descr="BreadboardRowsColumns.jpg"/>
+          <p:cNvPicPr>
+            <a:picLocks noGrp="1" noChangeAspect="1"/>
+          </p:cNvPicPr>
+          <p:nvPr>
+            <p:ph idx="1"/>
+          </p:nvPr>
+        </p:nvPicPr>
+        <p:blipFill>
+          <a:blip r:embed="rId2">
+            <a:extLst>
+              <a:ext uri="{28A0092B-C50C-407E-A947-70E740481C1C}">
+                <a14:useLocalDpi xmlns:a14="http://schemas.microsoft.com/office/drawing/2010/main" val="0"/>
+              </a:ext>
+            </a:extLst>
+          </a:blip>
+          <a:srcRect t="8753" b="8753"/>
+          <a:stretch>
+            <a:fillRect/>
+          </a:stretch>
+        </p:blipFill>
+        <p:spPr/>
+      </p:pic>
+    </p:spTree>
+    <p:extLst>
+      <p:ext uri="{BB962C8B-B14F-4D97-AF65-F5344CB8AC3E}">
+        <p14:creationId xmlns:p14="http://schemas.microsoft.com/office/powerpoint/2010/main" val="3210256302"/>
+      </p:ext>
+    </p:extLst>
+  </p:cSld>
+  <p:clrMapOvr>
+    <a:masterClrMapping/>
+  </p:clrMapOvr>
+</p:sld>
+</file>
+
+<file path=ppt/slides/slide16.xml><?xml version="1.0" encoding="utf-8"?>
+<p:sld xmlns:a="http://schemas.openxmlformats.org/drawingml/2006/main" xmlns:r="http://schemas.openxmlformats.org/officeDocument/2006/relationships" xmlns:p="http://schemas.openxmlformats.org/presentationml/2006/main">
+  <p:cSld>
+    <p:spTree>
+      <p:nvGrpSpPr>
+        <p:cNvPr id="1" name=""/>
+        <p:cNvGrpSpPr/>
+        <p:nvPr/>
+      </p:nvGrpSpPr>
+      <p:grpSpPr>
+        <a:xfrm>
+          <a:off x="0" y="0"/>
+          <a:ext cx="0" cy="0"/>
+          <a:chOff x="0" y="0"/>
+          <a:chExt cx="0" cy="0"/>
+        </a:xfrm>
+      </p:grpSpPr>
+      <p:sp>
+        <p:nvSpPr>
+          <p:cNvPr id="2" name="Title 1"/>
+          <p:cNvSpPr>
+            <a:spLocks noGrp="1"/>
+          </p:cNvSpPr>
+          <p:nvPr>
+            <p:ph type="title"/>
+          </p:nvPr>
+        </p:nvSpPr>
+        <p:spPr/>
+        <p:txBody>
+          <a:bodyPr/>
+          <a:lstStyle/>
+          <a:p>
+            <a:r>
+              <a:rPr lang="en-US" dirty="0" smtClean="0"/>
+              <a:t>Breadboard clips</a:t>
+            </a:r>
+            <a:endParaRPr lang="en-US" dirty="0"/>
+          </a:p>
+        </p:txBody>
+      </p:sp>
+      <p:pic>
+        <p:nvPicPr>
+          <p:cNvPr id="4" name="Content Placeholder 3" descr="513a1dfbce395fe624000001.JPG"/>
+          <p:cNvPicPr>
+            <a:picLocks noGrp="1" noChangeAspect="1"/>
+          </p:cNvPicPr>
+          <p:nvPr>
+            <p:ph idx="1"/>
+          </p:nvPr>
+        </p:nvPicPr>
+        <p:blipFill>
+          <a:blip r:embed="rId2">
+            <a:extLst>
+              <a:ext uri="{28A0092B-C50C-407E-A947-70E740481C1C}">
+                <a14:useLocalDpi xmlns:a14="http://schemas.microsoft.com/office/drawing/2010/main" val="0"/>
+              </a:ext>
+            </a:extLst>
+          </a:blip>
+          <a:srcRect t="8856" b="8856"/>
+          <a:stretch>
+            <a:fillRect/>
+          </a:stretch>
+        </p:blipFill>
+        <p:spPr/>
+      </p:pic>
+    </p:spTree>
+    <p:extLst>
+      <p:ext uri="{BB962C8B-B14F-4D97-AF65-F5344CB8AC3E}">
+        <p14:creationId xmlns:p14="http://schemas.microsoft.com/office/powerpoint/2010/main" val="3620635161"/>
+      </p:ext>
+    </p:extLst>
+  </p:cSld>
+  <p:clrMapOvr>
+    <a:masterClrMapping/>
+  </p:clrMapOvr>
+</p:sld>
+</file>
+
+<file path=ppt/slides/slide17.xml><?xml version="1.0" encoding="utf-8"?>
+<p:sld xmlns:a="http://schemas.openxmlformats.org/drawingml/2006/main" xmlns:r="http://schemas.openxmlformats.org/officeDocument/2006/relationships" xmlns:p="http://schemas.openxmlformats.org/presentationml/2006/main">
+  <p:cSld>
+    <p:spTree>
+      <p:nvGrpSpPr>
+        <p:cNvPr id="1" name=""/>
+        <p:cNvGrpSpPr/>
+        <p:nvPr/>
+      </p:nvGrpSpPr>
+      <p:grpSpPr>
+        <a:xfrm>
+          <a:off x="0" y="0"/>
+          <a:ext cx="0" cy="0"/>
+          <a:chOff x="0" y="0"/>
+          <a:chExt cx="0" cy="0"/>
+        </a:xfrm>
+      </p:grpSpPr>
+      <p:sp>
+        <p:nvSpPr>
+          <p:cNvPr id="2" name="Title 1"/>
+          <p:cNvSpPr>
+            <a:spLocks noGrp="1"/>
+          </p:cNvSpPr>
+          <p:nvPr>
+            <p:ph type="title"/>
+          </p:nvPr>
+        </p:nvSpPr>
+        <p:spPr/>
+        <p:txBody>
+          <a:bodyPr/>
+          <a:lstStyle/>
+          <a:p>
+            <a:r>
+              <a:rPr lang="en-US" dirty="0" smtClean="0"/>
+              <a:t>Practice 1 (2 minutes)</a:t>
+            </a:r>
+            <a:endParaRPr lang="en-US" dirty="0"/>
+          </a:p>
+        </p:txBody>
+      </p:sp>
+      <p:sp>
+        <p:nvSpPr>
+          <p:cNvPr id="3" name="Content Placeholder 2"/>
+          <p:cNvSpPr>
+            <a:spLocks noGrp="1"/>
+          </p:cNvSpPr>
+          <p:nvPr>
+            <p:ph idx="1"/>
+          </p:nvPr>
+        </p:nvSpPr>
+        <p:spPr/>
+        <p:txBody>
+          <a:bodyPr/>
+          <a:lstStyle/>
+          <a:p>
+            <a:r>
+              <a:rPr lang="en-US" dirty="0" smtClean="0"/>
+              <a:t>Take 1 Jumper wire and practice inserting and removing into/from one slot.</a:t>
+            </a:r>
+          </a:p>
+          <a:p>
+            <a:endParaRPr lang="en-US" dirty="0"/>
+          </a:p>
+          <a:p>
+            <a:r>
+              <a:rPr lang="en-US" dirty="0" smtClean="0"/>
+              <a:t>Take 1 Resistor and practice inserting and removing </a:t>
+            </a:r>
+            <a:r>
+              <a:rPr lang="en-US" dirty="0"/>
+              <a:t>into/from one slot</a:t>
+            </a:r>
+            <a:r>
+              <a:rPr lang="en-US" dirty="0" smtClean="0"/>
+              <a:t>.</a:t>
+            </a:r>
+            <a:endParaRPr lang="en-US" dirty="0"/>
+          </a:p>
+        </p:txBody>
+      </p:sp>
+    </p:spTree>
+    <p:extLst>
+      <p:ext uri="{BB962C8B-B14F-4D97-AF65-F5344CB8AC3E}">
+        <p14:creationId xmlns:p14="http://schemas.microsoft.com/office/powerpoint/2010/main" val="2786385698"/>
+      </p:ext>
+    </p:extLst>
+  </p:cSld>
+  <p:clrMapOvr>
+    <a:masterClrMapping/>
+  </p:clrMapOvr>
+</p:sld>
+</file>
+
+<file path=ppt/slides/slide18.xml><?xml version="1.0" encoding="utf-8"?>
+<p:sld xmlns:a="http://schemas.openxmlformats.org/drawingml/2006/main" xmlns:r="http://schemas.openxmlformats.org/officeDocument/2006/relationships" xmlns:p="http://schemas.openxmlformats.org/presentationml/2006/main">
+  <p:cSld>
+    <p:spTree>
+      <p:nvGrpSpPr>
+        <p:cNvPr id="1" name=""/>
+        <p:cNvGrpSpPr/>
+        <p:nvPr/>
+      </p:nvGrpSpPr>
+      <p:grpSpPr>
+        <a:xfrm>
+          <a:off x="0" y="0"/>
+          <a:ext cx="0" cy="0"/>
+          <a:chOff x="0" y="0"/>
+          <a:chExt cx="0" cy="0"/>
+        </a:xfrm>
+      </p:grpSpPr>
+      <p:sp>
+        <p:nvSpPr>
+          <p:cNvPr id="2" name="Title 1"/>
+          <p:cNvSpPr>
+            <a:spLocks noGrp="1"/>
+          </p:cNvSpPr>
+          <p:nvPr>
+            <p:ph type="title"/>
+          </p:nvPr>
+        </p:nvSpPr>
+        <p:spPr/>
+        <p:txBody>
+          <a:bodyPr/>
+          <a:lstStyle/>
+          <a:p>
+            <a:r>
+              <a:rPr lang="en-US" dirty="0" smtClean="0"/>
+              <a:t>Resistor</a:t>
+            </a:r>
+            <a:endParaRPr lang="en-US" dirty="0"/>
+          </a:p>
+        </p:txBody>
+      </p:sp>
+      <p:sp>
+        <p:nvSpPr>
+          <p:cNvPr id="3" name="Content Placeholder 2"/>
+          <p:cNvSpPr>
+            <a:spLocks noGrp="1"/>
+          </p:cNvSpPr>
+          <p:nvPr>
+            <p:ph idx="1"/>
+          </p:nvPr>
+        </p:nvSpPr>
+        <p:spPr/>
+        <p:txBody>
+          <a:bodyPr/>
+          <a:lstStyle/>
+          <a:p>
+            <a:endParaRPr lang="en-US" dirty="0" smtClean="0"/>
+          </a:p>
+          <a:p>
+            <a:r>
+              <a:rPr lang="en-US" dirty="0" smtClean="0"/>
+              <a:t>A Resistor resists the flow of electrical current.</a:t>
+            </a:r>
+          </a:p>
+          <a:p>
+            <a:endParaRPr lang="en-US" dirty="0"/>
+          </a:p>
+          <a:p>
+            <a:r>
+              <a:rPr lang="en-US" dirty="0" smtClean="0"/>
+              <a:t>Resistance is measured in Ohms.</a:t>
+            </a:r>
+          </a:p>
+          <a:p>
+            <a:endParaRPr lang="en-US" dirty="0"/>
+          </a:p>
+          <a:p>
+            <a:r>
+              <a:rPr lang="en-US" dirty="0" smtClean="0"/>
+              <a:t>Analogy: Water flowing through a thin pipe </a:t>
+            </a:r>
+            <a:r>
+              <a:rPr lang="en-US" dirty="0" err="1" smtClean="0"/>
+              <a:t>vs</a:t>
+            </a:r>
+            <a:r>
+              <a:rPr lang="en-US" dirty="0" smtClean="0"/>
+              <a:t> large pipe</a:t>
+            </a:r>
+            <a:endParaRPr lang="en-US" dirty="0"/>
+          </a:p>
+        </p:txBody>
+      </p:sp>
+    </p:spTree>
+    <p:extLst>
+      <p:ext uri="{BB962C8B-B14F-4D97-AF65-F5344CB8AC3E}">
+        <p14:creationId xmlns:p14="http://schemas.microsoft.com/office/powerpoint/2010/main" val="1138920437"/>
+      </p:ext>
+    </p:extLst>
+  </p:cSld>
+  <p:clrMapOvr>
+    <a:masterClrMapping/>
+  </p:clrMapOvr>
+</p:sld>
+</file>
+
+<file path=ppt/slides/slide19.xml><?xml version="1.0" encoding="utf-8"?>
+<p:sld xmlns:a="http://schemas.openxmlformats.org/drawingml/2006/main" xmlns:r="http://schemas.openxmlformats.org/officeDocument/2006/relationships" xmlns:p="http://schemas.openxmlformats.org/presentationml/2006/main">
+  <p:cSld>
+    <p:spTree>
+      <p:nvGrpSpPr>
+        <p:cNvPr id="1" name=""/>
+        <p:cNvGrpSpPr/>
+        <p:nvPr/>
+      </p:nvGrpSpPr>
+      <p:grpSpPr>
+        <a:xfrm>
+          <a:off x="0" y="0"/>
+          <a:ext cx="0" cy="0"/>
+          <a:chOff x="0" y="0"/>
+          <a:chExt cx="0" cy="0"/>
+        </a:xfrm>
+      </p:grpSpPr>
+      <p:sp>
+        <p:nvSpPr>
+          <p:cNvPr id="2" name="Title 1"/>
+          <p:cNvSpPr>
+            <a:spLocks noGrp="1"/>
+          </p:cNvSpPr>
+          <p:nvPr>
+            <p:ph type="title"/>
+          </p:nvPr>
+        </p:nvSpPr>
+        <p:spPr/>
+        <p:txBody>
           <a:bodyPr/>
           <a:lstStyle/>
           <a:p>
@@ -3728,7 +4260,373 @@
 </p:sld>
 </file>
 
-<file path=ppt/slides/slide16.xml><?xml version="1.0" encoding="utf-8"?>
+<file path=ppt/slides/slide2.xml><?xml version="1.0" encoding="utf-8"?>
+<p:sld xmlns:a="http://schemas.openxmlformats.org/drawingml/2006/main" xmlns:r="http://schemas.openxmlformats.org/officeDocument/2006/relationships" xmlns:p="http://schemas.openxmlformats.org/presentationml/2006/main">
+  <p:cSld>
+    <p:spTree>
+      <p:nvGrpSpPr>
+        <p:cNvPr id="1" name=""/>
+        <p:cNvGrpSpPr/>
+        <p:nvPr/>
+      </p:nvGrpSpPr>
+      <p:grpSpPr>
+        <a:xfrm>
+          <a:off x="0" y="0"/>
+          <a:ext cx="0" cy="0"/>
+          <a:chOff x="0" y="0"/>
+          <a:chExt cx="0" cy="0"/>
+        </a:xfrm>
+      </p:grpSpPr>
+      <p:sp>
+        <p:nvSpPr>
+          <p:cNvPr id="2" name="Title 1"/>
+          <p:cNvSpPr>
+            <a:spLocks noGrp="1"/>
+          </p:cNvSpPr>
+          <p:nvPr>
+            <p:ph type="title"/>
+          </p:nvPr>
+        </p:nvSpPr>
+        <p:spPr/>
+        <p:txBody>
+          <a:bodyPr/>
+          <a:lstStyle/>
+          <a:p>
+            <a:r>
+              <a:rPr lang="en-US" dirty="0" smtClean="0"/>
+              <a:t>Basic Concepts - Videos</a:t>
+            </a:r>
+            <a:endParaRPr lang="en-US" dirty="0"/>
+          </a:p>
+        </p:txBody>
+      </p:sp>
+      <p:sp>
+        <p:nvSpPr>
+          <p:cNvPr id="3" name="Content Placeholder 2"/>
+          <p:cNvSpPr>
+            <a:spLocks noGrp="1"/>
+          </p:cNvSpPr>
+          <p:nvPr>
+            <p:ph idx="1"/>
+          </p:nvPr>
+        </p:nvSpPr>
+        <p:spPr/>
+        <p:txBody>
+          <a:bodyPr>
+            <a:normAutofit fontScale="25000" lnSpcReduction="20000"/>
+          </a:bodyPr>
+          <a:lstStyle/>
+          <a:p>
+            <a:pPr marL="0" indent="0">
+              <a:buNone/>
+            </a:pPr>
+            <a:r>
+              <a:rPr lang="en-US" sz="4800" b="1" dirty="0"/>
+              <a:t>Voltage and </a:t>
+            </a:r>
+            <a:r>
+              <a:rPr lang="en-US" sz="4800" b="1" dirty="0" smtClean="0"/>
+              <a:t>Current</a:t>
+            </a:r>
+            <a:endParaRPr lang="en-US" sz="4800" dirty="0"/>
+          </a:p>
+          <a:p>
+            <a:pPr marL="0" indent="0">
+              <a:buNone/>
+            </a:pPr>
+            <a:r>
+              <a:rPr lang="en-US" sz="4800" u="sng" dirty="0">
+                <a:hlinkClick r:id="rId2"/>
+              </a:rPr>
+              <a:t>https://www.youtube.com/watch?v=l8JS8BbrVOg</a:t>
+            </a:r>
+          </a:p>
+          <a:p>
+            <a:pPr marL="0" indent="0">
+              <a:buNone/>
+            </a:pPr>
+            <a:r>
+              <a:rPr lang="en-US" sz="4800" u="sng" dirty="0" smtClean="0">
+                <a:hlinkClick r:id="rId3"/>
+              </a:rPr>
+              <a:t>https</a:t>
+            </a:r>
+            <a:r>
+              <a:rPr lang="en-US" sz="4800" u="sng" dirty="0">
+                <a:hlinkClick r:id="rId3"/>
+              </a:rPr>
+              <a:t>://www.youtube.com/watch?v=8gvJzrjwjds</a:t>
+            </a:r>
+          </a:p>
+          <a:p>
+            <a:pPr marL="0" indent="0">
+              <a:buNone/>
+            </a:pPr>
+            <a:r>
+              <a:rPr lang="en-US" sz="4800" u="sng" dirty="0" smtClean="0">
+                <a:hlinkClick r:id="rId4"/>
+              </a:rPr>
+              <a:t>https</a:t>
+            </a:r>
+            <a:r>
+              <a:rPr lang="en-US" sz="4800" u="sng" dirty="0">
+                <a:hlinkClick r:id="rId4"/>
+              </a:rPr>
+              <a:t>://www.youtube.com/watch?v=exlRjDKHGRg</a:t>
+            </a:r>
+          </a:p>
+          <a:p>
+            <a:pPr marL="0" indent="0">
+              <a:buNone/>
+            </a:pPr>
+            <a:r>
+              <a:rPr lang="en-US" sz="4800" u="sng" dirty="0" smtClean="0">
+                <a:hlinkClick r:id="rId5"/>
+              </a:rPr>
+              <a:t>https</a:t>
+            </a:r>
+            <a:r>
+              <a:rPr lang="en-US" sz="4800" u="sng" dirty="0">
+                <a:hlinkClick r:id="rId5"/>
+              </a:rPr>
+              <a:t>://www.youtube.com/watch?v=mzSnz6ZDkFE</a:t>
+            </a:r>
+          </a:p>
+          <a:p>
+            <a:endParaRPr lang="en-US" sz="4800" dirty="0"/>
+          </a:p>
+          <a:p>
+            <a:pPr marL="0" indent="0">
+              <a:buNone/>
+            </a:pPr>
+            <a:r>
+              <a:rPr lang="en-US" sz="4800" b="1" dirty="0" smtClean="0"/>
+              <a:t>Resistor</a:t>
+            </a:r>
+            <a:endParaRPr lang="en-US" sz="4800" dirty="0"/>
+          </a:p>
+          <a:p>
+            <a:pPr marL="0" indent="0">
+              <a:buNone/>
+            </a:pPr>
+            <a:r>
+              <a:rPr lang="en-US" sz="4800" u="sng" dirty="0">
+                <a:hlinkClick r:id="rId6"/>
+              </a:rPr>
+              <a:t>https://www.youtube.com/watch?v=VPVoY1QROMg</a:t>
+            </a:r>
+          </a:p>
+          <a:p>
+            <a:pPr marL="0" indent="0">
+              <a:buNone/>
+            </a:pPr>
+            <a:r>
+              <a:rPr lang="en-US" sz="4800" u="sng" dirty="0" smtClean="0">
+                <a:hlinkClick r:id="rId7"/>
+              </a:rPr>
+              <a:t>https</a:t>
+            </a:r>
+            <a:r>
+              <a:rPr lang="en-US" sz="4800" u="sng" dirty="0">
+                <a:hlinkClick r:id="rId7"/>
+              </a:rPr>
+              <a:t>://www.youtube.com/watch?v=Gc1wVdbVI0E</a:t>
+            </a:r>
+          </a:p>
+          <a:p>
+            <a:endParaRPr lang="en-US" sz="4800" dirty="0"/>
+          </a:p>
+          <a:p>
+            <a:pPr marL="0" indent="0">
+              <a:buNone/>
+            </a:pPr>
+            <a:r>
+              <a:rPr lang="en-US" sz="4800" b="1" dirty="0" smtClean="0"/>
+              <a:t>Capacitor</a:t>
+            </a:r>
+            <a:endParaRPr lang="en-US" sz="4800" dirty="0"/>
+          </a:p>
+          <a:p>
+            <a:pPr marL="0" indent="0">
+              <a:buNone/>
+            </a:pPr>
+            <a:r>
+              <a:rPr lang="en-US" sz="4800" u="sng" dirty="0">
+                <a:hlinkClick r:id="rId8"/>
+              </a:rPr>
+              <a:t>https://www.youtube.com/watch?v=sy_G1oYRQmM</a:t>
+            </a:r>
+          </a:p>
+          <a:p>
+            <a:endParaRPr lang="en-US" sz="4800" dirty="0"/>
+          </a:p>
+          <a:p>
+            <a:pPr marL="0" indent="0">
+              <a:buNone/>
+            </a:pPr>
+            <a:r>
+              <a:rPr lang="en-US" sz="4800" b="1" dirty="0" smtClean="0"/>
+              <a:t>Diode</a:t>
+            </a:r>
+            <a:endParaRPr lang="en-US" sz="4800" dirty="0"/>
+          </a:p>
+          <a:p>
+            <a:pPr marL="0" indent="0">
+              <a:buNone/>
+            </a:pPr>
+            <a:r>
+              <a:rPr lang="en-US" sz="4800" u="sng" dirty="0">
+                <a:hlinkClick r:id="rId9"/>
+              </a:rPr>
+              <a:t>https://www.youtube.com/watch?v=ap7edIKkykA</a:t>
+            </a:r>
+          </a:p>
+          <a:p>
+            <a:pPr marL="0" indent="0">
+              <a:buNone/>
+            </a:pPr>
+            <a:endParaRPr lang="en-US" sz="4800" dirty="0"/>
+          </a:p>
+          <a:p>
+            <a:pPr marL="0" indent="0">
+              <a:buNone/>
+            </a:pPr>
+            <a:r>
+              <a:rPr lang="en-US" sz="4800" b="1" dirty="0" smtClean="0"/>
+              <a:t>Volts</a:t>
+            </a:r>
+            <a:r>
+              <a:rPr lang="en-US" sz="4800" b="1" dirty="0"/>
+              <a:t>, Amps and </a:t>
+            </a:r>
+            <a:r>
+              <a:rPr lang="en-US" sz="4800" b="1" dirty="0" smtClean="0"/>
+              <a:t>Ohms</a:t>
+            </a:r>
+            <a:endParaRPr lang="en-US" sz="4800" dirty="0"/>
+          </a:p>
+          <a:p>
+            <a:pPr marL="0" indent="0">
+              <a:buNone/>
+            </a:pPr>
+            <a:r>
+              <a:rPr lang="en-US" sz="4800" u="sng" dirty="0">
+                <a:hlinkClick r:id="rId10"/>
+              </a:rPr>
+              <a:t>https://www.youtube.com/watch?v=WoN1nou5t1Q</a:t>
+            </a:r>
+          </a:p>
+          <a:p>
+            <a:pPr marL="0" indent="0">
+              <a:buNone/>
+            </a:pPr>
+            <a:r>
+              <a:rPr lang="en-US" sz="4800" u="sng" dirty="0" smtClean="0">
+                <a:hlinkClick r:id="rId11"/>
+              </a:rPr>
+              <a:t>https</a:t>
+            </a:r>
+            <a:r>
+              <a:rPr lang="en-US" sz="4800" u="sng" dirty="0">
+                <a:hlinkClick r:id="rId11"/>
+              </a:rPr>
+              <a:t>://www.youtube.com/watch?v=zYS9kdS56l8</a:t>
+            </a:r>
+          </a:p>
+          <a:p>
+            <a:pPr marL="0" indent="0">
+              <a:buNone/>
+            </a:pPr>
+            <a:r>
+              <a:rPr lang="en-US" sz="4800" u="sng" dirty="0" smtClean="0">
+                <a:hlinkClick r:id="rId11"/>
+              </a:rPr>
+              <a:t>https</a:t>
+            </a:r>
+            <a:r>
+              <a:rPr lang="en-US" sz="4800" u="sng" dirty="0">
+                <a:hlinkClick r:id="rId11"/>
+              </a:rPr>
+              <a:t>://www.youtube.com/watch?v=zYS9kdS56l8</a:t>
+            </a:r>
+          </a:p>
+          <a:p>
+            <a:pPr marL="0" indent="0">
+              <a:buNone/>
+            </a:pPr>
+            <a:r>
+              <a:rPr lang="en-US" sz="4800" u="sng" dirty="0" smtClean="0">
+                <a:hlinkClick r:id="rId12"/>
+              </a:rPr>
+              <a:t>https</a:t>
+            </a:r>
+            <a:r>
+              <a:rPr lang="en-US" sz="4800" u="sng" dirty="0">
+                <a:hlinkClick r:id="rId12"/>
+              </a:rPr>
+              <a:t>://www.youtube.com/watch?v=6Zxp8lSdn8M</a:t>
+            </a:r>
+          </a:p>
+          <a:p>
+            <a:pPr marL="0" indent="0">
+              <a:buNone/>
+            </a:pPr>
+            <a:endParaRPr lang="en-US" sz="4800" b="1" dirty="0" smtClean="0"/>
+          </a:p>
+          <a:p>
+            <a:pPr marL="0" indent="0">
+              <a:buNone/>
+            </a:pPr>
+            <a:r>
+              <a:rPr lang="en-US" sz="4800" b="1" dirty="0" smtClean="0"/>
+              <a:t>Apps </a:t>
+            </a:r>
+            <a:r>
+              <a:rPr lang="en-US" sz="4800" b="1" dirty="0"/>
+              <a:t>(The app costs $1 )</a:t>
+            </a:r>
+            <a:endParaRPr lang="en-US" sz="4800" dirty="0"/>
+          </a:p>
+          <a:p>
+            <a:pPr marL="0" indent="0">
+              <a:buNone/>
+            </a:pPr>
+            <a:r>
+              <a:rPr lang="en-US" sz="4800" u="sng" dirty="0" smtClean="0">
+                <a:hlinkClick r:id="rId13"/>
+              </a:rPr>
+              <a:t>https</a:t>
+            </a:r>
+            <a:r>
+              <a:rPr lang="en-US" sz="4800" u="sng" dirty="0">
+                <a:hlinkClick r:id="rId13"/>
+              </a:rPr>
+              <a:t>://itunes.apple.com/us/app/mhos-r</a:t>
+            </a:r>
+            <a:r>
+              <a:rPr lang="en-US" u="sng" dirty="0">
+                <a:hlinkClick r:id="rId13"/>
+              </a:rPr>
+              <a:t>esistance/id785181044?mt=8</a:t>
+            </a:r>
+            <a:endParaRPr lang="en-US" dirty="0"/>
+          </a:p>
+        </p:txBody>
+      </p:sp>
+    </p:spTree>
+    <p:extLst>
+      <p:ext uri="{BB962C8B-B14F-4D97-AF65-F5344CB8AC3E}">
+        <p14:creationId xmlns:p14="http://schemas.microsoft.com/office/powerpoint/2010/main" val="2452595402"/>
+      </p:ext>
+    </p:extLst>
+  </p:cSld>
+  <p:clrMapOvr>
+    <a:masterClrMapping/>
+  </p:clrMapOvr>
+</p:sld>
+</file>
+
+<file path=ppt/slides/slide20.xml><?xml version="1.0" encoding="utf-8"?>
 <p:sld xmlns:a="http://schemas.openxmlformats.org/drawingml/2006/main" xmlns:r="http://schemas.openxmlformats.org/officeDocument/2006/relationships" xmlns:p="http://schemas.openxmlformats.org/presentationml/2006/main">
   <p:cSld>
     <p:spTree>
@@ -3811,761 +4709,6 @@
 </p:sld>
 </file>
 
-<file path=ppt/slides/slide17.xml><?xml version="1.0" encoding="utf-8"?>
-<p:sld xmlns:a="http://schemas.openxmlformats.org/drawingml/2006/main" xmlns:r="http://schemas.openxmlformats.org/officeDocument/2006/relationships" xmlns:p="http://schemas.openxmlformats.org/presentationml/2006/main">
-  <p:cSld>
-    <p:spTree>
-      <p:nvGrpSpPr>
-        <p:cNvPr id="1" name=""/>
-        <p:cNvGrpSpPr/>
-        <p:nvPr/>
-      </p:nvGrpSpPr>
-      <p:grpSpPr>
-        <a:xfrm>
-          <a:off x="0" y="0"/>
-          <a:ext cx="0" cy="0"/>
-          <a:chOff x="0" y="0"/>
-          <a:chExt cx="0" cy="0"/>
-        </a:xfrm>
-      </p:grpSpPr>
-      <p:sp>
-        <p:nvSpPr>
-          <p:cNvPr id="2" name="Title 1"/>
-          <p:cNvSpPr>
-            <a:spLocks noGrp="1"/>
-          </p:cNvSpPr>
-          <p:nvPr>
-            <p:ph type="title"/>
-          </p:nvPr>
-        </p:nvSpPr>
-        <p:spPr/>
-        <p:txBody>
-          <a:bodyPr/>
-          <a:lstStyle/>
-          <a:p>
-            <a:r>
-              <a:rPr lang="en-US" dirty="0" smtClean="0"/>
-              <a:t>Diode</a:t>
-            </a:r>
-            <a:endParaRPr lang="en-US" dirty="0"/>
-          </a:p>
-        </p:txBody>
-      </p:sp>
-      <p:sp>
-        <p:nvSpPr>
-          <p:cNvPr id="3" name="Content Placeholder 2"/>
-          <p:cNvSpPr>
-            <a:spLocks noGrp="1"/>
-          </p:cNvSpPr>
-          <p:nvPr>
-            <p:ph idx="1"/>
-          </p:nvPr>
-        </p:nvSpPr>
-        <p:spPr/>
-        <p:txBody>
-          <a:bodyPr/>
-          <a:lstStyle/>
-          <a:p>
-            <a:r>
-              <a:rPr lang="en-US" dirty="0" smtClean="0"/>
-              <a:t>Allows the flow of electrical current in one direction only.</a:t>
-            </a:r>
-          </a:p>
-          <a:p>
-            <a:endParaRPr lang="en-US" dirty="0"/>
-          </a:p>
-          <a:p>
-            <a:r>
-              <a:rPr lang="en-US" dirty="0" smtClean="0"/>
-              <a:t>Anode  is +</a:t>
-            </a:r>
-            <a:r>
-              <a:rPr lang="en-US" dirty="0" err="1" smtClean="0"/>
-              <a:t>ve</a:t>
-            </a:r>
-            <a:r>
-              <a:rPr lang="en-US" dirty="0" smtClean="0"/>
-              <a:t> the Long leg.</a:t>
-            </a:r>
-          </a:p>
-          <a:p>
-            <a:endParaRPr lang="en-US" dirty="0"/>
-          </a:p>
-          <a:p>
-            <a:r>
-              <a:rPr lang="en-US" dirty="0" smtClean="0"/>
-              <a:t>Cathode is –</a:t>
-            </a:r>
-            <a:r>
-              <a:rPr lang="en-US" dirty="0" err="1" smtClean="0"/>
-              <a:t>ve</a:t>
-            </a:r>
-            <a:r>
-              <a:rPr lang="en-US" dirty="0" smtClean="0"/>
-              <a:t> the short leg.</a:t>
-            </a:r>
-            <a:endParaRPr lang="en-US" dirty="0"/>
-          </a:p>
-        </p:txBody>
-      </p:sp>
-    </p:spTree>
-    <p:extLst>
-      <p:ext uri="{BB962C8B-B14F-4D97-AF65-F5344CB8AC3E}">
-        <p14:creationId xmlns:p14="http://schemas.microsoft.com/office/powerpoint/2010/main" val="1918544642"/>
-      </p:ext>
-    </p:extLst>
-  </p:cSld>
-  <p:clrMapOvr>
-    <a:masterClrMapping/>
-  </p:clrMapOvr>
-</p:sld>
-</file>
-
-<file path=ppt/slides/slide18.xml><?xml version="1.0" encoding="utf-8"?>
-<p:sld xmlns:a="http://schemas.openxmlformats.org/drawingml/2006/main" xmlns:r="http://schemas.openxmlformats.org/officeDocument/2006/relationships" xmlns:p="http://schemas.openxmlformats.org/presentationml/2006/main">
-  <p:cSld>
-    <p:spTree>
-      <p:nvGrpSpPr>
-        <p:cNvPr id="1" name=""/>
-        <p:cNvGrpSpPr/>
-        <p:nvPr/>
-      </p:nvGrpSpPr>
-      <p:grpSpPr>
-        <a:xfrm>
-          <a:off x="0" y="0"/>
-          <a:ext cx="0" cy="0"/>
-          <a:chOff x="0" y="0"/>
-          <a:chExt cx="0" cy="0"/>
-        </a:xfrm>
-      </p:grpSpPr>
-      <p:sp>
-        <p:nvSpPr>
-          <p:cNvPr id="2" name="Title 1"/>
-          <p:cNvSpPr>
-            <a:spLocks noGrp="1"/>
-          </p:cNvSpPr>
-          <p:nvPr>
-            <p:ph type="title"/>
-          </p:nvPr>
-        </p:nvSpPr>
-        <p:spPr/>
-        <p:txBody>
-          <a:bodyPr/>
-          <a:lstStyle/>
-          <a:p>
-            <a:r>
-              <a:rPr lang="en-US" dirty="0" smtClean="0"/>
-              <a:t>Light Emitting Diode (LED)</a:t>
-            </a:r>
-            <a:endParaRPr lang="en-US" dirty="0"/>
-          </a:p>
-        </p:txBody>
-      </p:sp>
-      <p:pic>
-        <p:nvPicPr>
-          <p:cNvPr id="4" name="Content Placeholder 3" descr="LED.png"/>
-          <p:cNvPicPr>
-            <a:picLocks noGrp="1" noChangeAspect="1"/>
-          </p:cNvPicPr>
-          <p:nvPr>
-            <p:ph idx="1"/>
-          </p:nvPr>
-        </p:nvPicPr>
-        <p:blipFill>
-          <a:blip r:embed="rId2">
-            <a:extLst>
-              <a:ext uri="{28A0092B-C50C-407E-A947-70E740481C1C}">
-                <a14:useLocalDpi xmlns:a14="http://schemas.microsoft.com/office/drawing/2010/main" val="0"/>
-              </a:ext>
-            </a:extLst>
-          </a:blip>
-          <a:srcRect t="-10985" b="-10985"/>
-          <a:stretch>
-            <a:fillRect/>
-          </a:stretch>
-        </p:blipFill>
-        <p:spPr/>
-      </p:pic>
-    </p:spTree>
-    <p:extLst>
-      <p:ext uri="{BB962C8B-B14F-4D97-AF65-F5344CB8AC3E}">
-        <p14:creationId xmlns:p14="http://schemas.microsoft.com/office/powerpoint/2010/main" val="3974837425"/>
-      </p:ext>
-    </p:extLst>
-  </p:cSld>
-  <p:clrMapOvr>
-    <a:masterClrMapping/>
-  </p:clrMapOvr>
-</p:sld>
-</file>
-
-<file path=ppt/slides/slide19.xml><?xml version="1.0" encoding="utf-8"?>
-<p:sld xmlns:a="http://schemas.openxmlformats.org/drawingml/2006/main" xmlns:r="http://schemas.openxmlformats.org/officeDocument/2006/relationships" xmlns:p="http://schemas.openxmlformats.org/presentationml/2006/main">
-  <p:cSld>
-    <p:spTree>
-      <p:nvGrpSpPr>
-        <p:cNvPr id="1" name=""/>
-        <p:cNvGrpSpPr/>
-        <p:nvPr/>
-      </p:nvGrpSpPr>
-      <p:grpSpPr>
-        <a:xfrm>
-          <a:off x="0" y="0"/>
-          <a:ext cx="0" cy="0"/>
-          <a:chOff x="0" y="0"/>
-          <a:chExt cx="0" cy="0"/>
-        </a:xfrm>
-      </p:grpSpPr>
-      <p:sp>
-        <p:nvSpPr>
-          <p:cNvPr id="2" name="Title 1"/>
-          <p:cNvSpPr>
-            <a:spLocks noGrp="1"/>
-          </p:cNvSpPr>
-          <p:nvPr>
-            <p:ph type="title"/>
-          </p:nvPr>
-        </p:nvSpPr>
-        <p:spPr/>
-        <p:txBody>
-          <a:bodyPr/>
-          <a:lstStyle/>
-          <a:p>
-            <a:r>
-              <a:rPr lang="en-US" dirty="0" smtClean="0"/>
-              <a:t>Precautions</a:t>
-            </a:r>
-            <a:endParaRPr lang="en-US" dirty="0"/>
-          </a:p>
-        </p:txBody>
-      </p:sp>
-      <p:sp>
-        <p:nvSpPr>
-          <p:cNvPr id="3" name="Content Placeholder 2"/>
-          <p:cNvSpPr>
-            <a:spLocks noGrp="1"/>
-          </p:cNvSpPr>
-          <p:nvPr>
-            <p:ph idx="1"/>
-          </p:nvPr>
-        </p:nvSpPr>
-        <p:spPr/>
-        <p:txBody>
-          <a:bodyPr/>
-          <a:lstStyle/>
-          <a:p>
-            <a:r>
-              <a:rPr lang="en-US" dirty="0" smtClean="0"/>
-              <a:t>Disconnect USB cable when making changes to circuit. One wrong connection, you could make the component burn out. </a:t>
-            </a:r>
-            <a:endParaRPr lang="en-US" dirty="0"/>
-          </a:p>
-          <a:p>
-            <a:endParaRPr lang="en-US" dirty="0" smtClean="0"/>
-          </a:p>
-          <a:p>
-            <a:r>
-              <a:rPr lang="en-US" dirty="0" smtClean="0"/>
-              <a:t>Highly recommended to wear safety goggles.</a:t>
-            </a:r>
-          </a:p>
-          <a:p>
-            <a:endParaRPr lang="en-US" dirty="0"/>
-          </a:p>
-          <a:p>
-            <a:r>
-              <a:rPr lang="en-US" dirty="0" smtClean="0"/>
-              <a:t>LEDs could burn out and emit gases.</a:t>
-            </a:r>
-            <a:endParaRPr lang="en-US" dirty="0"/>
-          </a:p>
-        </p:txBody>
-      </p:sp>
-    </p:spTree>
-    <p:extLst>
-      <p:ext uri="{BB962C8B-B14F-4D97-AF65-F5344CB8AC3E}">
-        <p14:creationId xmlns:p14="http://schemas.microsoft.com/office/powerpoint/2010/main" val="195760869"/>
-      </p:ext>
-    </p:extLst>
-  </p:cSld>
-  <p:clrMapOvr>
-    <a:masterClrMapping/>
-  </p:clrMapOvr>
-</p:sld>
-</file>
-
-<file path=ppt/slides/slide2.xml><?xml version="1.0" encoding="utf-8"?>
-<p:sld xmlns:a="http://schemas.openxmlformats.org/drawingml/2006/main" xmlns:r="http://schemas.openxmlformats.org/officeDocument/2006/relationships" xmlns:p="http://schemas.openxmlformats.org/presentationml/2006/main">
-  <p:cSld>
-    <p:spTree>
-      <p:nvGrpSpPr>
-        <p:cNvPr id="1" name=""/>
-        <p:cNvGrpSpPr/>
-        <p:nvPr/>
-      </p:nvGrpSpPr>
-      <p:grpSpPr>
-        <a:xfrm>
-          <a:off x="0" y="0"/>
-          <a:ext cx="0" cy="0"/>
-          <a:chOff x="0" y="0"/>
-          <a:chExt cx="0" cy="0"/>
-        </a:xfrm>
-      </p:grpSpPr>
-      <p:sp>
-        <p:nvSpPr>
-          <p:cNvPr id="2" name="Title 1"/>
-          <p:cNvSpPr>
-            <a:spLocks noGrp="1"/>
-          </p:cNvSpPr>
-          <p:nvPr>
-            <p:ph type="title"/>
-          </p:nvPr>
-        </p:nvSpPr>
-        <p:spPr/>
-        <p:txBody>
-          <a:bodyPr/>
-          <a:lstStyle/>
-          <a:p>
-            <a:r>
-              <a:rPr lang="en-US" dirty="0" smtClean="0"/>
-              <a:t>Basic Concepts - Videos</a:t>
-            </a:r>
-            <a:endParaRPr lang="en-US" dirty="0"/>
-          </a:p>
-        </p:txBody>
-      </p:sp>
-      <p:sp>
-        <p:nvSpPr>
-          <p:cNvPr id="3" name="Content Placeholder 2"/>
-          <p:cNvSpPr>
-            <a:spLocks noGrp="1"/>
-          </p:cNvSpPr>
-          <p:nvPr>
-            <p:ph idx="1"/>
-          </p:nvPr>
-        </p:nvSpPr>
-        <p:spPr/>
-        <p:txBody>
-          <a:bodyPr>
-            <a:normAutofit fontScale="25000" lnSpcReduction="20000"/>
-          </a:bodyPr>
-          <a:lstStyle/>
-          <a:p>
-            <a:pPr marL="0" indent="0">
-              <a:buNone/>
-            </a:pPr>
-            <a:r>
-              <a:rPr lang="en-US" sz="4800" b="1" dirty="0"/>
-              <a:t>Voltage and </a:t>
-            </a:r>
-            <a:r>
-              <a:rPr lang="en-US" sz="4800" b="1" dirty="0" smtClean="0"/>
-              <a:t>Current</a:t>
-            </a:r>
-            <a:endParaRPr lang="en-US" sz="4800" dirty="0"/>
-          </a:p>
-          <a:p>
-            <a:pPr marL="0" indent="0">
-              <a:buNone/>
-            </a:pPr>
-            <a:r>
-              <a:rPr lang="en-US" sz="4800" u="sng" dirty="0">
-                <a:hlinkClick r:id="rId2"/>
-              </a:rPr>
-              <a:t>https://www.youtube.com/watch?v=l8JS8BbrVOg</a:t>
-            </a:r>
-          </a:p>
-          <a:p>
-            <a:pPr marL="0" indent="0">
-              <a:buNone/>
-            </a:pPr>
-            <a:r>
-              <a:rPr lang="en-US" sz="4800" u="sng" dirty="0" smtClean="0">
-                <a:hlinkClick r:id="rId3"/>
-              </a:rPr>
-              <a:t>https</a:t>
-            </a:r>
-            <a:r>
-              <a:rPr lang="en-US" sz="4800" u="sng" dirty="0">
-                <a:hlinkClick r:id="rId3"/>
-              </a:rPr>
-              <a:t>://www.youtube.com/watch?v=8gvJzrjwjds</a:t>
-            </a:r>
-          </a:p>
-          <a:p>
-            <a:pPr marL="0" indent="0">
-              <a:buNone/>
-            </a:pPr>
-            <a:r>
-              <a:rPr lang="en-US" sz="4800" u="sng" dirty="0" smtClean="0">
-                <a:hlinkClick r:id="rId4"/>
-              </a:rPr>
-              <a:t>https</a:t>
-            </a:r>
-            <a:r>
-              <a:rPr lang="en-US" sz="4800" u="sng" dirty="0">
-                <a:hlinkClick r:id="rId4"/>
-              </a:rPr>
-              <a:t>://www.youtube.com/watch?v=exlRjDKHGRg</a:t>
-            </a:r>
-          </a:p>
-          <a:p>
-            <a:pPr marL="0" indent="0">
-              <a:buNone/>
-            </a:pPr>
-            <a:r>
-              <a:rPr lang="en-US" sz="4800" u="sng" dirty="0" smtClean="0">
-                <a:hlinkClick r:id="rId5"/>
-              </a:rPr>
-              <a:t>https</a:t>
-            </a:r>
-            <a:r>
-              <a:rPr lang="en-US" sz="4800" u="sng" dirty="0">
-                <a:hlinkClick r:id="rId5"/>
-              </a:rPr>
-              <a:t>://www.youtube.com/watch?v=mzSnz6ZDkFE</a:t>
-            </a:r>
-          </a:p>
-          <a:p>
-            <a:endParaRPr lang="en-US" sz="4800" dirty="0"/>
-          </a:p>
-          <a:p>
-            <a:pPr marL="0" indent="0">
-              <a:buNone/>
-            </a:pPr>
-            <a:r>
-              <a:rPr lang="en-US" sz="4800" b="1" dirty="0" smtClean="0"/>
-              <a:t>Resistor</a:t>
-            </a:r>
-            <a:endParaRPr lang="en-US" sz="4800" dirty="0"/>
-          </a:p>
-          <a:p>
-            <a:pPr marL="0" indent="0">
-              <a:buNone/>
-            </a:pPr>
-            <a:r>
-              <a:rPr lang="en-US" sz="4800" u="sng" dirty="0">
-                <a:hlinkClick r:id="rId6"/>
-              </a:rPr>
-              <a:t>https://www.youtube.com/watch?v=VPVoY1QROMg</a:t>
-            </a:r>
-          </a:p>
-          <a:p>
-            <a:pPr marL="0" indent="0">
-              <a:buNone/>
-            </a:pPr>
-            <a:r>
-              <a:rPr lang="en-US" sz="4800" u="sng" dirty="0" smtClean="0">
-                <a:hlinkClick r:id="rId7"/>
-              </a:rPr>
-              <a:t>https</a:t>
-            </a:r>
-            <a:r>
-              <a:rPr lang="en-US" sz="4800" u="sng" dirty="0">
-                <a:hlinkClick r:id="rId7"/>
-              </a:rPr>
-              <a:t>://www.youtube.com/watch?v=Gc1wVdbVI0E</a:t>
-            </a:r>
-          </a:p>
-          <a:p>
-            <a:endParaRPr lang="en-US" sz="4800" dirty="0"/>
-          </a:p>
-          <a:p>
-            <a:pPr marL="0" indent="0">
-              <a:buNone/>
-            </a:pPr>
-            <a:r>
-              <a:rPr lang="en-US" sz="4800" b="1" dirty="0" smtClean="0"/>
-              <a:t>Capacitor</a:t>
-            </a:r>
-            <a:endParaRPr lang="en-US" sz="4800" dirty="0"/>
-          </a:p>
-          <a:p>
-            <a:pPr marL="0" indent="0">
-              <a:buNone/>
-            </a:pPr>
-            <a:r>
-              <a:rPr lang="en-US" sz="4800" u="sng" dirty="0">
-                <a:hlinkClick r:id="rId8"/>
-              </a:rPr>
-              <a:t>https://www.youtube.com/watch?v=sy_G1oYRQmM</a:t>
-            </a:r>
-          </a:p>
-          <a:p>
-            <a:endParaRPr lang="en-US" sz="4800" dirty="0"/>
-          </a:p>
-          <a:p>
-            <a:pPr marL="0" indent="0">
-              <a:buNone/>
-            </a:pPr>
-            <a:r>
-              <a:rPr lang="en-US" sz="4800" b="1" dirty="0" smtClean="0"/>
-              <a:t>Diode</a:t>
-            </a:r>
-            <a:endParaRPr lang="en-US" sz="4800" dirty="0"/>
-          </a:p>
-          <a:p>
-            <a:pPr marL="0" indent="0">
-              <a:buNone/>
-            </a:pPr>
-            <a:r>
-              <a:rPr lang="en-US" sz="4800" u="sng" dirty="0">
-                <a:hlinkClick r:id="rId9"/>
-              </a:rPr>
-              <a:t>https://www.youtube.com/watch?v=ap7edIKkykA</a:t>
-            </a:r>
-          </a:p>
-          <a:p>
-            <a:pPr marL="0" indent="0">
-              <a:buNone/>
-            </a:pPr>
-            <a:endParaRPr lang="en-US" sz="4800" dirty="0"/>
-          </a:p>
-          <a:p>
-            <a:pPr marL="0" indent="0">
-              <a:buNone/>
-            </a:pPr>
-            <a:r>
-              <a:rPr lang="en-US" sz="4800" b="1" dirty="0" smtClean="0"/>
-              <a:t>Volts</a:t>
-            </a:r>
-            <a:r>
-              <a:rPr lang="en-US" sz="4800" b="1" dirty="0"/>
-              <a:t>, Amps and </a:t>
-            </a:r>
-            <a:r>
-              <a:rPr lang="en-US" sz="4800" b="1" dirty="0" smtClean="0"/>
-              <a:t>Ohms</a:t>
-            </a:r>
-            <a:endParaRPr lang="en-US" sz="4800" dirty="0"/>
-          </a:p>
-          <a:p>
-            <a:pPr marL="0" indent="0">
-              <a:buNone/>
-            </a:pPr>
-            <a:r>
-              <a:rPr lang="en-US" sz="4800" u="sng" dirty="0">
-                <a:hlinkClick r:id="rId10"/>
-              </a:rPr>
-              <a:t>https://www.youtube.com/watch?v=WoN1nou5t1Q</a:t>
-            </a:r>
-          </a:p>
-          <a:p>
-            <a:pPr marL="0" indent="0">
-              <a:buNone/>
-            </a:pPr>
-            <a:r>
-              <a:rPr lang="en-US" sz="4800" u="sng" dirty="0" smtClean="0">
-                <a:hlinkClick r:id="rId11"/>
-              </a:rPr>
-              <a:t>https</a:t>
-            </a:r>
-            <a:r>
-              <a:rPr lang="en-US" sz="4800" u="sng" dirty="0">
-                <a:hlinkClick r:id="rId11"/>
-              </a:rPr>
-              <a:t>://www.youtube.com/watch?v=zYS9kdS56l8</a:t>
-            </a:r>
-          </a:p>
-          <a:p>
-            <a:pPr marL="0" indent="0">
-              <a:buNone/>
-            </a:pPr>
-            <a:r>
-              <a:rPr lang="en-US" sz="4800" u="sng" dirty="0" smtClean="0">
-                <a:hlinkClick r:id="rId11"/>
-              </a:rPr>
-              <a:t>https</a:t>
-            </a:r>
-            <a:r>
-              <a:rPr lang="en-US" sz="4800" u="sng" dirty="0">
-                <a:hlinkClick r:id="rId11"/>
-              </a:rPr>
-              <a:t>://www.youtube.com/watch?v=zYS9kdS56l8</a:t>
-            </a:r>
-          </a:p>
-          <a:p>
-            <a:pPr marL="0" indent="0">
-              <a:buNone/>
-            </a:pPr>
-            <a:r>
-              <a:rPr lang="en-US" sz="4800" u="sng" dirty="0" smtClean="0">
-                <a:hlinkClick r:id="rId12"/>
-              </a:rPr>
-              <a:t>https</a:t>
-            </a:r>
-            <a:r>
-              <a:rPr lang="en-US" sz="4800" u="sng" dirty="0">
-                <a:hlinkClick r:id="rId12"/>
-              </a:rPr>
-              <a:t>://www.youtube.com/watch?v=6Zxp8lSdn8M</a:t>
-            </a:r>
-          </a:p>
-          <a:p>
-            <a:pPr marL="0" indent="0">
-              <a:buNone/>
-            </a:pPr>
-            <a:endParaRPr lang="en-US" sz="4800" b="1" dirty="0" smtClean="0"/>
-          </a:p>
-          <a:p>
-            <a:pPr marL="0" indent="0">
-              <a:buNone/>
-            </a:pPr>
-            <a:r>
-              <a:rPr lang="en-US" sz="4800" b="1" dirty="0" smtClean="0"/>
-              <a:t>Apps </a:t>
-            </a:r>
-            <a:r>
-              <a:rPr lang="en-US" sz="4800" b="1" dirty="0"/>
-              <a:t>(The app costs $1 )</a:t>
-            </a:r>
-            <a:endParaRPr lang="en-US" sz="4800" dirty="0"/>
-          </a:p>
-          <a:p>
-            <a:pPr marL="0" indent="0">
-              <a:buNone/>
-            </a:pPr>
-            <a:r>
-              <a:rPr lang="en-US" sz="4800" u="sng" dirty="0" smtClean="0">
-                <a:hlinkClick r:id="rId13"/>
-              </a:rPr>
-              <a:t>https</a:t>
-            </a:r>
-            <a:r>
-              <a:rPr lang="en-US" sz="4800" u="sng" dirty="0">
-                <a:hlinkClick r:id="rId13"/>
-              </a:rPr>
-              <a:t>://itunes.apple.com/us/app/mhos-r</a:t>
-            </a:r>
-            <a:r>
-              <a:rPr lang="en-US" u="sng" dirty="0">
-                <a:hlinkClick r:id="rId13"/>
-              </a:rPr>
-              <a:t>esistance/id785181044?mt=8</a:t>
-            </a:r>
-            <a:endParaRPr lang="en-US" dirty="0"/>
-          </a:p>
-        </p:txBody>
-      </p:sp>
-    </p:spTree>
-    <p:extLst>
-      <p:ext uri="{BB962C8B-B14F-4D97-AF65-F5344CB8AC3E}">
-        <p14:creationId xmlns:p14="http://schemas.microsoft.com/office/powerpoint/2010/main" val="2452595402"/>
-      </p:ext>
-    </p:extLst>
-  </p:cSld>
-  <p:clrMapOvr>
-    <a:masterClrMapping/>
-  </p:clrMapOvr>
-</p:sld>
-</file>
-
-<file path=ppt/slides/slide20.xml><?xml version="1.0" encoding="utf-8"?>
-<p:sld xmlns:a="http://schemas.openxmlformats.org/drawingml/2006/main" xmlns:r="http://schemas.openxmlformats.org/officeDocument/2006/relationships" xmlns:p="http://schemas.openxmlformats.org/presentationml/2006/main">
-  <p:cSld>
-    <p:spTree>
-      <p:nvGrpSpPr>
-        <p:cNvPr id="1" name=""/>
-        <p:cNvGrpSpPr/>
-        <p:nvPr/>
-      </p:nvGrpSpPr>
-      <p:grpSpPr>
-        <a:xfrm>
-          <a:off x="0" y="0"/>
-          <a:ext cx="0" cy="0"/>
-          <a:chOff x="0" y="0"/>
-          <a:chExt cx="0" cy="0"/>
-        </a:xfrm>
-      </p:grpSpPr>
-      <p:sp>
-        <p:nvSpPr>
-          <p:cNvPr id="2" name="Title 1"/>
-          <p:cNvSpPr>
-            <a:spLocks noGrp="1"/>
-          </p:cNvSpPr>
-          <p:nvPr>
-            <p:ph type="title"/>
-          </p:nvPr>
-        </p:nvSpPr>
-        <p:spPr/>
-        <p:txBody>
-          <a:bodyPr/>
-          <a:lstStyle/>
-          <a:p>
-            <a:r>
-              <a:rPr lang="en-US" dirty="0" smtClean="0"/>
-              <a:t>Project 1 – Check list</a:t>
-            </a:r>
-            <a:endParaRPr lang="en-US" dirty="0"/>
-          </a:p>
-        </p:txBody>
-      </p:sp>
-      <p:sp>
-        <p:nvSpPr>
-          <p:cNvPr id="3" name="Content Placeholder 2"/>
-          <p:cNvSpPr>
-            <a:spLocks noGrp="1"/>
-          </p:cNvSpPr>
-          <p:nvPr>
-            <p:ph idx="1"/>
-          </p:nvPr>
-        </p:nvSpPr>
-        <p:spPr/>
-        <p:txBody>
-          <a:bodyPr/>
-          <a:lstStyle/>
-          <a:p>
-            <a:r>
-              <a:rPr lang="en-US" dirty="0" smtClean="0"/>
-              <a:t>Start your laptop</a:t>
-            </a:r>
-          </a:p>
-          <a:p>
-            <a:endParaRPr lang="en-US" dirty="0"/>
-          </a:p>
-          <a:p>
-            <a:r>
-              <a:rPr lang="en-US" dirty="0" smtClean="0"/>
-              <a:t>Check to make sure </a:t>
-            </a:r>
-            <a:r>
-              <a:rPr lang="en-US" dirty="0" err="1" smtClean="0"/>
-              <a:t>Arduino</a:t>
-            </a:r>
-            <a:r>
-              <a:rPr lang="en-US" dirty="0" smtClean="0"/>
-              <a:t> IDE is installed.</a:t>
-            </a:r>
-          </a:p>
-          <a:p>
-            <a:endParaRPr lang="en-US" dirty="0" smtClean="0"/>
-          </a:p>
-          <a:p>
-            <a:r>
-              <a:rPr lang="en-US" dirty="0" err="1" smtClean="0"/>
-              <a:t>Arduino</a:t>
-            </a:r>
-            <a:r>
-              <a:rPr lang="en-US" dirty="0" smtClean="0"/>
-              <a:t>, Breadboard, 100 Ohms resistor, 1 Red LED, Jumper wires, USB cable.</a:t>
-            </a:r>
-            <a:endParaRPr lang="en-US" dirty="0"/>
-          </a:p>
-        </p:txBody>
-      </p:sp>
-    </p:spTree>
-    <p:extLst>
-      <p:ext uri="{BB962C8B-B14F-4D97-AF65-F5344CB8AC3E}">
-        <p14:creationId xmlns:p14="http://schemas.microsoft.com/office/powerpoint/2010/main" val="571883962"/>
-      </p:ext>
-    </p:extLst>
-  </p:cSld>
-  <p:clrMapOvr>
-    <a:masterClrMapping/>
-  </p:clrMapOvr>
-</p:sld>
-</file>
-
 <file path=ppt/slides/slide21.xml><?xml version="1.0" encoding="utf-8"?>
 <p:sld xmlns:a="http://schemas.openxmlformats.org/drawingml/2006/main" xmlns:r="http://schemas.openxmlformats.org/officeDocument/2006/relationships" xmlns:p="http://schemas.openxmlformats.org/presentationml/2006/main">
   <p:cSld>
@@ -4600,41 +4743,73 @@
           <a:p>
             <a:r>
               <a:rPr lang="en-US" dirty="0" smtClean="0"/>
-              <a:t>Project 1A Circuit</a:t>
-            </a:r>
-            <a:endParaRPr lang="en-US" dirty="0"/>
-          </a:p>
-        </p:txBody>
-      </p:sp>
-      <p:pic>
-        <p:nvPicPr>
-          <p:cNvPr id="4" name="Content Placeholder 3" descr="Screen Shot 2014-07-04 at 1.04.03 PM.png"/>
-          <p:cNvPicPr>
-            <a:picLocks noGrp="1" noChangeAspect="1"/>
-          </p:cNvPicPr>
+              <a:t>Diode</a:t>
+            </a:r>
+            <a:endParaRPr lang="en-US" dirty="0"/>
+          </a:p>
+        </p:txBody>
+      </p:sp>
+      <p:sp>
+        <p:nvSpPr>
+          <p:cNvPr id="3" name="Content Placeholder 2"/>
+          <p:cNvSpPr>
+            <a:spLocks noGrp="1"/>
+          </p:cNvSpPr>
           <p:nvPr>
             <p:ph idx="1"/>
           </p:nvPr>
-        </p:nvPicPr>
-        <p:blipFill>
-          <a:blip r:embed="rId2">
-            <a:extLst>
-              <a:ext uri="{28A0092B-C50C-407E-A947-70E740481C1C}">
-                <a14:useLocalDpi xmlns:a14="http://schemas.microsoft.com/office/drawing/2010/main" val="0"/>
-              </a:ext>
-            </a:extLst>
-          </a:blip>
-          <a:srcRect l="-34819" r="-34819"/>
-          <a:stretch>
-            <a:fillRect/>
-          </a:stretch>
-        </p:blipFill>
-        <p:spPr/>
-      </p:pic>
+        </p:nvSpPr>
+        <p:spPr/>
+        <p:txBody>
+          <a:bodyPr/>
+          <a:lstStyle/>
+          <a:p>
+            <a:r>
+              <a:rPr lang="en-US" dirty="0" smtClean="0"/>
+              <a:t>Allows the flow of electrical current in one direction only.</a:t>
+            </a:r>
+          </a:p>
+          <a:p>
+            <a:endParaRPr lang="en-US" dirty="0"/>
+          </a:p>
+          <a:p>
+            <a:r>
+              <a:rPr lang="en-US" dirty="0" smtClean="0"/>
+              <a:t>Anode  is +</a:t>
+            </a:r>
+            <a:r>
+              <a:rPr lang="en-US" dirty="0" err="1" smtClean="0"/>
+              <a:t>ve</a:t>
+            </a:r>
+            <a:r>
+              <a:rPr lang="en-US" dirty="0" smtClean="0"/>
+              <a:t> the Long leg.</a:t>
+            </a:r>
+          </a:p>
+          <a:p>
+            <a:endParaRPr lang="en-US" dirty="0"/>
+          </a:p>
+          <a:p>
+            <a:r>
+              <a:rPr lang="en-US" dirty="0" smtClean="0"/>
+              <a:t>Cathode is –</a:t>
+            </a:r>
+            <a:r>
+              <a:rPr lang="en-US" dirty="0" err="1" smtClean="0"/>
+              <a:t>ve</a:t>
+            </a:r>
+            <a:r>
+              <a:rPr lang="en-US" dirty="0" smtClean="0"/>
+              <a:t> the short leg.</a:t>
+            </a:r>
+            <a:endParaRPr lang="en-US" dirty="0"/>
+          </a:p>
+        </p:txBody>
+      </p:sp>
     </p:spTree>
     <p:extLst>
       <p:ext uri="{BB962C8B-B14F-4D97-AF65-F5344CB8AC3E}">
-        <p14:creationId xmlns:p14="http://schemas.microsoft.com/office/powerpoint/2010/main" val="4203726403"/>
+        <p14:creationId xmlns:p14="http://schemas.microsoft.com/office/powerpoint/2010/main" val="1918544642"/>
       </p:ext>
     </p:extLst>
   </p:cSld>
@@ -4678,477 +4853,41 @@
           <a:p>
             <a:r>
               <a:rPr lang="en-US" dirty="0" smtClean="0"/>
-              <a:t>Project 1 Sketch</a:t>
-            </a:r>
-            <a:endParaRPr lang="en-US" dirty="0"/>
-          </a:p>
-        </p:txBody>
-      </p:sp>
-      <p:sp>
-        <p:nvSpPr>
-          <p:cNvPr id="3" name="Content Placeholder 2"/>
-          <p:cNvSpPr>
-            <a:spLocks noGrp="1"/>
-          </p:cNvSpPr>
+              <a:t>Light Emitting Diode (LED)</a:t>
+            </a:r>
+            <a:endParaRPr lang="en-US" dirty="0"/>
+          </a:p>
+        </p:txBody>
+      </p:sp>
+      <p:pic>
+        <p:nvPicPr>
+          <p:cNvPr id="4" name="Content Placeholder 3" descr="LED.png"/>
+          <p:cNvPicPr>
+            <a:picLocks noGrp="1" noChangeAspect="1"/>
+          </p:cNvPicPr>
           <p:nvPr>
             <p:ph idx="1"/>
           </p:nvPr>
-        </p:nvSpPr>
-        <p:spPr/>
-        <p:txBody>
-          <a:bodyPr>
-            <a:normAutofit fontScale="70000" lnSpcReduction="20000"/>
-          </a:bodyPr>
-          <a:lstStyle/>
-          <a:p>
-            <a:pPr marL="0" indent="0">
-              <a:buNone/>
-            </a:pPr>
-            <a:endParaRPr lang="en-US" b="1" dirty="0" smtClean="0">
-              <a:solidFill>
-                <a:srgbClr val="808080"/>
-              </a:solidFill>
-              <a:latin typeface="Consolas"/>
-              <a:ea typeface="Consolas"/>
-              <a:cs typeface="Consolas"/>
-            </a:endParaRPr>
-          </a:p>
-          <a:p>
-            <a:pPr marL="0" indent="0">
-              <a:buNone/>
-            </a:pPr>
-            <a:r>
-              <a:rPr lang="en-US" b="1" dirty="0" err="1" smtClean="0">
-                <a:solidFill>
-                  <a:srgbClr val="808080"/>
-                </a:solidFill>
-                <a:latin typeface="Consolas"/>
-                <a:ea typeface="Consolas"/>
-                <a:cs typeface="Consolas"/>
-              </a:rPr>
-              <a:t>int</a:t>
-            </a:r>
-            <a:r>
-              <a:rPr lang="en-US" dirty="0" smtClean="0">
-                <a:solidFill>
-                  <a:srgbClr val="323232"/>
-                </a:solidFill>
-                <a:latin typeface="Consolas"/>
-                <a:ea typeface="Consolas"/>
-                <a:cs typeface="Consolas"/>
-              </a:rPr>
-              <a:t> </a:t>
-            </a:r>
-            <a:r>
-              <a:rPr lang="en-US" dirty="0">
-                <a:solidFill>
-                  <a:srgbClr val="000000"/>
-                </a:solidFill>
-                <a:latin typeface="Consolas"/>
-                <a:ea typeface="Consolas"/>
-                <a:cs typeface="Consolas"/>
-              </a:rPr>
-              <a:t>led = </a:t>
-            </a:r>
-            <a:r>
-              <a:rPr lang="en-US" dirty="0" smtClean="0">
-                <a:solidFill>
-                  <a:srgbClr val="000000"/>
-                </a:solidFill>
-                <a:latin typeface="Consolas"/>
-                <a:ea typeface="Consolas"/>
-                <a:cs typeface="Consolas"/>
-              </a:rPr>
-              <a:t>12;</a:t>
-            </a:r>
-            <a:endParaRPr lang="en-US" dirty="0">
-              <a:solidFill>
-                <a:srgbClr val="323232"/>
-              </a:solidFill>
-              <a:latin typeface="Consolas"/>
-              <a:ea typeface="Consolas"/>
-              <a:cs typeface="Consolas"/>
-            </a:endParaRPr>
-          </a:p>
-          <a:p>
-            <a:pPr marL="0" indent="0">
-              <a:buNone/>
-            </a:pPr>
-            <a:r>
-              <a:rPr lang="en-US" dirty="0">
-                <a:solidFill>
-                  <a:srgbClr val="323232"/>
-                </a:solidFill>
-                <a:latin typeface="Consolas"/>
-                <a:ea typeface="Consolas"/>
-                <a:cs typeface="Consolas"/>
-              </a:rPr>
-              <a:t> </a:t>
-            </a:r>
-          </a:p>
-          <a:p>
-            <a:pPr marL="0" indent="0">
-              <a:buNone/>
-            </a:pPr>
-            <a:r>
-              <a:rPr lang="en-US" b="1" dirty="0">
-                <a:solidFill>
-                  <a:srgbClr val="006699"/>
-                </a:solidFill>
-                <a:latin typeface="Consolas"/>
-                <a:ea typeface="Consolas"/>
-                <a:cs typeface="Consolas"/>
-              </a:rPr>
-              <a:t>void</a:t>
-            </a:r>
-            <a:r>
-              <a:rPr lang="en-US" dirty="0">
-                <a:solidFill>
-                  <a:srgbClr val="323232"/>
-                </a:solidFill>
-                <a:latin typeface="Consolas"/>
-                <a:ea typeface="Consolas"/>
-                <a:cs typeface="Consolas"/>
-              </a:rPr>
-              <a:t> </a:t>
-            </a:r>
-            <a:r>
-              <a:rPr lang="en-US" dirty="0">
-                <a:solidFill>
-                  <a:srgbClr val="000000"/>
-                </a:solidFill>
-                <a:latin typeface="Consolas"/>
-                <a:ea typeface="Consolas"/>
-                <a:cs typeface="Consolas"/>
-              </a:rPr>
-              <a:t>setup() {</a:t>
-            </a:r>
-            <a:endParaRPr lang="en-US" dirty="0">
-              <a:solidFill>
-                <a:srgbClr val="323232"/>
-              </a:solidFill>
-              <a:latin typeface="Consolas"/>
-              <a:ea typeface="Consolas"/>
-              <a:cs typeface="Consolas"/>
-            </a:endParaRPr>
-          </a:p>
-          <a:p>
-            <a:pPr marL="0" indent="0">
-              <a:buNone/>
-            </a:pPr>
-            <a:r>
-              <a:rPr lang="en-US" dirty="0">
-                <a:solidFill>
-                  <a:srgbClr val="DD2144"/>
-                </a:solidFill>
-                <a:latin typeface="Consolas"/>
-                <a:ea typeface="Consolas"/>
-                <a:cs typeface="Consolas"/>
-              </a:rPr>
-              <a:t>    </a:t>
-            </a:r>
-            <a:r>
-              <a:rPr lang="en-US" dirty="0" err="1">
-                <a:solidFill>
-                  <a:srgbClr val="000000"/>
-                </a:solidFill>
-                <a:latin typeface="Consolas"/>
-                <a:ea typeface="Consolas"/>
-                <a:cs typeface="Consolas"/>
-              </a:rPr>
-              <a:t>pinMode</a:t>
-            </a:r>
-            <a:r>
-              <a:rPr lang="en-US" dirty="0">
-                <a:solidFill>
-                  <a:srgbClr val="000000"/>
-                </a:solidFill>
-                <a:latin typeface="Consolas"/>
-                <a:ea typeface="Consolas"/>
-                <a:cs typeface="Consolas"/>
-              </a:rPr>
-              <a:t>(led, OUTPUT);</a:t>
-            </a:r>
-            <a:endParaRPr lang="en-US" dirty="0">
-              <a:solidFill>
-                <a:srgbClr val="323232"/>
-              </a:solidFill>
-              <a:latin typeface="Consolas"/>
-              <a:ea typeface="Consolas"/>
-              <a:cs typeface="Consolas"/>
-            </a:endParaRPr>
-          </a:p>
-          <a:p>
-            <a:pPr marL="0" indent="0">
-              <a:buNone/>
-            </a:pPr>
-            <a:r>
-              <a:rPr lang="en-US" dirty="0">
-                <a:solidFill>
-                  <a:srgbClr val="000000"/>
-                </a:solidFill>
-                <a:latin typeface="Consolas"/>
-                <a:ea typeface="Consolas"/>
-                <a:cs typeface="Consolas"/>
-              </a:rPr>
-              <a:t>}</a:t>
-            </a:r>
-            <a:endParaRPr lang="en-US" dirty="0">
-              <a:solidFill>
-                <a:srgbClr val="323232"/>
-              </a:solidFill>
-              <a:latin typeface="Consolas"/>
-              <a:ea typeface="Consolas"/>
-              <a:cs typeface="Consolas"/>
-            </a:endParaRPr>
-          </a:p>
-          <a:p>
-            <a:pPr marL="0" indent="0">
-              <a:buNone/>
-            </a:pPr>
-            <a:r>
-              <a:rPr lang="en-US" dirty="0">
-                <a:solidFill>
-                  <a:srgbClr val="323232"/>
-                </a:solidFill>
-                <a:latin typeface="Consolas"/>
-                <a:ea typeface="Consolas"/>
-                <a:cs typeface="Consolas"/>
-              </a:rPr>
-              <a:t> </a:t>
-            </a:r>
-          </a:p>
-          <a:p>
-            <a:pPr marL="0" indent="0">
-              <a:buNone/>
-            </a:pPr>
-            <a:r>
-              <a:rPr lang="en-US" b="1" dirty="0">
-                <a:solidFill>
-                  <a:srgbClr val="006699"/>
-                </a:solidFill>
-                <a:latin typeface="Consolas"/>
-                <a:ea typeface="Consolas"/>
-                <a:cs typeface="Consolas"/>
-              </a:rPr>
-              <a:t>void</a:t>
-            </a:r>
-            <a:r>
-              <a:rPr lang="en-US" dirty="0">
-                <a:solidFill>
-                  <a:srgbClr val="323232"/>
-                </a:solidFill>
-                <a:latin typeface="Consolas"/>
-                <a:ea typeface="Consolas"/>
-                <a:cs typeface="Consolas"/>
-              </a:rPr>
-              <a:t> </a:t>
-            </a:r>
-            <a:r>
-              <a:rPr lang="en-US" dirty="0">
-                <a:solidFill>
-                  <a:srgbClr val="000000"/>
-                </a:solidFill>
-                <a:latin typeface="Consolas"/>
-                <a:ea typeface="Consolas"/>
-                <a:cs typeface="Consolas"/>
-              </a:rPr>
-              <a:t>loop() {</a:t>
-            </a:r>
-            <a:endParaRPr lang="en-US" dirty="0">
-              <a:solidFill>
-                <a:srgbClr val="323232"/>
-              </a:solidFill>
-              <a:latin typeface="Consolas"/>
-              <a:ea typeface="Consolas"/>
-              <a:cs typeface="Consolas"/>
-            </a:endParaRPr>
-          </a:p>
-          <a:p>
-            <a:pPr marL="0" indent="0">
-              <a:buNone/>
-            </a:pPr>
-            <a:r>
-              <a:rPr lang="en-US" dirty="0">
-                <a:solidFill>
-                  <a:srgbClr val="DD2144"/>
-                </a:solidFill>
-                <a:latin typeface="Consolas"/>
-                <a:ea typeface="Consolas"/>
-                <a:cs typeface="Consolas"/>
-              </a:rPr>
-              <a:t>    </a:t>
-            </a:r>
-            <a:r>
-              <a:rPr lang="en-US" dirty="0" err="1">
-                <a:solidFill>
-                  <a:srgbClr val="000000"/>
-                </a:solidFill>
-                <a:latin typeface="Consolas"/>
-                <a:ea typeface="Consolas"/>
-                <a:cs typeface="Consolas"/>
-              </a:rPr>
-              <a:t>digitalWrite</a:t>
-            </a:r>
-            <a:r>
-              <a:rPr lang="en-US" dirty="0">
-                <a:solidFill>
-                  <a:srgbClr val="000000"/>
-                </a:solidFill>
-                <a:latin typeface="Consolas"/>
-                <a:ea typeface="Consolas"/>
-                <a:cs typeface="Consolas"/>
-              </a:rPr>
-              <a:t>(led, HIGH);</a:t>
-            </a:r>
-            <a:endParaRPr lang="en-US" dirty="0">
-              <a:solidFill>
-                <a:srgbClr val="323232"/>
-              </a:solidFill>
-              <a:latin typeface="Consolas"/>
-              <a:ea typeface="Consolas"/>
-              <a:cs typeface="Consolas"/>
-            </a:endParaRPr>
-          </a:p>
-          <a:p>
-            <a:pPr marL="0" indent="0">
-              <a:buNone/>
-            </a:pPr>
-            <a:r>
-              <a:rPr lang="en-US" dirty="0">
-                <a:solidFill>
-                  <a:srgbClr val="DD2144"/>
-                </a:solidFill>
-                <a:latin typeface="Consolas"/>
-                <a:ea typeface="Consolas"/>
-                <a:cs typeface="Consolas"/>
-              </a:rPr>
-              <a:t>    </a:t>
-            </a:r>
-            <a:r>
-              <a:rPr lang="en-US" dirty="0">
-                <a:solidFill>
-                  <a:srgbClr val="000000"/>
-                </a:solidFill>
-                <a:latin typeface="Consolas"/>
-                <a:ea typeface="Consolas"/>
-                <a:cs typeface="Consolas"/>
-              </a:rPr>
-              <a:t>delay(1000);</a:t>
-            </a:r>
-            <a:endParaRPr lang="en-US" dirty="0">
-              <a:solidFill>
-                <a:srgbClr val="323232"/>
-              </a:solidFill>
-              <a:latin typeface="Consolas"/>
-              <a:ea typeface="Consolas"/>
-              <a:cs typeface="Consolas"/>
-            </a:endParaRPr>
-          </a:p>
-          <a:p>
-            <a:pPr marL="0" indent="0">
-              <a:buNone/>
-            </a:pPr>
-            <a:r>
-              <a:rPr lang="en-US" dirty="0">
-                <a:solidFill>
-                  <a:srgbClr val="DD2144"/>
-                </a:solidFill>
-                <a:latin typeface="Consolas"/>
-                <a:ea typeface="Consolas"/>
-                <a:cs typeface="Consolas"/>
-              </a:rPr>
-              <a:t>    </a:t>
-            </a:r>
-            <a:r>
-              <a:rPr lang="en-US" dirty="0" err="1">
-                <a:solidFill>
-                  <a:srgbClr val="000000"/>
-                </a:solidFill>
-                <a:latin typeface="Consolas"/>
-                <a:ea typeface="Consolas"/>
-                <a:cs typeface="Consolas"/>
-              </a:rPr>
-              <a:t>digitalWrite</a:t>
-            </a:r>
-            <a:r>
-              <a:rPr lang="en-US" dirty="0">
-                <a:solidFill>
-                  <a:srgbClr val="000000"/>
-                </a:solidFill>
-                <a:latin typeface="Consolas"/>
-                <a:ea typeface="Consolas"/>
-                <a:cs typeface="Consolas"/>
-              </a:rPr>
-              <a:t>(led, LOW);</a:t>
-            </a:r>
-            <a:endParaRPr lang="en-US" dirty="0">
-              <a:solidFill>
-                <a:srgbClr val="323232"/>
-              </a:solidFill>
-              <a:latin typeface="Consolas"/>
-              <a:ea typeface="Consolas"/>
-              <a:cs typeface="Consolas"/>
-            </a:endParaRPr>
-          </a:p>
-          <a:p>
-            <a:pPr marL="0" indent="0">
-              <a:buNone/>
-            </a:pPr>
-            <a:r>
-              <a:rPr lang="en-US" dirty="0">
-                <a:solidFill>
-                  <a:srgbClr val="DD2144"/>
-                </a:solidFill>
-                <a:latin typeface="Consolas"/>
-                <a:ea typeface="Consolas"/>
-                <a:cs typeface="Consolas"/>
-              </a:rPr>
-              <a:t>    </a:t>
-            </a:r>
-            <a:r>
-              <a:rPr lang="en-US" dirty="0">
-                <a:solidFill>
-                  <a:srgbClr val="000000"/>
-                </a:solidFill>
-                <a:latin typeface="Consolas"/>
-                <a:ea typeface="Consolas"/>
-                <a:cs typeface="Consolas"/>
-              </a:rPr>
-              <a:t>delay(1000);</a:t>
-            </a:r>
-            <a:endParaRPr lang="en-US" dirty="0">
-              <a:solidFill>
-                <a:srgbClr val="323232"/>
-              </a:solidFill>
-              <a:latin typeface="Consolas"/>
-              <a:ea typeface="Consolas"/>
-              <a:cs typeface="Consolas"/>
-            </a:endParaRPr>
-          </a:p>
-          <a:p>
-            <a:pPr marL="0" indent="0">
-              <a:buNone/>
-            </a:pPr>
-            <a:r>
-              <a:rPr lang="en-US" dirty="0">
-                <a:solidFill>
-                  <a:srgbClr val="000000"/>
-                </a:solidFill>
-                <a:latin typeface="Consolas"/>
-                <a:ea typeface="Consolas"/>
-                <a:cs typeface="Consolas"/>
-              </a:rPr>
-              <a:t>}</a:t>
-            </a:r>
-            <a:endParaRPr lang="en-US" dirty="0"/>
-          </a:p>
-        </p:txBody>
-      </p:sp>
+        </p:nvPicPr>
+        <p:blipFill>
+          <a:blip r:embed="rId2">
+            <a:extLst>
+              <a:ext uri="{28A0092B-C50C-407E-A947-70E740481C1C}">
+                <a14:useLocalDpi xmlns:a14="http://schemas.microsoft.com/office/drawing/2010/main" val="0"/>
+              </a:ext>
+            </a:extLst>
+          </a:blip>
+          <a:srcRect t="-10985" b="-10985"/>
+          <a:stretch>
+            <a:fillRect/>
+          </a:stretch>
+        </p:blipFill>
+        <p:spPr/>
+      </p:pic>
     </p:spTree>
     <p:extLst>
       <p:ext uri="{BB962C8B-B14F-4D97-AF65-F5344CB8AC3E}">
-        <p14:creationId xmlns:p14="http://schemas.microsoft.com/office/powerpoint/2010/main" val="2050046499"/>
+        <p14:creationId xmlns:p14="http://schemas.microsoft.com/office/powerpoint/2010/main" val="3974837425"/>
       </p:ext>
     </p:extLst>
   </p:cSld>
@@ -5192,41 +4931,58 @@
           <a:p>
             <a:r>
               <a:rPr lang="en-US" dirty="0" smtClean="0"/>
-              <a:t>Project 1B Circuit</a:t>
-            </a:r>
-            <a:endParaRPr lang="en-US" dirty="0"/>
-          </a:p>
-        </p:txBody>
-      </p:sp>
-      <p:pic>
-        <p:nvPicPr>
-          <p:cNvPr id="4" name="Content Placeholder 3" descr="Screen Shot 2014-07-04 at 12.57.11 PM.png"/>
-          <p:cNvPicPr>
-            <a:picLocks noGrp="1" noChangeAspect="1"/>
-          </p:cNvPicPr>
+              <a:t>Precautions</a:t>
+            </a:r>
+            <a:endParaRPr lang="en-US" dirty="0"/>
+          </a:p>
+        </p:txBody>
+      </p:sp>
+      <p:sp>
+        <p:nvSpPr>
+          <p:cNvPr id="3" name="Content Placeholder 2"/>
+          <p:cNvSpPr>
+            <a:spLocks noGrp="1"/>
+          </p:cNvSpPr>
           <p:nvPr>
             <p:ph idx="1"/>
           </p:nvPr>
-        </p:nvPicPr>
-        <p:blipFill>
-          <a:blip r:embed="rId2">
-            <a:extLst>
-              <a:ext uri="{28A0092B-C50C-407E-A947-70E740481C1C}">
-                <a14:useLocalDpi xmlns:a14="http://schemas.microsoft.com/office/drawing/2010/main" val="0"/>
-              </a:ext>
-            </a:extLst>
-          </a:blip>
-          <a:srcRect l="-34165" r="-34165"/>
-          <a:stretch>
-            <a:fillRect/>
-          </a:stretch>
-        </p:blipFill>
-        <p:spPr/>
-      </p:pic>
+        </p:nvSpPr>
+        <p:spPr/>
+        <p:txBody>
+          <a:bodyPr/>
+          <a:lstStyle/>
+          <a:p>
+            <a:r>
+              <a:rPr lang="en-US" dirty="0" smtClean="0"/>
+              <a:t>Disconnect USB cable when making changes to circuit. One wrong connection, you could make the component burn out. </a:t>
+            </a:r>
+            <a:endParaRPr lang="en-US" dirty="0"/>
+          </a:p>
+          <a:p>
+            <a:endParaRPr lang="en-US" dirty="0" smtClean="0"/>
+          </a:p>
+          <a:p>
+            <a:r>
+              <a:rPr lang="en-US" dirty="0" smtClean="0"/>
+              <a:t>Highly recommended to wear safety goggles.</a:t>
+            </a:r>
+          </a:p>
+          <a:p>
+            <a:endParaRPr lang="en-US" dirty="0"/>
+          </a:p>
+          <a:p>
+            <a:r>
+              <a:rPr lang="en-US" dirty="0" smtClean="0"/>
+              <a:t>LEDs could burn out and emit gases.</a:t>
+            </a:r>
+            <a:endParaRPr lang="en-US" dirty="0"/>
+          </a:p>
+        </p:txBody>
+      </p:sp>
     </p:spTree>
     <p:extLst>
       <p:ext uri="{BB962C8B-B14F-4D97-AF65-F5344CB8AC3E}">
-        <p14:creationId xmlns:p14="http://schemas.microsoft.com/office/powerpoint/2010/main" val="652851981"/>
+        <p14:creationId xmlns:p14="http://schemas.microsoft.com/office/powerpoint/2010/main" val="195760869"/>
       </p:ext>
     </p:extLst>
   </p:cSld>
@@ -5270,41 +5026,69 @@
           <a:p>
             <a:r>
               <a:rPr lang="en-US" dirty="0" smtClean="0"/>
-              <a:t>Project 2</a:t>
-            </a:r>
-            <a:endParaRPr lang="en-US" dirty="0"/>
-          </a:p>
-        </p:txBody>
-      </p:sp>
-      <p:pic>
-        <p:nvPicPr>
-          <p:cNvPr id="4" name="Content Placeholder 3" descr="Project2A.png"/>
-          <p:cNvPicPr>
-            <a:picLocks noGrp="1" noChangeAspect="1"/>
-          </p:cNvPicPr>
+              <a:t>Project 1 – Check list</a:t>
+            </a:r>
+            <a:endParaRPr lang="en-US" dirty="0"/>
+          </a:p>
+        </p:txBody>
+      </p:sp>
+      <p:sp>
+        <p:nvSpPr>
+          <p:cNvPr id="3" name="Content Placeholder 2"/>
+          <p:cNvSpPr>
+            <a:spLocks noGrp="1"/>
+          </p:cNvSpPr>
           <p:nvPr>
             <p:ph idx="1"/>
           </p:nvPr>
-        </p:nvPicPr>
-        <p:blipFill>
-          <a:blip r:embed="rId2">
-            <a:extLst>
-              <a:ext uri="{28A0092B-C50C-407E-A947-70E740481C1C}">
-                <a14:useLocalDpi xmlns:a14="http://schemas.microsoft.com/office/drawing/2010/main" val="0"/>
-              </a:ext>
-            </a:extLst>
-          </a:blip>
-          <a:srcRect l="-80079" r="-80079"/>
-          <a:stretch>
-            <a:fillRect/>
-          </a:stretch>
-        </p:blipFill>
-        <p:spPr/>
-      </p:pic>
+        </p:nvSpPr>
+        <p:spPr/>
+        <p:txBody>
+          <a:bodyPr/>
+          <a:lstStyle/>
+          <a:p>
+            <a:r>
+              <a:rPr lang="en-US" dirty="0" smtClean="0"/>
+              <a:t>Start your laptop</a:t>
+            </a:r>
+          </a:p>
+          <a:p>
+            <a:endParaRPr lang="en-US" dirty="0"/>
+          </a:p>
+          <a:p>
+            <a:r>
+              <a:rPr lang="en-US" dirty="0" smtClean="0"/>
+              <a:t>Check to make sure </a:t>
+            </a:r>
+            <a:r>
+              <a:rPr lang="en-US" dirty="0" err="1" smtClean="0"/>
+              <a:t>Arduino</a:t>
+            </a:r>
+            <a:r>
+              <a:rPr lang="en-US" dirty="0" smtClean="0"/>
+              <a:t> IDE is installed.</a:t>
+            </a:r>
+          </a:p>
+          <a:p>
+            <a:endParaRPr lang="en-US" dirty="0" smtClean="0"/>
+          </a:p>
+          <a:p>
+            <a:r>
+              <a:rPr lang="en-US" dirty="0" err="1" smtClean="0"/>
+              <a:t>Arduino</a:t>
+            </a:r>
+            <a:r>
+              <a:rPr lang="en-US" dirty="0" smtClean="0"/>
+              <a:t>, Breadboard, 100 Ohms resistor, 1 Red LED, Jumper wires, USB cable.</a:t>
+            </a:r>
+            <a:endParaRPr lang="en-US" dirty="0"/>
+          </a:p>
+        </p:txBody>
+      </p:sp>
     </p:spTree>
     <p:extLst>
       <p:ext uri="{BB962C8B-B14F-4D97-AF65-F5344CB8AC3E}">
-        <p14:creationId xmlns:p14="http://schemas.microsoft.com/office/powerpoint/2010/main" val="607450728"/>
+        <p14:creationId xmlns:p14="http://schemas.microsoft.com/office/powerpoint/2010/main" val="571883962"/>
       </p:ext>
     </p:extLst>
   </p:cSld>
@@ -5347,57 +5131,42 @@
           <a:lstStyle/>
           <a:p>
             <a:r>
-              <a:rPr lang="en-US" dirty="0" err="1" smtClean="0"/>
-              <a:t>Fritzing</a:t>
-            </a:r>
-            <a:endParaRPr lang="en-US" dirty="0"/>
-          </a:p>
-        </p:txBody>
-      </p:sp>
-      <p:sp>
-        <p:nvSpPr>
-          <p:cNvPr id="3" name="Content Placeholder 2"/>
-          <p:cNvSpPr>
-            <a:spLocks noGrp="1"/>
-          </p:cNvSpPr>
+              <a:rPr lang="en-US" dirty="0" smtClean="0"/>
+              <a:t>Project 1A Circuit</a:t>
+            </a:r>
+            <a:endParaRPr lang="en-US" dirty="0"/>
+          </a:p>
+        </p:txBody>
+      </p:sp>
+      <p:pic>
+        <p:nvPicPr>
+          <p:cNvPr id="4" name="Content Placeholder 3" descr="Screen Shot 2014-07-04 at 1.04.03 PM.png"/>
+          <p:cNvPicPr>
+            <a:picLocks noGrp="1" noChangeAspect="1"/>
+          </p:cNvPicPr>
           <p:nvPr>
             <p:ph idx="1"/>
           </p:nvPr>
-        </p:nvSpPr>
-        <p:spPr/>
-        <p:txBody>
-          <a:bodyPr/>
-          <a:lstStyle/>
-          <a:p>
-            <a:endParaRPr lang="en-US" dirty="0" smtClean="0"/>
-          </a:p>
-          <a:p>
-            <a:endParaRPr lang="en-US" dirty="0"/>
-          </a:p>
-          <a:p>
-            <a:endParaRPr lang="en-US" dirty="0" smtClean="0"/>
-          </a:p>
-          <a:p>
-            <a:r>
-              <a:rPr lang="en-US" dirty="0" smtClean="0"/>
-              <a:t>Demo </a:t>
-            </a:r>
-            <a:r>
-              <a:rPr lang="en-US" dirty="0" err="1" smtClean="0"/>
-              <a:t>Fritzing</a:t>
-            </a:r>
-            <a:r>
-              <a:rPr lang="en-US" dirty="0" smtClean="0"/>
-              <a:t> for Project 2</a:t>
-            </a:r>
-            <a:endParaRPr lang="en-US" dirty="0"/>
-          </a:p>
-        </p:txBody>
-      </p:sp>
+        </p:nvPicPr>
+        <p:blipFill>
+          <a:blip r:embed="rId2">
+            <a:extLst>
+              <a:ext uri="{28A0092B-C50C-407E-A947-70E740481C1C}">
+                <a14:useLocalDpi xmlns:a14="http://schemas.microsoft.com/office/drawing/2010/main" val="0"/>
+              </a:ext>
+            </a:extLst>
+          </a:blip>
+          <a:srcRect l="-34819" r="-34819"/>
+          <a:stretch>
+            <a:fillRect/>
+          </a:stretch>
+        </p:blipFill>
+        <p:spPr/>
+      </p:pic>
     </p:spTree>
     <p:extLst>
       <p:ext uri="{BB962C8B-B14F-4D97-AF65-F5344CB8AC3E}">
-        <p14:creationId xmlns:p14="http://schemas.microsoft.com/office/powerpoint/2010/main" val="4191499066"/>
+        <p14:creationId xmlns:p14="http://schemas.microsoft.com/office/powerpoint/2010/main" val="4203726403"/>
       </p:ext>
     </p:extLst>
   </p:cSld>
@@ -5441,41 +5210,477 @@
           <a:p>
             <a:r>
               <a:rPr lang="en-US" dirty="0" smtClean="0"/>
-              <a:t>Project 3</a:t>
-            </a:r>
-            <a:endParaRPr lang="en-US" dirty="0"/>
-          </a:p>
-        </p:txBody>
-      </p:sp>
-      <p:pic>
-        <p:nvPicPr>
-          <p:cNvPr id="4" name="Content Placeholder 3" descr="Project3.png"/>
-          <p:cNvPicPr>
-            <a:picLocks noGrp="1" noChangeAspect="1"/>
-          </p:cNvPicPr>
+              <a:t>Project 1 Sketch</a:t>
+            </a:r>
+            <a:endParaRPr lang="en-US" dirty="0"/>
+          </a:p>
+        </p:txBody>
+      </p:sp>
+      <p:sp>
+        <p:nvSpPr>
+          <p:cNvPr id="3" name="Content Placeholder 2"/>
+          <p:cNvSpPr>
+            <a:spLocks noGrp="1"/>
+          </p:cNvSpPr>
           <p:nvPr>
             <p:ph idx="1"/>
           </p:nvPr>
-        </p:nvPicPr>
-        <p:blipFill>
-          <a:blip r:embed="rId2">
-            <a:extLst>
-              <a:ext uri="{28A0092B-C50C-407E-A947-70E740481C1C}">
-                <a14:useLocalDpi xmlns:a14="http://schemas.microsoft.com/office/drawing/2010/main" val="0"/>
-              </a:ext>
-            </a:extLst>
-          </a:blip>
-          <a:srcRect l="-44265" r="-44265"/>
-          <a:stretch>
-            <a:fillRect/>
-          </a:stretch>
-        </p:blipFill>
-        <p:spPr/>
-      </p:pic>
+        </p:nvSpPr>
+        <p:spPr/>
+        <p:txBody>
+          <a:bodyPr>
+            <a:normAutofit fontScale="70000" lnSpcReduction="20000"/>
+          </a:bodyPr>
+          <a:lstStyle/>
+          <a:p>
+            <a:pPr marL="0" indent="0">
+              <a:buNone/>
+            </a:pPr>
+            <a:endParaRPr lang="en-US" b="1" dirty="0" smtClean="0">
+              <a:solidFill>
+                <a:srgbClr val="808080"/>
+              </a:solidFill>
+              <a:latin typeface="Consolas"/>
+              <a:ea typeface="Consolas"/>
+              <a:cs typeface="Consolas"/>
+            </a:endParaRPr>
+          </a:p>
+          <a:p>
+            <a:pPr marL="0" indent="0">
+              <a:buNone/>
+            </a:pPr>
+            <a:r>
+              <a:rPr lang="en-US" b="1" dirty="0" err="1" smtClean="0">
+                <a:solidFill>
+                  <a:srgbClr val="808080"/>
+                </a:solidFill>
+                <a:latin typeface="Consolas"/>
+                <a:ea typeface="Consolas"/>
+                <a:cs typeface="Consolas"/>
+              </a:rPr>
+              <a:t>int</a:t>
+            </a:r>
+            <a:r>
+              <a:rPr lang="en-US" dirty="0" smtClean="0">
+                <a:solidFill>
+                  <a:srgbClr val="323232"/>
+                </a:solidFill>
+                <a:latin typeface="Consolas"/>
+                <a:ea typeface="Consolas"/>
+                <a:cs typeface="Consolas"/>
+              </a:rPr>
+              <a:t> </a:t>
+            </a:r>
+            <a:r>
+              <a:rPr lang="en-US" dirty="0">
+                <a:solidFill>
+                  <a:srgbClr val="000000"/>
+                </a:solidFill>
+                <a:latin typeface="Consolas"/>
+                <a:ea typeface="Consolas"/>
+                <a:cs typeface="Consolas"/>
+              </a:rPr>
+              <a:t>led = </a:t>
+            </a:r>
+            <a:r>
+              <a:rPr lang="en-US" dirty="0" smtClean="0">
+                <a:solidFill>
+                  <a:srgbClr val="000000"/>
+                </a:solidFill>
+                <a:latin typeface="Consolas"/>
+                <a:ea typeface="Consolas"/>
+                <a:cs typeface="Consolas"/>
+              </a:rPr>
+              <a:t>12;</a:t>
+            </a:r>
+            <a:endParaRPr lang="en-US" dirty="0">
+              <a:solidFill>
+                <a:srgbClr val="323232"/>
+              </a:solidFill>
+              <a:latin typeface="Consolas"/>
+              <a:ea typeface="Consolas"/>
+              <a:cs typeface="Consolas"/>
+            </a:endParaRPr>
+          </a:p>
+          <a:p>
+            <a:pPr marL="0" indent="0">
+              <a:buNone/>
+            </a:pPr>
+            <a:r>
+              <a:rPr lang="en-US" dirty="0">
+                <a:solidFill>
+                  <a:srgbClr val="323232"/>
+                </a:solidFill>
+                <a:latin typeface="Consolas"/>
+                <a:ea typeface="Consolas"/>
+                <a:cs typeface="Consolas"/>
+              </a:rPr>
+              <a:t> </a:t>
+            </a:r>
+          </a:p>
+          <a:p>
+            <a:pPr marL="0" indent="0">
+              <a:buNone/>
+            </a:pPr>
+            <a:r>
+              <a:rPr lang="en-US" b="1" dirty="0">
+                <a:solidFill>
+                  <a:srgbClr val="006699"/>
+                </a:solidFill>
+                <a:latin typeface="Consolas"/>
+                <a:ea typeface="Consolas"/>
+                <a:cs typeface="Consolas"/>
+              </a:rPr>
+              <a:t>void</a:t>
+            </a:r>
+            <a:r>
+              <a:rPr lang="en-US" dirty="0">
+                <a:solidFill>
+                  <a:srgbClr val="323232"/>
+                </a:solidFill>
+                <a:latin typeface="Consolas"/>
+                <a:ea typeface="Consolas"/>
+                <a:cs typeface="Consolas"/>
+              </a:rPr>
+              <a:t> </a:t>
+            </a:r>
+            <a:r>
+              <a:rPr lang="en-US" dirty="0">
+                <a:solidFill>
+                  <a:srgbClr val="000000"/>
+                </a:solidFill>
+                <a:latin typeface="Consolas"/>
+                <a:ea typeface="Consolas"/>
+                <a:cs typeface="Consolas"/>
+              </a:rPr>
+              <a:t>setup() {</a:t>
+            </a:r>
+            <a:endParaRPr lang="en-US" dirty="0">
+              <a:solidFill>
+                <a:srgbClr val="323232"/>
+              </a:solidFill>
+              <a:latin typeface="Consolas"/>
+              <a:ea typeface="Consolas"/>
+              <a:cs typeface="Consolas"/>
+            </a:endParaRPr>
+          </a:p>
+          <a:p>
+            <a:pPr marL="0" indent="0">
+              <a:buNone/>
+            </a:pPr>
+            <a:r>
+              <a:rPr lang="en-US" dirty="0">
+                <a:solidFill>
+                  <a:srgbClr val="DD2144"/>
+                </a:solidFill>
+                <a:latin typeface="Consolas"/>
+                <a:ea typeface="Consolas"/>
+                <a:cs typeface="Consolas"/>
+              </a:rPr>
+              <a:t>    </a:t>
+            </a:r>
+            <a:r>
+              <a:rPr lang="en-US" dirty="0" err="1">
+                <a:solidFill>
+                  <a:srgbClr val="000000"/>
+                </a:solidFill>
+                <a:latin typeface="Consolas"/>
+                <a:ea typeface="Consolas"/>
+                <a:cs typeface="Consolas"/>
+              </a:rPr>
+              <a:t>pinMode</a:t>
+            </a:r>
+            <a:r>
+              <a:rPr lang="en-US" dirty="0">
+                <a:solidFill>
+                  <a:srgbClr val="000000"/>
+                </a:solidFill>
+                <a:latin typeface="Consolas"/>
+                <a:ea typeface="Consolas"/>
+                <a:cs typeface="Consolas"/>
+              </a:rPr>
+              <a:t>(led, OUTPUT);</a:t>
+            </a:r>
+            <a:endParaRPr lang="en-US" dirty="0">
+              <a:solidFill>
+                <a:srgbClr val="323232"/>
+              </a:solidFill>
+              <a:latin typeface="Consolas"/>
+              <a:ea typeface="Consolas"/>
+              <a:cs typeface="Consolas"/>
+            </a:endParaRPr>
+          </a:p>
+          <a:p>
+            <a:pPr marL="0" indent="0">
+              <a:buNone/>
+            </a:pPr>
+            <a:r>
+              <a:rPr lang="en-US" dirty="0">
+                <a:solidFill>
+                  <a:srgbClr val="000000"/>
+                </a:solidFill>
+                <a:latin typeface="Consolas"/>
+                <a:ea typeface="Consolas"/>
+                <a:cs typeface="Consolas"/>
+              </a:rPr>
+              <a:t>}</a:t>
+            </a:r>
+            <a:endParaRPr lang="en-US" dirty="0">
+              <a:solidFill>
+                <a:srgbClr val="323232"/>
+              </a:solidFill>
+              <a:latin typeface="Consolas"/>
+              <a:ea typeface="Consolas"/>
+              <a:cs typeface="Consolas"/>
+            </a:endParaRPr>
+          </a:p>
+          <a:p>
+            <a:pPr marL="0" indent="0">
+              <a:buNone/>
+            </a:pPr>
+            <a:r>
+              <a:rPr lang="en-US" dirty="0">
+                <a:solidFill>
+                  <a:srgbClr val="323232"/>
+                </a:solidFill>
+                <a:latin typeface="Consolas"/>
+                <a:ea typeface="Consolas"/>
+                <a:cs typeface="Consolas"/>
+              </a:rPr>
+              <a:t> </a:t>
+            </a:r>
+          </a:p>
+          <a:p>
+            <a:pPr marL="0" indent="0">
+              <a:buNone/>
+            </a:pPr>
+            <a:r>
+              <a:rPr lang="en-US" b="1" dirty="0">
+                <a:solidFill>
+                  <a:srgbClr val="006699"/>
+                </a:solidFill>
+                <a:latin typeface="Consolas"/>
+                <a:ea typeface="Consolas"/>
+                <a:cs typeface="Consolas"/>
+              </a:rPr>
+              <a:t>void</a:t>
+            </a:r>
+            <a:r>
+              <a:rPr lang="en-US" dirty="0">
+                <a:solidFill>
+                  <a:srgbClr val="323232"/>
+                </a:solidFill>
+                <a:latin typeface="Consolas"/>
+                <a:ea typeface="Consolas"/>
+                <a:cs typeface="Consolas"/>
+              </a:rPr>
+              <a:t> </a:t>
+            </a:r>
+            <a:r>
+              <a:rPr lang="en-US" dirty="0">
+                <a:solidFill>
+                  <a:srgbClr val="000000"/>
+                </a:solidFill>
+                <a:latin typeface="Consolas"/>
+                <a:ea typeface="Consolas"/>
+                <a:cs typeface="Consolas"/>
+              </a:rPr>
+              <a:t>loop() {</a:t>
+            </a:r>
+            <a:endParaRPr lang="en-US" dirty="0">
+              <a:solidFill>
+                <a:srgbClr val="323232"/>
+              </a:solidFill>
+              <a:latin typeface="Consolas"/>
+              <a:ea typeface="Consolas"/>
+              <a:cs typeface="Consolas"/>
+            </a:endParaRPr>
+          </a:p>
+          <a:p>
+            <a:pPr marL="0" indent="0">
+              <a:buNone/>
+            </a:pPr>
+            <a:r>
+              <a:rPr lang="en-US" dirty="0">
+                <a:solidFill>
+                  <a:srgbClr val="DD2144"/>
+                </a:solidFill>
+                <a:latin typeface="Consolas"/>
+                <a:ea typeface="Consolas"/>
+                <a:cs typeface="Consolas"/>
+              </a:rPr>
+              <a:t>    </a:t>
+            </a:r>
+            <a:r>
+              <a:rPr lang="en-US" dirty="0" err="1">
+                <a:solidFill>
+                  <a:srgbClr val="000000"/>
+                </a:solidFill>
+                <a:latin typeface="Consolas"/>
+                <a:ea typeface="Consolas"/>
+                <a:cs typeface="Consolas"/>
+              </a:rPr>
+              <a:t>digitalWrite</a:t>
+            </a:r>
+            <a:r>
+              <a:rPr lang="en-US" dirty="0">
+                <a:solidFill>
+                  <a:srgbClr val="000000"/>
+                </a:solidFill>
+                <a:latin typeface="Consolas"/>
+                <a:ea typeface="Consolas"/>
+                <a:cs typeface="Consolas"/>
+              </a:rPr>
+              <a:t>(led, HIGH);</a:t>
+            </a:r>
+            <a:endParaRPr lang="en-US" dirty="0">
+              <a:solidFill>
+                <a:srgbClr val="323232"/>
+              </a:solidFill>
+              <a:latin typeface="Consolas"/>
+              <a:ea typeface="Consolas"/>
+              <a:cs typeface="Consolas"/>
+            </a:endParaRPr>
+          </a:p>
+          <a:p>
+            <a:pPr marL="0" indent="0">
+              <a:buNone/>
+            </a:pPr>
+            <a:r>
+              <a:rPr lang="en-US" dirty="0">
+                <a:solidFill>
+                  <a:srgbClr val="DD2144"/>
+                </a:solidFill>
+                <a:latin typeface="Consolas"/>
+                <a:ea typeface="Consolas"/>
+                <a:cs typeface="Consolas"/>
+              </a:rPr>
+              <a:t>    </a:t>
+            </a:r>
+            <a:r>
+              <a:rPr lang="en-US" dirty="0">
+                <a:solidFill>
+                  <a:srgbClr val="000000"/>
+                </a:solidFill>
+                <a:latin typeface="Consolas"/>
+                <a:ea typeface="Consolas"/>
+                <a:cs typeface="Consolas"/>
+              </a:rPr>
+              <a:t>delay(1000);</a:t>
+            </a:r>
+            <a:endParaRPr lang="en-US" dirty="0">
+              <a:solidFill>
+                <a:srgbClr val="323232"/>
+              </a:solidFill>
+              <a:latin typeface="Consolas"/>
+              <a:ea typeface="Consolas"/>
+              <a:cs typeface="Consolas"/>
+            </a:endParaRPr>
+          </a:p>
+          <a:p>
+            <a:pPr marL="0" indent="0">
+              <a:buNone/>
+            </a:pPr>
+            <a:r>
+              <a:rPr lang="en-US" dirty="0">
+                <a:solidFill>
+                  <a:srgbClr val="DD2144"/>
+                </a:solidFill>
+                <a:latin typeface="Consolas"/>
+                <a:ea typeface="Consolas"/>
+                <a:cs typeface="Consolas"/>
+              </a:rPr>
+              <a:t>    </a:t>
+            </a:r>
+            <a:r>
+              <a:rPr lang="en-US" dirty="0" err="1">
+                <a:solidFill>
+                  <a:srgbClr val="000000"/>
+                </a:solidFill>
+                <a:latin typeface="Consolas"/>
+                <a:ea typeface="Consolas"/>
+                <a:cs typeface="Consolas"/>
+              </a:rPr>
+              <a:t>digitalWrite</a:t>
+            </a:r>
+            <a:r>
+              <a:rPr lang="en-US" dirty="0">
+                <a:solidFill>
+                  <a:srgbClr val="000000"/>
+                </a:solidFill>
+                <a:latin typeface="Consolas"/>
+                <a:ea typeface="Consolas"/>
+                <a:cs typeface="Consolas"/>
+              </a:rPr>
+              <a:t>(led, LOW);</a:t>
+            </a:r>
+            <a:endParaRPr lang="en-US" dirty="0">
+              <a:solidFill>
+                <a:srgbClr val="323232"/>
+              </a:solidFill>
+              <a:latin typeface="Consolas"/>
+              <a:ea typeface="Consolas"/>
+              <a:cs typeface="Consolas"/>
+            </a:endParaRPr>
+          </a:p>
+          <a:p>
+            <a:pPr marL="0" indent="0">
+              <a:buNone/>
+            </a:pPr>
+            <a:r>
+              <a:rPr lang="en-US" dirty="0">
+                <a:solidFill>
+                  <a:srgbClr val="DD2144"/>
+                </a:solidFill>
+                <a:latin typeface="Consolas"/>
+                <a:ea typeface="Consolas"/>
+                <a:cs typeface="Consolas"/>
+              </a:rPr>
+              <a:t>    </a:t>
+            </a:r>
+            <a:r>
+              <a:rPr lang="en-US" dirty="0">
+                <a:solidFill>
+                  <a:srgbClr val="000000"/>
+                </a:solidFill>
+                <a:latin typeface="Consolas"/>
+                <a:ea typeface="Consolas"/>
+                <a:cs typeface="Consolas"/>
+              </a:rPr>
+              <a:t>delay(1000);</a:t>
+            </a:r>
+            <a:endParaRPr lang="en-US" dirty="0">
+              <a:solidFill>
+                <a:srgbClr val="323232"/>
+              </a:solidFill>
+              <a:latin typeface="Consolas"/>
+              <a:ea typeface="Consolas"/>
+              <a:cs typeface="Consolas"/>
+            </a:endParaRPr>
+          </a:p>
+          <a:p>
+            <a:pPr marL="0" indent="0">
+              <a:buNone/>
+            </a:pPr>
+            <a:r>
+              <a:rPr lang="en-US" dirty="0">
+                <a:solidFill>
+                  <a:srgbClr val="000000"/>
+                </a:solidFill>
+                <a:latin typeface="Consolas"/>
+                <a:ea typeface="Consolas"/>
+                <a:cs typeface="Consolas"/>
+              </a:rPr>
+              <a:t>}</a:t>
+            </a:r>
+            <a:endParaRPr lang="en-US" dirty="0"/>
+          </a:p>
+        </p:txBody>
+      </p:sp>
     </p:spTree>
     <p:extLst>
       <p:ext uri="{BB962C8B-B14F-4D97-AF65-F5344CB8AC3E}">
-        <p14:creationId xmlns:p14="http://schemas.microsoft.com/office/powerpoint/2010/main" val="1895327351"/>
+        <p14:creationId xmlns:p14="http://schemas.microsoft.com/office/powerpoint/2010/main" val="2050046499"/>
       </p:ext>
     </p:extLst>
   </p:cSld>
@@ -5519,102 +5724,41 @@
           <a:p>
             <a:r>
               <a:rPr lang="en-US" dirty="0" smtClean="0"/>
-              <a:t>Project 3 Sketch</a:t>
-            </a:r>
-            <a:endParaRPr lang="en-US" dirty="0"/>
-          </a:p>
-        </p:txBody>
-      </p:sp>
-      <p:sp>
-        <p:nvSpPr>
-          <p:cNvPr id="3" name="Content Placeholder 2"/>
-          <p:cNvSpPr>
-            <a:spLocks noGrp="1"/>
-          </p:cNvSpPr>
+              <a:t>Project 1B Circuit</a:t>
+            </a:r>
+            <a:endParaRPr lang="en-US" dirty="0"/>
+          </a:p>
+        </p:txBody>
+      </p:sp>
+      <p:pic>
+        <p:nvPicPr>
+          <p:cNvPr id="4" name="Content Placeholder 3" descr="Screen Shot 2014-07-04 at 12.57.11 PM.png"/>
+          <p:cNvPicPr>
+            <a:picLocks noGrp="1" noChangeAspect="1"/>
+          </p:cNvPicPr>
           <p:nvPr>
             <p:ph idx="1"/>
           </p:nvPr>
-        </p:nvSpPr>
-        <p:spPr/>
-        <p:txBody>
-          <a:bodyPr>
-            <a:normAutofit/>
-          </a:bodyPr>
-          <a:lstStyle/>
-          <a:p>
-            <a:pPr marL="0" indent="0">
-              <a:buNone/>
-            </a:pPr>
-            <a:endParaRPr lang="en-US" sz="1000" dirty="0" smtClean="0">
-              <a:latin typeface="American Typewriter"/>
-              <a:cs typeface="American Typewriter"/>
-            </a:endParaRPr>
-          </a:p>
-          <a:p>
-            <a:pPr marL="0" indent="0">
-              <a:buNone/>
-            </a:pPr>
-            <a:endParaRPr lang="en-US" sz="1000" dirty="0">
-              <a:latin typeface="American Typewriter"/>
-              <a:cs typeface="American Typewriter"/>
-            </a:endParaRPr>
-          </a:p>
-          <a:p>
-            <a:pPr marL="0" indent="0">
-              <a:buNone/>
-            </a:pPr>
-            <a:endParaRPr lang="en-US" sz="2000" dirty="0" smtClean="0">
-              <a:cs typeface="American Typewriter"/>
-            </a:endParaRPr>
-          </a:p>
-          <a:p>
-            <a:pPr marL="0" indent="0">
-              <a:buNone/>
-            </a:pPr>
-            <a:endParaRPr lang="en-US" sz="2000" dirty="0">
-              <a:cs typeface="American Typewriter"/>
-            </a:endParaRPr>
-          </a:p>
-          <a:p>
-            <a:pPr marL="0" indent="0">
-              <a:buNone/>
-            </a:pPr>
-            <a:endParaRPr lang="en-US" sz="2000" dirty="0" smtClean="0">
-              <a:cs typeface="American Typewriter"/>
-            </a:endParaRPr>
-          </a:p>
-          <a:p>
-            <a:pPr marL="0" indent="0" algn="ctr">
-              <a:buNone/>
-            </a:pPr>
-            <a:r>
-              <a:rPr lang="en-US" sz="2000" dirty="0">
-                <a:cs typeface="American Typewriter"/>
-              </a:rPr>
-              <a:t>	</a:t>
-            </a:r>
-            <a:r>
-              <a:rPr lang="en-US" sz="2000" dirty="0" smtClean="0">
-                <a:cs typeface="American Typewriter"/>
-              </a:rPr>
-              <a:t>					Download Project 3 sketch from </a:t>
-            </a:r>
-            <a:r>
-              <a:rPr lang="en-US" sz="2000" dirty="0" err="1" smtClean="0">
-                <a:cs typeface="American Typewriter"/>
-              </a:rPr>
-              <a:t>Github</a:t>
-            </a:r>
-            <a:endParaRPr lang="en-US" sz="2000" dirty="0">
-              <a:cs typeface="American Typewriter"/>
-            </a:endParaRPr>
-          </a:p>
-        </p:txBody>
-      </p:sp>
+        </p:nvPicPr>
+        <p:blipFill>
+          <a:blip r:embed="rId2">
+            <a:extLst>
+              <a:ext uri="{28A0092B-C50C-407E-A947-70E740481C1C}">
+                <a14:useLocalDpi xmlns:a14="http://schemas.microsoft.com/office/drawing/2010/main" val="0"/>
+              </a:ext>
+            </a:extLst>
+          </a:blip>
+          <a:srcRect l="-34165" r="-34165"/>
+          <a:stretch>
+            <a:fillRect/>
+          </a:stretch>
+        </p:blipFill>
+        <p:spPr/>
+      </p:pic>
     </p:spTree>
     <p:extLst>
       <p:ext uri="{BB962C8B-B14F-4D97-AF65-F5344CB8AC3E}">
-        <p14:creationId xmlns:p14="http://schemas.microsoft.com/office/powerpoint/2010/main" val="158456006"/>
+        <p14:creationId xmlns:p14="http://schemas.microsoft.com/office/powerpoint/2010/main" val="652851981"/>
       </p:ext>
     </p:extLst>
   </p:cSld>
@@ -5658,7 +5802,7 @@
           <a:p>
             <a:r>
               <a:rPr lang="en-US" dirty="0" smtClean="0"/>
-              <a:t>Project 4</a:t>
+              <a:t>Project 2</a:t>
             </a:r>
             <a:endParaRPr lang="en-US" dirty="0"/>
           </a:p>
@@ -5666,7 +5810,7 @@
       </p:sp>
       <p:pic>
         <p:nvPicPr>
-          <p:cNvPr id="6" name="Content Placeholder 5" descr="Project4.png"/>
+          <p:cNvPr id="4" name="Content Placeholder 3" descr="Project2A.png"/>
           <p:cNvPicPr>
             <a:picLocks noGrp="1" noChangeAspect="1"/>
           </p:cNvPicPr>
@@ -5682,7 +5826,7 @@
               </a:ext>
             </a:extLst>
           </a:blip>
-          <a:srcRect l="-16563" r="-16563"/>
+          <a:srcRect l="-80079" r="-80079"/>
           <a:stretch>
             <a:fillRect/>
           </a:stretch>
@@ -5692,7 +5836,7 @@
     </p:spTree>
     <p:extLst>
       <p:ext uri="{BB962C8B-B14F-4D97-AF65-F5344CB8AC3E}">
-        <p14:creationId xmlns:p14="http://schemas.microsoft.com/office/powerpoint/2010/main" val="2290959330"/>
+        <p14:creationId xmlns:p14="http://schemas.microsoft.com/office/powerpoint/2010/main" val="607450728"/>
       </p:ext>
     </p:extLst>
   </p:cSld>
@@ -5735,8 +5879,8 @@
           <a:lstStyle/>
           <a:p>
             <a:r>
-              <a:rPr lang="en-US" dirty="0" smtClean="0"/>
-              <a:t>Project 4 Sketch</a:t>
+              <a:rPr lang="en-US" dirty="0" err="1" smtClean="0"/>
+              <a:t>Fritzing</a:t>
             </a:r>
             <a:endParaRPr lang="en-US" dirty="0"/>
           </a:p>
@@ -5763,57 +5907,21 @@
             <a:endParaRPr lang="en-US" dirty="0"/>
           </a:p>
           <a:p>
-            <a:pPr algn="ctr"/>
-            <a:r>
-              <a:rPr lang="en-US" dirty="0">
-                <a:cs typeface="American Typewriter"/>
-              </a:rPr>
-              <a:t>Download Project </a:t>
-            </a:r>
-            <a:r>
-              <a:rPr lang="en-US" dirty="0" smtClean="0">
-                <a:cs typeface="American Typewriter"/>
-              </a:rPr>
-              <a:t>4 </a:t>
-            </a:r>
-            <a:r>
-              <a:rPr lang="en-US" dirty="0">
-                <a:cs typeface="American Typewriter"/>
-              </a:rPr>
-              <a:t>sketch from </a:t>
-            </a:r>
-            <a:r>
-              <a:rPr lang="en-US" dirty="0" err="1">
-                <a:cs typeface="American Typewriter"/>
-              </a:rPr>
-              <a:t>Github</a:t>
-            </a:r>
-            <a:endParaRPr lang="en-US" dirty="0"/>
-          </a:p>
-        </p:txBody>
-      </p:sp>
-      <p:sp>
-        <p:nvSpPr>
-          <p:cNvPr id="4" name="TextBox 3"/>
-          <p:cNvSpPr txBox="1"/>
-          <p:nvPr/>
-        </p:nvSpPr>
-        <p:spPr>
-          <a:xfrm>
-            <a:off x="2139416" y="3123644"/>
-            <a:ext cx="184666" cy="369332"/>
-          </a:xfrm>
-          <a:prstGeom prst="rect">
-            <a:avLst/>
-          </a:prstGeom>
-          <a:noFill/>
-        </p:spPr>
-        <p:txBody>
-          <a:bodyPr wrap="none" rtlCol="0">
-            <a:spAutoFit/>
-          </a:bodyPr>
-          <a:lstStyle/>
-          <a:p>
+            <a:endParaRPr lang="en-US" dirty="0" smtClean="0"/>
+          </a:p>
+          <a:p>
+            <a:r>
+              <a:rPr lang="en-US" dirty="0" smtClean="0"/>
+              <a:t>Demo </a:t>
+            </a:r>
+            <a:r>
+              <a:rPr lang="en-US" dirty="0" err="1" smtClean="0"/>
+              <a:t>Fritzing</a:t>
+            </a:r>
+            <a:r>
+              <a:rPr lang="en-US" dirty="0" smtClean="0"/>
+              <a:t> for Project 2</a:t>
+            </a:r>
             <a:endParaRPr lang="en-US" dirty="0"/>
           </a:p>
         </p:txBody>
@@ -5821,7 +5929,7 @@
     </p:spTree>
     <p:extLst>
       <p:ext uri="{BB962C8B-B14F-4D97-AF65-F5344CB8AC3E}">
-        <p14:creationId xmlns:p14="http://schemas.microsoft.com/office/powerpoint/2010/main" val="2101305375"/>
+        <p14:creationId xmlns:p14="http://schemas.microsoft.com/office/powerpoint/2010/main" val="4191499066"/>
       </p:ext>
     </p:extLst>
   </p:cSld>
@@ -5961,7 +6069,7 @@
           <a:p>
             <a:r>
               <a:rPr lang="en-US" dirty="0" smtClean="0"/>
-              <a:t>Project 5</a:t>
+              <a:t>Project 3</a:t>
             </a:r>
             <a:endParaRPr lang="en-US" dirty="0"/>
           </a:p>
@@ -5969,7 +6077,7 @@
       </p:sp>
       <p:pic>
         <p:nvPicPr>
-          <p:cNvPr id="4" name="Content Placeholder 3" descr="Project5.png"/>
+          <p:cNvPr id="4" name="Content Placeholder 3" descr="Project3.png"/>
           <p:cNvPicPr>
             <a:picLocks noGrp="1" noChangeAspect="1"/>
           </p:cNvPicPr>
@@ -5985,7 +6093,7 @@
               </a:ext>
             </a:extLst>
           </a:blip>
-          <a:srcRect l="-8069" r="-8069"/>
+          <a:srcRect l="-44265" r="-44265"/>
           <a:stretch>
             <a:fillRect/>
           </a:stretch>
@@ -5995,7 +6103,7 @@
     </p:spTree>
     <p:extLst>
       <p:ext uri="{BB962C8B-B14F-4D97-AF65-F5344CB8AC3E}">
-        <p14:creationId xmlns:p14="http://schemas.microsoft.com/office/powerpoint/2010/main" val="764543211"/>
+        <p14:creationId xmlns:p14="http://schemas.microsoft.com/office/powerpoint/2010/main" val="1895327351"/>
       </p:ext>
     </p:extLst>
   </p:cSld>
@@ -6039,7 +6147,7 @@
           <a:p>
             <a:r>
               <a:rPr lang="en-US" dirty="0" smtClean="0"/>
-              <a:t>Project 5 Sketch</a:t>
+              <a:t>Project 3 Sketch</a:t>
             </a:r>
             <a:endParaRPr lang="en-US" dirty="0"/>
           </a:p>
@@ -6057,63 +6165,84 @@
         </p:nvSpPr>
         <p:spPr/>
         <p:txBody>
-          <a:bodyPr/>
-          <a:lstStyle/>
-          <a:p>
-            <a:endParaRPr lang="en-US" dirty="0" smtClean="0"/>
-          </a:p>
-          <a:p>
-            <a:endParaRPr lang="en-US" dirty="0"/>
-          </a:p>
-          <a:p>
-            <a:endParaRPr lang="en-US" dirty="0" smtClean="0"/>
-          </a:p>
-          <a:p>
-            <a:pPr marL="457200" lvl="1" indent="0" algn="ctr">
+          <a:bodyPr>
+            <a:normAutofit/>
+          </a:bodyPr>
+          <a:lstStyle/>
+          <a:p>
+            <a:pPr marL="0" indent="0">
               <a:buNone/>
             </a:pPr>
-            <a:r>
-              <a:rPr lang="en-US" dirty="0" smtClean="0"/>
-              <a:t>				</a:t>
-            </a:r>
-            <a:r>
-              <a:rPr lang="en-US" dirty="0" smtClean="0">
+            <a:endParaRPr lang="en-US" sz="1000" dirty="0" smtClean="0">
+              <a:latin typeface="American Typewriter"/>
+              <a:cs typeface="American Typewriter"/>
+            </a:endParaRPr>
+          </a:p>
+          <a:p>
+            <a:pPr marL="0" indent="0">
+              <a:buNone/>
+            </a:pPr>
+            <a:endParaRPr lang="en-US" sz="1000" dirty="0">
+              <a:latin typeface="American Typewriter"/>
+              <a:cs typeface="American Typewriter"/>
+            </a:endParaRPr>
+          </a:p>
+          <a:p>
+            <a:pPr marL="0" indent="0">
+              <a:buNone/>
+            </a:pPr>
+            <a:endParaRPr lang="en-US" sz="2000" dirty="0" smtClean="0">
+              <a:cs typeface="American Typewriter"/>
+            </a:endParaRPr>
+          </a:p>
+          <a:p>
+            <a:pPr marL="0" indent="0">
+              <a:buNone/>
+            </a:pPr>
+            <a:endParaRPr lang="en-US" sz="2000" dirty="0">
+              <a:cs typeface="American Typewriter"/>
+            </a:endParaRPr>
+          </a:p>
+          <a:p>
+            <a:pPr marL="0" indent="0">
+              <a:buNone/>
+            </a:pPr>
+            <a:endParaRPr lang="en-US" sz="2000" dirty="0" smtClean="0">
+              <a:cs typeface="American Typewriter"/>
+            </a:endParaRPr>
+          </a:p>
+          <a:p>
+            <a:pPr marL="0" indent="0" algn="ctr">
+              <a:buNone/>
+            </a:pPr>
+            <a:r>
+              <a:rPr lang="en-US" sz="2000" dirty="0">
                 <a:cs typeface="American Typewriter"/>
               </a:rPr>
-              <a:t>Download </a:t>
-            </a:r>
-            <a:r>
-              <a:rPr lang="en-US" dirty="0">
+              <a:t>	</a:t>
+            </a:r>
+            <a:r>
+              <a:rPr lang="en-US" sz="2000" dirty="0" smtClean="0">
                 <a:cs typeface="American Typewriter"/>
               </a:rPr>
-              <a:t>Project </a:t>
-            </a:r>
-            <a:r>
-              <a:rPr lang="en-US" dirty="0" smtClean="0">
+              <a:t>					Download Project 3 sketch from </a:t>
+            </a:r>
+            <a:r>
+              <a:rPr lang="en-US" sz="2000" dirty="0" err="1" smtClean="0">
                 <a:cs typeface="American Typewriter"/>
               </a:rPr>
-              <a:t>5 </a:t>
-            </a:r>
-            <a:r>
-              <a:rPr lang="en-US" dirty="0">
-                <a:cs typeface="American Typewriter"/>
-              </a:rPr>
-              <a:t>sketch from </a:t>
-            </a:r>
-            <a:r>
-              <a:rPr lang="en-US" dirty="0" err="1">
-                <a:cs typeface="American Typewriter"/>
-              </a:rPr>
               <a:t>Github</a:t>
             </a:r>
-            <a:endParaRPr lang="en-US" dirty="0"/>
+            <a:endParaRPr lang="en-US" sz="2000" dirty="0">
+              <a:cs typeface="American Typewriter"/>
+            </a:endParaRPr>
           </a:p>
         </p:txBody>
       </p:sp>
     </p:spTree>
     <p:extLst>
       <p:ext uri="{BB962C8B-B14F-4D97-AF65-F5344CB8AC3E}">
-        <p14:creationId xmlns:p14="http://schemas.microsoft.com/office/powerpoint/2010/main" val="403414495"/>
+        <p14:creationId xmlns:p14="http://schemas.microsoft.com/office/powerpoint/2010/main" val="158456006"/>
       </p:ext>
     </p:extLst>
   </p:cSld>
@@ -6157,7 +6286,7 @@
           <a:p>
             <a:r>
               <a:rPr lang="en-US" dirty="0" smtClean="0"/>
-              <a:t>Project 6</a:t>
+              <a:t>Project 4</a:t>
             </a:r>
             <a:endParaRPr lang="en-US" dirty="0"/>
           </a:p>
@@ -6165,7 +6294,7 @@
       </p:sp>
       <p:pic>
         <p:nvPicPr>
-          <p:cNvPr id="4" name="Content Placeholder 3" descr="Potentiometer.jpg"/>
+          <p:cNvPr id="6" name="Content Placeholder 5" descr="Project4.png"/>
           <p:cNvPicPr>
             <a:picLocks noGrp="1" noChangeAspect="1"/>
           </p:cNvPicPr>
@@ -6181,7 +6310,7 @@
               </a:ext>
             </a:extLst>
           </a:blip>
-          <a:srcRect l="-40915" r="-40915"/>
+          <a:srcRect l="-16563" r="-16563"/>
           <a:stretch>
             <a:fillRect/>
           </a:stretch>
@@ -6191,7 +6320,7 @@
     </p:spTree>
     <p:extLst>
       <p:ext uri="{BB962C8B-B14F-4D97-AF65-F5344CB8AC3E}">
-        <p14:creationId xmlns:p14="http://schemas.microsoft.com/office/powerpoint/2010/main" val="2865462024"/>
+        <p14:creationId xmlns:p14="http://schemas.microsoft.com/office/powerpoint/2010/main" val="2290959330"/>
       </p:ext>
     </p:extLst>
   </p:cSld>
@@ -6235,41 +6364,92 @@
           <a:p>
             <a:r>
               <a:rPr lang="en-US" dirty="0" smtClean="0"/>
-              <a:t>Potentiometer Voltage output</a:t>
-            </a:r>
-            <a:endParaRPr lang="en-US" dirty="0"/>
-          </a:p>
-        </p:txBody>
-      </p:sp>
-      <p:pic>
-        <p:nvPicPr>
-          <p:cNvPr id="4" name="Content Placeholder 3" descr="The pot wiper and voltage.jpg"/>
-          <p:cNvPicPr>
-            <a:picLocks noGrp="1" noChangeAspect="1"/>
-          </p:cNvPicPr>
+              <a:t>Project 4 Sketch</a:t>
+            </a:r>
+            <a:endParaRPr lang="en-US" dirty="0"/>
+          </a:p>
+        </p:txBody>
+      </p:sp>
+      <p:sp>
+        <p:nvSpPr>
+          <p:cNvPr id="3" name="Content Placeholder 2"/>
+          <p:cNvSpPr>
+            <a:spLocks noGrp="1"/>
+          </p:cNvSpPr>
           <p:nvPr>
             <p:ph idx="1"/>
           </p:nvPr>
-        </p:nvPicPr>
-        <p:blipFill>
-          <a:blip r:embed="rId2">
-            <a:extLst>
-              <a:ext uri="{28A0092B-C50C-407E-A947-70E740481C1C}">
-                <a14:useLocalDpi xmlns:a14="http://schemas.microsoft.com/office/drawing/2010/main" val="0"/>
-              </a:ext>
-            </a:extLst>
-          </a:blip>
-          <a:srcRect l="-108114" r="-108114"/>
-          <a:stretch>
-            <a:fillRect/>
-          </a:stretch>
-        </p:blipFill>
-        <p:spPr/>
-      </p:pic>
+        </p:nvSpPr>
+        <p:spPr/>
+        <p:txBody>
+          <a:bodyPr/>
+          <a:lstStyle/>
+          <a:p>
+            <a:endParaRPr lang="en-US" dirty="0" smtClean="0"/>
+          </a:p>
+          <a:p>
+            <a:endParaRPr lang="en-US" dirty="0"/>
+          </a:p>
+          <a:p>
+            <a:pPr algn="ctr"/>
+            <a:r>
+              <a:rPr lang="en-US" dirty="0">
+                <a:cs typeface="American Typewriter"/>
+              </a:rPr>
+              <a:t>Download Project </a:t>
+            </a:r>
+            <a:r>
+              <a:rPr lang="en-US" dirty="0" smtClean="0">
+                <a:cs typeface="American Typewriter"/>
+              </a:rPr>
+              <a:t>4 </a:t>
+            </a:r>
+            <a:r>
+              <a:rPr lang="en-US" dirty="0">
+                <a:cs typeface="American Typewriter"/>
+              </a:rPr>
+              <a:t>sketch from </a:t>
+            </a:r>
+            <a:r>
+              <a:rPr lang="en-US" dirty="0" err="1">
+                <a:cs typeface="American Typewriter"/>
+              </a:rPr>
+              <a:t>Github</a:t>
+            </a:r>
+            <a:endParaRPr lang="en-US" dirty="0"/>
+          </a:p>
+        </p:txBody>
+      </p:sp>
+      <p:sp>
+        <p:nvSpPr>
+          <p:cNvPr id="4" name="TextBox 3"/>
+          <p:cNvSpPr txBox="1"/>
+          <p:nvPr/>
+        </p:nvSpPr>
+        <p:spPr>
+          <a:xfrm>
+            <a:off x="2139416" y="3123644"/>
+            <a:ext cx="184666" cy="369332"/>
+          </a:xfrm>
+          <a:prstGeom prst="rect">
+            <a:avLst/>
+          </a:prstGeom>
+          <a:noFill/>
+        </p:spPr>
+        <p:txBody>
+          <a:bodyPr wrap="none" rtlCol="0">
+            <a:spAutoFit/>
+          </a:bodyPr>
+          <a:lstStyle/>
+          <a:p>
+            <a:endParaRPr lang="en-US" dirty="0"/>
+          </a:p>
+        </p:txBody>
+      </p:sp>
     </p:spTree>
     <p:extLst>
       <p:ext uri="{BB962C8B-B14F-4D97-AF65-F5344CB8AC3E}">
-        <p14:creationId xmlns:p14="http://schemas.microsoft.com/office/powerpoint/2010/main" val="2347148493"/>
+        <p14:creationId xmlns:p14="http://schemas.microsoft.com/office/powerpoint/2010/main" val="2101305375"/>
       </p:ext>
     </p:extLst>
   </p:cSld>
@@ -6313,7 +6493,7 @@
           <a:p>
             <a:r>
               <a:rPr lang="en-US" dirty="0" smtClean="0"/>
-              <a:t>Project 6</a:t>
+              <a:t>Project 5</a:t>
             </a:r>
             <a:endParaRPr lang="en-US" dirty="0"/>
           </a:p>
@@ -6321,7 +6501,7 @@
       </p:sp>
       <p:pic>
         <p:nvPicPr>
-          <p:cNvPr id="4" name="Content Placeholder 3" descr="Project6.png"/>
+          <p:cNvPr id="4" name="Content Placeholder 3" descr="Project5.png"/>
           <p:cNvPicPr>
             <a:picLocks noGrp="1" noChangeAspect="1"/>
           </p:cNvPicPr>
@@ -6337,7 +6517,7 @@
               </a:ext>
             </a:extLst>
           </a:blip>
-          <a:srcRect l="-13297" r="-13297"/>
+          <a:srcRect l="-8069" r="-8069"/>
           <a:stretch>
             <a:fillRect/>
           </a:stretch>
@@ -6347,7 +6527,7 @@
     </p:spTree>
     <p:extLst>
       <p:ext uri="{BB962C8B-B14F-4D97-AF65-F5344CB8AC3E}">
-        <p14:creationId xmlns:p14="http://schemas.microsoft.com/office/powerpoint/2010/main" val="1889976186"/>
+        <p14:creationId xmlns:p14="http://schemas.microsoft.com/office/powerpoint/2010/main" val="764543211"/>
       </p:ext>
     </p:extLst>
   </p:cSld>
@@ -6391,7 +6571,7 @@
           <a:p>
             <a:r>
               <a:rPr lang="en-US" dirty="0" smtClean="0"/>
-              <a:t>Project 6 Sketch</a:t>
+              <a:t>Project 5 Sketch</a:t>
             </a:r>
             <a:endParaRPr lang="en-US" dirty="0"/>
           </a:p>
@@ -6412,22 +6592,22 @@
           <a:bodyPr/>
           <a:lstStyle/>
           <a:p>
-            <a:endParaRPr lang="en-US" dirty="0" smtClean="0">
-              <a:cs typeface="American Typewriter"/>
-            </a:endParaRPr>
-          </a:p>
-          <a:p>
-            <a:endParaRPr lang="en-US" dirty="0">
-              <a:cs typeface="American Typewriter"/>
-            </a:endParaRPr>
-          </a:p>
-          <a:p>
-            <a:endParaRPr lang="en-US" dirty="0" smtClean="0">
-              <a:cs typeface="American Typewriter"/>
-            </a:endParaRPr>
-          </a:p>
-          <a:p>
-            <a:pPr algn="ctr"/>
+            <a:endParaRPr lang="en-US" dirty="0" smtClean="0"/>
+          </a:p>
+          <a:p>
+            <a:endParaRPr lang="en-US" dirty="0"/>
+          </a:p>
+          <a:p>
+            <a:endParaRPr lang="en-US" dirty="0" smtClean="0"/>
+          </a:p>
+          <a:p>
+            <a:pPr marL="457200" lvl="1" indent="0" algn="ctr">
+              <a:buNone/>
+            </a:pPr>
+            <a:r>
+              <a:rPr lang="en-US" dirty="0" smtClean="0"/>
+              <a:t>				</a:t>
+            </a:r>
             <a:r>
               <a:rPr lang="en-US" dirty="0" smtClean="0">
                 <a:cs typeface="American Typewriter"/>
@@ -6444,7 +6624,7 @@
               <a:rPr lang="en-US" dirty="0" smtClean="0">
                 <a:cs typeface="American Typewriter"/>
               </a:rPr>
-              <a:t>6 </a:t>
+              <a:t>5 </a:t>
             </a:r>
             <a:r>
               <a:rPr lang="en-US" dirty="0">
@@ -6465,7 +6645,7 @@
     </p:spTree>
     <p:extLst>
       <p:ext uri="{BB962C8B-B14F-4D97-AF65-F5344CB8AC3E}">
-        <p14:creationId xmlns:p14="http://schemas.microsoft.com/office/powerpoint/2010/main" val="1320387273"/>
+        <p14:creationId xmlns:p14="http://schemas.microsoft.com/office/powerpoint/2010/main" val="403414495"/>
       </p:ext>
     </p:extLst>
   </p:cSld>
@@ -6509,56 +6689,41 @@
           <a:p>
             <a:r>
               <a:rPr lang="en-US" dirty="0" smtClean="0"/>
-              <a:t>Homework</a:t>
-            </a:r>
-            <a:endParaRPr lang="en-US" dirty="0"/>
-          </a:p>
-        </p:txBody>
-      </p:sp>
-      <p:sp>
-        <p:nvSpPr>
-          <p:cNvPr id="3" name="Content Placeholder 2"/>
-          <p:cNvSpPr>
-            <a:spLocks noGrp="1"/>
-          </p:cNvSpPr>
+              <a:t>Project 6</a:t>
+            </a:r>
+            <a:endParaRPr lang="en-US" dirty="0"/>
+          </a:p>
+        </p:txBody>
+      </p:sp>
+      <p:pic>
+        <p:nvPicPr>
+          <p:cNvPr id="4" name="Content Placeholder 3" descr="Potentiometer.jpg"/>
+          <p:cNvPicPr>
+            <a:picLocks noGrp="1" noChangeAspect="1"/>
+          </p:cNvPicPr>
           <p:nvPr>
             <p:ph idx="1"/>
           </p:nvPr>
-        </p:nvSpPr>
-        <p:spPr/>
-        <p:txBody>
-          <a:bodyPr/>
-          <a:lstStyle/>
-          <a:p>
-            <a:r>
-              <a:rPr lang="en-US" dirty="0" smtClean="0"/>
-              <a:t>Generate SOS Morse Code message using LEDs (Hint : Project 1)</a:t>
-            </a:r>
-          </a:p>
-          <a:p>
-            <a:endParaRPr lang="en-US" dirty="0" smtClean="0"/>
-          </a:p>
-          <a:p>
-            <a:r>
-              <a:rPr lang="en-US" dirty="0" smtClean="0"/>
-              <a:t>Use LDR sensor to detect Sunrise and Sunset (Hint : Project 5)</a:t>
-            </a:r>
-          </a:p>
-          <a:p>
-            <a:endParaRPr lang="en-US" dirty="0"/>
-          </a:p>
-          <a:p>
-            <a:r>
-              <a:rPr lang="en-US" dirty="0" smtClean="0"/>
-              <a:t>Write a research report on PWM (Pulse Width Modulation)</a:t>
-            </a:r>
-          </a:p>
-        </p:txBody>
-      </p:sp>
+        </p:nvPicPr>
+        <p:blipFill>
+          <a:blip r:embed="rId2">
+            <a:extLst>
+              <a:ext uri="{28A0092B-C50C-407E-A947-70E740481C1C}">
+                <a14:useLocalDpi xmlns:a14="http://schemas.microsoft.com/office/drawing/2010/main" val="0"/>
+              </a:ext>
+            </a:extLst>
+          </a:blip>
+          <a:srcRect l="-40915" r="-40915"/>
+          <a:stretch>
+            <a:fillRect/>
+          </a:stretch>
+        </p:blipFill>
+        <p:spPr/>
+      </p:pic>
     </p:spTree>
     <p:extLst>
       <p:ext uri="{BB962C8B-B14F-4D97-AF65-F5344CB8AC3E}">
-        <p14:creationId xmlns:p14="http://schemas.microsoft.com/office/powerpoint/2010/main" val="1969716619"/>
+        <p14:creationId xmlns:p14="http://schemas.microsoft.com/office/powerpoint/2010/main" val="2865462024"/>
       </p:ext>
     </p:extLst>
   </p:cSld>
@@ -6602,6 +6767,483 @@
           <a:p>
             <a:r>
               <a:rPr lang="en-US" dirty="0" smtClean="0"/>
+              <a:t>Potentiometer Voltage output</a:t>
+            </a:r>
+            <a:endParaRPr lang="en-US" dirty="0"/>
+          </a:p>
+        </p:txBody>
+      </p:sp>
+      <p:pic>
+        <p:nvPicPr>
+          <p:cNvPr id="4" name="Content Placeholder 3" descr="The pot wiper and voltage.jpg"/>
+          <p:cNvPicPr>
+            <a:picLocks noGrp="1" noChangeAspect="1"/>
+          </p:cNvPicPr>
+          <p:nvPr>
+            <p:ph idx="1"/>
+          </p:nvPr>
+        </p:nvPicPr>
+        <p:blipFill>
+          <a:blip r:embed="rId2">
+            <a:extLst>
+              <a:ext uri="{28A0092B-C50C-407E-A947-70E740481C1C}">
+                <a14:useLocalDpi xmlns:a14="http://schemas.microsoft.com/office/drawing/2010/main" val="0"/>
+              </a:ext>
+            </a:extLst>
+          </a:blip>
+          <a:srcRect l="-108114" r="-108114"/>
+          <a:stretch>
+            <a:fillRect/>
+          </a:stretch>
+        </p:blipFill>
+        <p:spPr/>
+      </p:pic>
+    </p:spTree>
+    <p:extLst>
+      <p:ext uri="{BB962C8B-B14F-4D97-AF65-F5344CB8AC3E}">
+        <p14:creationId xmlns:p14="http://schemas.microsoft.com/office/powerpoint/2010/main" val="2347148493"/>
+      </p:ext>
+    </p:extLst>
+  </p:cSld>
+  <p:clrMapOvr>
+    <a:masterClrMapping/>
+  </p:clrMapOvr>
+</p:sld>
+</file>
+
+<file path=ppt/slides/slide38.xml><?xml version="1.0" encoding="utf-8"?>
+<p:sld xmlns:a="http://schemas.openxmlformats.org/drawingml/2006/main" xmlns:r="http://schemas.openxmlformats.org/officeDocument/2006/relationships" xmlns:p="http://schemas.openxmlformats.org/presentationml/2006/main">
+  <p:cSld>
+    <p:spTree>
+      <p:nvGrpSpPr>
+        <p:cNvPr id="1" name=""/>
+        <p:cNvGrpSpPr/>
+        <p:nvPr/>
+      </p:nvGrpSpPr>
+      <p:grpSpPr>
+        <a:xfrm>
+          <a:off x="0" y="0"/>
+          <a:ext cx="0" cy="0"/>
+          <a:chOff x="0" y="0"/>
+          <a:chExt cx="0" cy="0"/>
+        </a:xfrm>
+      </p:grpSpPr>
+      <p:sp>
+        <p:nvSpPr>
+          <p:cNvPr id="2" name="Title 1"/>
+          <p:cNvSpPr>
+            <a:spLocks noGrp="1"/>
+          </p:cNvSpPr>
+          <p:nvPr>
+            <p:ph type="title"/>
+          </p:nvPr>
+        </p:nvSpPr>
+        <p:spPr/>
+        <p:txBody>
+          <a:bodyPr/>
+          <a:lstStyle/>
+          <a:p>
+            <a:r>
+              <a:rPr lang="en-US" dirty="0" smtClean="0"/>
+              <a:t>Project 6</a:t>
+            </a:r>
+            <a:endParaRPr lang="en-US" dirty="0"/>
+          </a:p>
+        </p:txBody>
+      </p:sp>
+      <p:pic>
+        <p:nvPicPr>
+          <p:cNvPr id="4" name="Content Placeholder 3" descr="Project6.png"/>
+          <p:cNvPicPr>
+            <a:picLocks noGrp="1" noChangeAspect="1"/>
+          </p:cNvPicPr>
+          <p:nvPr>
+            <p:ph idx="1"/>
+          </p:nvPr>
+        </p:nvPicPr>
+        <p:blipFill>
+          <a:blip r:embed="rId2">
+            <a:extLst>
+              <a:ext uri="{28A0092B-C50C-407E-A947-70E740481C1C}">
+                <a14:useLocalDpi xmlns:a14="http://schemas.microsoft.com/office/drawing/2010/main" val="0"/>
+              </a:ext>
+            </a:extLst>
+          </a:blip>
+          <a:srcRect l="-13297" r="-13297"/>
+          <a:stretch>
+            <a:fillRect/>
+          </a:stretch>
+        </p:blipFill>
+        <p:spPr/>
+      </p:pic>
+    </p:spTree>
+    <p:extLst>
+      <p:ext uri="{BB962C8B-B14F-4D97-AF65-F5344CB8AC3E}">
+        <p14:creationId xmlns:p14="http://schemas.microsoft.com/office/powerpoint/2010/main" val="1889976186"/>
+      </p:ext>
+    </p:extLst>
+  </p:cSld>
+  <p:clrMapOvr>
+    <a:masterClrMapping/>
+  </p:clrMapOvr>
+</p:sld>
+</file>
+
+<file path=ppt/slides/slide39.xml><?xml version="1.0" encoding="utf-8"?>
+<p:sld xmlns:a="http://schemas.openxmlformats.org/drawingml/2006/main" xmlns:r="http://schemas.openxmlformats.org/officeDocument/2006/relationships" xmlns:p="http://schemas.openxmlformats.org/presentationml/2006/main">
+  <p:cSld>
+    <p:spTree>
+      <p:nvGrpSpPr>
+        <p:cNvPr id="1" name=""/>
+        <p:cNvGrpSpPr/>
+        <p:nvPr/>
+      </p:nvGrpSpPr>
+      <p:grpSpPr>
+        <a:xfrm>
+          <a:off x="0" y="0"/>
+          <a:ext cx="0" cy="0"/>
+          <a:chOff x="0" y="0"/>
+          <a:chExt cx="0" cy="0"/>
+        </a:xfrm>
+      </p:grpSpPr>
+      <p:sp>
+        <p:nvSpPr>
+          <p:cNvPr id="2" name="Title 1"/>
+          <p:cNvSpPr>
+            <a:spLocks noGrp="1"/>
+          </p:cNvSpPr>
+          <p:nvPr>
+            <p:ph type="title"/>
+          </p:nvPr>
+        </p:nvSpPr>
+        <p:spPr/>
+        <p:txBody>
+          <a:bodyPr/>
+          <a:lstStyle/>
+          <a:p>
+            <a:r>
+              <a:rPr lang="en-US" dirty="0" smtClean="0"/>
+              <a:t>Project 6 Sketch</a:t>
+            </a:r>
+            <a:endParaRPr lang="en-US" dirty="0"/>
+          </a:p>
+        </p:txBody>
+      </p:sp>
+      <p:sp>
+        <p:nvSpPr>
+          <p:cNvPr id="3" name="Content Placeholder 2"/>
+          <p:cNvSpPr>
+            <a:spLocks noGrp="1"/>
+          </p:cNvSpPr>
+          <p:nvPr>
+            <p:ph idx="1"/>
+          </p:nvPr>
+        </p:nvSpPr>
+        <p:spPr/>
+        <p:txBody>
+          <a:bodyPr/>
+          <a:lstStyle/>
+          <a:p>
+            <a:endParaRPr lang="en-US" dirty="0" smtClean="0">
+              <a:cs typeface="American Typewriter"/>
+            </a:endParaRPr>
+          </a:p>
+          <a:p>
+            <a:endParaRPr lang="en-US" dirty="0">
+              <a:cs typeface="American Typewriter"/>
+            </a:endParaRPr>
+          </a:p>
+          <a:p>
+            <a:endParaRPr lang="en-US" dirty="0" smtClean="0">
+              <a:cs typeface="American Typewriter"/>
+            </a:endParaRPr>
+          </a:p>
+          <a:p>
+            <a:pPr algn="ctr"/>
+            <a:r>
+              <a:rPr lang="en-US" dirty="0" smtClean="0">
+                <a:cs typeface="American Typewriter"/>
+              </a:rPr>
+              <a:t>Download </a:t>
+            </a:r>
+            <a:r>
+              <a:rPr lang="en-US" dirty="0">
+                <a:cs typeface="American Typewriter"/>
+              </a:rPr>
+              <a:t>Project </a:t>
+            </a:r>
+            <a:r>
+              <a:rPr lang="en-US" dirty="0" smtClean="0">
+                <a:cs typeface="American Typewriter"/>
+              </a:rPr>
+              <a:t>6 </a:t>
+            </a:r>
+            <a:r>
+              <a:rPr lang="en-US" dirty="0">
+                <a:cs typeface="American Typewriter"/>
+              </a:rPr>
+              <a:t>sketch from </a:t>
+            </a:r>
+            <a:r>
+              <a:rPr lang="en-US" dirty="0" err="1">
+                <a:cs typeface="American Typewriter"/>
+              </a:rPr>
+              <a:t>Github</a:t>
+            </a:r>
+            <a:endParaRPr lang="en-US" dirty="0"/>
+          </a:p>
+        </p:txBody>
+      </p:sp>
+    </p:spTree>
+    <p:extLst>
+      <p:ext uri="{BB962C8B-B14F-4D97-AF65-F5344CB8AC3E}">
+        <p14:creationId xmlns:p14="http://schemas.microsoft.com/office/powerpoint/2010/main" val="1320387273"/>
+      </p:ext>
+    </p:extLst>
+  </p:cSld>
+  <p:clrMapOvr>
+    <a:masterClrMapping/>
+  </p:clrMapOvr>
+</p:sld>
+</file>
+
+<file path=ppt/slides/slide4.xml><?xml version="1.0" encoding="utf-8"?>
+<p:sld xmlns:a="http://schemas.openxmlformats.org/drawingml/2006/main" xmlns:r="http://schemas.openxmlformats.org/officeDocument/2006/relationships" xmlns:p="http://schemas.openxmlformats.org/presentationml/2006/main">
+  <p:cSld>
+    <p:spTree>
+      <p:nvGrpSpPr>
+        <p:cNvPr id="1" name=""/>
+        <p:cNvGrpSpPr/>
+        <p:nvPr/>
+      </p:nvGrpSpPr>
+      <p:grpSpPr>
+        <a:xfrm>
+          <a:off x="0" y="0"/>
+          <a:ext cx="0" cy="0"/>
+          <a:chOff x="0" y="0"/>
+          <a:chExt cx="0" cy="0"/>
+        </a:xfrm>
+      </p:grpSpPr>
+      <p:sp>
+        <p:nvSpPr>
+          <p:cNvPr id="2" name="Title 1"/>
+          <p:cNvSpPr>
+            <a:spLocks noGrp="1"/>
+          </p:cNvSpPr>
+          <p:nvPr>
+            <p:ph type="title"/>
+          </p:nvPr>
+        </p:nvSpPr>
+        <p:spPr/>
+        <p:txBody>
+          <a:bodyPr>
+            <a:normAutofit/>
+          </a:bodyPr>
+          <a:lstStyle/>
+          <a:p>
+            <a:r>
+              <a:rPr lang="en-US" dirty="0" smtClean="0"/>
+              <a:t>Quick Review of Concepts</a:t>
+            </a:r>
+            <a:endParaRPr lang="en-US" dirty="0"/>
+          </a:p>
+        </p:txBody>
+      </p:sp>
+      <p:sp>
+        <p:nvSpPr>
+          <p:cNvPr id="3" name="Content Placeholder 2"/>
+          <p:cNvSpPr>
+            <a:spLocks noGrp="1"/>
+          </p:cNvSpPr>
+          <p:nvPr>
+            <p:ph idx="1"/>
+          </p:nvPr>
+        </p:nvSpPr>
+        <p:spPr/>
+        <p:txBody>
+          <a:bodyPr/>
+          <a:lstStyle/>
+          <a:p>
+            <a:r>
+              <a:rPr lang="en-US" dirty="0" smtClean="0"/>
+              <a:t>Electricity flows from Negative to Positive (If you heard otherwise, blame Ben Franklin).</a:t>
+            </a:r>
+          </a:p>
+          <a:p>
+            <a:endParaRPr lang="en-US" dirty="0" smtClean="0"/>
+          </a:p>
+          <a:p>
+            <a:r>
+              <a:rPr lang="en-US" dirty="0" err="1" smtClean="0"/>
+              <a:t>Arduino</a:t>
+            </a:r>
+            <a:r>
+              <a:rPr lang="en-US" dirty="0" smtClean="0"/>
+              <a:t> deals with Direct Current or DC.</a:t>
+            </a:r>
+          </a:p>
+          <a:p>
+            <a:endParaRPr lang="en-US" dirty="0" smtClean="0"/>
+          </a:p>
+          <a:p>
+            <a:r>
+              <a:rPr lang="en-US" dirty="0" smtClean="0"/>
+              <a:t>Maximum voltage in </a:t>
+            </a:r>
+            <a:r>
+              <a:rPr lang="en-US" dirty="0" err="1" smtClean="0"/>
+              <a:t>Arduino</a:t>
+            </a:r>
+            <a:r>
+              <a:rPr lang="en-US" dirty="0" smtClean="0"/>
+              <a:t> circuits is less than 5 Volts. </a:t>
+            </a:r>
+          </a:p>
+          <a:p>
+            <a:endParaRPr lang="en-US" dirty="0"/>
+          </a:p>
+        </p:txBody>
+      </p:sp>
+    </p:spTree>
+    <p:extLst>
+      <p:ext uri="{BB962C8B-B14F-4D97-AF65-F5344CB8AC3E}">
+        <p14:creationId xmlns:p14="http://schemas.microsoft.com/office/powerpoint/2010/main" val="3437570777"/>
+      </p:ext>
+    </p:extLst>
+  </p:cSld>
+  <p:clrMapOvr>
+    <a:masterClrMapping/>
+  </p:clrMapOvr>
+</p:sld>
+</file>
+
+<file path=ppt/slides/slide40.xml><?xml version="1.0" encoding="utf-8"?>
+<p:sld xmlns:a="http://schemas.openxmlformats.org/drawingml/2006/main" xmlns:r="http://schemas.openxmlformats.org/officeDocument/2006/relationships" xmlns:p="http://schemas.openxmlformats.org/presentationml/2006/main">
+  <p:cSld>
+    <p:spTree>
+      <p:nvGrpSpPr>
+        <p:cNvPr id="1" name=""/>
+        <p:cNvGrpSpPr/>
+        <p:nvPr/>
+      </p:nvGrpSpPr>
+      <p:grpSpPr>
+        <a:xfrm>
+          <a:off x="0" y="0"/>
+          <a:ext cx="0" cy="0"/>
+          <a:chOff x="0" y="0"/>
+          <a:chExt cx="0" cy="0"/>
+        </a:xfrm>
+      </p:grpSpPr>
+      <p:sp>
+        <p:nvSpPr>
+          <p:cNvPr id="2" name="Title 1"/>
+          <p:cNvSpPr>
+            <a:spLocks noGrp="1"/>
+          </p:cNvSpPr>
+          <p:nvPr>
+            <p:ph type="title"/>
+          </p:nvPr>
+        </p:nvSpPr>
+        <p:spPr/>
+        <p:txBody>
+          <a:bodyPr/>
+          <a:lstStyle/>
+          <a:p>
+            <a:r>
+              <a:rPr lang="en-US" dirty="0" smtClean="0"/>
+              <a:t>Homework</a:t>
+            </a:r>
+            <a:endParaRPr lang="en-US" dirty="0"/>
+          </a:p>
+        </p:txBody>
+      </p:sp>
+      <p:sp>
+        <p:nvSpPr>
+          <p:cNvPr id="3" name="Content Placeholder 2"/>
+          <p:cNvSpPr>
+            <a:spLocks noGrp="1"/>
+          </p:cNvSpPr>
+          <p:nvPr>
+            <p:ph idx="1"/>
+          </p:nvPr>
+        </p:nvSpPr>
+        <p:spPr/>
+        <p:txBody>
+          <a:bodyPr/>
+          <a:lstStyle/>
+          <a:p>
+            <a:r>
+              <a:rPr lang="en-US" dirty="0" smtClean="0"/>
+              <a:t>Generate SOS Morse Code message using LEDs (Hint : Project 1)</a:t>
+            </a:r>
+          </a:p>
+          <a:p>
+            <a:endParaRPr lang="en-US" dirty="0" smtClean="0"/>
+          </a:p>
+          <a:p>
+            <a:r>
+              <a:rPr lang="en-US" dirty="0" smtClean="0"/>
+              <a:t>Use LDR sensor to detect Sunrise and Sunset (Hint : Project 5)</a:t>
+            </a:r>
+          </a:p>
+          <a:p>
+            <a:endParaRPr lang="en-US" dirty="0"/>
+          </a:p>
+          <a:p>
+            <a:r>
+              <a:rPr lang="en-US" dirty="0" smtClean="0"/>
+              <a:t>Write a research report on PWM (Pulse Width Modulation)</a:t>
+            </a:r>
+          </a:p>
+        </p:txBody>
+      </p:sp>
+    </p:spTree>
+    <p:extLst>
+      <p:ext uri="{BB962C8B-B14F-4D97-AF65-F5344CB8AC3E}">
+        <p14:creationId xmlns:p14="http://schemas.microsoft.com/office/powerpoint/2010/main" val="1969716619"/>
+      </p:ext>
+    </p:extLst>
+  </p:cSld>
+  <p:clrMapOvr>
+    <a:masterClrMapping/>
+  </p:clrMapOvr>
+</p:sld>
+</file>
+
+<file path=ppt/slides/slide41.xml><?xml version="1.0" encoding="utf-8"?>
+<p:sld xmlns:a="http://schemas.openxmlformats.org/drawingml/2006/main" xmlns:r="http://schemas.openxmlformats.org/officeDocument/2006/relationships" xmlns:p="http://schemas.openxmlformats.org/presentationml/2006/main">
+  <p:cSld>
+    <p:spTree>
+      <p:nvGrpSpPr>
+        <p:cNvPr id="1" name=""/>
+        <p:cNvGrpSpPr/>
+        <p:nvPr/>
+      </p:nvGrpSpPr>
+      <p:grpSpPr>
+        <a:xfrm>
+          <a:off x="0" y="0"/>
+          <a:ext cx="0" cy="0"/>
+          <a:chOff x="0" y="0"/>
+          <a:chExt cx="0" cy="0"/>
+        </a:xfrm>
+      </p:grpSpPr>
+      <p:sp>
+        <p:nvSpPr>
+          <p:cNvPr id="2" name="Title 1"/>
+          <p:cNvSpPr>
+            <a:spLocks noGrp="1"/>
+          </p:cNvSpPr>
+          <p:nvPr>
+            <p:ph type="title"/>
+          </p:nvPr>
+        </p:nvSpPr>
+        <p:spPr/>
+        <p:txBody>
+          <a:bodyPr/>
+          <a:lstStyle/>
+          <a:p>
+            <a:r>
+              <a:rPr lang="en-US" dirty="0" smtClean="0"/>
               <a:t>Resources</a:t>
             </a:r>
             <a:endParaRPr lang="en-US" dirty="0"/>
@@ -6742,7 +7384,311 @@
 </p:sld>
 </file>
 
-<file path=ppt/slides/slide4.xml><?xml version="1.0" encoding="utf-8"?>
+<file path=ppt/slides/slide5.xml><?xml version="1.0" encoding="utf-8"?>
+<p:sld xmlns:a="http://schemas.openxmlformats.org/drawingml/2006/main" xmlns:r="http://schemas.openxmlformats.org/officeDocument/2006/relationships" xmlns:p="http://schemas.openxmlformats.org/presentationml/2006/main">
+  <p:cSld>
+    <p:spTree>
+      <p:nvGrpSpPr>
+        <p:cNvPr id="1" name=""/>
+        <p:cNvGrpSpPr/>
+        <p:nvPr/>
+      </p:nvGrpSpPr>
+      <p:grpSpPr>
+        <a:xfrm>
+          <a:off x="0" y="0"/>
+          <a:ext cx="0" cy="0"/>
+          <a:chOff x="0" y="0"/>
+          <a:chExt cx="0" cy="0"/>
+        </a:xfrm>
+      </p:grpSpPr>
+      <p:sp>
+        <p:nvSpPr>
+          <p:cNvPr id="2" name="Title 1"/>
+          <p:cNvSpPr>
+            <a:spLocks noGrp="1"/>
+          </p:cNvSpPr>
+          <p:nvPr>
+            <p:ph type="title"/>
+          </p:nvPr>
+        </p:nvSpPr>
+        <p:spPr/>
+        <p:txBody>
+          <a:bodyPr/>
+          <a:lstStyle/>
+          <a:p>
+            <a:r>
+              <a:rPr lang="en-US" dirty="0" smtClean="0"/>
+              <a:t>Quick Review of Concepts</a:t>
+            </a:r>
+            <a:endParaRPr lang="en-US" dirty="0"/>
+          </a:p>
+        </p:txBody>
+      </p:sp>
+      <p:sp>
+        <p:nvSpPr>
+          <p:cNvPr id="3" name="Content Placeholder 2"/>
+          <p:cNvSpPr>
+            <a:spLocks noGrp="1"/>
+          </p:cNvSpPr>
+          <p:nvPr>
+            <p:ph idx="1"/>
+          </p:nvPr>
+        </p:nvSpPr>
+        <p:spPr/>
+        <p:txBody>
+          <a:bodyPr/>
+          <a:lstStyle/>
+          <a:p>
+            <a:r>
+              <a:rPr lang="en-US" dirty="0" smtClean="0"/>
+              <a:t>Resistor “resists” the flow of electric current.</a:t>
+            </a:r>
+          </a:p>
+          <a:p>
+            <a:endParaRPr lang="en-US" dirty="0"/>
+          </a:p>
+          <a:p>
+            <a:r>
+              <a:rPr lang="en-US" dirty="0" smtClean="0"/>
+              <a:t>LED is Light Emitting Diode.</a:t>
+            </a:r>
+          </a:p>
+          <a:p>
+            <a:endParaRPr lang="en-US" dirty="0"/>
+          </a:p>
+          <a:p>
+            <a:r>
+              <a:rPr lang="en-US" dirty="0" smtClean="0"/>
+              <a:t>LED’s +</a:t>
+            </a:r>
+            <a:r>
+              <a:rPr lang="en-US" dirty="0" err="1" smtClean="0"/>
+              <a:t>ve</a:t>
+            </a:r>
+            <a:r>
+              <a:rPr lang="en-US" dirty="0" smtClean="0"/>
+              <a:t> terminal is called Anode and its negative terminal is called Cathode. Electricity flows from Cathode to Anode.</a:t>
+            </a:r>
+          </a:p>
+          <a:p>
+            <a:endParaRPr lang="en-US" dirty="0"/>
+          </a:p>
+          <a:p>
+            <a:endParaRPr lang="en-US" dirty="0"/>
+          </a:p>
+        </p:txBody>
+      </p:sp>
+    </p:spTree>
+    <p:extLst>
+      <p:ext uri="{BB962C8B-B14F-4D97-AF65-F5344CB8AC3E}">
+        <p14:creationId xmlns:p14="http://schemas.microsoft.com/office/powerpoint/2010/main" val="495453319"/>
+      </p:ext>
+    </p:extLst>
+  </p:cSld>
+  <p:clrMapOvr>
+    <a:masterClrMapping/>
+  </p:clrMapOvr>
+</p:sld>
+</file>
+
+<file path=ppt/slides/slide6.xml><?xml version="1.0" encoding="utf-8"?>
+<p:sld xmlns:a="http://schemas.openxmlformats.org/drawingml/2006/main" xmlns:r="http://schemas.openxmlformats.org/officeDocument/2006/relationships" xmlns:p="http://schemas.openxmlformats.org/presentationml/2006/main">
+  <p:cSld>
+    <p:spTree>
+      <p:nvGrpSpPr>
+        <p:cNvPr id="1" name=""/>
+        <p:cNvGrpSpPr/>
+        <p:nvPr/>
+      </p:nvGrpSpPr>
+      <p:grpSpPr>
+        <a:xfrm>
+          <a:off x="0" y="0"/>
+          <a:ext cx="0" cy="0"/>
+          <a:chOff x="0" y="0"/>
+          <a:chExt cx="0" cy="0"/>
+        </a:xfrm>
+      </p:grpSpPr>
+      <p:sp>
+        <p:nvSpPr>
+          <p:cNvPr id="2" name="Title 1"/>
+          <p:cNvSpPr>
+            <a:spLocks noGrp="1"/>
+          </p:cNvSpPr>
+          <p:nvPr>
+            <p:ph type="title"/>
+          </p:nvPr>
+        </p:nvSpPr>
+        <p:spPr/>
+        <p:txBody>
+          <a:bodyPr/>
+          <a:lstStyle/>
+          <a:p>
+            <a:r>
+              <a:rPr lang="en-US" dirty="0"/>
+              <a:t>Quick Review of Concepts</a:t>
+            </a:r>
+          </a:p>
+        </p:txBody>
+      </p:sp>
+      <p:sp>
+        <p:nvSpPr>
+          <p:cNvPr id="3" name="Content Placeholder 2"/>
+          <p:cNvSpPr>
+            <a:spLocks noGrp="1"/>
+          </p:cNvSpPr>
+          <p:nvPr>
+            <p:ph idx="1"/>
+          </p:nvPr>
+        </p:nvSpPr>
+        <p:spPr/>
+        <p:txBody>
+          <a:bodyPr/>
+          <a:lstStyle/>
+          <a:p>
+            <a:endParaRPr lang="en-US" dirty="0" smtClean="0"/>
+          </a:p>
+          <a:p>
+            <a:r>
+              <a:rPr lang="en-US" dirty="0" smtClean="0"/>
+              <a:t>Analog signal in electronics is based on voltage – varying amounts of it.</a:t>
+            </a:r>
+          </a:p>
+          <a:p>
+            <a:endParaRPr lang="en-US" dirty="0"/>
+          </a:p>
+          <a:p>
+            <a:r>
+              <a:rPr lang="en-US" dirty="0" smtClean="0"/>
+              <a:t>Digital signal in electronics is either 0 or 1.  In </a:t>
+            </a:r>
+            <a:r>
+              <a:rPr lang="en-US" dirty="0" err="1" smtClean="0"/>
+              <a:t>Arduino</a:t>
+            </a:r>
+            <a:r>
+              <a:rPr lang="en-US" dirty="0" smtClean="0"/>
+              <a:t> this is represented as +5V for 1 and 0V for 0. Presence or Absence </a:t>
+            </a:r>
+            <a:r>
+              <a:rPr lang="en-US" smtClean="0"/>
+              <a:t>of voltage.</a:t>
+            </a:r>
+            <a:endParaRPr lang="en-US" dirty="0"/>
+          </a:p>
+        </p:txBody>
+      </p:sp>
+    </p:spTree>
+    <p:extLst>
+      <p:ext uri="{BB962C8B-B14F-4D97-AF65-F5344CB8AC3E}">
+        <p14:creationId xmlns:p14="http://schemas.microsoft.com/office/powerpoint/2010/main" val="3005250496"/>
+      </p:ext>
+    </p:extLst>
+  </p:cSld>
+  <p:clrMapOvr>
+    <a:masterClrMapping/>
+  </p:clrMapOvr>
+</p:sld>
+</file>
+
+<file path=ppt/slides/slide7.xml><?xml version="1.0" encoding="utf-8"?>
+<p:sld xmlns:a="http://schemas.openxmlformats.org/drawingml/2006/main" xmlns:r="http://schemas.openxmlformats.org/officeDocument/2006/relationships" xmlns:p="http://schemas.openxmlformats.org/presentationml/2006/main">
+  <p:cSld>
+    <p:spTree>
+      <p:nvGrpSpPr>
+        <p:cNvPr id="1" name=""/>
+        <p:cNvGrpSpPr/>
+        <p:nvPr/>
+      </p:nvGrpSpPr>
+      <p:grpSpPr>
+        <a:xfrm>
+          <a:off x="0" y="0"/>
+          <a:ext cx="0" cy="0"/>
+          <a:chOff x="0" y="0"/>
+          <a:chExt cx="0" cy="0"/>
+        </a:xfrm>
+      </p:grpSpPr>
+      <p:sp>
+        <p:nvSpPr>
+          <p:cNvPr id="2" name="Title 1"/>
+          <p:cNvSpPr>
+            <a:spLocks noGrp="1"/>
+          </p:cNvSpPr>
+          <p:nvPr>
+            <p:ph type="title"/>
+          </p:nvPr>
+        </p:nvSpPr>
+        <p:spPr/>
+        <p:txBody>
+          <a:bodyPr/>
+          <a:lstStyle/>
+          <a:p>
+            <a:r>
+              <a:rPr lang="en-US" dirty="0" smtClean="0"/>
+              <a:t>Safety Tips</a:t>
+            </a:r>
+            <a:endParaRPr lang="en-US" dirty="0"/>
+          </a:p>
+        </p:txBody>
+      </p:sp>
+      <p:sp>
+        <p:nvSpPr>
+          <p:cNvPr id="3" name="Content Placeholder 2"/>
+          <p:cNvSpPr>
+            <a:spLocks noGrp="1"/>
+          </p:cNvSpPr>
+          <p:nvPr>
+            <p:ph idx="1"/>
+          </p:nvPr>
+        </p:nvSpPr>
+        <p:spPr/>
+        <p:txBody>
+          <a:bodyPr/>
+          <a:lstStyle/>
+          <a:p>
+            <a:r>
+              <a:rPr lang="en-US" dirty="0" smtClean="0"/>
+              <a:t>Be very careful when connecting and LED or it can blow or burn out.</a:t>
+            </a:r>
+          </a:p>
+          <a:p>
+            <a:endParaRPr lang="en-US" dirty="0"/>
+          </a:p>
+          <a:p>
+            <a:r>
+              <a:rPr lang="en-US" dirty="0" smtClean="0"/>
+              <a:t>Always work with USB cable disconnected. </a:t>
+            </a:r>
+          </a:p>
+          <a:p>
+            <a:endParaRPr lang="en-US" dirty="0"/>
+          </a:p>
+          <a:p>
+            <a:r>
+              <a:rPr lang="en-US" dirty="0" smtClean="0"/>
+              <a:t>Make sure to validate the circuit with parent or instructor before connecting </a:t>
+            </a:r>
+            <a:r>
+              <a:rPr lang="en-US" smtClean="0"/>
+              <a:t>USB cable.</a:t>
+            </a:r>
+            <a:endParaRPr lang="en-US" dirty="0"/>
+          </a:p>
+        </p:txBody>
+      </p:sp>
+    </p:spTree>
+    <p:extLst>
+      <p:ext uri="{BB962C8B-B14F-4D97-AF65-F5344CB8AC3E}">
+        <p14:creationId xmlns:p14="http://schemas.microsoft.com/office/powerpoint/2010/main" val="40675664"/>
+      </p:ext>
+    </p:extLst>
+  </p:cSld>
+  <p:clrMapOvr>
+    <a:masterClrMapping/>
+  </p:clrMapOvr>
+</p:sld>
+</file>
+
+<file path=ppt/slides/slide8.xml><?xml version="1.0" encoding="utf-8"?>
 <p:sld xmlns:a="http://schemas.openxmlformats.org/drawingml/2006/main" xmlns:r="http://schemas.openxmlformats.org/officeDocument/2006/relationships" xmlns:p="http://schemas.openxmlformats.org/presentationml/2006/main">
   <p:cSld>
     <p:spTree>
@@ -6886,552 +7832,6 @@
 </p:sld>
 </file>
 
-<file path=ppt/slides/slide5.xml><?xml version="1.0" encoding="utf-8"?>
-<p:sld xmlns:a="http://schemas.openxmlformats.org/drawingml/2006/main" xmlns:r="http://schemas.openxmlformats.org/officeDocument/2006/relationships" xmlns:p="http://schemas.openxmlformats.org/presentationml/2006/main">
-  <p:cSld>
-    <p:spTree>
-      <p:nvGrpSpPr>
-        <p:cNvPr id="1" name=""/>
-        <p:cNvGrpSpPr/>
-        <p:nvPr/>
-      </p:nvGrpSpPr>
-      <p:grpSpPr>
-        <a:xfrm>
-          <a:off x="0" y="0"/>
-          <a:ext cx="0" cy="0"/>
-          <a:chOff x="0" y="0"/>
-          <a:chExt cx="0" cy="0"/>
-        </a:xfrm>
-      </p:grpSpPr>
-      <p:sp>
-        <p:nvSpPr>
-          <p:cNvPr id="2" name="Title 1"/>
-          <p:cNvSpPr>
-            <a:spLocks noGrp="1"/>
-          </p:cNvSpPr>
-          <p:nvPr>
-            <p:ph type="title"/>
-          </p:nvPr>
-        </p:nvSpPr>
-        <p:spPr/>
-        <p:txBody>
-          <a:bodyPr/>
-          <a:lstStyle/>
-          <a:p>
-            <a:r>
-              <a:rPr lang="en-US" dirty="0" smtClean="0"/>
-              <a:t>Applications of </a:t>
-            </a:r>
-            <a:r>
-              <a:rPr lang="en-US" dirty="0" err="1" smtClean="0"/>
-              <a:t>Arduino</a:t>
-            </a:r>
-            <a:endParaRPr lang="en-US" dirty="0"/>
-          </a:p>
-        </p:txBody>
-      </p:sp>
-      <p:sp>
-        <p:nvSpPr>
-          <p:cNvPr id="3" name="Content Placeholder 2"/>
-          <p:cNvSpPr>
-            <a:spLocks noGrp="1"/>
-          </p:cNvSpPr>
-          <p:nvPr>
-            <p:ph idx="1"/>
-          </p:nvPr>
-        </p:nvSpPr>
-        <p:spPr/>
-        <p:txBody>
-          <a:bodyPr>
-            <a:normAutofit lnSpcReduction="10000"/>
-          </a:bodyPr>
-          <a:lstStyle/>
-          <a:p>
-            <a:r>
-              <a:rPr lang="en-US" dirty="0">
-                <a:hlinkClick r:id="rId2"/>
-              </a:rPr>
-              <a:t>http://blog.arduino.cc/2013/08/12/ardusat-successfully-launched-in-space</a:t>
-            </a:r>
-            <a:r>
-              <a:rPr lang="en-US" dirty="0" smtClean="0">
-                <a:hlinkClick r:id="rId2"/>
-              </a:rPr>
-              <a:t>/</a:t>
-            </a:r>
-            <a:endParaRPr lang="en-US" dirty="0" smtClean="0"/>
-          </a:p>
-          <a:p>
-            <a:endParaRPr lang="en-US" dirty="0" smtClean="0"/>
-          </a:p>
-          <a:p>
-            <a:r>
-              <a:rPr lang="en-US" dirty="0">
-                <a:hlinkClick r:id="rId3"/>
-              </a:rPr>
-              <a:t>http://blog.arduino.cc/2014/06/23/monitoring-glaciers-at-the-venice-14th-international-architecture-exhibition</a:t>
-            </a:r>
-            <a:r>
-              <a:rPr lang="en-US" dirty="0" smtClean="0">
-                <a:hlinkClick r:id="rId3"/>
-              </a:rPr>
-              <a:t>/</a:t>
-            </a:r>
-            <a:endParaRPr lang="en-US" dirty="0" smtClean="0"/>
-          </a:p>
-          <a:p>
-            <a:endParaRPr lang="en-US" dirty="0" smtClean="0"/>
-          </a:p>
-          <a:p>
-            <a:r>
-              <a:rPr lang="en-US" dirty="0"/>
-              <a:t>http://</a:t>
-            </a:r>
-            <a:r>
-              <a:rPr lang="en-US" dirty="0" err="1"/>
-              <a:t>makezine.com</a:t>
-            </a:r>
-            <a:r>
-              <a:rPr lang="en-US" dirty="0"/>
-              <a:t>/2011/02/10/why-the-</a:t>
-            </a:r>
-            <a:r>
-              <a:rPr lang="en-US" dirty="0" err="1"/>
-              <a:t>arduino</a:t>
-            </a:r>
-            <a:r>
-              <a:rPr lang="en-US" dirty="0"/>
-              <a:t>-won-and-why-its-here-to-stay/</a:t>
-            </a:r>
-          </a:p>
-        </p:txBody>
-      </p:sp>
-    </p:spTree>
-    <p:extLst>
-      <p:ext uri="{BB962C8B-B14F-4D97-AF65-F5344CB8AC3E}">
-        <p14:creationId xmlns:p14="http://schemas.microsoft.com/office/powerpoint/2010/main" val="316326777"/>
-      </p:ext>
-    </p:extLst>
-  </p:cSld>
-  <p:clrMapOvr>
-    <a:masterClrMapping/>
-  </p:clrMapOvr>
-</p:sld>
-</file>
-
-<file path=ppt/slides/slide6.xml><?xml version="1.0" encoding="utf-8"?>
-<p:sld xmlns:a="http://schemas.openxmlformats.org/drawingml/2006/main" xmlns:r="http://schemas.openxmlformats.org/officeDocument/2006/relationships" xmlns:p="http://schemas.openxmlformats.org/presentationml/2006/main">
-  <p:cSld>
-    <p:spTree>
-      <p:nvGrpSpPr>
-        <p:cNvPr id="1" name=""/>
-        <p:cNvGrpSpPr/>
-        <p:nvPr/>
-      </p:nvGrpSpPr>
-      <p:grpSpPr>
-        <a:xfrm>
-          <a:off x="0" y="0"/>
-          <a:ext cx="0" cy="0"/>
-          <a:chOff x="0" y="0"/>
-          <a:chExt cx="0" cy="0"/>
-        </a:xfrm>
-      </p:grpSpPr>
-      <p:sp>
-        <p:nvSpPr>
-          <p:cNvPr id="2" name="Title 1"/>
-          <p:cNvSpPr>
-            <a:spLocks noGrp="1"/>
-          </p:cNvSpPr>
-          <p:nvPr>
-            <p:ph type="title"/>
-          </p:nvPr>
-        </p:nvSpPr>
-        <p:spPr/>
-        <p:txBody>
-          <a:bodyPr/>
-          <a:lstStyle/>
-          <a:p>
-            <a:r>
-              <a:rPr lang="en-US" dirty="0" smtClean="0"/>
-              <a:t>What are we going to learn?</a:t>
-            </a:r>
-            <a:endParaRPr lang="en-US" dirty="0"/>
-          </a:p>
-        </p:txBody>
-      </p:sp>
-      <p:sp>
-        <p:nvSpPr>
-          <p:cNvPr id="3" name="Content Placeholder 2"/>
-          <p:cNvSpPr>
-            <a:spLocks noGrp="1"/>
-          </p:cNvSpPr>
-          <p:nvPr>
-            <p:ph idx="1"/>
-          </p:nvPr>
-        </p:nvSpPr>
-        <p:spPr/>
-        <p:txBody>
-          <a:bodyPr/>
-          <a:lstStyle/>
-          <a:p>
-            <a:endParaRPr lang="en-US" dirty="0" smtClean="0"/>
-          </a:p>
-          <a:p>
-            <a:r>
-              <a:rPr lang="en-US" dirty="0" smtClean="0"/>
-              <a:t>Making circuits with </a:t>
-            </a:r>
-            <a:r>
-              <a:rPr lang="en-US" dirty="0" err="1" smtClean="0"/>
-              <a:t>Arduino</a:t>
-            </a:r>
-            <a:r>
-              <a:rPr lang="en-US" dirty="0" smtClean="0"/>
-              <a:t>.</a:t>
-            </a:r>
-          </a:p>
-          <a:p>
-            <a:endParaRPr lang="en-US" dirty="0" smtClean="0"/>
-          </a:p>
-          <a:p>
-            <a:r>
-              <a:rPr lang="en-US" dirty="0" smtClean="0"/>
-              <a:t>Drawing circuit diagrams using </a:t>
-            </a:r>
-            <a:r>
-              <a:rPr lang="en-US" dirty="0" err="1" smtClean="0"/>
-              <a:t>Fritzing</a:t>
-            </a:r>
-            <a:r>
-              <a:rPr lang="en-US" dirty="0" smtClean="0"/>
-              <a:t>.</a:t>
-            </a:r>
-          </a:p>
-          <a:p>
-            <a:endParaRPr lang="en-US" dirty="0"/>
-          </a:p>
-          <a:p>
-            <a:r>
-              <a:rPr lang="en-US" dirty="0" smtClean="0"/>
-              <a:t>Uploading sketches using </a:t>
-            </a:r>
-            <a:r>
-              <a:rPr lang="en-US" dirty="0" err="1" smtClean="0"/>
-              <a:t>Arduino</a:t>
-            </a:r>
-            <a:r>
-              <a:rPr lang="en-US" dirty="0" smtClean="0"/>
-              <a:t> IDE.</a:t>
-            </a:r>
-          </a:p>
-          <a:p>
-            <a:endParaRPr lang="en-US" dirty="0"/>
-          </a:p>
-          <a:p>
-            <a:endParaRPr lang="en-US" dirty="0" smtClean="0"/>
-          </a:p>
-          <a:p>
-            <a:endParaRPr lang="en-US" dirty="0"/>
-          </a:p>
-          <a:p>
-            <a:endParaRPr lang="en-US" dirty="0"/>
-          </a:p>
-        </p:txBody>
-      </p:sp>
-    </p:spTree>
-    <p:extLst>
-      <p:ext uri="{BB962C8B-B14F-4D97-AF65-F5344CB8AC3E}">
-        <p14:creationId xmlns:p14="http://schemas.microsoft.com/office/powerpoint/2010/main" val="2984637808"/>
-      </p:ext>
-    </p:extLst>
-  </p:cSld>
-  <p:clrMapOvr>
-    <a:masterClrMapping/>
-  </p:clrMapOvr>
-</p:sld>
-</file>
-
-<file path=ppt/slides/slide7.xml><?xml version="1.0" encoding="utf-8"?>
-<p:sld xmlns:a="http://schemas.openxmlformats.org/drawingml/2006/main" xmlns:r="http://schemas.openxmlformats.org/officeDocument/2006/relationships" xmlns:p="http://schemas.openxmlformats.org/presentationml/2006/main">
-  <p:cSld>
-    <p:spTree>
-      <p:nvGrpSpPr>
-        <p:cNvPr id="1" name=""/>
-        <p:cNvGrpSpPr/>
-        <p:nvPr/>
-      </p:nvGrpSpPr>
-      <p:grpSpPr>
-        <a:xfrm>
-          <a:off x="0" y="0"/>
-          <a:ext cx="0" cy="0"/>
-          <a:chOff x="0" y="0"/>
-          <a:chExt cx="0" cy="0"/>
-        </a:xfrm>
-      </p:grpSpPr>
-      <p:sp>
-        <p:nvSpPr>
-          <p:cNvPr id="2" name="Title 1"/>
-          <p:cNvSpPr>
-            <a:spLocks noGrp="1"/>
-          </p:cNvSpPr>
-          <p:nvPr>
-            <p:ph type="title"/>
-          </p:nvPr>
-        </p:nvSpPr>
-        <p:spPr/>
-        <p:txBody>
-          <a:bodyPr/>
-          <a:lstStyle/>
-          <a:p>
-            <a:r>
-              <a:rPr lang="en-US" dirty="0" smtClean="0"/>
-              <a:t>You must have…..</a:t>
-            </a:r>
-            <a:endParaRPr lang="en-US" dirty="0"/>
-          </a:p>
-        </p:txBody>
-      </p:sp>
-      <p:sp>
-        <p:nvSpPr>
-          <p:cNvPr id="3" name="Content Placeholder 2"/>
-          <p:cNvSpPr>
-            <a:spLocks noGrp="1"/>
-          </p:cNvSpPr>
-          <p:nvPr>
-            <p:ph idx="1"/>
-          </p:nvPr>
-        </p:nvSpPr>
-        <p:spPr/>
-        <p:txBody>
-          <a:bodyPr/>
-          <a:lstStyle/>
-          <a:p>
-            <a:r>
-              <a:rPr lang="en-US" dirty="0" err="1" smtClean="0"/>
-              <a:t>Arduino</a:t>
-            </a:r>
-            <a:r>
-              <a:rPr lang="en-US" dirty="0" smtClean="0"/>
-              <a:t> Budget Pack </a:t>
-            </a:r>
-            <a:r>
-              <a:rPr lang="en-US" dirty="0"/>
-              <a:t>(</a:t>
-            </a:r>
-            <a:r>
-              <a:rPr lang="en-US" dirty="0">
-                <a:hlinkClick r:id="rId2"/>
-              </a:rPr>
-              <a:t>https://www.adafruit.com/product/</a:t>
-            </a:r>
-            <a:r>
-              <a:rPr lang="en-US" dirty="0" smtClean="0">
-                <a:hlinkClick r:id="rId2"/>
-              </a:rPr>
-              <a:t>193</a:t>
-            </a:r>
-            <a:r>
-              <a:rPr lang="en-US" dirty="0" smtClean="0"/>
-              <a:t>) or equivalent</a:t>
-            </a:r>
-            <a:br>
-              <a:rPr lang="en-US" dirty="0" smtClean="0"/>
-            </a:br>
-            <a:endParaRPr lang="en-US" dirty="0" smtClean="0"/>
-          </a:p>
-          <a:p>
-            <a:r>
-              <a:rPr lang="en-US" dirty="0" smtClean="0"/>
-              <a:t>Laptop</a:t>
-            </a:r>
-          </a:p>
-          <a:p>
-            <a:endParaRPr lang="en-US" dirty="0"/>
-          </a:p>
-          <a:p>
-            <a:r>
-              <a:rPr lang="en-US" dirty="0" smtClean="0"/>
-              <a:t>Software (</a:t>
-            </a:r>
-            <a:r>
-              <a:rPr lang="en-US" dirty="0" err="1" smtClean="0"/>
-              <a:t>Arduino</a:t>
-            </a:r>
-            <a:r>
-              <a:rPr lang="en-US" dirty="0" smtClean="0"/>
-              <a:t> IDE and </a:t>
-            </a:r>
-            <a:r>
-              <a:rPr lang="en-US" dirty="0" err="1" smtClean="0"/>
-              <a:t>Fritzing</a:t>
-            </a:r>
-            <a:r>
-              <a:rPr lang="en-US" dirty="0" smtClean="0"/>
-              <a:t>)</a:t>
-            </a:r>
-          </a:p>
-          <a:p>
-            <a:endParaRPr lang="en-US" dirty="0" smtClean="0"/>
-          </a:p>
-          <a:p>
-            <a:endParaRPr lang="en-US" dirty="0" smtClean="0"/>
-          </a:p>
-          <a:p>
-            <a:endParaRPr lang="en-US" dirty="0"/>
-          </a:p>
-        </p:txBody>
-      </p:sp>
-    </p:spTree>
-    <p:extLst>
-      <p:ext uri="{BB962C8B-B14F-4D97-AF65-F5344CB8AC3E}">
-        <p14:creationId xmlns:p14="http://schemas.microsoft.com/office/powerpoint/2010/main" val="2131041512"/>
-      </p:ext>
-    </p:extLst>
-  </p:cSld>
-  <p:clrMapOvr>
-    <a:masterClrMapping/>
-  </p:clrMapOvr>
-</p:sld>
-</file>
-
-<file path=ppt/slides/slide8.xml><?xml version="1.0" encoding="utf-8"?>
-<p:sld xmlns:a="http://schemas.openxmlformats.org/drawingml/2006/main" xmlns:r="http://schemas.openxmlformats.org/officeDocument/2006/relationships" xmlns:p="http://schemas.openxmlformats.org/presentationml/2006/main">
-  <p:cSld>
-    <p:spTree>
-      <p:nvGrpSpPr>
-        <p:cNvPr id="1" name=""/>
-        <p:cNvGrpSpPr/>
-        <p:nvPr/>
-      </p:nvGrpSpPr>
-      <p:grpSpPr>
-        <a:xfrm>
-          <a:off x="0" y="0"/>
-          <a:ext cx="0" cy="0"/>
-          <a:chOff x="0" y="0"/>
-          <a:chExt cx="0" cy="0"/>
-        </a:xfrm>
-      </p:grpSpPr>
-      <p:sp>
-        <p:nvSpPr>
-          <p:cNvPr id="2" name="Title 1"/>
-          <p:cNvSpPr>
-            <a:spLocks noGrp="1"/>
-          </p:cNvSpPr>
-          <p:nvPr>
-            <p:ph type="title"/>
-          </p:nvPr>
-        </p:nvSpPr>
-        <p:spPr/>
-        <p:txBody>
-          <a:bodyPr/>
-          <a:lstStyle/>
-          <a:p>
-            <a:r>
-              <a:rPr lang="en-US" dirty="0" err="1" smtClean="0"/>
-              <a:t>Arduino</a:t>
-            </a:r>
-            <a:r>
-              <a:rPr lang="en-US" dirty="0" smtClean="0"/>
-              <a:t> Budget Pack</a:t>
-            </a:r>
-            <a:endParaRPr lang="en-US" dirty="0"/>
-          </a:p>
-        </p:txBody>
-      </p:sp>
-      <p:sp>
-        <p:nvSpPr>
-          <p:cNvPr id="3" name="Content Placeholder 2"/>
-          <p:cNvSpPr>
-            <a:spLocks noGrp="1"/>
-          </p:cNvSpPr>
-          <p:nvPr>
-            <p:ph idx="1"/>
-          </p:nvPr>
-        </p:nvSpPr>
-        <p:spPr/>
-        <p:txBody>
-          <a:bodyPr/>
-          <a:lstStyle/>
-          <a:p>
-            <a:pPr marL="0" indent="0" algn="ctr">
-              <a:buNone/>
-            </a:pPr>
-            <a:r>
-              <a:rPr lang="en-US" dirty="0" smtClean="0"/>
-              <a:t>	</a:t>
-            </a:r>
-            <a:r>
-              <a:rPr lang="en-US" b="1" dirty="0" smtClean="0"/>
-              <a:t>	</a:t>
-            </a:r>
-            <a:r>
-              <a:rPr lang="en-US" b="1" dirty="0" smtClean="0">
-                <a:solidFill>
-                  <a:srgbClr val="FF0000"/>
-                </a:solidFill>
-              </a:rPr>
-              <a:t>Parts are very delicate handle with care</a:t>
-            </a:r>
-          </a:p>
-          <a:p>
-            <a:r>
-              <a:rPr lang="en-US" dirty="0" err="1" smtClean="0"/>
-              <a:t>Arduino</a:t>
-            </a:r>
-            <a:r>
-              <a:rPr lang="en-US" dirty="0" smtClean="0"/>
-              <a:t> circuit board</a:t>
-            </a:r>
-          </a:p>
-          <a:p>
-            <a:r>
-              <a:rPr lang="en-US" dirty="0" smtClean="0"/>
-              <a:t>Breadboard</a:t>
-            </a:r>
-          </a:p>
-          <a:p>
-            <a:r>
-              <a:rPr lang="en-US" dirty="0" smtClean="0"/>
-              <a:t>Jumper cables</a:t>
-            </a:r>
-          </a:p>
-          <a:p>
-            <a:r>
-              <a:rPr lang="en-US" dirty="0" smtClean="0"/>
-              <a:t>Resistors, LEDs and sensor packet</a:t>
-            </a:r>
-          </a:p>
-          <a:p>
-            <a:r>
-              <a:rPr lang="en-US" dirty="0" smtClean="0"/>
-              <a:t>USB Cable</a:t>
-            </a:r>
-          </a:p>
-          <a:p>
-            <a:r>
-              <a:rPr lang="en-US" dirty="0" smtClean="0"/>
-              <a:t>LED Packet</a:t>
-            </a:r>
-            <a:endParaRPr lang="en-US" dirty="0"/>
-          </a:p>
-          <a:p>
-            <a:endParaRPr lang="en-US" dirty="0"/>
-          </a:p>
-        </p:txBody>
-      </p:sp>
-    </p:spTree>
-    <p:extLst>
-      <p:ext uri="{BB962C8B-B14F-4D97-AF65-F5344CB8AC3E}">
-        <p14:creationId xmlns:p14="http://schemas.microsoft.com/office/powerpoint/2010/main" val="2736073523"/>
-      </p:ext>
-    </p:extLst>
-  </p:cSld>
-  <p:clrMapOvr>
-    <a:masterClrMapping/>
-  </p:clrMapOvr>
-</p:sld>
-</file>
-
 <file path=ppt/slides/slide9.xml><?xml version="1.0" encoding="utf-8"?>
 <p:sld xmlns:a="http://schemas.openxmlformats.org/drawingml/2006/main" xmlns:r="http://schemas.openxmlformats.org/officeDocument/2006/relationships" xmlns:p="http://schemas.openxmlformats.org/presentationml/2006/main">
   <p:cSld>
@@ -7465,46 +7865,97 @@
           <a:lstStyle/>
           <a:p>
             <a:r>
+              <a:rPr lang="en-US" dirty="0" smtClean="0"/>
+              <a:t>Applications of </a:t>
+            </a:r>
+            <a:r>
               <a:rPr lang="en-US" dirty="0" err="1" smtClean="0"/>
               <a:t>Arduino</a:t>
             </a:r>
-            <a:r>
-              <a:rPr lang="en-US" dirty="0" smtClean="0"/>
-              <a:t> Circuit Board</a:t>
-            </a:r>
-            <a:endParaRPr lang="en-US" dirty="0"/>
-          </a:p>
-        </p:txBody>
-      </p:sp>
-      <p:pic>
-        <p:nvPicPr>
-          <p:cNvPr id="8" name="Content Placeholder 7" descr="Figure 1 - Arduino Uno R3-400.jpg"/>
-          <p:cNvPicPr>
-            <a:picLocks noGrp="1" noChangeAspect="1"/>
-          </p:cNvPicPr>
+            <a:endParaRPr lang="en-US" dirty="0"/>
+          </a:p>
+        </p:txBody>
+      </p:sp>
+      <p:sp>
+        <p:nvSpPr>
+          <p:cNvPr id="3" name="Content Placeholder 2"/>
+          <p:cNvSpPr>
+            <a:spLocks noGrp="1"/>
+          </p:cNvSpPr>
           <p:nvPr>
             <p:ph idx="1"/>
           </p:nvPr>
-        </p:nvPicPr>
-        <p:blipFill>
-          <a:blip r:embed="rId2">
-            <a:extLst>
-              <a:ext uri="{28A0092B-C50C-407E-A947-70E740481C1C}">
-                <a14:useLocalDpi xmlns:a14="http://schemas.microsoft.com/office/drawing/2010/main" val="0"/>
-              </a:ext>
-            </a:extLst>
-          </a:blip>
-          <a:srcRect l="-8868" r="-8868"/>
-          <a:stretch>
-            <a:fillRect/>
-          </a:stretch>
-        </p:blipFill>
-        <p:spPr/>
-      </p:pic>
+        </p:nvSpPr>
+        <p:spPr/>
+        <p:txBody>
+          <a:bodyPr>
+            <a:normAutofit lnSpcReduction="10000"/>
+          </a:bodyPr>
+          <a:lstStyle/>
+          <a:p>
+            <a:r>
+              <a:rPr lang="en-US" dirty="0">
+                <a:hlinkClick r:id="rId2"/>
+              </a:rPr>
+              <a:t>http://blog.arduino.cc/2013/08/12/ardusat-successfully-launched-in-space</a:t>
+            </a:r>
+            <a:r>
+              <a:rPr lang="en-US" dirty="0" smtClean="0">
+                <a:hlinkClick r:id="rId2"/>
+              </a:rPr>
+              <a:t>/</a:t>
+            </a:r>
+            <a:endParaRPr lang="en-US" dirty="0" smtClean="0"/>
+          </a:p>
+          <a:p>
+            <a:endParaRPr lang="en-US" dirty="0" smtClean="0"/>
+          </a:p>
+          <a:p>
+            <a:r>
+              <a:rPr lang="en-US" dirty="0">
+                <a:hlinkClick r:id="rId3"/>
+              </a:rPr>
+              <a:t>http://blog.arduino.cc/2014/06/23/monitoring-glaciers-at-the-venice-14th-international-architecture-exhibition</a:t>
+            </a:r>
+            <a:r>
+              <a:rPr lang="en-US" dirty="0" smtClean="0">
+                <a:hlinkClick r:id="rId3"/>
+              </a:rPr>
+              <a:t>/</a:t>
+            </a:r>
+            <a:endParaRPr lang="en-US" dirty="0" smtClean="0"/>
+          </a:p>
+          <a:p>
+            <a:endParaRPr lang="en-US" dirty="0" smtClean="0"/>
+          </a:p>
+          <a:p>
+            <a:r>
+              <a:rPr lang="en-US" dirty="0"/>
+              <a:t>http://</a:t>
+            </a:r>
+            <a:r>
+              <a:rPr lang="en-US" dirty="0" err="1"/>
+              <a:t>makezine.com</a:t>
+            </a:r>
+            <a:r>
+              <a:rPr lang="en-US" dirty="0"/>
+              <a:t>/2011/02/10/why-the-</a:t>
+            </a:r>
+            <a:r>
+              <a:rPr lang="en-US" dirty="0" err="1"/>
+              <a:t>arduino</a:t>
+            </a:r>
+            <a:r>
+              <a:rPr lang="en-US" dirty="0"/>
+              <a:t>-won-and-why-its-here-to-stay/</a:t>
+            </a:r>
+          </a:p>
+        </p:txBody>
+      </p:sp>
     </p:spTree>
     <p:extLst>
       <p:ext uri="{BB962C8B-B14F-4D97-AF65-F5344CB8AC3E}">
-        <p14:creationId xmlns:p14="http://schemas.microsoft.com/office/powerpoint/2010/main" val="775447129"/>
+        <p14:creationId xmlns:p14="http://schemas.microsoft.com/office/powerpoint/2010/main" val="316326777"/>
       </p:ext>
     </p:extLst>
   </p:cSld>

--- a/ArduinoWorkshop1.pptx
+++ b/ArduinoWorkshop1.pptx
@@ -328,7 +328,7 @@
           <a:p>
             <a:fld id="{D0B4F1CB-6B57-EC4D-8BF2-94285296537A}" type="datetimeFigureOut">
               <a:rPr lang="en-US" smtClean="0"/>
-              <a:t>7/12/14</a:t>
+              <a:t>7/20/14</a:t>
             </a:fld>
             <a:endParaRPr lang="en-US"/>
           </a:p>
@@ -498,7 +498,7 @@
           <a:p>
             <a:fld id="{D0B4F1CB-6B57-EC4D-8BF2-94285296537A}" type="datetimeFigureOut">
               <a:rPr lang="en-US" smtClean="0"/>
-              <a:t>7/12/14</a:t>
+              <a:t>7/20/14</a:t>
             </a:fld>
             <a:endParaRPr lang="en-US"/>
           </a:p>
@@ -678,7 +678,7 @@
           <a:p>
             <a:fld id="{D0B4F1CB-6B57-EC4D-8BF2-94285296537A}" type="datetimeFigureOut">
               <a:rPr lang="en-US" smtClean="0"/>
-              <a:t>7/12/14</a:t>
+              <a:t>7/20/14</a:t>
             </a:fld>
             <a:endParaRPr lang="en-US"/>
           </a:p>
@@ -848,7 +848,7 @@
           <a:p>
             <a:fld id="{D0B4F1CB-6B57-EC4D-8BF2-94285296537A}" type="datetimeFigureOut">
               <a:rPr lang="en-US" smtClean="0"/>
-              <a:t>7/12/14</a:t>
+              <a:t>7/20/14</a:t>
             </a:fld>
             <a:endParaRPr lang="en-US"/>
           </a:p>
@@ -1094,7 +1094,7 @@
           <a:p>
             <a:fld id="{D0B4F1CB-6B57-EC4D-8BF2-94285296537A}" type="datetimeFigureOut">
               <a:rPr lang="en-US" smtClean="0"/>
-              <a:t>7/12/14</a:t>
+              <a:t>7/20/14</a:t>
             </a:fld>
             <a:endParaRPr lang="en-US"/>
           </a:p>
@@ -1382,7 +1382,7 @@
           <a:p>
             <a:fld id="{D0B4F1CB-6B57-EC4D-8BF2-94285296537A}" type="datetimeFigureOut">
               <a:rPr lang="en-US" smtClean="0"/>
-              <a:t>7/12/14</a:t>
+              <a:t>7/20/14</a:t>
             </a:fld>
             <a:endParaRPr lang="en-US"/>
           </a:p>
@@ -1804,7 +1804,7 @@
           <a:p>
             <a:fld id="{D0B4F1CB-6B57-EC4D-8BF2-94285296537A}" type="datetimeFigureOut">
               <a:rPr lang="en-US" smtClean="0"/>
-              <a:t>7/12/14</a:t>
+              <a:t>7/20/14</a:t>
             </a:fld>
             <a:endParaRPr lang="en-US"/>
           </a:p>
@@ -1922,7 +1922,7 @@
           <a:p>
             <a:fld id="{D0B4F1CB-6B57-EC4D-8BF2-94285296537A}" type="datetimeFigureOut">
               <a:rPr lang="en-US" smtClean="0"/>
-              <a:t>7/12/14</a:t>
+              <a:t>7/20/14</a:t>
             </a:fld>
             <a:endParaRPr lang="en-US"/>
           </a:p>
@@ -2017,7 +2017,7 @@
           <a:p>
             <a:fld id="{D0B4F1CB-6B57-EC4D-8BF2-94285296537A}" type="datetimeFigureOut">
               <a:rPr lang="en-US" smtClean="0"/>
-              <a:t>7/12/14</a:t>
+              <a:t>7/20/14</a:t>
             </a:fld>
             <a:endParaRPr lang="en-US"/>
           </a:p>
@@ -2294,7 +2294,7 @@
           <a:p>
             <a:fld id="{D0B4F1CB-6B57-EC4D-8BF2-94285296537A}" type="datetimeFigureOut">
               <a:rPr lang="en-US" smtClean="0"/>
-              <a:t>7/12/14</a:t>
+              <a:t>7/20/14</a:t>
             </a:fld>
             <a:endParaRPr lang="en-US"/>
           </a:p>
@@ -2547,7 +2547,7 @@
           <a:p>
             <a:fld id="{D0B4F1CB-6B57-EC4D-8BF2-94285296537A}" type="datetimeFigureOut">
               <a:rPr lang="en-US" smtClean="0"/>
-              <a:t>7/12/14</a:t>
+              <a:t>7/20/14</a:t>
             </a:fld>
             <a:endParaRPr lang="en-US"/>
           </a:p>
@@ -2760,7 +2760,7 @@
           <a:p>
             <a:fld id="{D0B4F1CB-6B57-EC4D-8BF2-94285296537A}" type="datetimeFigureOut">
               <a:rPr lang="en-US" smtClean="0"/>
-              <a:t>7/12/14</a:t>
+              <a:t>7/20/14</a:t>
             </a:fld>
             <a:endParaRPr lang="en-US"/>
           </a:p>
@@ -5048,9 +5048,10 @@
           <a:lstStyle/>
           <a:p>
             <a:r>
-              <a:rPr lang="en-US" dirty="0" smtClean="0"/>
-              <a:t>Start your laptop</a:t>
-            </a:r>
+              <a:rPr lang="en-US" smtClean="0"/>
+              <a:t>Turn your laptop on.</a:t>
+            </a:r>
+            <a:endParaRPr lang="en-US" dirty="0" smtClean="0"/>
           </a:p>
           <a:p>
             <a:endParaRPr lang="en-US" dirty="0"/>
@@ -5810,7 +5811,7 @@
       </p:sp>
       <p:pic>
         <p:nvPicPr>
-          <p:cNvPr id="4" name="Content Placeholder 3" descr="Project2A.png"/>
+          <p:cNvPr id="5" name="Content Placeholder 4" descr="Project2.png"/>
           <p:cNvPicPr>
             <a:picLocks noGrp="1" noChangeAspect="1"/>
           </p:cNvPicPr>
@@ -5826,7 +5827,7 @@
               </a:ext>
             </a:extLst>
           </a:blip>
-          <a:srcRect l="-80079" r="-80079"/>
+          <a:srcRect l="-49080" r="-49080"/>
           <a:stretch>
             <a:fillRect/>
           </a:stretch>
@@ -6077,7 +6078,7 @@
       </p:sp>
       <p:pic>
         <p:nvPicPr>
-          <p:cNvPr id="4" name="Content Placeholder 3" descr="Project3.png"/>
+          <p:cNvPr id="5" name="Content Placeholder 4" descr="Project3.png"/>
           <p:cNvPicPr>
             <a:picLocks noGrp="1" noChangeAspect="1"/>
           </p:cNvPicPr>
@@ -6093,7 +6094,7 @@
               </a:ext>
             </a:extLst>
           </a:blip>
-          <a:srcRect l="-44265" r="-44265"/>
+          <a:srcRect l="-44930" r="-44930"/>
           <a:stretch>
             <a:fillRect/>
           </a:stretch>
@@ -6294,7 +6295,7 @@
       </p:sp>
       <p:pic>
         <p:nvPicPr>
-          <p:cNvPr id="6" name="Content Placeholder 5" descr="Project4.png"/>
+          <p:cNvPr id="7" name="Content Placeholder 6" descr="Project4.png"/>
           <p:cNvPicPr>
             <a:picLocks noGrp="1" noChangeAspect="1"/>
           </p:cNvPicPr>
@@ -6310,7 +6311,7 @@
               </a:ext>
             </a:extLst>
           </a:blip>
-          <a:srcRect l="-16563" r="-16563"/>
+          <a:srcRect l="-13062" r="-13062"/>
           <a:stretch>
             <a:fillRect/>
           </a:stretch>
@@ -6501,7 +6502,7 @@
       </p:sp>
       <p:pic>
         <p:nvPicPr>
-          <p:cNvPr id="4" name="Content Placeholder 3" descr="Project5.png"/>
+          <p:cNvPr id="5" name="Content Placeholder 4" descr="Project5.png"/>
           <p:cNvPicPr>
             <a:picLocks noGrp="1" noChangeAspect="1"/>
           </p:cNvPicPr>
@@ -6517,7 +6518,7 @@
               </a:ext>
             </a:extLst>
           </a:blip>
-          <a:srcRect l="-8069" r="-8069"/>
+          <a:srcRect l="-9809" r="-9809"/>
           <a:stretch>
             <a:fillRect/>
           </a:stretch>
@@ -6853,7 +6854,7 @@
       </p:sp>
       <p:pic>
         <p:nvPicPr>
-          <p:cNvPr id="4" name="Content Placeholder 3" descr="Project6.png"/>
+          <p:cNvPr id="5" name="Content Placeholder 4" descr="Project6.png"/>
           <p:cNvPicPr>
             <a:picLocks noGrp="1" noChangeAspect="1"/>
           </p:cNvPicPr>
@@ -6869,7 +6870,7 @@
               </a:ext>
             </a:extLst>
           </a:blip>
-          <a:srcRect l="-13297" r="-13297"/>
+          <a:srcRect l="-16148" r="-16148"/>
           <a:stretch>
             <a:fillRect/>
           </a:stretch>
@@ -7567,11 +7568,7 @@
             </a:r>
             <a:r>
               <a:rPr lang="en-US" dirty="0" smtClean="0"/>
-              <a:t> this is represented as +5V for 1 and 0V for 0. Presence or Absence </a:t>
-            </a:r>
-            <a:r>
-              <a:rPr lang="en-US" smtClean="0"/>
-              <a:t>of voltage.</a:t>
+              <a:t> this is represented as +5V for 1 and 0V for 0. Presence or Absence of voltage.</a:t>
             </a:r>
             <a:endParaRPr lang="en-US" dirty="0"/>
           </a:p>
